--- a/report/2020前期/2020sugiyama.pptx
+++ b/report/2020前期/2020sugiyama.pptx
@@ -2,17 +2,28 @@
 <file path=ppt/presentation.xml><?xml version="1.0" encoding="utf-8"?>
 <p:presentation xmlns:a="http://schemas.openxmlformats.org/drawingml/2006/main" xmlns:r="http://schemas.openxmlformats.org/officeDocument/2006/relationships" xmlns:p="http://schemas.openxmlformats.org/presentationml/2006/main" saveSubsetFonts="1">
   <p:sldMasterIdLst>
-    <p:sldMasterId id="2147483660" r:id="rId1"/>
+    <p:sldMasterId id="2147483672" r:id="rId1"/>
+    <p:sldMasterId id="2147483714" r:id="rId2"/>
   </p:sldMasterIdLst>
   <p:notesMasterIdLst>
-    <p:notesMasterId r:id="rId4"/>
+    <p:notesMasterId r:id="rId15"/>
   </p:notesMasterIdLst>
   <p:handoutMasterIdLst>
-    <p:handoutMasterId r:id="rId5"/>
+    <p:handoutMasterId r:id="rId16"/>
   </p:handoutMasterIdLst>
   <p:sldIdLst>
-    <p:sldId id="256" r:id="rId2"/>
-    <p:sldId id="257" r:id="rId3"/>
+    <p:sldId id="256" r:id="rId3"/>
+    <p:sldId id="257" r:id="rId4"/>
+    <p:sldId id="258" r:id="rId5"/>
+    <p:sldId id="259" r:id="rId6"/>
+    <p:sldId id="260" r:id="rId7"/>
+    <p:sldId id="261" r:id="rId8"/>
+    <p:sldId id="262" r:id="rId9"/>
+    <p:sldId id="263" r:id="rId10"/>
+    <p:sldId id="264" r:id="rId11"/>
+    <p:sldId id="265" r:id="rId12"/>
+    <p:sldId id="266" r:id="rId13"/>
+    <p:sldId id="267" r:id="rId14"/>
   </p:sldIdLst>
   <p:sldSz cx="9144000" cy="6858000" type="screen4x3"/>
   <p:notesSz cx="6858000" cy="9144000"/>
@@ -20,7 +31,7 @@
     <a:defPPr>
       <a:defRPr lang="en-US"/>
     </a:defPPr>
-    <a:lvl1pPr marL="0" algn="l" defTabSz="457200" rtl="0" eaLnBrk="1" latinLnBrk="0" hangingPunct="1">
+    <a:lvl1pPr marL="0" algn="l" defTabSz="914400" rtl="0" eaLnBrk="1" latinLnBrk="0" hangingPunct="1">
       <a:defRPr sz="1800" kern="1200">
         <a:solidFill>
           <a:schemeClr val="tx1"/>
@@ -30,7 +41,7 @@
         <a:cs typeface="+mn-cs"/>
       </a:defRPr>
     </a:lvl1pPr>
-    <a:lvl2pPr marL="457200" algn="l" defTabSz="457200" rtl="0" eaLnBrk="1" latinLnBrk="0" hangingPunct="1">
+    <a:lvl2pPr marL="457200" algn="l" defTabSz="914400" rtl="0" eaLnBrk="1" latinLnBrk="0" hangingPunct="1">
       <a:defRPr sz="1800" kern="1200">
         <a:solidFill>
           <a:schemeClr val="tx1"/>
@@ -40,7 +51,7 @@
         <a:cs typeface="+mn-cs"/>
       </a:defRPr>
     </a:lvl2pPr>
-    <a:lvl3pPr marL="914400" algn="l" defTabSz="457200" rtl="0" eaLnBrk="1" latinLnBrk="0" hangingPunct="1">
+    <a:lvl3pPr marL="914400" algn="l" defTabSz="914400" rtl="0" eaLnBrk="1" latinLnBrk="0" hangingPunct="1">
       <a:defRPr sz="1800" kern="1200">
         <a:solidFill>
           <a:schemeClr val="tx1"/>
@@ -50,7 +61,7 @@
         <a:cs typeface="+mn-cs"/>
       </a:defRPr>
     </a:lvl3pPr>
-    <a:lvl4pPr marL="1371600" algn="l" defTabSz="457200" rtl="0" eaLnBrk="1" latinLnBrk="0" hangingPunct="1">
+    <a:lvl4pPr marL="1371600" algn="l" defTabSz="914400" rtl="0" eaLnBrk="1" latinLnBrk="0" hangingPunct="1">
       <a:defRPr sz="1800" kern="1200">
         <a:solidFill>
           <a:schemeClr val="tx1"/>
@@ -60,7 +71,7 @@
         <a:cs typeface="+mn-cs"/>
       </a:defRPr>
     </a:lvl4pPr>
-    <a:lvl5pPr marL="1828800" algn="l" defTabSz="457200" rtl="0" eaLnBrk="1" latinLnBrk="0" hangingPunct="1">
+    <a:lvl5pPr marL="1828800" algn="l" defTabSz="914400" rtl="0" eaLnBrk="1" latinLnBrk="0" hangingPunct="1">
       <a:defRPr sz="1800" kern="1200">
         <a:solidFill>
           <a:schemeClr val="tx1"/>
@@ -70,7 +81,7 @@
         <a:cs typeface="+mn-cs"/>
       </a:defRPr>
     </a:lvl5pPr>
-    <a:lvl6pPr marL="2286000" algn="l" defTabSz="457200" rtl="0" eaLnBrk="1" latinLnBrk="0" hangingPunct="1">
+    <a:lvl6pPr marL="2286000" algn="l" defTabSz="914400" rtl="0" eaLnBrk="1" latinLnBrk="0" hangingPunct="1">
       <a:defRPr sz="1800" kern="1200">
         <a:solidFill>
           <a:schemeClr val="tx1"/>
@@ -80,7 +91,7 @@
         <a:cs typeface="+mn-cs"/>
       </a:defRPr>
     </a:lvl6pPr>
-    <a:lvl7pPr marL="2743200" algn="l" defTabSz="457200" rtl="0" eaLnBrk="1" latinLnBrk="0" hangingPunct="1">
+    <a:lvl7pPr marL="2743200" algn="l" defTabSz="914400" rtl="0" eaLnBrk="1" latinLnBrk="0" hangingPunct="1">
       <a:defRPr sz="1800" kern="1200">
         <a:solidFill>
           <a:schemeClr val="tx1"/>
@@ -90,7 +101,7 @@
         <a:cs typeface="+mn-cs"/>
       </a:defRPr>
     </a:lvl7pPr>
-    <a:lvl8pPr marL="3200400" algn="l" defTabSz="457200" rtl="0" eaLnBrk="1" latinLnBrk="0" hangingPunct="1">
+    <a:lvl8pPr marL="3200400" algn="l" defTabSz="914400" rtl="0" eaLnBrk="1" latinLnBrk="0" hangingPunct="1">
       <a:defRPr sz="1800" kern="1200">
         <a:solidFill>
           <a:schemeClr val="tx1"/>
@@ -100,7 +111,7 @@
         <a:cs typeface="+mn-cs"/>
       </a:defRPr>
     </a:lvl8pPr>
-    <a:lvl9pPr marL="3657600" algn="l" defTabSz="457200" rtl="0" eaLnBrk="1" latinLnBrk="0" hangingPunct="1">
+    <a:lvl9pPr marL="3657600" algn="l" defTabSz="914400" rtl="0" eaLnBrk="1" latinLnBrk="0" hangingPunct="1">
       <a:defRPr sz="1800" kern="1200">
         <a:solidFill>
           <a:schemeClr val="tx1"/>
@@ -729,20 +740,22 @@
         </p:nvSpPr>
         <p:spPr>
           <a:xfrm>
-            <a:off x="685800" y="1122363"/>
-            <a:ext cx="7772400" cy="2387600"/>
+            <a:off x="1143000" y="1124530"/>
+            <a:ext cx="6858000" cy="2387600"/>
           </a:xfrm>
         </p:spPr>
         <p:txBody>
-          <a:bodyPr anchor="b"/>
+          <a:bodyPr anchor="b">
+            <a:normAutofit/>
+          </a:bodyPr>
           <a:lstStyle>
             <a:lvl1pPr algn="ctr">
-              <a:defRPr sz="6000"/>
+              <a:defRPr sz="4500"/>
             </a:lvl1pPr>
           </a:lstStyle>
           <a:p>
             <a:r>
-              <a:rPr lang="ja-JP" altLang="en-US" dirty="0"/>
+              <a:rPr lang="ja-JP" altLang="en-US"/>
               <a:t>マスター タイトルの書式設定</a:t>
             </a:r>
             <a:endParaRPr lang="en-US" dirty="0"/>
@@ -772,44 +785,51 @@
           <a:lstStyle>
             <a:lvl1pPr marL="0" indent="0" algn="ctr">
               <a:buNone/>
-              <a:defRPr sz="2800"/>
+              <a:defRPr sz="1800">
+                <a:solidFill>
+                  <a:schemeClr val="tx1">
+                    <a:lumMod val="75000"/>
+                    <a:lumOff val="25000"/>
+                  </a:schemeClr>
+                </a:solidFill>
+              </a:defRPr>
             </a:lvl1pPr>
-            <a:lvl2pPr marL="457200" indent="0" algn="ctr">
-              <a:buNone/>
-              <a:defRPr sz="2000"/>
+            <a:lvl2pPr marL="342900" indent="0" algn="ctr">
+              <a:buNone/>
+              <a:defRPr sz="2100"/>
             </a:lvl2pPr>
-            <a:lvl3pPr marL="914400" indent="0" algn="ctr">
+            <a:lvl3pPr marL="685800" indent="0" algn="ctr">
               <a:buNone/>
               <a:defRPr sz="1800"/>
             </a:lvl3pPr>
-            <a:lvl4pPr marL="1371600" indent="0" algn="ctr">
-              <a:buNone/>
-              <a:defRPr sz="1600"/>
+            <a:lvl4pPr marL="1028700" indent="0" algn="ctr">
+              <a:buNone/>
+              <a:defRPr sz="1500"/>
             </a:lvl4pPr>
-            <a:lvl5pPr marL="1828800" indent="0" algn="ctr">
-              <a:buNone/>
-              <a:defRPr sz="1600"/>
+            <a:lvl5pPr marL="1371600" indent="0" algn="ctr">
+              <a:buNone/>
+              <a:defRPr sz="1500"/>
             </a:lvl5pPr>
-            <a:lvl6pPr marL="2286000" indent="0" algn="ctr">
-              <a:buNone/>
-              <a:defRPr sz="1600"/>
+            <a:lvl6pPr marL="1714500" indent="0" algn="ctr">
+              <a:buNone/>
+              <a:defRPr sz="1500"/>
             </a:lvl6pPr>
-            <a:lvl7pPr marL="2743200" indent="0" algn="ctr">
-              <a:buNone/>
-              <a:defRPr sz="1600"/>
+            <a:lvl7pPr marL="2057400" indent="0" algn="ctr">
+              <a:buNone/>
+              <a:defRPr sz="1500"/>
             </a:lvl7pPr>
-            <a:lvl8pPr marL="3200400" indent="0" algn="ctr">
-              <a:buNone/>
-              <a:defRPr sz="1600"/>
+            <a:lvl8pPr marL="2400300" indent="0" algn="ctr">
+              <a:buNone/>
+              <a:defRPr sz="1500"/>
             </a:lvl8pPr>
-            <a:lvl9pPr marL="3657600" indent="0" algn="ctr">
-              <a:buNone/>
-              <a:defRPr sz="1600"/>
+            <a:lvl9pPr marL="2743200" indent="0" algn="ctr">
+              <a:buNone/>
+              <a:defRPr sz="1500"/>
             </a:lvl9pPr>
           </a:lstStyle>
           <a:p>
             <a:r>
-              <a:rPr lang="ja-JP" altLang="en-US" dirty="0"/>
+              <a:rPr lang="ja-JP" altLang="en-US"/>
               <a:t>マスター サブタイトルの書式設定</a:t>
             </a:r>
             <a:endParaRPr lang="en-US" dirty="0"/>
@@ -885,7 +905,7 @@
     </p:spTree>
     <p:extLst>
       <p:ext uri="{BB962C8B-B14F-4D97-AF65-F5344CB8AC3E}">
-        <p14:creationId xmlns:p14="http://schemas.microsoft.com/office/powerpoint/2010/main" val="2124089122"/>
+        <p14:creationId xmlns:p14="http://schemas.microsoft.com/office/powerpoint/2010/main" val="534891402"/>
       </p:ext>
     </p:extLst>
   </p:cSld>
@@ -931,7 +951,7 @@
               <a:rPr lang="ja-JP" altLang="en-US"/>
               <a:t>マスター タイトルの書式設定</a:t>
             </a:r>
-            <a:endParaRPr lang="en-US" dirty="0"/>
+            <a:endParaRPr lang="en-US"/>
           </a:p>
         </p:txBody>
       </p:sp>
@@ -1087,7 +1107,7 @@
     </p:spTree>
     <p:extLst>
       <p:ext uri="{BB962C8B-B14F-4D97-AF65-F5344CB8AC3E}">
-        <p14:creationId xmlns:p14="http://schemas.microsoft.com/office/powerpoint/2010/main" val="991338900"/>
+        <p14:creationId xmlns:p14="http://schemas.microsoft.com/office/powerpoint/2010/main" val="757731998"/>
       </p:ext>
     </p:extLst>
   </p:cSld>
@@ -1126,7 +1146,7 @@
         </p:nvSpPr>
         <p:spPr>
           <a:xfrm>
-            <a:off x="6543675" y="365125"/>
+            <a:off x="6543675" y="360362"/>
             <a:ext cx="1971675" cy="5811838"/>
           </a:xfrm>
         </p:spPr>
@@ -1138,7 +1158,7 @@
               <a:rPr lang="ja-JP" altLang="en-US"/>
               <a:t>マスター タイトルの書式設定</a:t>
             </a:r>
-            <a:endParaRPr lang="en-US" dirty="0"/>
+            <a:endParaRPr lang="en-US"/>
           </a:p>
         </p:txBody>
       </p:sp>
@@ -1154,8 +1174,8 @@
         </p:nvSpPr>
         <p:spPr>
           <a:xfrm>
-            <a:off x="628650" y="365125"/>
-            <a:ext cx="5800725" cy="5811838"/>
+            <a:off x="628650" y="360363"/>
+            <a:ext cx="5800725" cy="5811837"/>
           </a:xfrm>
         </p:spPr>
         <p:txBody>
@@ -1227,7 +1247,7 @@
               <a:rPr lang="ja-JP" altLang="en-US"/>
               <a:t>レベル</a:t>
             </a:r>
-            <a:endParaRPr lang="en-US" dirty="0"/>
+            <a:endParaRPr lang="en-US"/>
           </a:p>
         </p:txBody>
       </p:sp>
@@ -1299,7 +1319,1923 @@
     </p:spTree>
     <p:extLst>
       <p:ext uri="{BB962C8B-B14F-4D97-AF65-F5344CB8AC3E}">
-        <p14:creationId xmlns:p14="http://schemas.microsoft.com/office/powerpoint/2010/main" val="461425452"/>
+        <p14:creationId xmlns:p14="http://schemas.microsoft.com/office/powerpoint/2010/main" val="786380045"/>
+      </p:ext>
+    </p:extLst>
+  </p:cSld>
+  <p:clrMapOvr>
+    <a:masterClrMapping/>
+  </p:clrMapOvr>
+</p:sldLayout>
+</file>
+
+<file path=ppt/slideLayouts/slideLayout12.xml><?xml version="1.0" encoding="utf-8"?>
+<p:sldLayout xmlns:a="http://schemas.openxmlformats.org/drawingml/2006/main" xmlns:r="http://schemas.openxmlformats.org/officeDocument/2006/relationships" xmlns:p="http://schemas.openxmlformats.org/presentationml/2006/main" type="title" preserve="1">
+  <p:cSld name="タイトル スライド">
+    <p:spTree>
+      <p:nvGrpSpPr>
+        <p:cNvPr id="1" name=""/>
+        <p:cNvGrpSpPr/>
+        <p:nvPr/>
+      </p:nvGrpSpPr>
+      <p:grpSpPr>
+        <a:xfrm>
+          <a:off x="0" y="0"/>
+          <a:ext cx="0" cy="0"/>
+          <a:chOff x="0" y="0"/>
+          <a:chExt cx="0" cy="0"/>
+        </a:xfrm>
+      </p:grpSpPr>
+      <p:sp>
+        <p:nvSpPr>
+          <p:cNvPr id="2" name="Title 1"/>
+          <p:cNvSpPr>
+            <a:spLocks noGrp="1"/>
+          </p:cNvSpPr>
+          <p:nvPr>
+            <p:ph type="ctrTitle"/>
+          </p:nvPr>
+        </p:nvSpPr>
+        <p:spPr>
+          <a:xfrm>
+            <a:off x="1143000" y="1124530"/>
+            <a:ext cx="6858000" cy="2387600"/>
+          </a:xfrm>
+        </p:spPr>
+        <p:txBody>
+          <a:bodyPr anchor="b">
+            <a:normAutofit/>
+          </a:bodyPr>
+          <a:lstStyle>
+            <a:lvl1pPr algn="ctr">
+              <a:defRPr sz="4500"/>
+            </a:lvl1pPr>
+          </a:lstStyle>
+          <a:p>
+            <a:r>
+              <a:rPr lang="ja-JP" altLang="en-US"/>
+              <a:t>マスター タイトルの書式設定</a:t>
+            </a:r>
+            <a:endParaRPr lang="en-US" dirty="0"/>
+          </a:p>
+        </p:txBody>
+      </p:sp>
+      <p:sp>
+        <p:nvSpPr>
+          <p:cNvPr id="3" name="Subtitle 2"/>
+          <p:cNvSpPr>
+            <a:spLocks noGrp="1"/>
+          </p:cNvSpPr>
+          <p:nvPr>
+            <p:ph type="subTitle" idx="1"/>
+          </p:nvPr>
+        </p:nvSpPr>
+        <p:spPr>
+          <a:xfrm>
+            <a:off x="1143000" y="3602038"/>
+            <a:ext cx="6858000" cy="1655762"/>
+          </a:xfrm>
+        </p:spPr>
+        <p:txBody>
+          <a:bodyPr>
+            <a:normAutofit/>
+          </a:bodyPr>
+          <a:lstStyle>
+            <a:lvl1pPr marL="0" indent="0" algn="ctr">
+              <a:buNone/>
+              <a:defRPr sz="1800">
+                <a:solidFill>
+                  <a:schemeClr val="tx1">
+                    <a:lumMod val="75000"/>
+                    <a:lumOff val="25000"/>
+                  </a:schemeClr>
+                </a:solidFill>
+              </a:defRPr>
+            </a:lvl1pPr>
+            <a:lvl2pPr marL="342900" indent="0" algn="ctr">
+              <a:buNone/>
+              <a:defRPr sz="2100"/>
+            </a:lvl2pPr>
+            <a:lvl3pPr marL="685800" indent="0" algn="ctr">
+              <a:buNone/>
+              <a:defRPr sz="1800"/>
+            </a:lvl3pPr>
+            <a:lvl4pPr marL="1028700" indent="0" algn="ctr">
+              <a:buNone/>
+              <a:defRPr sz="1500"/>
+            </a:lvl4pPr>
+            <a:lvl5pPr marL="1371600" indent="0" algn="ctr">
+              <a:buNone/>
+              <a:defRPr sz="1500"/>
+            </a:lvl5pPr>
+            <a:lvl6pPr marL="1714500" indent="0" algn="ctr">
+              <a:buNone/>
+              <a:defRPr sz="1500"/>
+            </a:lvl6pPr>
+            <a:lvl7pPr marL="2057400" indent="0" algn="ctr">
+              <a:buNone/>
+              <a:defRPr sz="1500"/>
+            </a:lvl7pPr>
+            <a:lvl8pPr marL="2400300" indent="0" algn="ctr">
+              <a:buNone/>
+              <a:defRPr sz="1500"/>
+            </a:lvl8pPr>
+            <a:lvl9pPr marL="2743200" indent="0" algn="ctr">
+              <a:buNone/>
+              <a:defRPr sz="1500"/>
+            </a:lvl9pPr>
+          </a:lstStyle>
+          <a:p>
+            <a:r>
+              <a:rPr lang="ja-JP" altLang="en-US"/>
+              <a:t>マスター サブタイトルの書式設定</a:t>
+            </a:r>
+            <a:endParaRPr lang="en-US" dirty="0"/>
+          </a:p>
+        </p:txBody>
+      </p:sp>
+      <p:sp>
+        <p:nvSpPr>
+          <p:cNvPr id="4" name="Date Placeholder 3"/>
+          <p:cNvSpPr>
+            <a:spLocks noGrp="1"/>
+          </p:cNvSpPr>
+          <p:nvPr>
+            <p:ph type="dt" sz="half" idx="10"/>
+          </p:nvPr>
+        </p:nvSpPr>
+        <p:spPr/>
+        <p:txBody>
+          <a:bodyPr/>
+          <a:lstStyle/>
+          <a:p>
+            <a:fld id="{476A0E91-776F-46F3-9A40-44C888CE270B}" type="datetime1">
+              <a:rPr kumimoji="1" lang="ja-JP" altLang="en-US" smtClean="0"/>
+              <a:t>2020/7/4</a:t>
+            </a:fld>
+            <a:endParaRPr kumimoji="1" lang="ja-JP" altLang="en-US"/>
+          </a:p>
+        </p:txBody>
+      </p:sp>
+      <p:sp>
+        <p:nvSpPr>
+          <p:cNvPr id="5" name="Footer Placeholder 4"/>
+          <p:cNvSpPr>
+            <a:spLocks noGrp="1"/>
+          </p:cNvSpPr>
+          <p:nvPr>
+            <p:ph type="ftr" sz="quarter" idx="11"/>
+          </p:nvPr>
+        </p:nvSpPr>
+        <p:spPr/>
+        <p:txBody>
+          <a:bodyPr/>
+          <a:lstStyle/>
+          <a:p>
+            <a:endParaRPr kumimoji="1" lang="ja-JP" altLang="en-US"/>
+          </a:p>
+        </p:txBody>
+      </p:sp>
+      <p:sp>
+        <p:nvSpPr>
+          <p:cNvPr id="6" name="Slide Number Placeholder 5"/>
+          <p:cNvSpPr>
+            <a:spLocks noGrp="1"/>
+          </p:cNvSpPr>
+          <p:nvPr>
+            <p:ph type="sldNum" sz="quarter" idx="12"/>
+          </p:nvPr>
+        </p:nvSpPr>
+        <p:spPr/>
+        <p:txBody>
+          <a:bodyPr/>
+          <a:lstStyle/>
+          <a:p>
+            <a:fld id="{C4CD1851-4943-4D29-B153-35642A3D04B9}" type="slidenum">
+              <a:rPr lang="ja-JP" altLang="en-US" smtClean="0"/>
+              <a:pPr/>
+              <a:t>‹#›</a:t>
+            </a:fld>
+            <a:endParaRPr lang="ja-JP" altLang="en-US" dirty="0"/>
+          </a:p>
+        </p:txBody>
+      </p:sp>
+    </p:spTree>
+    <p:extLst>
+      <p:ext uri="{BB962C8B-B14F-4D97-AF65-F5344CB8AC3E}">
+        <p14:creationId xmlns:p14="http://schemas.microsoft.com/office/powerpoint/2010/main" val="1504025201"/>
+      </p:ext>
+    </p:extLst>
+  </p:cSld>
+  <p:clrMapOvr>
+    <a:masterClrMapping/>
+  </p:clrMapOvr>
+</p:sldLayout>
+</file>
+
+<file path=ppt/slideLayouts/slideLayout13.xml><?xml version="1.0" encoding="utf-8"?>
+<p:sldLayout xmlns:a="http://schemas.openxmlformats.org/drawingml/2006/main" xmlns:r="http://schemas.openxmlformats.org/officeDocument/2006/relationships" xmlns:p="http://schemas.openxmlformats.org/presentationml/2006/main" type="obj" preserve="1">
+  <p:cSld name="タイトルとコンテンツ">
+    <p:spTree>
+      <p:nvGrpSpPr>
+        <p:cNvPr id="1" name=""/>
+        <p:cNvGrpSpPr/>
+        <p:nvPr/>
+      </p:nvGrpSpPr>
+      <p:grpSpPr>
+        <a:xfrm>
+          <a:off x="0" y="0"/>
+          <a:ext cx="0" cy="0"/>
+          <a:chOff x="0" y="0"/>
+          <a:chExt cx="0" cy="0"/>
+        </a:xfrm>
+      </p:grpSpPr>
+      <p:sp>
+        <p:nvSpPr>
+          <p:cNvPr id="2" name="Title 1"/>
+          <p:cNvSpPr>
+            <a:spLocks noGrp="1"/>
+          </p:cNvSpPr>
+          <p:nvPr>
+            <p:ph type="title"/>
+          </p:nvPr>
+        </p:nvSpPr>
+        <p:spPr/>
+        <p:txBody>
+          <a:bodyPr/>
+          <a:lstStyle/>
+          <a:p>
+            <a:r>
+              <a:rPr lang="ja-JP" altLang="en-US"/>
+              <a:t>マスター タイトルの書式設定</a:t>
+            </a:r>
+            <a:endParaRPr lang="en-US" dirty="0"/>
+          </a:p>
+        </p:txBody>
+      </p:sp>
+      <p:sp>
+        <p:nvSpPr>
+          <p:cNvPr id="3" name="Content Placeholder 2"/>
+          <p:cNvSpPr>
+            <a:spLocks noGrp="1"/>
+          </p:cNvSpPr>
+          <p:nvPr>
+            <p:ph idx="1"/>
+          </p:nvPr>
+        </p:nvSpPr>
+        <p:spPr/>
+        <p:txBody>
+          <a:bodyPr/>
+          <a:lstStyle/>
+          <a:p>
+            <a:pPr lvl="0"/>
+            <a:r>
+              <a:rPr lang="ja-JP" altLang="en-US"/>
+              <a:t>マスター テキストの書式設定</a:t>
+            </a:r>
+          </a:p>
+          <a:p>
+            <a:pPr lvl="1"/>
+            <a:r>
+              <a:rPr lang="ja-JP" altLang="en-US"/>
+              <a:t>第 </a:t>
+            </a:r>
+            <a:r>
+              <a:rPr lang="en-US" altLang="ja-JP"/>
+              <a:t>2 </a:t>
+            </a:r>
+            <a:r>
+              <a:rPr lang="ja-JP" altLang="en-US"/>
+              <a:t>レベル</a:t>
+            </a:r>
+          </a:p>
+          <a:p>
+            <a:pPr lvl="2"/>
+            <a:r>
+              <a:rPr lang="ja-JP" altLang="en-US"/>
+              <a:t>第 </a:t>
+            </a:r>
+            <a:r>
+              <a:rPr lang="en-US" altLang="ja-JP"/>
+              <a:t>3 </a:t>
+            </a:r>
+            <a:r>
+              <a:rPr lang="ja-JP" altLang="en-US"/>
+              <a:t>レベル</a:t>
+            </a:r>
+          </a:p>
+          <a:p>
+            <a:pPr lvl="3"/>
+            <a:r>
+              <a:rPr lang="ja-JP" altLang="en-US"/>
+              <a:t>第 </a:t>
+            </a:r>
+            <a:r>
+              <a:rPr lang="en-US" altLang="ja-JP"/>
+              <a:t>4 </a:t>
+            </a:r>
+            <a:r>
+              <a:rPr lang="ja-JP" altLang="en-US"/>
+              <a:t>レベル</a:t>
+            </a:r>
+          </a:p>
+          <a:p>
+            <a:pPr lvl="4"/>
+            <a:r>
+              <a:rPr lang="ja-JP" altLang="en-US"/>
+              <a:t>第 </a:t>
+            </a:r>
+            <a:r>
+              <a:rPr lang="en-US" altLang="ja-JP"/>
+              <a:t>5 </a:t>
+            </a:r>
+            <a:r>
+              <a:rPr lang="ja-JP" altLang="en-US"/>
+              <a:t>レベル</a:t>
+            </a:r>
+            <a:endParaRPr lang="en-US" dirty="0"/>
+          </a:p>
+        </p:txBody>
+      </p:sp>
+      <p:sp>
+        <p:nvSpPr>
+          <p:cNvPr id="4" name="Date Placeholder 3"/>
+          <p:cNvSpPr>
+            <a:spLocks noGrp="1"/>
+          </p:cNvSpPr>
+          <p:nvPr>
+            <p:ph type="dt" sz="half" idx="10"/>
+          </p:nvPr>
+        </p:nvSpPr>
+        <p:spPr/>
+        <p:txBody>
+          <a:bodyPr/>
+          <a:lstStyle/>
+          <a:p>
+            <a:fld id="{659C466D-D277-4CF3-A656-04B88B59A248}" type="datetime1">
+              <a:rPr kumimoji="1" lang="ja-JP" altLang="en-US" smtClean="0"/>
+              <a:t>2020/7/4</a:t>
+            </a:fld>
+            <a:endParaRPr kumimoji="1" lang="ja-JP" altLang="en-US"/>
+          </a:p>
+        </p:txBody>
+      </p:sp>
+      <p:sp>
+        <p:nvSpPr>
+          <p:cNvPr id="5" name="Footer Placeholder 4"/>
+          <p:cNvSpPr>
+            <a:spLocks noGrp="1"/>
+          </p:cNvSpPr>
+          <p:nvPr>
+            <p:ph type="ftr" sz="quarter" idx="11"/>
+          </p:nvPr>
+        </p:nvSpPr>
+        <p:spPr/>
+        <p:txBody>
+          <a:bodyPr/>
+          <a:lstStyle/>
+          <a:p>
+            <a:endParaRPr kumimoji="1" lang="ja-JP" altLang="en-US"/>
+          </a:p>
+        </p:txBody>
+      </p:sp>
+      <p:sp>
+        <p:nvSpPr>
+          <p:cNvPr id="6" name="Slide Number Placeholder 5"/>
+          <p:cNvSpPr>
+            <a:spLocks noGrp="1"/>
+          </p:cNvSpPr>
+          <p:nvPr>
+            <p:ph type="sldNum" sz="quarter" idx="12"/>
+          </p:nvPr>
+        </p:nvSpPr>
+        <p:spPr/>
+        <p:txBody>
+          <a:bodyPr/>
+          <a:lstStyle/>
+          <a:p>
+            <a:fld id="{C4CD1851-4943-4D29-B153-35642A3D04B9}" type="slidenum">
+              <a:rPr kumimoji="1" lang="ja-JP" altLang="en-US" smtClean="0"/>
+              <a:t>‹#›</a:t>
+            </a:fld>
+            <a:endParaRPr kumimoji="1" lang="ja-JP" altLang="en-US"/>
+          </a:p>
+        </p:txBody>
+      </p:sp>
+    </p:spTree>
+    <p:extLst>
+      <p:ext uri="{BB962C8B-B14F-4D97-AF65-F5344CB8AC3E}">
+        <p14:creationId xmlns:p14="http://schemas.microsoft.com/office/powerpoint/2010/main" val="113092985"/>
+      </p:ext>
+    </p:extLst>
+  </p:cSld>
+  <p:clrMapOvr>
+    <a:masterClrMapping/>
+  </p:clrMapOvr>
+</p:sldLayout>
+</file>
+
+<file path=ppt/slideLayouts/slideLayout14.xml><?xml version="1.0" encoding="utf-8"?>
+<p:sldLayout xmlns:a="http://schemas.openxmlformats.org/drawingml/2006/main" xmlns:r="http://schemas.openxmlformats.org/officeDocument/2006/relationships" xmlns:p="http://schemas.openxmlformats.org/presentationml/2006/main" type="secHead" preserve="1">
+  <p:cSld name="セクション見出し">
+    <p:spTree>
+      <p:nvGrpSpPr>
+        <p:cNvPr id="1" name=""/>
+        <p:cNvGrpSpPr/>
+        <p:nvPr/>
+      </p:nvGrpSpPr>
+      <p:grpSpPr>
+        <a:xfrm>
+          <a:off x="0" y="0"/>
+          <a:ext cx="0" cy="0"/>
+          <a:chOff x="0" y="0"/>
+          <a:chExt cx="0" cy="0"/>
+        </a:xfrm>
+      </p:grpSpPr>
+      <p:sp>
+        <p:nvSpPr>
+          <p:cNvPr id="2" name="Title 1"/>
+          <p:cNvSpPr>
+            <a:spLocks noGrp="1"/>
+          </p:cNvSpPr>
+          <p:nvPr>
+            <p:ph type="title"/>
+          </p:nvPr>
+        </p:nvSpPr>
+        <p:spPr>
+          <a:xfrm>
+            <a:off x="623888" y="1712423"/>
+            <a:ext cx="7886700" cy="2851208"/>
+          </a:xfrm>
+        </p:spPr>
+        <p:txBody>
+          <a:bodyPr anchor="b">
+            <a:normAutofit/>
+          </a:bodyPr>
+          <a:lstStyle>
+            <a:lvl1pPr>
+              <a:defRPr sz="4500" b="0"/>
+            </a:lvl1pPr>
+          </a:lstStyle>
+          <a:p>
+            <a:r>
+              <a:rPr lang="ja-JP" altLang="en-US"/>
+              <a:t>マスター タイトルの書式設定</a:t>
+            </a:r>
+            <a:endParaRPr lang="en-US" dirty="0"/>
+          </a:p>
+        </p:txBody>
+      </p:sp>
+      <p:sp>
+        <p:nvSpPr>
+          <p:cNvPr id="3" name="Text Placeholder 2"/>
+          <p:cNvSpPr>
+            <a:spLocks noGrp="1"/>
+          </p:cNvSpPr>
+          <p:nvPr>
+            <p:ph type="body" idx="1"/>
+          </p:nvPr>
+        </p:nvSpPr>
+        <p:spPr>
+          <a:xfrm>
+            <a:off x="623888" y="4552634"/>
+            <a:ext cx="7886700" cy="1500187"/>
+          </a:xfrm>
+        </p:spPr>
+        <p:txBody>
+          <a:bodyPr anchor="t">
+            <a:normAutofit/>
+          </a:bodyPr>
+          <a:lstStyle>
+            <a:lvl1pPr marL="0" indent="0">
+              <a:buNone/>
+              <a:defRPr sz="1800">
+                <a:solidFill>
+                  <a:schemeClr val="tx1">
+                    <a:lumMod val="75000"/>
+                    <a:lumOff val="25000"/>
+                  </a:schemeClr>
+                </a:solidFill>
+              </a:defRPr>
+            </a:lvl1pPr>
+            <a:lvl2pPr marL="342900" indent="0">
+              <a:buNone/>
+              <a:defRPr sz="1350">
+                <a:solidFill>
+                  <a:schemeClr val="tx1">
+                    <a:tint val="75000"/>
+                  </a:schemeClr>
+                </a:solidFill>
+              </a:defRPr>
+            </a:lvl2pPr>
+            <a:lvl3pPr marL="685800" indent="0">
+              <a:buNone/>
+              <a:defRPr sz="1200">
+                <a:solidFill>
+                  <a:schemeClr val="tx1">
+                    <a:tint val="75000"/>
+                  </a:schemeClr>
+                </a:solidFill>
+              </a:defRPr>
+            </a:lvl3pPr>
+            <a:lvl4pPr marL="1028700" indent="0">
+              <a:buNone/>
+              <a:defRPr sz="1050">
+                <a:solidFill>
+                  <a:schemeClr val="tx1">
+                    <a:tint val="75000"/>
+                  </a:schemeClr>
+                </a:solidFill>
+              </a:defRPr>
+            </a:lvl4pPr>
+            <a:lvl5pPr marL="1371600" indent="0">
+              <a:buNone/>
+              <a:defRPr sz="1050">
+                <a:solidFill>
+                  <a:schemeClr val="tx1">
+                    <a:tint val="75000"/>
+                  </a:schemeClr>
+                </a:solidFill>
+              </a:defRPr>
+            </a:lvl5pPr>
+            <a:lvl6pPr marL="1714500" indent="0">
+              <a:buNone/>
+              <a:defRPr sz="1050">
+                <a:solidFill>
+                  <a:schemeClr val="tx1">
+                    <a:tint val="75000"/>
+                  </a:schemeClr>
+                </a:solidFill>
+              </a:defRPr>
+            </a:lvl6pPr>
+            <a:lvl7pPr marL="2057400" indent="0">
+              <a:buNone/>
+              <a:defRPr sz="1050">
+                <a:solidFill>
+                  <a:schemeClr val="tx1">
+                    <a:tint val="75000"/>
+                  </a:schemeClr>
+                </a:solidFill>
+              </a:defRPr>
+            </a:lvl7pPr>
+            <a:lvl8pPr marL="2400300" indent="0">
+              <a:buNone/>
+              <a:defRPr sz="1050">
+                <a:solidFill>
+                  <a:schemeClr val="tx1">
+                    <a:tint val="75000"/>
+                  </a:schemeClr>
+                </a:solidFill>
+              </a:defRPr>
+            </a:lvl8pPr>
+            <a:lvl9pPr marL="2743200" indent="0">
+              <a:buNone/>
+              <a:defRPr sz="1050">
+                <a:solidFill>
+                  <a:schemeClr val="tx1">
+                    <a:tint val="75000"/>
+                  </a:schemeClr>
+                </a:solidFill>
+              </a:defRPr>
+            </a:lvl9pPr>
+          </a:lstStyle>
+          <a:p>
+            <a:pPr lvl="0"/>
+            <a:r>
+              <a:rPr lang="ja-JP" altLang="en-US"/>
+              <a:t>マスター テキストの書式設定</a:t>
+            </a:r>
+          </a:p>
+        </p:txBody>
+      </p:sp>
+      <p:sp>
+        <p:nvSpPr>
+          <p:cNvPr id="4" name="Date Placeholder 3"/>
+          <p:cNvSpPr>
+            <a:spLocks noGrp="1"/>
+          </p:cNvSpPr>
+          <p:nvPr>
+            <p:ph type="dt" sz="half" idx="10"/>
+          </p:nvPr>
+        </p:nvSpPr>
+        <p:spPr/>
+        <p:txBody>
+          <a:bodyPr/>
+          <a:lstStyle/>
+          <a:p>
+            <a:fld id="{49C0F482-360D-408E-879E-8FE76102DA0B}" type="datetime1">
+              <a:rPr kumimoji="1" lang="ja-JP" altLang="en-US" smtClean="0"/>
+              <a:t>2020/7/4</a:t>
+            </a:fld>
+            <a:endParaRPr kumimoji="1" lang="ja-JP" altLang="en-US"/>
+          </a:p>
+        </p:txBody>
+      </p:sp>
+      <p:sp>
+        <p:nvSpPr>
+          <p:cNvPr id="5" name="Footer Placeholder 4"/>
+          <p:cNvSpPr>
+            <a:spLocks noGrp="1"/>
+          </p:cNvSpPr>
+          <p:nvPr>
+            <p:ph type="ftr" sz="quarter" idx="11"/>
+          </p:nvPr>
+        </p:nvSpPr>
+        <p:spPr/>
+        <p:txBody>
+          <a:bodyPr/>
+          <a:lstStyle/>
+          <a:p>
+            <a:endParaRPr kumimoji="1" lang="ja-JP" altLang="en-US"/>
+          </a:p>
+        </p:txBody>
+      </p:sp>
+      <p:sp>
+        <p:nvSpPr>
+          <p:cNvPr id="6" name="Slide Number Placeholder 5"/>
+          <p:cNvSpPr>
+            <a:spLocks noGrp="1"/>
+          </p:cNvSpPr>
+          <p:nvPr>
+            <p:ph type="sldNum" sz="quarter" idx="12"/>
+          </p:nvPr>
+        </p:nvSpPr>
+        <p:spPr/>
+        <p:txBody>
+          <a:bodyPr/>
+          <a:lstStyle/>
+          <a:p>
+            <a:fld id="{C4CD1851-4943-4D29-B153-35642A3D04B9}" type="slidenum">
+              <a:rPr kumimoji="1" lang="ja-JP" altLang="en-US" smtClean="0"/>
+              <a:t>‹#›</a:t>
+            </a:fld>
+            <a:endParaRPr kumimoji="1" lang="ja-JP" altLang="en-US"/>
+          </a:p>
+        </p:txBody>
+      </p:sp>
+    </p:spTree>
+    <p:extLst>
+      <p:ext uri="{BB962C8B-B14F-4D97-AF65-F5344CB8AC3E}">
+        <p14:creationId xmlns:p14="http://schemas.microsoft.com/office/powerpoint/2010/main" val="773750476"/>
+      </p:ext>
+    </p:extLst>
+  </p:cSld>
+  <p:clrMapOvr>
+    <a:masterClrMapping/>
+  </p:clrMapOvr>
+</p:sldLayout>
+</file>
+
+<file path=ppt/slideLayouts/slideLayout15.xml><?xml version="1.0" encoding="utf-8"?>
+<p:sldLayout xmlns:a="http://schemas.openxmlformats.org/drawingml/2006/main" xmlns:r="http://schemas.openxmlformats.org/officeDocument/2006/relationships" xmlns:p="http://schemas.openxmlformats.org/presentationml/2006/main" type="twoObj" preserve="1">
+  <p:cSld name="2 つのコンテンツ">
+    <p:spTree>
+      <p:nvGrpSpPr>
+        <p:cNvPr id="1" name=""/>
+        <p:cNvGrpSpPr/>
+        <p:nvPr/>
+      </p:nvGrpSpPr>
+      <p:grpSpPr>
+        <a:xfrm>
+          <a:off x="0" y="0"/>
+          <a:ext cx="0" cy="0"/>
+          <a:chOff x="0" y="0"/>
+          <a:chExt cx="0" cy="0"/>
+        </a:xfrm>
+      </p:grpSpPr>
+      <p:sp>
+        <p:nvSpPr>
+          <p:cNvPr id="2" name="Title 1"/>
+          <p:cNvSpPr>
+            <a:spLocks noGrp="1"/>
+          </p:cNvSpPr>
+          <p:nvPr>
+            <p:ph type="title"/>
+          </p:nvPr>
+        </p:nvSpPr>
+        <p:spPr/>
+        <p:txBody>
+          <a:bodyPr/>
+          <a:lstStyle/>
+          <a:p>
+            <a:r>
+              <a:rPr lang="ja-JP" altLang="en-US"/>
+              <a:t>マスター タイトルの書式設定</a:t>
+            </a:r>
+            <a:endParaRPr lang="en-US" dirty="0"/>
+          </a:p>
+        </p:txBody>
+      </p:sp>
+      <p:sp>
+        <p:nvSpPr>
+          <p:cNvPr id="3" name="Content Placeholder 2"/>
+          <p:cNvSpPr>
+            <a:spLocks noGrp="1"/>
+          </p:cNvSpPr>
+          <p:nvPr>
+            <p:ph sz="half" idx="1"/>
+          </p:nvPr>
+        </p:nvSpPr>
+        <p:spPr>
+          <a:xfrm>
+            <a:off x="633845" y="1828801"/>
+            <a:ext cx="3886200" cy="4351337"/>
+          </a:xfrm>
+        </p:spPr>
+        <p:txBody>
+          <a:bodyPr/>
+          <a:lstStyle/>
+          <a:p>
+            <a:pPr lvl="0"/>
+            <a:r>
+              <a:rPr lang="ja-JP" altLang="en-US"/>
+              <a:t>マスター テキストの書式設定</a:t>
+            </a:r>
+          </a:p>
+          <a:p>
+            <a:pPr lvl="1"/>
+            <a:r>
+              <a:rPr lang="ja-JP" altLang="en-US"/>
+              <a:t>第 </a:t>
+            </a:r>
+            <a:r>
+              <a:rPr lang="en-US" altLang="ja-JP"/>
+              <a:t>2 </a:t>
+            </a:r>
+            <a:r>
+              <a:rPr lang="ja-JP" altLang="en-US"/>
+              <a:t>レベル</a:t>
+            </a:r>
+          </a:p>
+          <a:p>
+            <a:pPr lvl="2"/>
+            <a:r>
+              <a:rPr lang="ja-JP" altLang="en-US"/>
+              <a:t>第 </a:t>
+            </a:r>
+            <a:r>
+              <a:rPr lang="en-US" altLang="ja-JP"/>
+              <a:t>3 </a:t>
+            </a:r>
+            <a:r>
+              <a:rPr lang="ja-JP" altLang="en-US"/>
+              <a:t>レベル</a:t>
+            </a:r>
+          </a:p>
+          <a:p>
+            <a:pPr lvl="3"/>
+            <a:r>
+              <a:rPr lang="ja-JP" altLang="en-US"/>
+              <a:t>第 </a:t>
+            </a:r>
+            <a:r>
+              <a:rPr lang="en-US" altLang="ja-JP"/>
+              <a:t>4 </a:t>
+            </a:r>
+            <a:r>
+              <a:rPr lang="ja-JP" altLang="en-US"/>
+              <a:t>レベル</a:t>
+            </a:r>
+          </a:p>
+          <a:p>
+            <a:pPr lvl="4"/>
+            <a:r>
+              <a:rPr lang="ja-JP" altLang="en-US"/>
+              <a:t>第 </a:t>
+            </a:r>
+            <a:r>
+              <a:rPr lang="en-US" altLang="ja-JP"/>
+              <a:t>5 </a:t>
+            </a:r>
+            <a:r>
+              <a:rPr lang="ja-JP" altLang="en-US"/>
+              <a:t>レベル</a:t>
+            </a:r>
+            <a:endParaRPr lang="en-US" dirty="0"/>
+          </a:p>
+        </p:txBody>
+      </p:sp>
+      <p:sp>
+        <p:nvSpPr>
+          <p:cNvPr id="4" name="Content Placeholder 3"/>
+          <p:cNvSpPr>
+            <a:spLocks noGrp="1"/>
+          </p:cNvSpPr>
+          <p:nvPr>
+            <p:ph sz="half" idx="2"/>
+          </p:nvPr>
+        </p:nvSpPr>
+        <p:spPr>
+          <a:xfrm>
+            <a:off x="4629150" y="1828801"/>
+            <a:ext cx="3886200" cy="4351337"/>
+          </a:xfrm>
+        </p:spPr>
+        <p:txBody>
+          <a:bodyPr/>
+          <a:lstStyle/>
+          <a:p>
+            <a:pPr lvl="0"/>
+            <a:r>
+              <a:rPr lang="ja-JP" altLang="en-US"/>
+              <a:t>マスター テキストの書式設定</a:t>
+            </a:r>
+          </a:p>
+          <a:p>
+            <a:pPr lvl="1"/>
+            <a:r>
+              <a:rPr lang="ja-JP" altLang="en-US"/>
+              <a:t>第 </a:t>
+            </a:r>
+            <a:r>
+              <a:rPr lang="en-US" altLang="ja-JP"/>
+              <a:t>2 </a:t>
+            </a:r>
+            <a:r>
+              <a:rPr lang="ja-JP" altLang="en-US"/>
+              <a:t>レベル</a:t>
+            </a:r>
+          </a:p>
+          <a:p>
+            <a:pPr lvl="2"/>
+            <a:r>
+              <a:rPr lang="ja-JP" altLang="en-US"/>
+              <a:t>第 </a:t>
+            </a:r>
+            <a:r>
+              <a:rPr lang="en-US" altLang="ja-JP"/>
+              <a:t>3 </a:t>
+            </a:r>
+            <a:r>
+              <a:rPr lang="ja-JP" altLang="en-US"/>
+              <a:t>レベル</a:t>
+            </a:r>
+          </a:p>
+          <a:p>
+            <a:pPr lvl="3"/>
+            <a:r>
+              <a:rPr lang="ja-JP" altLang="en-US"/>
+              <a:t>第 </a:t>
+            </a:r>
+            <a:r>
+              <a:rPr lang="en-US" altLang="ja-JP"/>
+              <a:t>4 </a:t>
+            </a:r>
+            <a:r>
+              <a:rPr lang="ja-JP" altLang="en-US"/>
+              <a:t>レベル</a:t>
+            </a:r>
+          </a:p>
+          <a:p>
+            <a:pPr lvl="4"/>
+            <a:r>
+              <a:rPr lang="ja-JP" altLang="en-US"/>
+              <a:t>第 </a:t>
+            </a:r>
+            <a:r>
+              <a:rPr lang="en-US" altLang="ja-JP"/>
+              <a:t>5 </a:t>
+            </a:r>
+            <a:r>
+              <a:rPr lang="ja-JP" altLang="en-US"/>
+              <a:t>レベル</a:t>
+            </a:r>
+            <a:endParaRPr lang="en-US" dirty="0"/>
+          </a:p>
+        </p:txBody>
+      </p:sp>
+      <p:sp>
+        <p:nvSpPr>
+          <p:cNvPr id="5" name="Date Placeholder 4"/>
+          <p:cNvSpPr>
+            <a:spLocks noGrp="1"/>
+          </p:cNvSpPr>
+          <p:nvPr>
+            <p:ph type="dt" sz="half" idx="10"/>
+          </p:nvPr>
+        </p:nvSpPr>
+        <p:spPr/>
+        <p:txBody>
+          <a:bodyPr/>
+          <a:lstStyle/>
+          <a:p>
+            <a:fld id="{6D5BC55B-4554-4A1F-9BBB-7A22D1A0EBBD}" type="datetime1">
+              <a:rPr kumimoji="1" lang="ja-JP" altLang="en-US" smtClean="0"/>
+              <a:t>2020/7/4</a:t>
+            </a:fld>
+            <a:endParaRPr kumimoji="1" lang="ja-JP" altLang="en-US"/>
+          </a:p>
+        </p:txBody>
+      </p:sp>
+      <p:sp>
+        <p:nvSpPr>
+          <p:cNvPr id="6" name="Footer Placeholder 5"/>
+          <p:cNvSpPr>
+            <a:spLocks noGrp="1"/>
+          </p:cNvSpPr>
+          <p:nvPr>
+            <p:ph type="ftr" sz="quarter" idx="11"/>
+          </p:nvPr>
+        </p:nvSpPr>
+        <p:spPr/>
+        <p:txBody>
+          <a:bodyPr/>
+          <a:lstStyle/>
+          <a:p>
+            <a:endParaRPr kumimoji="1" lang="ja-JP" altLang="en-US"/>
+          </a:p>
+        </p:txBody>
+      </p:sp>
+      <p:sp>
+        <p:nvSpPr>
+          <p:cNvPr id="7" name="Slide Number Placeholder 6"/>
+          <p:cNvSpPr>
+            <a:spLocks noGrp="1"/>
+          </p:cNvSpPr>
+          <p:nvPr>
+            <p:ph type="sldNum" sz="quarter" idx="12"/>
+          </p:nvPr>
+        </p:nvSpPr>
+        <p:spPr/>
+        <p:txBody>
+          <a:bodyPr/>
+          <a:lstStyle/>
+          <a:p>
+            <a:fld id="{C4CD1851-4943-4D29-B153-35642A3D04B9}" type="slidenum">
+              <a:rPr kumimoji="1" lang="ja-JP" altLang="en-US" smtClean="0"/>
+              <a:t>‹#›</a:t>
+            </a:fld>
+            <a:endParaRPr kumimoji="1" lang="ja-JP" altLang="en-US"/>
+          </a:p>
+        </p:txBody>
+      </p:sp>
+    </p:spTree>
+    <p:extLst>
+      <p:ext uri="{BB962C8B-B14F-4D97-AF65-F5344CB8AC3E}">
+        <p14:creationId xmlns:p14="http://schemas.microsoft.com/office/powerpoint/2010/main" val="578305374"/>
+      </p:ext>
+    </p:extLst>
+  </p:cSld>
+  <p:clrMapOvr>
+    <a:masterClrMapping/>
+  </p:clrMapOvr>
+</p:sldLayout>
+</file>
+
+<file path=ppt/slideLayouts/slideLayout16.xml><?xml version="1.0" encoding="utf-8"?>
+<p:sldLayout xmlns:a="http://schemas.openxmlformats.org/drawingml/2006/main" xmlns:r="http://schemas.openxmlformats.org/officeDocument/2006/relationships" xmlns:p="http://schemas.openxmlformats.org/presentationml/2006/main" preserve="1">
+  <p:cSld name="比較">
+    <p:spTree>
+      <p:nvGrpSpPr>
+        <p:cNvPr id="1" name=""/>
+        <p:cNvGrpSpPr/>
+        <p:nvPr/>
+      </p:nvGrpSpPr>
+      <p:grpSpPr>
+        <a:xfrm>
+          <a:off x="0" y="0"/>
+          <a:ext cx="0" cy="0"/>
+          <a:chOff x="0" y="0"/>
+          <a:chExt cx="0" cy="0"/>
+        </a:xfrm>
+      </p:grpSpPr>
+      <p:sp>
+        <p:nvSpPr>
+          <p:cNvPr id="3" name="Text Placeholder 2"/>
+          <p:cNvSpPr>
+            <a:spLocks noGrp="1"/>
+          </p:cNvSpPr>
+          <p:nvPr>
+            <p:ph type="body" idx="1"/>
+          </p:nvPr>
+        </p:nvSpPr>
+        <p:spPr>
+          <a:xfrm>
+            <a:off x="633845" y="1681851"/>
+            <a:ext cx="3867150" cy="825699"/>
+          </a:xfrm>
+        </p:spPr>
+        <p:txBody>
+          <a:bodyPr anchor="b">
+            <a:normAutofit/>
+          </a:bodyPr>
+          <a:lstStyle>
+            <a:lvl1pPr marL="0" indent="0">
+              <a:spcBef>
+                <a:spcPts val="0"/>
+              </a:spcBef>
+              <a:buNone/>
+              <a:defRPr sz="1800" b="1"/>
+            </a:lvl1pPr>
+            <a:lvl2pPr marL="342900" indent="0">
+              <a:buNone/>
+              <a:defRPr sz="1500" b="1"/>
+            </a:lvl2pPr>
+            <a:lvl3pPr marL="685800" indent="0">
+              <a:buNone/>
+              <a:defRPr sz="1350" b="1"/>
+            </a:lvl3pPr>
+            <a:lvl4pPr marL="1028700" indent="0">
+              <a:buNone/>
+              <a:defRPr sz="1200" b="1"/>
+            </a:lvl4pPr>
+            <a:lvl5pPr marL="1371600" indent="0">
+              <a:buNone/>
+              <a:defRPr sz="1200" b="1"/>
+            </a:lvl5pPr>
+            <a:lvl6pPr marL="1714500" indent="0">
+              <a:buNone/>
+              <a:defRPr sz="1200" b="1"/>
+            </a:lvl6pPr>
+            <a:lvl7pPr marL="2057400" indent="0">
+              <a:buNone/>
+              <a:defRPr sz="1200" b="1"/>
+            </a:lvl7pPr>
+            <a:lvl8pPr marL="2400300" indent="0">
+              <a:buNone/>
+              <a:defRPr sz="1200" b="1"/>
+            </a:lvl8pPr>
+            <a:lvl9pPr marL="2743200" indent="0">
+              <a:buNone/>
+              <a:defRPr sz="1200" b="1"/>
+            </a:lvl9pPr>
+          </a:lstStyle>
+          <a:p>
+            <a:pPr lvl="0"/>
+            <a:r>
+              <a:rPr lang="ja-JP" altLang="en-US"/>
+              <a:t>マスター テキストの書式設定</a:t>
+            </a:r>
+          </a:p>
+        </p:txBody>
+      </p:sp>
+      <p:sp>
+        <p:nvSpPr>
+          <p:cNvPr id="4" name="Content Placeholder 3"/>
+          <p:cNvSpPr>
+            <a:spLocks noGrp="1"/>
+          </p:cNvSpPr>
+          <p:nvPr>
+            <p:ph sz="half" idx="2"/>
+          </p:nvPr>
+        </p:nvSpPr>
+        <p:spPr>
+          <a:xfrm>
+            <a:off x="633845" y="2507551"/>
+            <a:ext cx="3867150" cy="3680525"/>
+          </a:xfrm>
+        </p:spPr>
+        <p:txBody>
+          <a:bodyPr/>
+          <a:lstStyle/>
+          <a:p>
+            <a:pPr lvl="0"/>
+            <a:r>
+              <a:rPr lang="ja-JP" altLang="en-US"/>
+              <a:t>マスター テキストの書式設定</a:t>
+            </a:r>
+          </a:p>
+          <a:p>
+            <a:pPr lvl="1"/>
+            <a:r>
+              <a:rPr lang="ja-JP" altLang="en-US"/>
+              <a:t>第 </a:t>
+            </a:r>
+            <a:r>
+              <a:rPr lang="en-US" altLang="ja-JP"/>
+              <a:t>2 </a:t>
+            </a:r>
+            <a:r>
+              <a:rPr lang="ja-JP" altLang="en-US"/>
+              <a:t>レベル</a:t>
+            </a:r>
+          </a:p>
+          <a:p>
+            <a:pPr lvl="2"/>
+            <a:r>
+              <a:rPr lang="ja-JP" altLang="en-US"/>
+              <a:t>第 </a:t>
+            </a:r>
+            <a:r>
+              <a:rPr lang="en-US" altLang="ja-JP"/>
+              <a:t>3 </a:t>
+            </a:r>
+            <a:r>
+              <a:rPr lang="ja-JP" altLang="en-US"/>
+              <a:t>レベル</a:t>
+            </a:r>
+          </a:p>
+          <a:p>
+            <a:pPr lvl="3"/>
+            <a:r>
+              <a:rPr lang="ja-JP" altLang="en-US"/>
+              <a:t>第 </a:t>
+            </a:r>
+            <a:r>
+              <a:rPr lang="en-US" altLang="ja-JP"/>
+              <a:t>4 </a:t>
+            </a:r>
+            <a:r>
+              <a:rPr lang="ja-JP" altLang="en-US"/>
+              <a:t>レベル</a:t>
+            </a:r>
+          </a:p>
+          <a:p>
+            <a:pPr lvl="4"/>
+            <a:r>
+              <a:rPr lang="ja-JP" altLang="en-US"/>
+              <a:t>第 </a:t>
+            </a:r>
+            <a:r>
+              <a:rPr lang="en-US" altLang="ja-JP"/>
+              <a:t>5 </a:t>
+            </a:r>
+            <a:r>
+              <a:rPr lang="ja-JP" altLang="en-US"/>
+              <a:t>レベル</a:t>
+            </a:r>
+            <a:endParaRPr lang="en-US" dirty="0"/>
+          </a:p>
+        </p:txBody>
+      </p:sp>
+      <p:sp>
+        <p:nvSpPr>
+          <p:cNvPr id="5" name="Text Placeholder 4"/>
+          <p:cNvSpPr>
+            <a:spLocks noGrp="1"/>
+          </p:cNvSpPr>
+          <p:nvPr>
+            <p:ph type="body" sz="quarter" idx="3"/>
+          </p:nvPr>
+        </p:nvSpPr>
+        <p:spPr>
+          <a:xfrm>
+            <a:off x="4629150" y="1681851"/>
+            <a:ext cx="3886201" cy="825698"/>
+          </a:xfrm>
+        </p:spPr>
+        <p:txBody>
+          <a:bodyPr anchor="b"/>
+          <a:lstStyle>
+            <a:lvl1pPr marL="0" indent="0">
+              <a:spcBef>
+                <a:spcPts val="0"/>
+              </a:spcBef>
+              <a:buNone/>
+              <a:defRPr sz="1800" b="1"/>
+            </a:lvl1pPr>
+            <a:lvl2pPr marL="342900" indent="0">
+              <a:buNone/>
+              <a:defRPr sz="1500" b="1"/>
+            </a:lvl2pPr>
+            <a:lvl3pPr marL="685800" indent="0">
+              <a:buNone/>
+              <a:defRPr sz="1350" b="1"/>
+            </a:lvl3pPr>
+            <a:lvl4pPr marL="1028700" indent="0">
+              <a:buNone/>
+              <a:defRPr sz="1200" b="1"/>
+            </a:lvl4pPr>
+            <a:lvl5pPr marL="1371600" indent="0">
+              <a:buNone/>
+              <a:defRPr sz="1200" b="1"/>
+            </a:lvl5pPr>
+            <a:lvl6pPr marL="1714500" indent="0">
+              <a:buNone/>
+              <a:defRPr sz="1200" b="1"/>
+            </a:lvl6pPr>
+            <a:lvl7pPr marL="2057400" indent="0">
+              <a:buNone/>
+              <a:defRPr sz="1200" b="1"/>
+            </a:lvl7pPr>
+            <a:lvl8pPr marL="2400300" indent="0">
+              <a:buNone/>
+              <a:defRPr sz="1200" b="1"/>
+            </a:lvl8pPr>
+            <a:lvl9pPr marL="2743200" indent="0">
+              <a:buNone/>
+              <a:defRPr sz="1200" b="1"/>
+            </a:lvl9pPr>
+          </a:lstStyle>
+          <a:p>
+            <a:pPr lvl="0"/>
+            <a:r>
+              <a:rPr lang="ja-JP" altLang="en-US"/>
+              <a:t>マスター テキストの書式設定</a:t>
+            </a:r>
+          </a:p>
+        </p:txBody>
+      </p:sp>
+      <p:sp>
+        <p:nvSpPr>
+          <p:cNvPr id="6" name="Content Placeholder 5"/>
+          <p:cNvSpPr>
+            <a:spLocks noGrp="1"/>
+          </p:cNvSpPr>
+          <p:nvPr>
+            <p:ph sz="quarter" idx="4"/>
+          </p:nvPr>
+        </p:nvSpPr>
+        <p:spPr>
+          <a:xfrm>
+            <a:off x="4629150" y="2507551"/>
+            <a:ext cx="3886201" cy="3680525"/>
+          </a:xfrm>
+        </p:spPr>
+        <p:txBody>
+          <a:bodyPr/>
+          <a:lstStyle/>
+          <a:p>
+            <a:pPr lvl="0"/>
+            <a:r>
+              <a:rPr lang="ja-JP" altLang="en-US"/>
+              <a:t>マスター テキストの書式設定</a:t>
+            </a:r>
+          </a:p>
+          <a:p>
+            <a:pPr lvl="1"/>
+            <a:r>
+              <a:rPr lang="ja-JP" altLang="en-US"/>
+              <a:t>第 </a:t>
+            </a:r>
+            <a:r>
+              <a:rPr lang="en-US" altLang="ja-JP"/>
+              <a:t>2 </a:t>
+            </a:r>
+            <a:r>
+              <a:rPr lang="ja-JP" altLang="en-US"/>
+              <a:t>レベル</a:t>
+            </a:r>
+          </a:p>
+          <a:p>
+            <a:pPr lvl="2"/>
+            <a:r>
+              <a:rPr lang="ja-JP" altLang="en-US"/>
+              <a:t>第 </a:t>
+            </a:r>
+            <a:r>
+              <a:rPr lang="en-US" altLang="ja-JP"/>
+              <a:t>3 </a:t>
+            </a:r>
+            <a:r>
+              <a:rPr lang="ja-JP" altLang="en-US"/>
+              <a:t>レベル</a:t>
+            </a:r>
+          </a:p>
+          <a:p>
+            <a:pPr lvl="3"/>
+            <a:r>
+              <a:rPr lang="ja-JP" altLang="en-US"/>
+              <a:t>第 </a:t>
+            </a:r>
+            <a:r>
+              <a:rPr lang="en-US" altLang="ja-JP"/>
+              <a:t>4 </a:t>
+            </a:r>
+            <a:r>
+              <a:rPr lang="ja-JP" altLang="en-US"/>
+              <a:t>レベル</a:t>
+            </a:r>
+          </a:p>
+          <a:p>
+            <a:pPr lvl="4"/>
+            <a:r>
+              <a:rPr lang="ja-JP" altLang="en-US"/>
+              <a:t>第 </a:t>
+            </a:r>
+            <a:r>
+              <a:rPr lang="en-US" altLang="ja-JP"/>
+              <a:t>5 </a:t>
+            </a:r>
+            <a:r>
+              <a:rPr lang="ja-JP" altLang="en-US"/>
+              <a:t>レベル</a:t>
+            </a:r>
+            <a:endParaRPr lang="en-US"/>
+          </a:p>
+        </p:txBody>
+      </p:sp>
+      <p:sp>
+        <p:nvSpPr>
+          <p:cNvPr id="7" name="Date Placeholder 6"/>
+          <p:cNvSpPr>
+            <a:spLocks noGrp="1"/>
+          </p:cNvSpPr>
+          <p:nvPr>
+            <p:ph type="dt" sz="half" idx="10"/>
+          </p:nvPr>
+        </p:nvSpPr>
+        <p:spPr/>
+        <p:txBody>
+          <a:bodyPr/>
+          <a:lstStyle/>
+          <a:p>
+            <a:fld id="{67223A2F-DCAE-41ED-8BF9-4D87BA79D5D7}" type="datetime1">
+              <a:rPr kumimoji="1" lang="ja-JP" altLang="en-US" smtClean="0"/>
+              <a:t>2020/7/4</a:t>
+            </a:fld>
+            <a:endParaRPr kumimoji="1" lang="ja-JP" altLang="en-US"/>
+          </a:p>
+        </p:txBody>
+      </p:sp>
+      <p:sp>
+        <p:nvSpPr>
+          <p:cNvPr id="8" name="Footer Placeholder 7"/>
+          <p:cNvSpPr>
+            <a:spLocks noGrp="1"/>
+          </p:cNvSpPr>
+          <p:nvPr>
+            <p:ph type="ftr" sz="quarter" idx="11"/>
+          </p:nvPr>
+        </p:nvSpPr>
+        <p:spPr/>
+        <p:txBody>
+          <a:bodyPr/>
+          <a:lstStyle/>
+          <a:p>
+            <a:endParaRPr kumimoji="1" lang="ja-JP" altLang="en-US"/>
+          </a:p>
+        </p:txBody>
+      </p:sp>
+      <p:sp>
+        <p:nvSpPr>
+          <p:cNvPr id="9" name="Slide Number Placeholder 8"/>
+          <p:cNvSpPr>
+            <a:spLocks noGrp="1"/>
+          </p:cNvSpPr>
+          <p:nvPr>
+            <p:ph type="sldNum" sz="quarter" idx="12"/>
+          </p:nvPr>
+        </p:nvSpPr>
+        <p:spPr/>
+        <p:txBody>
+          <a:bodyPr/>
+          <a:lstStyle/>
+          <a:p>
+            <a:fld id="{C4CD1851-4943-4D29-B153-35642A3D04B9}" type="slidenum">
+              <a:rPr kumimoji="1" lang="ja-JP" altLang="en-US" smtClean="0"/>
+              <a:t>‹#›</a:t>
+            </a:fld>
+            <a:endParaRPr kumimoji="1" lang="ja-JP" altLang="en-US"/>
+          </a:p>
+        </p:txBody>
+      </p:sp>
+      <p:sp>
+        <p:nvSpPr>
+          <p:cNvPr id="10" name="Title 9"/>
+          <p:cNvSpPr>
+            <a:spLocks noGrp="1"/>
+          </p:cNvSpPr>
+          <p:nvPr>
+            <p:ph type="title"/>
+          </p:nvPr>
+        </p:nvSpPr>
+        <p:spPr/>
+        <p:txBody>
+          <a:bodyPr/>
+          <a:lstStyle/>
+          <a:p>
+            <a:r>
+              <a:rPr lang="ja-JP" altLang="en-US"/>
+              <a:t>マスター タイトルの書式設定</a:t>
+            </a:r>
+            <a:endParaRPr lang="en-US" dirty="0"/>
+          </a:p>
+        </p:txBody>
+      </p:sp>
+    </p:spTree>
+    <p:extLst>
+      <p:ext uri="{BB962C8B-B14F-4D97-AF65-F5344CB8AC3E}">
+        <p14:creationId xmlns:p14="http://schemas.microsoft.com/office/powerpoint/2010/main" val="935921362"/>
+      </p:ext>
+    </p:extLst>
+  </p:cSld>
+  <p:clrMapOvr>
+    <a:masterClrMapping/>
+  </p:clrMapOvr>
+</p:sldLayout>
+</file>
+
+<file path=ppt/slideLayouts/slideLayout17.xml><?xml version="1.0" encoding="utf-8"?>
+<p:sldLayout xmlns:a="http://schemas.openxmlformats.org/drawingml/2006/main" xmlns:r="http://schemas.openxmlformats.org/officeDocument/2006/relationships" xmlns:p="http://schemas.openxmlformats.org/presentationml/2006/main" preserve="1">
+  <p:cSld name="タイトルのみ">
+    <p:spTree>
+      <p:nvGrpSpPr>
+        <p:cNvPr id="1" name=""/>
+        <p:cNvGrpSpPr/>
+        <p:nvPr/>
+      </p:nvGrpSpPr>
+      <p:grpSpPr>
+        <a:xfrm>
+          <a:off x="0" y="0"/>
+          <a:ext cx="0" cy="0"/>
+          <a:chOff x="0" y="0"/>
+          <a:chExt cx="0" cy="0"/>
+        </a:xfrm>
+      </p:grpSpPr>
+      <p:sp>
+        <p:nvSpPr>
+          <p:cNvPr id="3" name="Date Placeholder 2"/>
+          <p:cNvSpPr>
+            <a:spLocks noGrp="1"/>
+          </p:cNvSpPr>
+          <p:nvPr>
+            <p:ph type="dt" sz="half" idx="10"/>
+          </p:nvPr>
+        </p:nvSpPr>
+        <p:spPr/>
+        <p:txBody>
+          <a:bodyPr/>
+          <a:lstStyle/>
+          <a:p>
+            <a:fld id="{5E71991C-D204-4D7C-9DD6-2490926B5F2E}" type="datetime1">
+              <a:rPr kumimoji="1" lang="ja-JP" altLang="en-US" smtClean="0"/>
+              <a:t>2020/7/4</a:t>
+            </a:fld>
+            <a:endParaRPr kumimoji="1" lang="ja-JP" altLang="en-US"/>
+          </a:p>
+        </p:txBody>
+      </p:sp>
+      <p:sp>
+        <p:nvSpPr>
+          <p:cNvPr id="4" name="Footer Placeholder 3"/>
+          <p:cNvSpPr>
+            <a:spLocks noGrp="1"/>
+          </p:cNvSpPr>
+          <p:nvPr>
+            <p:ph type="ftr" sz="quarter" idx="11"/>
+          </p:nvPr>
+        </p:nvSpPr>
+        <p:spPr/>
+        <p:txBody>
+          <a:bodyPr/>
+          <a:lstStyle/>
+          <a:p>
+            <a:endParaRPr kumimoji="1" lang="ja-JP" altLang="en-US"/>
+          </a:p>
+        </p:txBody>
+      </p:sp>
+      <p:sp>
+        <p:nvSpPr>
+          <p:cNvPr id="5" name="Slide Number Placeholder 4"/>
+          <p:cNvSpPr>
+            <a:spLocks noGrp="1"/>
+          </p:cNvSpPr>
+          <p:nvPr>
+            <p:ph type="sldNum" sz="quarter" idx="12"/>
+          </p:nvPr>
+        </p:nvSpPr>
+        <p:spPr/>
+        <p:txBody>
+          <a:bodyPr/>
+          <a:lstStyle/>
+          <a:p>
+            <a:fld id="{C4CD1851-4943-4D29-B153-35642A3D04B9}" type="slidenum">
+              <a:rPr kumimoji="1" lang="ja-JP" altLang="en-US" smtClean="0"/>
+              <a:t>‹#›</a:t>
+            </a:fld>
+            <a:endParaRPr kumimoji="1" lang="ja-JP" altLang="en-US"/>
+          </a:p>
+        </p:txBody>
+      </p:sp>
+      <p:sp>
+        <p:nvSpPr>
+          <p:cNvPr id="6" name="Title 5"/>
+          <p:cNvSpPr>
+            <a:spLocks noGrp="1"/>
+          </p:cNvSpPr>
+          <p:nvPr>
+            <p:ph type="title"/>
+          </p:nvPr>
+        </p:nvSpPr>
+        <p:spPr/>
+        <p:txBody>
+          <a:bodyPr/>
+          <a:lstStyle/>
+          <a:p>
+            <a:r>
+              <a:rPr lang="ja-JP" altLang="en-US"/>
+              <a:t>マスター タイトルの書式設定</a:t>
+            </a:r>
+            <a:endParaRPr lang="en-US"/>
+          </a:p>
+        </p:txBody>
+      </p:sp>
+    </p:spTree>
+    <p:extLst>
+      <p:ext uri="{BB962C8B-B14F-4D97-AF65-F5344CB8AC3E}">
+        <p14:creationId xmlns:p14="http://schemas.microsoft.com/office/powerpoint/2010/main" val="4024562490"/>
+      </p:ext>
+    </p:extLst>
+  </p:cSld>
+  <p:clrMapOvr>
+    <a:masterClrMapping/>
+  </p:clrMapOvr>
+</p:sldLayout>
+</file>
+
+<file path=ppt/slideLayouts/slideLayout18.xml><?xml version="1.0" encoding="utf-8"?>
+<p:sldLayout xmlns:a="http://schemas.openxmlformats.org/drawingml/2006/main" xmlns:r="http://schemas.openxmlformats.org/officeDocument/2006/relationships" xmlns:p="http://schemas.openxmlformats.org/presentationml/2006/main" type="blank" preserve="1">
+  <p:cSld name="白紙">
+    <p:spTree>
+      <p:nvGrpSpPr>
+        <p:cNvPr id="1" name=""/>
+        <p:cNvGrpSpPr/>
+        <p:nvPr/>
+      </p:nvGrpSpPr>
+      <p:grpSpPr>
+        <a:xfrm>
+          <a:off x="0" y="0"/>
+          <a:ext cx="0" cy="0"/>
+          <a:chOff x="0" y="0"/>
+          <a:chExt cx="0" cy="0"/>
+        </a:xfrm>
+      </p:grpSpPr>
+      <p:sp>
+        <p:nvSpPr>
+          <p:cNvPr id="2" name="Date Placeholder 1"/>
+          <p:cNvSpPr>
+            <a:spLocks noGrp="1"/>
+          </p:cNvSpPr>
+          <p:nvPr>
+            <p:ph type="dt" sz="half" idx="10"/>
+          </p:nvPr>
+        </p:nvSpPr>
+        <p:spPr/>
+        <p:txBody>
+          <a:bodyPr/>
+          <a:lstStyle/>
+          <a:p>
+            <a:fld id="{BB498E0E-5FC3-474D-9623-9082E95005F8}" type="datetime1">
+              <a:rPr kumimoji="1" lang="ja-JP" altLang="en-US" smtClean="0"/>
+              <a:t>2020/7/4</a:t>
+            </a:fld>
+            <a:endParaRPr kumimoji="1" lang="ja-JP" altLang="en-US"/>
+          </a:p>
+        </p:txBody>
+      </p:sp>
+      <p:sp>
+        <p:nvSpPr>
+          <p:cNvPr id="3" name="Footer Placeholder 2"/>
+          <p:cNvSpPr>
+            <a:spLocks noGrp="1"/>
+          </p:cNvSpPr>
+          <p:nvPr>
+            <p:ph type="ftr" sz="quarter" idx="11"/>
+          </p:nvPr>
+        </p:nvSpPr>
+        <p:spPr/>
+        <p:txBody>
+          <a:bodyPr/>
+          <a:lstStyle/>
+          <a:p>
+            <a:endParaRPr kumimoji="1" lang="ja-JP" altLang="en-US"/>
+          </a:p>
+        </p:txBody>
+      </p:sp>
+      <p:sp>
+        <p:nvSpPr>
+          <p:cNvPr id="4" name="Slide Number Placeholder 3"/>
+          <p:cNvSpPr>
+            <a:spLocks noGrp="1"/>
+          </p:cNvSpPr>
+          <p:nvPr>
+            <p:ph type="sldNum" sz="quarter" idx="12"/>
+          </p:nvPr>
+        </p:nvSpPr>
+        <p:spPr/>
+        <p:txBody>
+          <a:bodyPr/>
+          <a:lstStyle/>
+          <a:p>
+            <a:fld id="{C4CD1851-4943-4D29-B153-35642A3D04B9}" type="slidenum">
+              <a:rPr kumimoji="1" lang="ja-JP" altLang="en-US" smtClean="0"/>
+              <a:t>‹#›</a:t>
+            </a:fld>
+            <a:endParaRPr kumimoji="1" lang="ja-JP" altLang="en-US"/>
+          </a:p>
+        </p:txBody>
+      </p:sp>
+    </p:spTree>
+    <p:extLst>
+      <p:ext uri="{BB962C8B-B14F-4D97-AF65-F5344CB8AC3E}">
+        <p14:creationId xmlns:p14="http://schemas.microsoft.com/office/powerpoint/2010/main" val="1407999404"/>
+      </p:ext>
+    </p:extLst>
+  </p:cSld>
+  <p:clrMapOvr>
+    <a:masterClrMapping/>
+  </p:clrMapOvr>
+</p:sldLayout>
+</file>
+
+<file path=ppt/slideLayouts/slideLayout19.xml><?xml version="1.0" encoding="utf-8"?>
+<p:sldLayout xmlns:a="http://schemas.openxmlformats.org/drawingml/2006/main" xmlns:r="http://schemas.openxmlformats.org/officeDocument/2006/relationships" xmlns:p="http://schemas.openxmlformats.org/presentationml/2006/main" type="objTx" preserve="1">
+  <p:cSld name="タイトル付きのコンテンツ">
+    <p:spTree>
+      <p:nvGrpSpPr>
+        <p:cNvPr id="1" name=""/>
+        <p:cNvGrpSpPr/>
+        <p:nvPr/>
+      </p:nvGrpSpPr>
+      <p:grpSpPr>
+        <a:xfrm>
+          <a:off x="0" y="0"/>
+          <a:ext cx="0" cy="0"/>
+          <a:chOff x="0" y="0"/>
+          <a:chExt cx="0" cy="0"/>
+        </a:xfrm>
+      </p:grpSpPr>
+      <p:sp>
+        <p:nvSpPr>
+          <p:cNvPr id="2" name="Title 1"/>
+          <p:cNvSpPr>
+            <a:spLocks noGrp="1"/>
+          </p:cNvSpPr>
+          <p:nvPr>
+            <p:ph type="title"/>
+          </p:nvPr>
+        </p:nvSpPr>
+        <p:spPr>
+          <a:xfrm>
+            <a:off x="630936" y="457201"/>
+            <a:ext cx="2948940" cy="1600197"/>
+          </a:xfrm>
+        </p:spPr>
+        <p:txBody>
+          <a:bodyPr anchor="b">
+            <a:normAutofit/>
+          </a:bodyPr>
+          <a:lstStyle>
+            <a:lvl1pPr>
+              <a:defRPr sz="2400" b="0"/>
+            </a:lvl1pPr>
+          </a:lstStyle>
+          <a:p>
+            <a:r>
+              <a:rPr lang="ja-JP" altLang="en-US"/>
+              <a:t>マスター タイトルの書式設定</a:t>
+            </a:r>
+            <a:endParaRPr lang="en-US" dirty="0"/>
+          </a:p>
+        </p:txBody>
+      </p:sp>
+      <p:sp>
+        <p:nvSpPr>
+          <p:cNvPr id="3" name="Content Placeholder 2"/>
+          <p:cNvSpPr>
+            <a:spLocks noGrp="1"/>
+          </p:cNvSpPr>
+          <p:nvPr>
+            <p:ph idx="1"/>
+          </p:nvPr>
+        </p:nvSpPr>
+        <p:spPr>
+          <a:xfrm>
+            <a:off x="3886200" y="990600"/>
+            <a:ext cx="4629150" cy="4876800"/>
+          </a:xfrm>
+        </p:spPr>
+        <p:txBody>
+          <a:bodyPr/>
+          <a:lstStyle>
+            <a:lvl1pPr>
+              <a:defRPr sz="2400"/>
+            </a:lvl1pPr>
+            <a:lvl2pPr>
+              <a:defRPr sz="2100"/>
+            </a:lvl2pPr>
+            <a:lvl3pPr>
+              <a:defRPr sz="1800"/>
+            </a:lvl3pPr>
+            <a:lvl4pPr>
+              <a:defRPr sz="1500"/>
+            </a:lvl4pPr>
+            <a:lvl5pPr>
+              <a:defRPr sz="1500"/>
+            </a:lvl5pPr>
+            <a:lvl6pPr>
+              <a:defRPr sz="1500"/>
+            </a:lvl6pPr>
+            <a:lvl7pPr>
+              <a:defRPr sz="1500"/>
+            </a:lvl7pPr>
+            <a:lvl8pPr>
+              <a:defRPr sz="1500"/>
+            </a:lvl8pPr>
+            <a:lvl9pPr>
+              <a:defRPr sz="1500"/>
+            </a:lvl9pPr>
+          </a:lstStyle>
+          <a:p>
+            <a:pPr lvl="0"/>
+            <a:r>
+              <a:rPr lang="ja-JP" altLang="en-US"/>
+              <a:t>マスター テキストの書式設定</a:t>
+            </a:r>
+          </a:p>
+          <a:p>
+            <a:pPr lvl="1"/>
+            <a:r>
+              <a:rPr lang="ja-JP" altLang="en-US"/>
+              <a:t>第 </a:t>
+            </a:r>
+            <a:r>
+              <a:rPr lang="en-US" altLang="ja-JP"/>
+              <a:t>2 </a:t>
+            </a:r>
+            <a:r>
+              <a:rPr lang="ja-JP" altLang="en-US"/>
+              <a:t>レベル</a:t>
+            </a:r>
+          </a:p>
+          <a:p>
+            <a:pPr lvl="2"/>
+            <a:r>
+              <a:rPr lang="ja-JP" altLang="en-US"/>
+              <a:t>第 </a:t>
+            </a:r>
+            <a:r>
+              <a:rPr lang="en-US" altLang="ja-JP"/>
+              <a:t>3 </a:t>
+            </a:r>
+            <a:r>
+              <a:rPr lang="ja-JP" altLang="en-US"/>
+              <a:t>レベル</a:t>
+            </a:r>
+          </a:p>
+          <a:p>
+            <a:pPr lvl="3"/>
+            <a:r>
+              <a:rPr lang="ja-JP" altLang="en-US"/>
+              <a:t>第 </a:t>
+            </a:r>
+            <a:r>
+              <a:rPr lang="en-US" altLang="ja-JP"/>
+              <a:t>4 </a:t>
+            </a:r>
+            <a:r>
+              <a:rPr lang="ja-JP" altLang="en-US"/>
+              <a:t>レベル</a:t>
+            </a:r>
+          </a:p>
+          <a:p>
+            <a:pPr lvl="4"/>
+            <a:r>
+              <a:rPr lang="ja-JP" altLang="en-US"/>
+              <a:t>第 </a:t>
+            </a:r>
+            <a:r>
+              <a:rPr lang="en-US" altLang="ja-JP"/>
+              <a:t>5 </a:t>
+            </a:r>
+            <a:r>
+              <a:rPr lang="ja-JP" altLang="en-US"/>
+              <a:t>レベル</a:t>
+            </a:r>
+            <a:endParaRPr lang="en-US" dirty="0"/>
+          </a:p>
+        </p:txBody>
+      </p:sp>
+      <p:sp>
+        <p:nvSpPr>
+          <p:cNvPr id="4" name="Text Placeholder 3"/>
+          <p:cNvSpPr>
+            <a:spLocks noGrp="1"/>
+          </p:cNvSpPr>
+          <p:nvPr>
+            <p:ph type="body" sz="half" idx="2"/>
+          </p:nvPr>
+        </p:nvSpPr>
+        <p:spPr>
+          <a:xfrm>
+            <a:off x="630936" y="2057399"/>
+            <a:ext cx="2948940" cy="3810001"/>
+          </a:xfrm>
+        </p:spPr>
+        <p:txBody>
+          <a:bodyPr>
+            <a:normAutofit/>
+          </a:bodyPr>
+          <a:lstStyle>
+            <a:lvl1pPr marL="0" indent="0">
+              <a:lnSpc>
+                <a:spcPct val="90000"/>
+              </a:lnSpc>
+              <a:buNone/>
+              <a:defRPr sz="1200"/>
+            </a:lvl1pPr>
+            <a:lvl2pPr marL="342900" indent="0">
+              <a:buNone/>
+              <a:defRPr sz="900"/>
+            </a:lvl2pPr>
+            <a:lvl3pPr marL="685800" indent="0">
+              <a:buNone/>
+              <a:defRPr sz="750"/>
+            </a:lvl3pPr>
+            <a:lvl4pPr marL="1028700" indent="0">
+              <a:buNone/>
+              <a:defRPr sz="675"/>
+            </a:lvl4pPr>
+            <a:lvl5pPr marL="1371600" indent="0">
+              <a:buNone/>
+              <a:defRPr sz="675"/>
+            </a:lvl5pPr>
+            <a:lvl6pPr marL="1714500" indent="0">
+              <a:buNone/>
+              <a:defRPr sz="675"/>
+            </a:lvl6pPr>
+            <a:lvl7pPr marL="2057400" indent="0">
+              <a:buNone/>
+              <a:defRPr sz="675"/>
+            </a:lvl7pPr>
+            <a:lvl8pPr marL="2400300" indent="0">
+              <a:buNone/>
+              <a:defRPr sz="675"/>
+            </a:lvl8pPr>
+            <a:lvl9pPr marL="2743200" indent="0">
+              <a:buNone/>
+              <a:defRPr sz="675"/>
+            </a:lvl9pPr>
+          </a:lstStyle>
+          <a:p>
+            <a:pPr lvl="0"/>
+            <a:r>
+              <a:rPr lang="ja-JP" altLang="en-US"/>
+              <a:t>マスター テキストの書式設定</a:t>
+            </a:r>
+          </a:p>
+        </p:txBody>
+      </p:sp>
+      <p:sp>
+        <p:nvSpPr>
+          <p:cNvPr id="5" name="Date Placeholder 4"/>
+          <p:cNvSpPr>
+            <a:spLocks noGrp="1"/>
+          </p:cNvSpPr>
+          <p:nvPr>
+            <p:ph type="dt" sz="half" idx="10"/>
+          </p:nvPr>
+        </p:nvSpPr>
+        <p:spPr/>
+        <p:txBody>
+          <a:bodyPr/>
+          <a:lstStyle/>
+          <a:p>
+            <a:fld id="{A63B96FE-39C2-415B-8E6E-A08A535A7B5D}" type="datetime1">
+              <a:rPr kumimoji="1" lang="ja-JP" altLang="en-US" smtClean="0"/>
+              <a:t>2020/7/4</a:t>
+            </a:fld>
+            <a:endParaRPr kumimoji="1" lang="ja-JP" altLang="en-US"/>
+          </a:p>
+        </p:txBody>
+      </p:sp>
+      <p:sp>
+        <p:nvSpPr>
+          <p:cNvPr id="6" name="Footer Placeholder 5"/>
+          <p:cNvSpPr>
+            <a:spLocks noGrp="1"/>
+          </p:cNvSpPr>
+          <p:nvPr>
+            <p:ph type="ftr" sz="quarter" idx="11"/>
+          </p:nvPr>
+        </p:nvSpPr>
+        <p:spPr/>
+        <p:txBody>
+          <a:bodyPr/>
+          <a:lstStyle/>
+          <a:p>
+            <a:endParaRPr kumimoji="1" lang="ja-JP" altLang="en-US"/>
+          </a:p>
+        </p:txBody>
+      </p:sp>
+      <p:sp>
+        <p:nvSpPr>
+          <p:cNvPr id="7" name="Slide Number Placeholder 6"/>
+          <p:cNvSpPr>
+            <a:spLocks noGrp="1"/>
+          </p:cNvSpPr>
+          <p:nvPr>
+            <p:ph type="sldNum" sz="quarter" idx="12"/>
+          </p:nvPr>
+        </p:nvSpPr>
+        <p:spPr/>
+        <p:txBody>
+          <a:bodyPr/>
+          <a:lstStyle/>
+          <a:p>
+            <a:fld id="{C4CD1851-4943-4D29-B153-35642A3D04B9}" type="slidenum">
+              <a:rPr kumimoji="1" lang="ja-JP" altLang="en-US" smtClean="0"/>
+              <a:t>‹#›</a:t>
+            </a:fld>
+            <a:endParaRPr kumimoji="1" lang="ja-JP" altLang="en-US"/>
+          </a:p>
+        </p:txBody>
+      </p:sp>
+    </p:spTree>
+    <p:extLst>
+      <p:ext uri="{BB962C8B-B14F-4D97-AF65-F5344CB8AC3E}">
+        <p14:creationId xmlns:p14="http://schemas.microsoft.com/office/powerpoint/2010/main" val="777217020"/>
       </p:ext>
     </p:extLst>
   </p:cSld>
@@ -1338,11 +3274,17 @@
         </p:nvSpPr>
         <p:spPr/>
         <p:txBody>
-          <a:bodyPr/>
-          <a:lstStyle/>
-          <a:p>
-            <a:r>
-              <a:rPr lang="ja-JP" altLang="en-US"/>
+          <a:bodyPr>
+            <a:normAutofit/>
+          </a:bodyPr>
+          <a:lstStyle>
+            <a:lvl1pPr>
+              <a:defRPr sz="4000"/>
+            </a:lvl1pPr>
+          </a:lstStyle>
+          <a:p>
+            <a:r>
+              <a:rPr lang="ja-JP" altLang="en-US" dirty="0"/>
               <a:t>マスター タイトルの書式設定</a:t>
             </a:r>
             <a:endParaRPr lang="en-US" dirty="0"/>
@@ -1361,72 +3303,90 @@
         </p:nvSpPr>
         <p:spPr/>
         <p:txBody>
-          <a:bodyPr/>
-          <a:lstStyle/>
+          <a:bodyPr>
+            <a:normAutofit/>
+          </a:bodyPr>
+          <a:lstStyle>
+            <a:lvl1pPr>
+              <a:defRPr sz="3200"/>
+            </a:lvl1pPr>
+            <a:lvl2pPr>
+              <a:defRPr sz="2800"/>
+            </a:lvl2pPr>
+            <a:lvl3pPr>
+              <a:defRPr sz="2000"/>
+            </a:lvl3pPr>
+            <a:lvl4pPr>
+              <a:defRPr sz="1800"/>
+            </a:lvl4pPr>
+            <a:lvl5pPr>
+              <a:defRPr sz="1800"/>
+            </a:lvl5pPr>
+          </a:lstStyle>
           <a:p>
             <a:pPr lvl="0"/>
             <a:r>
-              <a:rPr lang="ja-JP" altLang="en-US"/>
+              <a:rPr lang="ja-JP" altLang="en-US" dirty="0"/>
               <a:t>マスター テキストの書式設定</a:t>
             </a:r>
           </a:p>
           <a:p>
             <a:pPr lvl="1"/>
             <a:r>
-              <a:rPr lang="ja-JP" altLang="en-US"/>
+              <a:rPr lang="ja-JP" altLang="en-US" dirty="0"/>
               <a:t>第 </a:t>
             </a:r>
             <a:r>
-              <a:rPr lang="en-US" altLang="ja-JP"/>
+              <a:rPr lang="en-US" altLang="ja-JP" dirty="0"/>
               <a:t>2 </a:t>
             </a:r>
             <a:r>
-              <a:rPr lang="ja-JP" altLang="en-US"/>
+              <a:rPr lang="ja-JP" altLang="en-US" dirty="0"/>
               <a:t>レベル</a:t>
             </a:r>
           </a:p>
           <a:p>
             <a:pPr lvl="2"/>
             <a:r>
-              <a:rPr lang="ja-JP" altLang="en-US"/>
+              <a:rPr lang="ja-JP" altLang="en-US" dirty="0"/>
               <a:t>第 </a:t>
             </a:r>
             <a:r>
-              <a:rPr lang="en-US" altLang="ja-JP"/>
+              <a:rPr lang="en-US" altLang="ja-JP" dirty="0"/>
               <a:t>3 </a:t>
             </a:r>
             <a:r>
-              <a:rPr lang="ja-JP" altLang="en-US"/>
+              <a:rPr lang="ja-JP" altLang="en-US" dirty="0"/>
               <a:t>レベル</a:t>
             </a:r>
           </a:p>
           <a:p>
             <a:pPr lvl="3"/>
             <a:r>
-              <a:rPr lang="ja-JP" altLang="en-US"/>
+              <a:rPr lang="ja-JP" altLang="en-US" dirty="0"/>
               <a:t>第 </a:t>
             </a:r>
             <a:r>
-              <a:rPr lang="en-US" altLang="ja-JP"/>
+              <a:rPr lang="en-US" altLang="ja-JP" dirty="0"/>
               <a:t>4 </a:t>
             </a:r>
             <a:r>
-              <a:rPr lang="ja-JP" altLang="en-US"/>
+              <a:rPr lang="ja-JP" altLang="en-US" dirty="0"/>
               <a:t>レベル</a:t>
             </a:r>
           </a:p>
           <a:p>
             <a:pPr lvl="4"/>
             <a:r>
-              <a:rPr lang="ja-JP" altLang="en-US"/>
+              <a:rPr lang="ja-JP" altLang="en-US" dirty="0"/>
               <a:t>第 </a:t>
             </a:r>
             <a:r>
-              <a:rPr lang="en-US" altLang="ja-JP"/>
+              <a:rPr lang="en-US" altLang="ja-JP" dirty="0"/>
               <a:t>5 </a:t>
             </a:r>
             <a:r>
-              <a:rPr lang="ja-JP" altLang="en-US"/>
+              <a:rPr lang="ja-JP" altLang="en-US" dirty="0"/>
               <a:t>レベル</a:t>
             </a:r>
             <a:endParaRPr lang="en-US" dirty="0"/>
@@ -1501,7 +3461,687 @@
     </p:spTree>
     <p:extLst>
       <p:ext uri="{BB962C8B-B14F-4D97-AF65-F5344CB8AC3E}">
-        <p14:creationId xmlns:p14="http://schemas.microsoft.com/office/powerpoint/2010/main" val="3534392949"/>
+        <p14:creationId xmlns:p14="http://schemas.microsoft.com/office/powerpoint/2010/main" val="2557982"/>
+      </p:ext>
+    </p:extLst>
+  </p:cSld>
+  <p:clrMapOvr>
+    <a:masterClrMapping/>
+  </p:clrMapOvr>
+</p:sldLayout>
+</file>
+
+<file path=ppt/slideLayouts/slideLayout20.xml><?xml version="1.0" encoding="utf-8"?>
+<p:sldLayout xmlns:a="http://schemas.openxmlformats.org/drawingml/2006/main" xmlns:r="http://schemas.openxmlformats.org/officeDocument/2006/relationships" xmlns:p="http://schemas.openxmlformats.org/presentationml/2006/main" type="picTx" preserve="1">
+  <p:cSld name="タイトル付きの図">
+    <p:spTree>
+      <p:nvGrpSpPr>
+        <p:cNvPr id="1" name=""/>
+        <p:cNvGrpSpPr/>
+        <p:nvPr/>
+      </p:nvGrpSpPr>
+      <p:grpSpPr>
+        <a:xfrm>
+          <a:off x="0" y="0"/>
+          <a:ext cx="0" cy="0"/>
+          <a:chOff x="0" y="0"/>
+          <a:chExt cx="0" cy="0"/>
+        </a:xfrm>
+      </p:grpSpPr>
+      <p:sp>
+        <p:nvSpPr>
+          <p:cNvPr id="2" name="Title 1"/>
+          <p:cNvSpPr>
+            <a:spLocks noGrp="1"/>
+          </p:cNvSpPr>
+          <p:nvPr>
+            <p:ph type="title"/>
+          </p:nvPr>
+        </p:nvSpPr>
+        <p:spPr>
+          <a:xfrm>
+            <a:off x="630936" y="457200"/>
+            <a:ext cx="2948940" cy="1600200"/>
+          </a:xfrm>
+        </p:spPr>
+        <p:txBody>
+          <a:bodyPr anchor="b">
+            <a:normAutofit/>
+          </a:bodyPr>
+          <a:lstStyle>
+            <a:lvl1pPr>
+              <a:defRPr sz="2400" b="0"/>
+            </a:lvl1pPr>
+          </a:lstStyle>
+          <a:p>
+            <a:r>
+              <a:rPr lang="ja-JP" altLang="en-US"/>
+              <a:t>マスター タイトルの書式設定</a:t>
+            </a:r>
+            <a:endParaRPr lang="en-US" dirty="0"/>
+          </a:p>
+        </p:txBody>
+      </p:sp>
+      <p:sp>
+        <p:nvSpPr>
+          <p:cNvPr id="3" name="Picture Placeholder 2"/>
+          <p:cNvSpPr>
+            <a:spLocks noGrp="1"/>
+          </p:cNvSpPr>
+          <p:nvPr>
+            <p:ph type="pic" idx="1"/>
+          </p:nvPr>
+        </p:nvSpPr>
+        <p:spPr>
+          <a:xfrm>
+            <a:off x="3886200" y="990600"/>
+            <a:ext cx="4629150" cy="4876800"/>
+          </a:xfrm>
+        </p:spPr>
+        <p:txBody>
+          <a:bodyPr/>
+          <a:lstStyle>
+            <a:lvl1pPr marL="0" indent="0">
+              <a:buNone/>
+              <a:defRPr sz="2400"/>
+            </a:lvl1pPr>
+            <a:lvl2pPr marL="342900" indent="0">
+              <a:buNone/>
+              <a:defRPr sz="2100"/>
+            </a:lvl2pPr>
+            <a:lvl3pPr marL="685800" indent="0">
+              <a:buNone/>
+              <a:defRPr sz="1800"/>
+            </a:lvl3pPr>
+            <a:lvl4pPr marL="1028700" indent="0">
+              <a:buNone/>
+              <a:defRPr sz="1500"/>
+            </a:lvl4pPr>
+            <a:lvl5pPr marL="1371600" indent="0">
+              <a:buNone/>
+              <a:defRPr sz="1500"/>
+            </a:lvl5pPr>
+            <a:lvl6pPr marL="1714500" indent="0">
+              <a:buNone/>
+              <a:defRPr sz="1500"/>
+            </a:lvl6pPr>
+            <a:lvl7pPr marL="2057400" indent="0">
+              <a:buNone/>
+              <a:defRPr sz="1500"/>
+            </a:lvl7pPr>
+            <a:lvl8pPr marL="2400300" indent="0">
+              <a:buNone/>
+              <a:defRPr sz="1500"/>
+            </a:lvl8pPr>
+            <a:lvl9pPr marL="2743200" indent="0">
+              <a:buNone/>
+              <a:defRPr sz="1500"/>
+            </a:lvl9pPr>
+          </a:lstStyle>
+          <a:p>
+            <a:r>
+              <a:rPr lang="ja-JP" altLang="en-US"/>
+              <a:t>アイコンをクリックして図を追加</a:t>
+            </a:r>
+            <a:endParaRPr lang="en-US" dirty="0"/>
+          </a:p>
+        </p:txBody>
+      </p:sp>
+      <p:sp>
+        <p:nvSpPr>
+          <p:cNvPr id="4" name="Text Placeholder 3"/>
+          <p:cNvSpPr>
+            <a:spLocks noGrp="1"/>
+          </p:cNvSpPr>
+          <p:nvPr>
+            <p:ph type="body" sz="half" idx="2"/>
+          </p:nvPr>
+        </p:nvSpPr>
+        <p:spPr>
+          <a:xfrm>
+            <a:off x="630936" y="2057400"/>
+            <a:ext cx="2948940" cy="3810000"/>
+          </a:xfrm>
+        </p:spPr>
+        <p:txBody>
+          <a:bodyPr>
+            <a:normAutofit/>
+          </a:bodyPr>
+          <a:lstStyle>
+            <a:lvl1pPr marL="0" indent="0">
+              <a:lnSpc>
+                <a:spcPct val="90000"/>
+              </a:lnSpc>
+              <a:buNone/>
+              <a:defRPr sz="1200"/>
+            </a:lvl1pPr>
+            <a:lvl2pPr marL="342900" indent="0">
+              <a:buNone/>
+              <a:defRPr sz="900"/>
+            </a:lvl2pPr>
+            <a:lvl3pPr marL="685800" indent="0">
+              <a:buNone/>
+              <a:defRPr sz="750"/>
+            </a:lvl3pPr>
+            <a:lvl4pPr marL="1028700" indent="0">
+              <a:buNone/>
+              <a:defRPr sz="675"/>
+            </a:lvl4pPr>
+            <a:lvl5pPr marL="1371600" indent="0">
+              <a:buNone/>
+              <a:defRPr sz="675"/>
+            </a:lvl5pPr>
+            <a:lvl6pPr marL="1714500" indent="0">
+              <a:buNone/>
+              <a:defRPr sz="675"/>
+            </a:lvl6pPr>
+            <a:lvl7pPr marL="2057400" indent="0">
+              <a:buNone/>
+              <a:defRPr sz="675"/>
+            </a:lvl7pPr>
+            <a:lvl8pPr marL="2400300" indent="0">
+              <a:buNone/>
+              <a:defRPr sz="675"/>
+            </a:lvl8pPr>
+            <a:lvl9pPr marL="2743200" indent="0">
+              <a:buNone/>
+              <a:defRPr sz="675"/>
+            </a:lvl9pPr>
+          </a:lstStyle>
+          <a:p>
+            <a:pPr lvl="0"/>
+            <a:r>
+              <a:rPr lang="ja-JP" altLang="en-US"/>
+              <a:t>マスター テキストの書式設定</a:t>
+            </a:r>
+          </a:p>
+        </p:txBody>
+      </p:sp>
+      <p:sp>
+        <p:nvSpPr>
+          <p:cNvPr id="5" name="Date Placeholder 4"/>
+          <p:cNvSpPr>
+            <a:spLocks noGrp="1"/>
+          </p:cNvSpPr>
+          <p:nvPr>
+            <p:ph type="dt" sz="half" idx="10"/>
+          </p:nvPr>
+        </p:nvSpPr>
+        <p:spPr/>
+        <p:txBody>
+          <a:bodyPr/>
+          <a:lstStyle/>
+          <a:p>
+            <a:fld id="{C764DE79-268F-4C1A-8933-263129D2AF90}" type="datetimeFigureOut">
+              <a:rPr lang="en-US" smtClean="0"/>
+              <a:t>7/4/2020</a:t>
+            </a:fld>
+            <a:endParaRPr lang="en-US" dirty="0"/>
+          </a:p>
+        </p:txBody>
+      </p:sp>
+      <p:sp>
+        <p:nvSpPr>
+          <p:cNvPr id="6" name="Footer Placeholder 5"/>
+          <p:cNvSpPr>
+            <a:spLocks noGrp="1"/>
+          </p:cNvSpPr>
+          <p:nvPr>
+            <p:ph type="ftr" sz="quarter" idx="11"/>
+          </p:nvPr>
+        </p:nvSpPr>
+        <p:spPr/>
+        <p:txBody>
+          <a:bodyPr/>
+          <a:lstStyle/>
+          <a:p>
+            <a:endParaRPr lang="en-US" dirty="0"/>
+          </a:p>
+        </p:txBody>
+      </p:sp>
+      <p:sp>
+        <p:nvSpPr>
+          <p:cNvPr id="7" name="Slide Number Placeholder 6"/>
+          <p:cNvSpPr>
+            <a:spLocks noGrp="1"/>
+          </p:cNvSpPr>
+          <p:nvPr>
+            <p:ph type="sldNum" sz="quarter" idx="12"/>
+          </p:nvPr>
+        </p:nvSpPr>
+        <p:spPr/>
+        <p:txBody>
+          <a:bodyPr/>
+          <a:lstStyle/>
+          <a:p>
+            <a:fld id="{C4CD1851-4943-4D29-B153-35642A3D04B9}" type="slidenum">
+              <a:rPr lang="ja-JP" altLang="en-US" smtClean="0"/>
+              <a:pPr/>
+              <a:t>‹#›</a:t>
+            </a:fld>
+            <a:endParaRPr lang="ja-JP" altLang="en-US" dirty="0"/>
+          </a:p>
+        </p:txBody>
+      </p:sp>
+    </p:spTree>
+    <p:extLst>
+      <p:ext uri="{BB962C8B-B14F-4D97-AF65-F5344CB8AC3E}">
+        <p14:creationId xmlns:p14="http://schemas.microsoft.com/office/powerpoint/2010/main" val="705929563"/>
+      </p:ext>
+    </p:extLst>
+  </p:cSld>
+  <p:clrMapOvr>
+    <a:masterClrMapping/>
+  </p:clrMapOvr>
+  <p:hf hdr="0" ftr="0" dt="0"/>
+</p:sldLayout>
+</file>
+
+<file path=ppt/slideLayouts/slideLayout21.xml><?xml version="1.0" encoding="utf-8"?>
+<p:sldLayout xmlns:a="http://schemas.openxmlformats.org/drawingml/2006/main" xmlns:r="http://schemas.openxmlformats.org/officeDocument/2006/relationships" xmlns:p="http://schemas.openxmlformats.org/presentationml/2006/main" type="vertTx" preserve="1">
+  <p:cSld name="タイトルと縦書きテキスト">
+    <p:spTree>
+      <p:nvGrpSpPr>
+        <p:cNvPr id="1" name=""/>
+        <p:cNvGrpSpPr/>
+        <p:nvPr/>
+      </p:nvGrpSpPr>
+      <p:grpSpPr>
+        <a:xfrm>
+          <a:off x="0" y="0"/>
+          <a:ext cx="0" cy="0"/>
+          <a:chOff x="0" y="0"/>
+          <a:chExt cx="0" cy="0"/>
+        </a:xfrm>
+      </p:grpSpPr>
+      <p:sp>
+        <p:nvSpPr>
+          <p:cNvPr id="2" name="Title 1"/>
+          <p:cNvSpPr>
+            <a:spLocks noGrp="1"/>
+          </p:cNvSpPr>
+          <p:nvPr>
+            <p:ph type="title"/>
+          </p:nvPr>
+        </p:nvSpPr>
+        <p:spPr/>
+        <p:txBody>
+          <a:bodyPr/>
+          <a:lstStyle/>
+          <a:p>
+            <a:r>
+              <a:rPr lang="ja-JP" altLang="en-US"/>
+              <a:t>マスター タイトルの書式設定</a:t>
+            </a:r>
+            <a:endParaRPr lang="en-US"/>
+          </a:p>
+        </p:txBody>
+      </p:sp>
+      <p:sp>
+        <p:nvSpPr>
+          <p:cNvPr id="3" name="Vertical Text Placeholder 2"/>
+          <p:cNvSpPr>
+            <a:spLocks noGrp="1"/>
+          </p:cNvSpPr>
+          <p:nvPr>
+            <p:ph type="body" orient="vert" idx="1"/>
+          </p:nvPr>
+        </p:nvSpPr>
+        <p:spPr/>
+        <p:txBody>
+          <a:bodyPr vert="eaVert"/>
+          <a:lstStyle/>
+          <a:p>
+            <a:pPr lvl="0"/>
+            <a:r>
+              <a:rPr lang="ja-JP" altLang="en-US"/>
+              <a:t>マスター テキストの書式設定</a:t>
+            </a:r>
+          </a:p>
+          <a:p>
+            <a:pPr lvl="1"/>
+            <a:r>
+              <a:rPr lang="ja-JP" altLang="en-US"/>
+              <a:t>第 </a:t>
+            </a:r>
+            <a:r>
+              <a:rPr lang="en-US" altLang="ja-JP"/>
+              <a:t>2 </a:t>
+            </a:r>
+            <a:r>
+              <a:rPr lang="ja-JP" altLang="en-US"/>
+              <a:t>レベル</a:t>
+            </a:r>
+          </a:p>
+          <a:p>
+            <a:pPr lvl="2"/>
+            <a:r>
+              <a:rPr lang="ja-JP" altLang="en-US"/>
+              <a:t>第 </a:t>
+            </a:r>
+            <a:r>
+              <a:rPr lang="en-US" altLang="ja-JP"/>
+              <a:t>3 </a:t>
+            </a:r>
+            <a:r>
+              <a:rPr lang="ja-JP" altLang="en-US"/>
+              <a:t>レベル</a:t>
+            </a:r>
+          </a:p>
+          <a:p>
+            <a:pPr lvl="3"/>
+            <a:r>
+              <a:rPr lang="ja-JP" altLang="en-US"/>
+              <a:t>第 </a:t>
+            </a:r>
+            <a:r>
+              <a:rPr lang="en-US" altLang="ja-JP"/>
+              <a:t>4 </a:t>
+            </a:r>
+            <a:r>
+              <a:rPr lang="ja-JP" altLang="en-US"/>
+              <a:t>レベル</a:t>
+            </a:r>
+          </a:p>
+          <a:p>
+            <a:pPr lvl="4"/>
+            <a:r>
+              <a:rPr lang="ja-JP" altLang="en-US"/>
+              <a:t>第 </a:t>
+            </a:r>
+            <a:r>
+              <a:rPr lang="en-US" altLang="ja-JP"/>
+              <a:t>5 </a:t>
+            </a:r>
+            <a:r>
+              <a:rPr lang="ja-JP" altLang="en-US"/>
+              <a:t>レベル</a:t>
+            </a:r>
+            <a:endParaRPr lang="en-US" dirty="0"/>
+          </a:p>
+        </p:txBody>
+      </p:sp>
+      <p:sp>
+        <p:nvSpPr>
+          <p:cNvPr id="4" name="Date Placeholder 3"/>
+          <p:cNvSpPr>
+            <a:spLocks noGrp="1"/>
+          </p:cNvSpPr>
+          <p:nvPr>
+            <p:ph type="dt" sz="half" idx="10"/>
+          </p:nvPr>
+        </p:nvSpPr>
+        <p:spPr/>
+        <p:txBody>
+          <a:bodyPr/>
+          <a:lstStyle/>
+          <a:p>
+            <a:fld id="{EDD97695-780B-4A04-A74A-B3C6DCFE5F45}" type="datetime1">
+              <a:rPr kumimoji="1" lang="ja-JP" altLang="en-US" smtClean="0"/>
+              <a:t>2020/7/4</a:t>
+            </a:fld>
+            <a:endParaRPr kumimoji="1" lang="ja-JP" altLang="en-US"/>
+          </a:p>
+        </p:txBody>
+      </p:sp>
+      <p:sp>
+        <p:nvSpPr>
+          <p:cNvPr id="5" name="Footer Placeholder 4"/>
+          <p:cNvSpPr>
+            <a:spLocks noGrp="1"/>
+          </p:cNvSpPr>
+          <p:nvPr>
+            <p:ph type="ftr" sz="quarter" idx="11"/>
+          </p:nvPr>
+        </p:nvSpPr>
+        <p:spPr/>
+        <p:txBody>
+          <a:bodyPr/>
+          <a:lstStyle/>
+          <a:p>
+            <a:endParaRPr kumimoji="1" lang="ja-JP" altLang="en-US"/>
+          </a:p>
+        </p:txBody>
+      </p:sp>
+      <p:sp>
+        <p:nvSpPr>
+          <p:cNvPr id="6" name="Slide Number Placeholder 5"/>
+          <p:cNvSpPr>
+            <a:spLocks noGrp="1"/>
+          </p:cNvSpPr>
+          <p:nvPr>
+            <p:ph type="sldNum" sz="quarter" idx="12"/>
+          </p:nvPr>
+        </p:nvSpPr>
+        <p:spPr/>
+        <p:txBody>
+          <a:bodyPr/>
+          <a:lstStyle/>
+          <a:p>
+            <a:fld id="{C4CD1851-4943-4D29-B153-35642A3D04B9}" type="slidenum">
+              <a:rPr kumimoji="1" lang="ja-JP" altLang="en-US" smtClean="0"/>
+              <a:t>‹#›</a:t>
+            </a:fld>
+            <a:endParaRPr kumimoji="1" lang="ja-JP" altLang="en-US"/>
+          </a:p>
+        </p:txBody>
+      </p:sp>
+    </p:spTree>
+    <p:extLst>
+      <p:ext uri="{BB962C8B-B14F-4D97-AF65-F5344CB8AC3E}">
+        <p14:creationId xmlns:p14="http://schemas.microsoft.com/office/powerpoint/2010/main" val="3195769309"/>
+      </p:ext>
+    </p:extLst>
+  </p:cSld>
+  <p:clrMapOvr>
+    <a:masterClrMapping/>
+  </p:clrMapOvr>
+</p:sldLayout>
+</file>
+
+<file path=ppt/slideLayouts/slideLayout22.xml><?xml version="1.0" encoding="utf-8"?>
+<p:sldLayout xmlns:a="http://schemas.openxmlformats.org/drawingml/2006/main" xmlns:r="http://schemas.openxmlformats.org/officeDocument/2006/relationships" xmlns:p="http://schemas.openxmlformats.org/presentationml/2006/main" type="vertTitleAndTx" preserve="1">
+  <p:cSld name="縦書きタイトルと&#10;縦書きテキスト">
+    <p:spTree>
+      <p:nvGrpSpPr>
+        <p:cNvPr id="1" name=""/>
+        <p:cNvGrpSpPr/>
+        <p:nvPr/>
+      </p:nvGrpSpPr>
+      <p:grpSpPr>
+        <a:xfrm>
+          <a:off x="0" y="0"/>
+          <a:ext cx="0" cy="0"/>
+          <a:chOff x="0" y="0"/>
+          <a:chExt cx="0" cy="0"/>
+        </a:xfrm>
+      </p:grpSpPr>
+      <p:sp>
+        <p:nvSpPr>
+          <p:cNvPr id="2" name="Vertical Title 1"/>
+          <p:cNvSpPr>
+            <a:spLocks noGrp="1"/>
+          </p:cNvSpPr>
+          <p:nvPr>
+            <p:ph type="title" orient="vert"/>
+          </p:nvPr>
+        </p:nvSpPr>
+        <p:spPr>
+          <a:xfrm>
+            <a:off x="6543675" y="360362"/>
+            <a:ext cx="1971675" cy="5811838"/>
+          </a:xfrm>
+        </p:spPr>
+        <p:txBody>
+          <a:bodyPr vert="eaVert"/>
+          <a:lstStyle/>
+          <a:p>
+            <a:r>
+              <a:rPr lang="ja-JP" altLang="en-US"/>
+              <a:t>マスター タイトルの書式設定</a:t>
+            </a:r>
+            <a:endParaRPr lang="en-US"/>
+          </a:p>
+        </p:txBody>
+      </p:sp>
+      <p:sp>
+        <p:nvSpPr>
+          <p:cNvPr id="3" name="Vertical Text Placeholder 2"/>
+          <p:cNvSpPr>
+            <a:spLocks noGrp="1"/>
+          </p:cNvSpPr>
+          <p:nvPr>
+            <p:ph type="body" orient="vert" idx="1"/>
+          </p:nvPr>
+        </p:nvSpPr>
+        <p:spPr>
+          <a:xfrm>
+            <a:off x="628650" y="360363"/>
+            <a:ext cx="5800725" cy="5811837"/>
+          </a:xfrm>
+        </p:spPr>
+        <p:txBody>
+          <a:bodyPr vert="eaVert"/>
+          <a:lstStyle/>
+          <a:p>
+            <a:pPr lvl="0"/>
+            <a:r>
+              <a:rPr lang="ja-JP" altLang="en-US"/>
+              <a:t>マスター テキストの書式設定</a:t>
+            </a:r>
+          </a:p>
+          <a:p>
+            <a:pPr lvl="1"/>
+            <a:r>
+              <a:rPr lang="ja-JP" altLang="en-US"/>
+              <a:t>第 </a:t>
+            </a:r>
+            <a:r>
+              <a:rPr lang="en-US" altLang="ja-JP"/>
+              <a:t>2 </a:t>
+            </a:r>
+            <a:r>
+              <a:rPr lang="ja-JP" altLang="en-US"/>
+              <a:t>レベル</a:t>
+            </a:r>
+          </a:p>
+          <a:p>
+            <a:pPr lvl="2"/>
+            <a:r>
+              <a:rPr lang="ja-JP" altLang="en-US"/>
+              <a:t>第 </a:t>
+            </a:r>
+            <a:r>
+              <a:rPr lang="en-US" altLang="ja-JP"/>
+              <a:t>3 </a:t>
+            </a:r>
+            <a:r>
+              <a:rPr lang="ja-JP" altLang="en-US"/>
+              <a:t>レベル</a:t>
+            </a:r>
+          </a:p>
+          <a:p>
+            <a:pPr lvl="3"/>
+            <a:r>
+              <a:rPr lang="ja-JP" altLang="en-US"/>
+              <a:t>第 </a:t>
+            </a:r>
+            <a:r>
+              <a:rPr lang="en-US" altLang="ja-JP"/>
+              <a:t>4 </a:t>
+            </a:r>
+            <a:r>
+              <a:rPr lang="ja-JP" altLang="en-US"/>
+              <a:t>レベル</a:t>
+            </a:r>
+          </a:p>
+          <a:p>
+            <a:pPr lvl="4"/>
+            <a:r>
+              <a:rPr lang="ja-JP" altLang="en-US"/>
+              <a:t>第 </a:t>
+            </a:r>
+            <a:r>
+              <a:rPr lang="en-US" altLang="ja-JP"/>
+              <a:t>5 </a:t>
+            </a:r>
+            <a:r>
+              <a:rPr lang="ja-JP" altLang="en-US"/>
+              <a:t>レベル</a:t>
+            </a:r>
+            <a:endParaRPr lang="en-US"/>
+          </a:p>
+        </p:txBody>
+      </p:sp>
+      <p:sp>
+        <p:nvSpPr>
+          <p:cNvPr id="4" name="Date Placeholder 3"/>
+          <p:cNvSpPr>
+            <a:spLocks noGrp="1"/>
+          </p:cNvSpPr>
+          <p:nvPr>
+            <p:ph type="dt" sz="half" idx="10"/>
+          </p:nvPr>
+        </p:nvSpPr>
+        <p:spPr/>
+        <p:txBody>
+          <a:bodyPr/>
+          <a:lstStyle/>
+          <a:p>
+            <a:fld id="{30E2C40E-C4CB-498B-90F1-9F4381B321C7}" type="datetime1">
+              <a:rPr kumimoji="1" lang="ja-JP" altLang="en-US" smtClean="0"/>
+              <a:t>2020/7/4</a:t>
+            </a:fld>
+            <a:endParaRPr kumimoji="1" lang="ja-JP" altLang="en-US"/>
+          </a:p>
+        </p:txBody>
+      </p:sp>
+      <p:sp>
+        <p:nvSpPr>
+          <p:cNvPr id="5" name="Footer Placeholder 4"/>
+          <p:cNvSpPr>
+            <a:spLocks noGrp="1"/>
+          </p:cNvSpPr>
+          <p:nvPr>
+            <p:ph type="ftr" sz="quarter" idx="11"/>
+          </p:nvPr>
+        </p:nvSpPr>
+        <p:spPr/>
+        <p:txBody>
+          <a:bodyPr/>
+          <a:lstStyle/>
+          <a:p>
+            <a:endParaRPr kumimoji="1" lang="ja-JP" altLang="en-US"/>
+          </a:p>
+        </p:txBody>
+      </p:sp>
+      <p:sp>
+        <p:nvSpPr>
+          <p:cNvPr id="6" name="Slide Number Placeholder 5"/>
+          <p:cNvSpPr>
+            <a:spLocks noGrp="1"/>
+          </p:cNvSpPr>
+          <p:nvPr>
+            <p:ph type="sldNum" sz="quarter" idx="12"/>
+          </p:nvPr>
+        </p:nvSpPr>
+        <p:spPr/>
+        <p:txBody>
+          <a:bodyPr/>
+          <a:lstStyle/>
+          <a:p>
+            <a:fld id="{C4CD1851-4943-4D29-B153-35642A3D04B9}" type="slidenum">
+              <a:rPr kumimoji="1" lang="ja-JP" altLang="en-US" smtClean="0"/>
+              <a:t>‹#›</a:t>
+            </a:fld>
+            <a:endParaRPr kumimoji="1" lang="ja-JP" altLang="en-US"/>
+          </a:p>
+        </p:txBody>
+      </p:sp>
+    </p:spTree>
+    <p:extLst>
+      <p:ext uri="{BB962C8B-B14F-4D97-AF65-F5344CB8AC3E}">
+        <p14:creationId xmlns:p14="http://schemas.microsoft.com/office/powerpoint/2010/main" val="4181602158"/>
       </p:ext>
     </p:extLst>
   </p:cSld>
@@ -1540,15 +4180,17 @@
         </p:nvSpPr>
         <p:spPr>
           <a:xfrm>
-            <a:off x="623888" y="1709739"/>
-            <a:ext cx="7886700" cy="2852737"/>
+            <a:off x="623888" y="1712423"/>
+            <a:ext cx="7886700" cy="2851208"/>
           </a:xfrm>
         </p:spPr>
         <p:txBody>
-          <a:bodyPr anchor="b"/>
+          <a:bodyPr anchor="b">
+            <a:normAutofit/>
+          </a:bodyPr>
           <a:lstStyle>
             <a:lvl1pPr>
-              <a:defRPr sz="6000"/>
+              <a:defRPr sz="4500" b="0"/>
             </a:lvl1pPr>
           </a:lstStyle>
           <a:p>
@@ -1572,24 +4214,29 @@
         </p:nvSpPr>
         <p:spPr>
           <a:xfrm>
-            <a:off x="623888" y="4589464"/>
+            <a:off x="623888" y="4552634"/>
             <a:ext cx="7886700" cy="1500187"/>
           </a:xfrm>
         </p:spPr>
         <p:txBody>
-          <a:bodyPr/>
+          <a:bodyPr anchor="t">
+            <a:normAutofit/>
+          </a:bodyPr>
           <a:lstStyle>
             <a:lvl1pPr marL="0" indent="0">
               <a:buNone/>
-              <a:defRPr sz="2400">
+              <a:defRPr sz="1800">
                 <a:solidFill>
-                  <a:schemeClr val="tx1"/>
+                  <a:schemeClr val="tx1">
+                    <a:lumMod val="75000"/>
+                    <a:lumOff val="25000"/>
+                  </a:schemeClr>
                 </a:solidFill>
               </a:defRPr>
             </a:lvl1pPr>
-            <a:lvl2pPr marL="457200" indent="0">
-              <a:buNone/>
-              <a:defRPr sz="2000">
+            <a:lvl2pPr marL="342900" indent="0">
+              <a:buNone/>
+              <a:defRPr sz="1350">
                 <a:solidFill>
                   <a:schemeClr val="tx1">
                     <a:tint val="75000"/>
@@ -1597,9 +4244,9 @@
                 </a:solidFill>
               </a:defRPr>
             </a:lvl2pPr>
-            <a:lvl3pPr marL="914400" indent="0">
-              <a:buNone/>
-              <a:defRPr sz="1800">
+            <a:lvl3pPr marL="685800" indent="0">
+              <a:buNone/>
+              <a:defRPr sz="1200">
                 <a:solidFill>
                   <a:schemeClr val="tx1">
                     <a:tint val="75000"/>
@@ -1607,9 +4254,9 @@
                 </a:solidFill>
               </a:defRPr>
             </a:lvl3pPr>
-            <a:lvl4pPr marL="1371600" indent="0">
-              <a:buNone/>
-              <a:defRPr sz="1600">
+            <a:lvl4pPr marL="1028700" indent="0">
+              <a:buNone/>
+              <a:defRPr sz="1050">
                 <a:solidFill>
                   <a:schemeClr val="tx1">
                     <a:tint val="75000"/>
@@ -1617,9 +4264,9 @@
                 </a:solidFill>
               </a:defRPr>
             </a:lvl4pPr>
-            <a:lvl5pPr marL="1828800" indent="0">
-              <a:buNone/>
-              <a:defRPr sz="1600">
+            <a:lvl5pPr marL="1371600" indent="0">
+              <a:buNone/>
+              <a:defRPr sz="1050">
                 <a:solidFill>
                   <a:schemeClr val="tx1">
                     <a:tint val="75000"/>
@@ -1627,9 +4274,9 @@
                 </a:solidFill>
               </a:defRPr>
             </a:lvl5pPr>
-            <a:lvl6pPr marL="2286000" indent="0">
-              <a:buNone/>
-              <a:defRPr sz="1600">
+            <a:lvl6pPr marL="1714500" indent="0">
+              <a:buNone/>
+              <a:defRPr sz="1050">
                 <a:solidFill>
                   <a:schemeClr val="tx1">
                     <a:tint val="75000"/>
@@ -1637,9 +4284,9 @@
                 </a:solidFill>
               </a:defRPr>
             </a:lvl6pPr>
-            <a:lvl7pPr marL="2743200" indent="0">
-              <a:buNone/>
-              <a:defRPr sz="1600">
+            <a:lvl7pPr marL="2057400" indent="0">
+              <a:buNone/>
+              <a:defRPr sz="1050">
                 <a:solidFill>
                   <a:schemeClr val="tx1">
                     <a:tint val="75000"/>
@@ -1647,9 +4294,9 @@
                 </a:solidFill>
               </a:defRPr>
             </a:lvl7pPr>
-            <a:lvl8pPr marL="3200400" indent="0">
-              <a:buNone/>
-              <a:defRPr sz="1600">
+            <a:lvl8pPr marL="2400300" indent="0">
+              <a:buNone/>
+              <a:defRPr sz="1050">
                 <a:solidFill>
                   <a:schemeClr val="tx1">
                     <a:tint val="75000"/>
@@ -1657,9 +4304,9 @@
                 </a:solidFill>
               </a:defRPr>
             </a:lvl8pPr>
-            <a:lvl9pPr marL="3657600" indent="0">
-              <a:buNone/>
-              <a:defRPr sz="1600">
+            <a:lvl9pPr marL="2743200" indent="0">
+              <a:buNone/>
+              <a:defRPr sz="1050">
                 <a:solidFill>
                   <a:schemeClr val="tx1">
                     <a:tint val="75000"/>
@@ -1745,7 +4392,7 @@
     </p:spTree>
     <p:extLst>
       <p:ext uri="{BB962C8B-B14F-4D97-AF65-F5344CB8AC3E}">
-        <p14:creationId xmlns:p14="http://schemas.microsoft.com/office/powerpoint/2010/main" val="1449860902"/>
+        <p14:creationId xmlns:p14="http://schemas.microsoft.com/office/powerpoint/2010/main" val="277972716"/>
       </p:ext>
     </p:extLst>
   </p:cSld>
@@ -1807,8 +4454,8 @@
         </p:nvSpPr>
         <p:spPr>
           <a:xfrm>
-            <a:off x="628650" y="1825625"/>
-            <a:ext cx="3886200" cy="4351338"/>
+            <a:off x="633845" y="1828801"/>
+            <a:ext cx="3886200" cy="4351337"/>
           </a:xfrm>
         </p:spPr>
         <p:txBody>
@@ -1896,8 +4543,8 @@
         </p:nvSpPr>
         <p:spPr>
           <a:xfrm>
-            <a:off x="4629150" y="1825625"/>
-            <a:ext cx="3886200" cy="4351338"/>
+            <a:off x="4629150" y="1828801"/>
+            <a:ext cx="3886200" cy="4351337"/>
           </a:xfrm>
         </p:spPr>
         <p:txBody>
@@ -2041,7 +4688,7 @@
     </p:spTree>
     <p:extLst>
       <p:ext uri="{BB962C8B-B14F-4D97-AF65-F5344CB8AC3E}">
-        <p14:creationId xmlns:p14="http://schemas.microsoft.com/office/powerpoint/2010/main" val="2542126572"/>
+        <p14:creationId xmlns:p14="http://schemas.microsoft.com/office/powerpoint/2010/main" val="2910536502"/>
       </p:ext>
     </p:extLst>
   </p:cSld>
@@ -2052,7 +4699,7 @@
 </file>
 
 <file path=ppt/slideLayouts/slideLayout5.xml><?xml version="1.0" encoding="utf-8"?>
-<p:sldLayout xmlns:a="http://schemas.openxmlformats.org/drawingml/2006/main" xmlns:r="http://schemas.openxmlformats.org/officeDocument/2006/relationships" xmlns:p="http://schemas.openxmlformats.org/presentationml/2006/main" type="twoTxTwoObj" preserve="1">
+<p:sldLayout xmlns:a="http://schemas.openxmlformats.org/drawingml/2006/main" xmlns:r="http://schemas.openxmlformats.org/officeDocument/2006/relationships" xmlns:p="http://schemas.openxmlformats.org/presentationml/2006/main" preserve="1">
   <p:cSld name="比較">
     <p:spTree>
       <p:nvGrpSpPr>
@@ -2070,86 +4717,220 @@
       </p:grpSpPr>
       <p:sp>
         <p:nvSpPr>
-          <p:cNvPr id="2" name="Title 1"/>
-          <p:cNvSpPr>
-            <a:spLocks noGrp="1"/>
-          </p:cNvSpPr>
-          <p:nvPr>
-            <p:ph type="title"/>
+          <p:cNvPr id="3" name="Text Placeholder 2"/>
+          <p:cNvSpPr>
+            <a:spLocks noGrp="1"/>
+          </p:cNvSpPr>
+          <p:nvPr>
+            <p:ph type="body" idx="1"/>
           </p:nvPr>
         </p:nvSpPr>
         <p:spPr>
           <a:xfrm>
-            <a:off x="629841" y="365126"/>
-            <a:ext cx="7886700" cy="1325563"/>
+            <a:off x="633845" y="1681851"/>
+            <a:ext cx="3867150" cy="825699"/>
           </a:xfrm>
         </p:spPr>
         <p:txBody>
-          <a:bodyPr/>
-          <a:lstStyle/>
-          <a:p>
-            <a:r>
-              <a:rPr lang="ja-JP" altLang="en-US"/>
-              <a:t>マスター タイトルの書式設定</a:t>
-            </a:r>
-            <a:endParaRPr lang="en-US" dirty="0"/>
-          </a:p>
-        </p:txBody>
-      </p:sp>
-      <p:sp>
-        <p:nvSpPr>
-          <p:cNvPr id="3" name="Text Placeholder 2"/>
-          <p:cNvSpPr>
-            <a:spLocks noGrp="1"/>
-          </p:cNvSpPr>
-          <p:nvPr>
-            <p:ph type="body" idx="1"/>
+          <a:bodyPr anchor="b">
+            <a:normAutofit/>
+          </a:bodyPr>
+          <a:lstStyle>
+            <a:lvl1pPr marL="0" indent="0">
+              <a:spcBef>
+                <a:spcPts val="0"/>
+              </a:spcBef>
+              <a:buNone/>
+              <a:defRPr sz="1800" b="1"/>
+            </a:lvl1pPr>
+            <a:lvl2pPr marL="342900" indent="0">
+              <a:buNone/>
+              <a:defRPr sz="1500" b="1"/>
+            </a:lvl2pPr>
+            <a:lvl3pPr marL="685800" indent="0">
+              <a:buNone/>
+              <a:defRPr sz="1350" b="1"/>
+            </a:lvl3pPr>
+            <a:lvl4pPr marL="1028700" indent="0">
+              <a:buNone/>
+              <a:defRPr sz="1200" b="1"/>
+            </a:lvl4pPr>
+            <a:lvl5pPr marL="1371600" indent="0">
+              <a:buNone/>
+              <a:defRPr sz="1200" b="1"/>
+            </a:lvl5pPr>
+            <a:lvl6pPr marL="1714500" indent="0">
+              <a:buNone/>
+              <a:defRPr sz="1200" b="1"/>
+            </a:lvl6pPr>
+            <a:lvl7pPr marL="2057400" indent="0">
+              <a:buNone/>
+              <a:defRPr sz="1200" b="1"/>
+            </a:lvl7pPr>
+            <a:lvl8pPr marL="2400300" indent="0">
+              <a:buNone/>
+              <a:defRPr sz="1200" b="1"/>
+            </a:lvl8pPr>
+            <a:lvl9pPr marL="2743200" indent="0">
+              <a:buNone/>
+              <a:defRPr sz="1200" b="1"/>
+            </a:lvl9pPr>
+          </a:lstStyle>
+          <a:p>
+            <a:pPr lvl="0"/>
+            <a:r>
+              <a:rPr lang="ja-JP" altLang="en-US"/>
+              <a:t>マスター テキストの書式設定</a:t>
+            </a:r>
+          </a:p>
+        </p:txBody>
+      </p:sp>
+      <p:sp>
+        <p:nvSpPr>
+          <p:cNvPr id="4" name="Content Placeholder 3"/>
+          <p:cNvSpPr>
+            <a:spLocks noGrp="1"/>
+          </p:cNvSpPr>
+          <p:nvPr>
+            <p:ph sz="half" idx="2"/>
           </p:nvPr>
         </p:nvSpPr>
         <p:spPr>
           <a:xfrm>
-            <a:off x="629842" y="1681163"/>
-            <a:ext cx="3868340" cy="823912"/>
+            <a:off x="633845" y="2507551"/>
+            <a:ext cx="3867150" cy="3680525"/>
+          </a:xfrm>
+        </p:spPr>
+        <p:txBody>
+          <a:bodyPr/>
+          <a:lstStyle/>
+          <a:p>
+            <a:pPr lvl="0"/>
+            <a:r>
+              <a:rPr lang="ja-JP" altLang="en-US"/>
+              <a:t>マスター テキストの書式設定</a:t>
+            </a:r>
+          </a:p>
+          <a:p>
+            <a:pPr lvl="1"/>
+            <a:r>
+              <a:rPr lang="ja-JP" altLang="en-US"/>
+              <a:t>第 </a:t>
+            </a:r>
+            <a:r>
+              <a:rPr lang="en-US" altLang="ja-JP"/>
+              <a:t>2 </a:t>
+            </a:r>
+            <a:r>
+              <a:rPr lang="ja-JP" altLang="en-US"/>
+              <a:t>レベル</a:t>
+            </a:r>
+          </a:p>
+          <a:p>
+            <a:pPr lvl="2"/>
+            <a:r>
+              <a:rPr lang="ja-JP" altLang="en-US"/>
+              <a:t>第 </a:t>
+            </a:r>
+            <a:r>
+              <a:rPr lang="en-US" altLang="ja-JP"/>
+              <a:t>3 </a:t>
+            </a:r>
+            <a:r>
+              <a:rPr lang="ja-JP" altLang="en-US"/>
+              <a:t>レベル</a:t>
+            </a:r>
+          </a:p>
+          <a:p>
+            <a:pPr lvl="3"/>
+            <a:r>
+              <a:rPr lang="ja-JP" altLang="en-US"/>
+              <a:t>第 </a:t>
+            </a:r>
+            <a:r>
+              <a:rPr lang="en-US" altLang="ja-JP"/>
+              <a:t>4 </a:t>
+            </a:r>
+            <a:r>
+              <a:rPr lang="ja-JP" altLang="en-US"/>
+              <a:t>レベル</a:t>
+            </a:r>
+          </a:p>
+          <a:p>
+            <a:pPr lvl="4"/>
+            <a:r>
+              <a:rPr lang="ja-JP" altLang="en-US"/>
+              <a:t>第 </a:t>
+            </a:r>
+            <a:r>
+              <a:rPr lang="en-US" altLang="ja-JP"/>
+              <a:t>5 </a:t>
+            </a:r>
+            <a:r>
+              <a:rPr lang="ja-JP" altLang="en-US"/>
+              <a:t>レベル</a:t>
+            </a:r>
+            <a:endParaRPr lang="en-US" dirty="0"/>
+          </a:p>
+        </p:txBody>
+      </p:sp>
+      <p:sp>
+        <p:nvSpPr>
+          <p:cNvPr id="5" name="Text Placeholder 4"/>
+          <p:cNvSpPr>
+            <a:spLocks noGrp="1"/>
+          </p:cNvSpPr>
+          <p:nvPr>
+            <p:ph type="body" sz="quarter" idx="3"/>
+          </p:nvPr>
+        </p:nvSpPr>
+        <p:spPr>
+          <a:xfrm>
+            <a:off x="4629150" y="1681851"/>
+            <a:ext cx="3886201" cy="825698"/>
           </a:xfrm>
         </p:spPr>
         <p:txBody>
           <a:bodyPr anchor="b"/>
           <a:lstStyle>
             <a:lvl1pPr marL="0" indent="0">
-              <a:buNone/>
-              <a:defRPr sz="2400" b="1"/>
+              <a:spcBef>
+                <a:spcPts val="0"/>
+              </a:spcBef>
+              <a:buNone/>
+              <a:defRPr sz="1800" b="1"/>
             </a:lvl1pPr>
-            <a:lvl2pPr marL="457200" indent="0">
-              <a:buNone/>
-              <a:defRPr sz="2000" b="1"/>
+            <a:lvl2pPr marL="342900" indent="0">
+              <a:buNone/>
+              <a:defRPr sz="1500" b="1"/>
             </a:lvl2pPr>
-            <a:lvl3pPr marL="914400" indent="0">
-              <a:buNone/>
-              <a:defRPr sz="1800" b="1"/>
+            <a:lvl3pPr marL="685800" indent="0">
+              <a:buNone/>
+              <a:defRPr sz="1350" b="1"/>
             </a:lvl3pPr>
-            <a:lvl4pPr marL="1371600" indent="0">
-              <a:buNone/>
-              <a:defRPr sz="1600" b="1"/>
+            <a:lvl4pPr marL="1028700" indent="0">
+              <a:buNone/>
+              <a:defRPr sz="1200" b="1"/>
             </a:lvl4pPr>
-            <a:lvl5pPr marL="1828800" indent="0">
-              <a:buNone/>
-              <a:defRPr sz="1600" b="1"/>
+            <a:lvl5pPr marL="1371600" indent="0">
+              <a:buNone/>
+              <a:defRPr sz="1200" b="1"/>
             </a:lvl5pPr>
-            <a:lvl6pPr marL="2286000" indent="0">
-              <a:buNone/>
-              <a:defRPr sz="1600" b="1"/>
+            <a:lvl6pPr marL="1714500" indent="0">
+              <a:buNone/>
+              <a:defRPr sz="1200" b="1"/>
             </a:lvl6pPr>
-            <a:lvl7pPr marL="2743200" indent="0">
-              <a:buNone/>
-              <a:defRPr sz="1600" b="1"/>
+            <a:lvl7pPr marL="2057400" indent="0">
+              <a:buNone/>
+              <a:defRPr sz="1200" b="1"/>
             </a:lvl7pPr>
-            <a:lvl8pPr marL="3200400" indent="0">
-              <a:buNone/>
-              <a:defRPr sz="1600" b="1"/>
+            <a:lvl8pPr marL="2400300" indent="0">
+              <a:buNone/>
+              <a:defRPr sz="1200" b="1"/>
             </a:lvl8pPr>
-            <a:lvl9pPr marL="3657600" indent="0">
-              <a:buNone/>
-              <a:defRPr sz="1600" b="1"/>
+            <a:lvl9pPr marL="2743200" indent="0">
+              <a:buNone/>
+              <a:defRPr sz="1200" b="1"/>
             </a:lvl9pPr>
           </a:lstStyle>
           <a:p>
@@ -2163,18 +4944,18 @@
       </p:sp>
       <p:sp>
         <p:nvSpPr>
-          <p:cNvPr id="4" name="Content Placeholder 3"/>
-          <p:cNvSpPr>
-            <a:spLocks noGrp="1"/>
-          </p:cNvSpPr>
-          <p:nvPr>
-            <p:ph sz="half" idx="2"/>
+          <p:cNvPr id="6" name="Content Placeholder 5"/>
+          <p:cNvSpPr>
+            <a:spLocks noGrp="1"/>
+          </p:cNvSpPr>
+          <p:nvPr>
+            <p:ph sz="quarter" idx="4"/>
           </p:nvPr>
         </p:nvSpPr>
         <p:spPr>
           <a:xfrm>
-            <a:off x="629842" y="2505075"/>
-            <a:ext cx="3868340" cy="3684588"/>
+            <a:off x="4629150" y="2507551"/>
+            <a:ext cx="3886201" cy="3680525"/>
           </a:xfrm>
         </p:spPr>
         <p:txBody>
@@ -2246,161 +5027,7 @@
               <a:rPr lang="ja-JP" altLang="en-US"/>
               <a:t>レベル</a:t>
             </a:r>
-            <a:endParaRPr lang="en-US" dirty="0"/>
-          </a:p>
-        </p:txBody>
-      </p:sp>
-      <p:sp>
-        <p:nvSpPr>
-          <p:cNvPr id="5" name="Text Placeholder 4"/>
-          <p:cNvSpPr>
-            <a:spLocks noGrp="1"/>
-          </p:cNvSpPr>
-          <p:nvPr>
-            <p:ph type="body" sz="quarter" idx="3"/>
-          </p:nvPr>
-        </p:nvSpPr>
-        <p:spPr>
-          <a:xfrm>
-            <a:off x="4629150" y="1681163"/>
-            <a:ext cx="3887391" cy="823912"/>
-          </a:xfrm>
-        </p:spPr>
-        <p:txBody>
-          <a:bodyPr anchor="b"/>
-          <a:lstStyle>
-            <a:lvl1pPr marL="0" indent="0">
-              <a:buNone/>
-              <a:defRPr sz="2400" b="1"/>
-            </a:lvl1pPr>
-            <a:lvl2pPr marL="457200" indent="0">
-              <a:buNone/>
-              <a:defRPr sz="2000" b="1"/>
-            </a:lvl2pPr>
-            <a:lvl3pPr marL="914400" indent="0">
-              <a:buNone/>
-              <a:defRPr sz="1800" b="1"/>
-            </a:lvl3pPr>
-            <a:lvl4pPr marL="1371600" indent="0">
-              <a:buNone/>
-              <a:defRPr sz="1600" b="1"/>
-            </a:lvl4pPr>
-            <a:lvl5pPr marL="1828800" indent="0">
-              <a:buNone/>
-              <a:defRPr sz="1600" b="1"/>
-            </a:lvl5pPr>
-            <a:lvl6pPr marL="2286000" indent="0">
-              <a:buNone/>
-              <a:defRPr sz="1600" b="1"/>
-            </a:lvl6pPr>
-            <a:lvl7pPr marL="2743200" indent="0">
-              <a:buNone/>
-              <a:defRPr sz="1600" b="1"/>
-            </a:lvl7pPr>
-            <a:lvl8pPr marL="3200400" indent="0">
-              <a:buNone/>
-              <a:defRPr sz="1600" b="1"/>
-            </a:lvl8pPr>
-            <a:lvl9pPr marL="3657600" indent="0">
-              <a:buNone/>
-              <a:defRPr sz="1600" b="1"/>
-            </a:lvl9pPr>
-          </a:lstStyle>
-          <a:p>
-            <a:pPr lvl="0"/>
-            <a:r>
-              <a:rPr lang="ja-JP" altLang="en-US"/>
-              <a:t>マスター テキストの書式設定</a:t>
-            </a:r>
-          </a:p>
-        </p:txBody>
-      </p:sp>
-      <p:sp>
-        <p:nvSpPr>
-          <p:cNvPr id="6" name="Content Placeholder 5"/>
-          <p:cNvSpPr>
-            <a:spLocks noGrp="1"/>
-          </p:cNvSpPr>
-          <p:nvPr>
-            <p:ph sz="quarter" idx="4"/>
-          </p:nvPr>
-        </p:nvSpPr>
-        <p:spPr>
-          <a:xfrm>
-            <a:off x="4629150" y="2505075"/>
-            <a:ext cx="3887391" cy="3684588"/>
-          </a:xfrm>
-        </p:spPr>
-        <p:txBody>
-          <a:bodyPr/>
-          <a:lstStyle/>
-          <a:p>
-            <a:pPr lvl="0"/>
-            <a:r>
-              <a:rPr lang="ja-JP" altLang="en-US"/>
-              <a:t>マスター テキストの書式設定</a:t>
-            </a:r>
-          </a:p>
-          <a:p>
-            <a:pPr lvl="1"/>
-            <a:r>
-              <a:rPr lang="ja-JP" altLang="en-US"/>
-              <a:t>第 </a:t>
-            </a:r>
-            <a:r>
-              <a:rPr lang="en-US" altLang="ja-JP"/>
-              <a:t>2 </a:t>
-            </a:r>
-            <a:r>
-              <a:rPr lang="ja-JP" altLang="en-US"/>
-              <a:t>レベル</a:t>
-            </a:r>
-          </a:p>
-          <a:p>
-            <a:pPr lvl="2"/>
-            <a:r>
-              <a:rPr lang="ja-JP" altLang="en-US"/>
-              <a:t>第 </a:t>
-            </a:r>
-            <a:r>
-              <a:rPr lang="en-US" altLang="ja-JP"/>
-              <a:t>3 </a:t>
-            </a:r>
-            <a:r>
-              <a:rPr lang="ja-JP" altLang="en-US"/>
-              <a:t>レベル</a:t>
-            </a:r>
-          </a:p>
-          <a:p>
-            <a:pPr lvl="3"/>
-            <a:r>
-              <a:rPr lang="ja-JP" altLang="en-US"/>
-              <a:t>第 </a:t>
-            </a:r>
-            <a:r>
-              <a:rPr lang="en-US" altLang="ja-JP"/>
-              <a:t>4 </a:t>
-            </a:r>
-            <a:r>
-              <a:rPr lang="ja-JP" altLang="en-US"/>
-              <a:t>レベル</a:t>
-            </a:r>
-          </a:p>
-          <a:p>
-            <a:pPr lvl="4"/>
-            <a:r>
-              <a:rPr lang="ja-JP" altLang="en-US"/>
-              <a:t>第 </a:t>
-            </a:r>
-            <a:r>
-              <a:rPr lang="en-US" altLang="ja-JP"/>
-              <a:t>5 </a:t>
-            </a:r>
-            <a:r>
-              <a:rPr lang="ja-JP" altLang="en-US"/>
-              <a:t>レベル</a:t>
-            </a:r>
-            <a:endParaRPr lang="en-US" dirty="0"/>
+            <a:endParaRPr lang="en-US"/>
           </a:p>
         </p:txBody>
       </p:sp>
@@ -2469,10 +5096,33 @@
           </a:p>
         </p:txBody>
       </p:sp>
+      <p:sp>
+        <p:nvSpPr>
+          <p:cNvPr id="10" name="Title 9"/>
+          <p:cNvSpPr>
+            <a:spLocks noGrp="1"/>
+          </p:cNvSpPr>
+          <p:nvPr>
+            <p:ph type="title"/>
+          </p:nvPr>
+        </p:nvSpPr>
+        <p:spPr/>
+        <p:txBody>
+          <a:bodyPr/>
+          <a:lstStyle/>
+          <a:p>
+            <a:r>
+              <a:rPr lang="ja-JP" altLang="en-US"/>
+              <a:t>マスター タイトルの書式設定</a:t>
+            </a:r>
+            <a:endParaRPr lang="en-US" dirty="0"/>
+          </a:p>
+        </p:txBody>
+      </p:sp>
     </p:spTree>
     <p:extLst>
       <p:ext uri="{BB962C8B-B14F-4D97-AF65-F5344CB8AC3E}">
-        <p14:creationId xmlns:p14="http://schemas.microsoft.com/office/powerpoint/2010/main" val="2780160649"/>
+        <p14:creationId xmlns:p14="http://schemas.microsoft.com/office/powerpoint/2010/main" val="322543623"/>
       </p:ext>
     </p:extLst>
   </p:cSld>
@@ -2483,7 +5133,7 @@
 </file>
 
 <file path=ppt/slideLayouts/slideLayout6.xml><?xml version="1.0" encoding="utf-8"?>
-<p:sldLayout xmlns:a="http://schemas.openxmlformats.org/drawingml/2006/main" xmlns:r="http://schemas.openxmlformats.org/officeDocument/2006/relationships" xmlns:p="http://schemas.openxmlformats.org/presentationml/2006/main" type="titleOnly" preserve="1">
+<p:sldLayout xmlns:a="http://schemas.openxmlformats.org/drawingml/2006/main" xmlns:r="http://schemas.openxmlformats.org/officeDocument/2006/relationships" xmlns:p="http://schemas.openxmlformats.org/presentationml/2006/main" preserve="1">
   <p:cSld name="タイトルのみ">
     <p:spTree>
       <p:nvGrpSpPr>
@@ -2501,29 +5151,6 @@
       </p:grpSpPr>
       <p:sp>
         <p:nvSpPr>
-          <p:cNvPr id="2" name="Title 1"/>
-          <p:cNvSpPr>
-            <a:spLocks noGrp="1"/>
-          </p:cNvSpPr>
-          <p:nvPr>
-            <p:ph type="title"/>
-          </p:nvPr>
-        </p:nvSpPr>
-        <p:spPr/>
-        <p:txBody>
-          <a:bodyPr/>
-          <a:lstStyle/>
-          <a:p>
-            <a:r>
-              <a:rPr lang="ja-JP" altLang="en-US"/>
-              <a:t>マスター タイトルの書式設定</a:t>
-            </a:r>
-            <a:endParaRPr lang="en-US" dirty="0"/>
-          </a:p>
-        </p:txBody>
-      </p:sp>
-      <p:sp>
-        <p:nvSpPr>
           <p:cNvPr id="3" name="Date Placeholder 2"/>
           <p:cNvSpPr>
             <a:spLocks noGrp="1"/>
@@ -2587,10 +5214,33 @@
           </a:p>
         </p:txBody>
       </p:sp>
+      <p:sp>
+        <p:nvSpPr>
+          <p:cNvPr id="6" name="Title 5"/>
+          <p:cNvSpPr>
+            <a:spLocks noGrp="1"/>
+          </p:cNvSpPr>
+          <p:nvPr>
+            <p:ph type="title"/>
+          </p:nvPr>
+        </p:nvSpPr>
+        <p:spPr/>
+        <p:txBody>
+          <a:bodyPr/>
+          <a:lstStyle/>
+          <a:p>
+            <a:r>
+              <a:rPr lang="ja-JP" altLang="en-US"/>
+              <a:t>マスター タイトルの書式設定</a:t>
+            </a:r>
+            <a:endParaRPr lang="en-US"/>
+          </a:p>
+        </p:txBody>
+      </p:sp>
     </p:spTree>
     <p:extLst>
       <p:ext uri="{BB962C8B-B14F-4D97-AF65-F5344CB8AC3E}">
-        <p14:creationId xmlns:p14="http://schemas.microsoft.com/office/powerpoint/2010/main" val="2242509071"/>
+        <p14:creationId xmlns:p14="http://schemas.microsoft.com/office/powerpoint/2010/main" val="1249627048"/>
       </p:ext>
     </p:extLst>
   </p:cSld>
@@ -2685,7 +5335,7 @@
     </p:spTree>
     <p:extLst>
       <p:ext uri="{BB962C8B-B14F-4D97-AF65-F5344CB8AC3E}">
-        <p14:creationId xmlns:p14="http://schemas.microsoft.com/office/powerpoint/2010/main" val="2518385243"/>
+        <p14:creationId xmlns:p14="http://schemas.microsoft.com/office/powerpoint/2010/main" val="3326058489"/>
       </p:ext>
     </p:extLst>
   </p:cSld>
@@ -2724,15 +5374,17 @@
         </p:nvSpPr>
         <p:spPr>
           <a:xfrm>
-            <a:off x="629841" y="457200"/>
-            <a:ext cx="2949178" cy="1600200"/>
+            <a:off x="630936" y="457201"/>
+            <a:ext cx="2948940" cy="1600197"/>
           </a:xfrm>
         </p:spPr>
         <p:txBody>
-          <a:bodyPr anchor="b"/>
+          <a:bodyPr anchor="b">
+            <a:normAutofit/>
+          </a:bodyPr>
           <a:lstStyle>
             <a:lvl1pPr>
-              <a:defRPr sz="3200"/>
+              <a:defRPr sz="2400" b="0"/>
             </a:lvl1pPr>
           </a:lstStyle>
           <a:p>
@@ -2756,39 +5408,39 @@
         </p:nvSpPr>
         <p:spPr>
           <a:xfrm>
-            <a:off x="3887391" y="987426"/>
-            <a:ext cx="4629150" cy="4873625"/>
+            <a:off x="3886200" y="990600"/>
+            <a:ext cx="4629150" cy="4876800"/>
           </a:xfrm>
         </p:spPr>
         <p:txBody>
           <a:bodyPr/>
           <a:lstStyle>
             <a:lvl1pPr>
-              <a:defRPr sz="3200"/>
+              <a:defRPr sz="2400"/>
             </a:lvl1pPr>
             <a:lvl2pPr>
-              <a:defRPr sz="2800"/>
+              <a:defRPr sz="2100"/>
             </a:lvl2pPr>
             <a:lvl3pPr>
-              <a:defRPr sz="2400"/>
+              <a:defRPr sz="1800"/>
             </a:lvl3pPr>
             <a:lvl4pPr>
-              <a:defRPr sz="2000"/>
+              <a:defRPr sz="1500"/>
             </a:lvl4pPr>
             <a:lvl5pPr>
-              <a:defRPr sz="2000"/>
+              <a:defRPr sz="1500"/>
             </a:lvl5pPr>
             <a:lvl6pPr>
-              <a:defRPr sz="2000"/>
+              <a:defRPr sz="1500"/>
             </a:lvl6pPr>
             <a:lvl7pPr>
-              <a:defRPr sz="2000"/>
+              <a:defRPr sz="1500"/>
             </a:lvl7pPr>
             <a:lvl8pPr>
-              <a:defRPr sz="2000"/>
+              <a:defRPr sz="1500"/>
             </a:lvl8pPr>
             <a:lvl9pPr>
-              <a:defRPr sz="2000"/>
+              <a:defRPr sz="1500"/>
             </a:lvl9pPr>
           </a:lstStyle>
           <a:p>
@@ -2873,48 +5525,53 @@
         </p:nvSpPr>
         <p:spPr>
           <a:xfrm>
-            <a:off x="629841" y="2057400"/>
-            <a:ext cx="2949178" cy="3811588"/>
+            <a:off x="630936" y="2057399"/>
+            <a:ext cx="2948940" cy="3810001"/>
           </a:xfrm>
         </p:spPr>
         <p:txBody>
-          <a:bodyPr/>
+          <a:bodyPr>
+            <a:normAutofit/>
+          </a:bodyPr>
           <a:lstStyle>
             <a:lvl1pPr marL="0" indent="0">
-              <a:buNone/>
-              <a:defRPr sz="1600"/>
+              <a:lnSpc>
+                <a:spcPct val="90000"/>
+              </a:lnSpc>
+              <a:buNone/>
+              <a:defRPr sz="1200"/>
             </a:lvl1pPr>
-            <a:lvl2pPr marL="457200" indent="0">
-              <a:buNone/>
-              <a:defRPr sz="1400"/>
+            <a:lvl2pPr marL="342900" indent="0">
+              <a:buNone/>
+              <a:defRPr sz="900"/>
             </a:lvl2pPr>
-            <a:lvl3pPr marL="914400" indent="0">
-              <a:buNone/>
-              <a:defRPr sz="1200"/>
+            <a:lvl3pPr marL="685800" indent="0">
+              <a:buNone/>
+              <a:defRPr sz="750"/>
             </a:lvl3pPr>
-            <a:lvl4pPr marL="1371600" indent="0">
-              <a:buNone/>
-              <a:defRPr sz="1000"/>
+            <a:lvl4pPr marL="1028700" indent="0">
+              <a:buNone/>
+              <a:defRPr sz="675"/>
             </a:lvl4pPr>
-            <a:lvl5pPr marL="1828800" indent="0">
-              <a:buNone/>
-              <a:defRPr sz="1000"/>
+            <a:lvl5pPr marL="1371600" indent="0">
+              <a:buNone/>
+              <a:defRPr sz="675"/>
             </a:lvl5pPr>
-            <a:lvl6pPr marL="2286000" indent="0">
-              <a:buNone/>
-              <a:defRPr sz="1000"/>
+            <a:lvl6pPr marL="1714500" indent="0">
+              <a:buNone/>
+              <a:defRPr sz="675"/>
             </a:lvl6pPr>
-            <a:lvl7pPr marL="2743200" indent="0">
-              <a:buNone/>
-              <a:defRPr sz="1000"/>
+            <a:lvl7pPr marL="2057400" indent="0">
+              <a:buNone/>
+              <a:defRPr sz="675"/>
             </a:lvl7pPr>
-            <a:lvl8pPr marL="3200400" indent="0">
-              <a:buNone/>
-              <a:defRPr sz="1000"/>
+            <a:lvl8pPr marL="2400300" indent="0">
+              <a:buNone/>
+              <a:defRPr sz="675"/>
             </a:lvl8pPr>
-            <a:lvl9pPr marL="3657600" indent="0">
-              <a:buNone/>
-              <a:defRPr sz="1000"/>
+            <a:lvl9pPr marL="2743200" indent="0">
+              <a:buNone/>
+              <a:defRPr sz="675"/>
             </a:lvl9pPr>
           </a:lstStyle>
           <a:p>
@@ -2994,7 +5651,7 @@
     </p:spTree>
     <p:extLst>
       <p:ext uri="{BB962C8B-B14F-4D97-AF65-F5344CB8AC3E}">
-        <p14:creationId xmlns:p14="http://schemas.microsoft.com/office/powerpoint/2010/main" val="2744864398"/>
+        <p14:creationId xmlns:p14="http://schemas.microsoft.com/office/powerpoint/2010/main" val="2599047109"/>
       </p:ext>
     </p:extLst>
   </p:cSld>
@@ -3033,15 +5690,17 @@
         </p:nvSpPr>
         <p:spPr>
           <a:xfrm>
-            <a:off x="629841" y="457200"/>
-            <a:ext cx="2949178" cy="1600200"/>
+            <a:off x="630936" y="457200"/>
+            <a:ext cx="2948940" cy="1600200"/>
           </a:xfrm>
         </p:spPr>
         <p:txBody>
-          <a:bodyPr anchor="b"/>
+          <a:bodyPr anchor="b">
+            <a:normAutofit/>
+          </a:bodyPr>
           <a:lstStyle>
             <a:lvl1pPr>
-              <a:defRPr sz="3200"/>
+              <a:defRPr sz="2400" b="0"/>
             </a:lvl1pPr>
           </a:lstStyle>
           <a:p>
@@ -3057,7 +5716,7 @@
         <p:nvSpPr>
           <p:cNvPr id="3" name="Picture Placeholder 2"/>
           <p:cNvSpPr>
-            <a:spLocks noGrp="1" noChangeAspect="1"/>
+            <a:spLocks noGrp="1"/>
           </p:cNvSpPr>
           <p:nvPr>
             <p:ph type="pic" idx="1"/>
@@ -3065,48 +5724,48 @@
         </p:nvSpPr>
         <p:spPr>
           <a:xfrm>
-            <a:off x="3887391" y="987426"/>
-            <a:ext cx="4629150" cy="4873625"/>
+            <a:off x="3886200" y="990600"/>
+            <a:ext cx="4629150" cy="4876800"/>
           </a:xfrm>
         </p:spPr>
         <p:txBody>
-          <a:bodyPr anchor="t"/>
+          <a:bodyPr/>
           <a:lstStyle>
             <a:lvl1pPr marL="0" indent="0">
               <a:buNone/>
-              <a:defRPr sz="3200"/>
+              <a:defRPr sz="2400"/>
             </a:lvl1pPr>
-            <a:lvl2pPr marL="457200" indent="0">
-              <a:buNone/>
-              <a:defRPr sz="2800"/>
+            <a:lvl2pPr marL="342900" indent="0">
+              <a:buNone/>
+              <a:defRPr sz="2100"/>
             </a:lvl2pPr>
-            <a:lvl3pPr marL="914400" indent="0">
-              <a:buNone/>
-              <a:defRPr sz="2400"/>
+            <a:lvl3pPr marL="685800" indent="0">
+              <a:buNone/>
+              <a:defRPr sz="1800"/>
             </a:lvl3pPr>
-            <a:lvl4pPr marL="1371600" indent="0">
-              <a:buNone/>
-              <a:defRPr sz="2000"/>
+            <a:lvl4pPr marL="1028700" indent="0">
+              <a:buNone/>
+              <a:defRPr sz="1500"/>
             </a:lvl4pPr>
-            <a:lvl5pPr marL="1828800" indent="0">
-              <a:buNone/>
-              <a:defRPr sz="2000"/>
+            <a:lvl5pPr marL="1371600" indent="0">
+              <a:buNone/>
+              <a:defRPr sz="1500"/>
             </a:lvl5pPr>
-            <a:lvl6pPr marL="2286000" indent="0">
-              <a:buNone/>
-              <a:defRPr sz="2000"/>
+            <a:lvl6pPr marL="1714500" indent="0">
+              <a:buNone/>
+              <a:defRPr sz="1500"/>
             </a:lvl6pPr>
-            <a:lvl7pPr marL="2743200" indent="0">
-              <a:buNone/>
-              <a:defRPr sz="2000"/>
+            <a:lvl7pPr marL="2057400" indent="0">
+              <a:buNone/>
+              <a:defRPr sz="1500"/>
             </a:lvl7pPr>
-            <a:lvl8pPr marL="3200400" indent="0">
-              <a:buNone/>
-              <a:defRPr sz="2000"/>
+            <a:lvl8pPr marL="2400300" indent="0">
+              <a:buNone/>
+              <a:defRPr sz="1500"/>
             </a:lvl8pPr>
-            <a:lvl9pPr marL="3657600" indent="0">
-              <a:buNone/>
-              <a:defRPr sz="2000"/>
+            <a:lvl9pPr marL="2743200" indent="0">
+              <a:buNone/>
+              <a:defRPr sz="1500"/>
             </a:lvl9pPr>
           </a:lstStyle>
           <a:p>
@@ -3130,48 +5789,53 @@
         </p:nvSpPr>
         <p:spPr>
           <a:xfrm>
-            <a:off x="629841" y="2057400"/>
-            <a:ext cx="2949178" cy="3811588"/>
+            <a:off x="630936" y="2057400"/>
+            <a:ext cx="2948940" cy="3810000"/>
           </a:xfrm>
         </p:spPr>
         <p:txBody>
-          <a:bodyPr/>
+          <a:bodyPr>
+            <a:normAutofit/>
+          </a:bodyPr>
           <a:lstStyle>
             <a:lvl1pPr marL="0" indent="0">
-              <a:buNone/>
-              <a:defRPr sz="1600"/>
+              <a:lnSpc>
+                <a:spcPct val="90000"/>
+              </a:lnSpc>
+              <a:buNone/>
+              <a:defRPr sz="1200"/>
             </a:lvl1pPr>
-            <a:lvl2pPr marL="457200" indent="0">
-              <a:buNone/>
-              <a:defRPr sz="1400"/>
+            <a:lvl2pPr marL="342900" indent="0">
+              <a:buNone/>
+              <a:defRPr sz="900"/>
             </a:lvl2pPr>
-            <a:lvl3pPr marL="914400" indent="0">
-              <a:buNone/>
-              <a:defRPr sz="1200"/>
+            <a:lvl3pPr marL="685800" indent="0">
+              <a:buNone/>
+              <a:defRPr sz="750"/>
             </a:lvl3pPr>
-            <a:lvl4pPr marL="1371600" indent="0">
-              <a:buNone/>
-              <a:defRPr sz="1000"/>
+            <a:lvl4pPr marL="1028700" indent="0">
+              <a:buNone/>
+              <a:defRPr sz="675"/>
             </a:lvl4pPr>
-            <a:lvl5pPr marL="1828800" indent="0">
-              <a:buNone/>
-              <a:defRPr sz="1000"/>
+            <a:lvl5pPr marL="1371600" indent="0">
+              <a:buNone/>
+              <a:defRPr sz="675"/>
             </a:lvl5pPr>
-            <a:lvl6pPr marL="2286000" indent="0">
-              <a:buNone/>
-              <a:defRPr sz="1000"/>
+            <a:lvl6pPr marL="1714500" indent="0">
+              <a:buNone/>
+              <a:defRPr sz="675"/>
             </a:lvl6pPr>
-            <a:lvl7pPr marL="2743200" indent="0">
-              <a:buNone/>
-              <a:defRPr sz="1000"/>
+            <a:lvl7pPr marL="2057400" indent="0">
+              <a:buNone/>
+              <a:defRPr sz="675"/>
             </a:lvl7pPr>
-            <a:lvl8pPr marL="3200400" indent="0">
-              <a:buNone/>
-              <a:defRPr sz="1000"/>
+            <a:lvl8pPr marL="2400300" indent="0">
+              <a:buNone/>
+              <a:defRPr sz="675"/>
             </a:lvl8pPr>
-            <a:lvl9pPr marL="3657600" indent="0">
-              <a:buNone/>
-              <a:defRPr sz="1000"/>
+            <a:lvl9pPr marL="2743200" indent="0">
+              <a:buNone/>
+              <a:defRPr sz="675"/>
             </a:lvl9pPr>
           </a:lstStyle>
           <a:p>
@@ -3251,7 +5915,7 @@
     </p:spTree>
     <p:extLst>
       <p:ext uri="{BB962C8B-B14F-4D97-AF65-F5344CB8AC3E}">
-        <p14:creationId xmlns:p14="http://schemas.microsoft.com/office/powerpoint/2010/main" val="186023135"/>
+        <p14:creationId xmlns:p14="http://schemas.microsoft.com/office/powerpoint/2010/main" val="1606510844"/>
       </p:ext>
     </p:extLst>
   </p:cSld>
@@ -3262,7 +5926,7 @@
 </file>
 
 <file path=ppt/slideMasters/slideMaster1.xml><?xml version="1.0" encoding="utf-8"?>
-<p:sldMaster xmlns:a="http://schemas.openxmlformats.org/drawingml/2006/main" xmlns:r="http://schemas.openxmlformats.org/officeDocument/2006/relationships" xmlns:p="http://schemas.openxmlformats.org/presentationml/2006/main">
+<p:sldMaster xmlns:a="http://schemas.openxmlformats.org/drawingml/2006/main" xmlns:r="http://schemas.openxmlformats.org/officeDocument/2006/relationships" xmlns:p="http://schemas.openxmlformats.org/presentationml/2006/main" preserve="1">
   <p:cSld>
     <p:bg>
       <p:bgRef idx="1001">
@@ -3295,8 +5959,8 @@
         </p:nvSpPr>
         <p:spPr>
           <a:xfrm>
-            <a:off x="628650" y="365126"/>
-            <a:ext cx="7886700" cy="1325563"/>
+            <a:off x="633845" y="365760"/>
+            <a:ext cx="7886700" cy="1325562"/>
           </a:xfrm>
           <a:prstGeom prst="rect">
             <a:avLst/>
@@ -3309,7 +5973,7 @@
           <a:lstStyle/>
           <a:p>
             <a:r>
-              <a:rPr lang="ja-JP" altLang="en-US" dirty="0"/>
+              <a:rPr lang="ja-JP" altLang="en-US"/>
               <a:t>マスター タイトルの書式設定</a:t>
             </a:r>
             <a:endParaRPr lang="en-US" dirty="0"/>
@@ -3328,8 +5992,8 @@
         </p:nvSpPr>
         <p:spPr>
           <a:xfrm>
-            <a:off x="628650" y="1825625"/>
-            <a:ext cx="7886700" cy="4351338"/>
+            <a:off x="633845" y="1828801"/>
+            <a:ext cx="7886700" cy="4351337"/>
           </a:xfrm>
           <a:prstGeom prst="rect">
             <a:avLst/>
@@ -3343,67 +6007,67 @@
           <a:p>
             <a:pPr lvl="0"/>
             <a:r>
-              <a:rPr lang="ja-JP" altLang="en-US" dirty="0"/>
+              <a:rPr lang="ja-JP" altLang="en-US"/>
               <a:t>マスター テキストの書式設定</a:t>
             </a:r>
           </a:p>
           <a:p>
             <a:pPr lvl="1"/>
             <a:r>
-              <a:rPr lang="ja-JP" altLang="en-US" dirty="0"/>
+              <a:rPr lang="ja-JP" altLang="en-US"/>
               <a:t>第 </a:t>
             </a:r>
             <a:r>
-              <a:rPr lang="en-US" altLang="ja-JP" dirty="0"/>
+              <a:rPr lang="en-US" altLang="ja-JP"/>
               <a:t>2 </a:t>
             </a:r>
             <a:r>
-              <a:rPr lang="ja-JP" altLang="en-US" dirty="0"/>
+              <a:rPr lang="ja-JP" altLang="en-US"/>
               <a:t>レベル</a:t>
             </a:r>
           </a:p>
           <a:p>
             <a:pPr lvl="2"/>
             <a:r>
-              <a:rPr lang="ja-JP" altLang="en-US" dirty="0"/>
+              <a:rPr lang="ja-JP" altLang="en-US"/>
               <a:t>第 </a:t>
             </a:r>
             <a:r>
-              <a:rPr lang="en-US" altLang="ja-JP" dirty="0"/>
+              <a:rPr lang="en-US" altLang="ja-JP"/>
               <a:t>3 </a:t>
             </a:r>
             <a:r>
-              <a:rPr lang="ja-JP" altLang="en-US" dirty="0"/>
+              <a:rPr lang="ja-JP" altLang="en-US"/>
               <a:t>レベル</a:t>
             </a:r>
           </a:p>
           <a:p>
             <a:pPr lvl="3"/>
             <a:r>
-              <a:rPr lang="ja-JP" altLang="en-US" dirty="0"/>
+              <a:rPr lang="ja-JP" altLang="en-US"/>
               <a:t>第 </a:t>
             </a:r>
             <a:r>
-              <a:rPr lang="en-US" altLang="ja-JP" dirty="0"/>
+              <a:rPr lang="en-US" altLang="ja-JP"/>
               <a:t>4 </a:t>
             </a:r>
             <a:r>
-              <a:rPr lang="ja-JP" altLang="en-US" dirty="0"/>
+              <a:rPr lang="ja-JP" altLang="en-US"/>
               <a:t>レベル</a:t>
             </a:r>
           </a:p>
           <a:p>
             <a:pPr lvl="4"/>
             <a:r>
-              <a:rPr lang="ja-JP" altLang="en-US" dirty="0"/>
+              <a:rPr lang="ja-JP" altLang="en-US"/>
               <a:t>第 </a:t>
             </a:r>
             <a:r>
-              <a:rPr lang="en-US" altLang="ja-JP" dirty="0"/>
+              <a:rPr lang="en-US" altLang="ja-JP"/>
               <a:t>5 </a:t>
             </a:r>
             <a:r>
-              <a:rPr lang="ja-JP" altLang="en-US" dirty="0"/>
+              <a:rPr lang="ja-JP" altLang="en-US"/>
               <a:t>レベル</a:t>
             </a:r>
             <a:endParaRPr lang="en-US" dirty="0"/>
@@ -3433,10 +6097,11 @@
           <a:bodyPr vert="horz" lIns="91440" tIns="45720" rIns="91440" bIns="45720" rtlCol="0" anchor="ctr"/>
           <a:lstStyle>
             <a:lvl1pPr algn="l">
-              <a:defRPr sz="1200">
+              <a:defRPr sz="825">
                 <a:solidFill>
                   <a:schemeClr val="tx1">
-                    <a:tint val="75000"/>
+                    <a:lumMod val="65000"/>
+                    <a:lumOff val="35000"/>
                   </a:schemeClr>
                 </a:solidFill>
               </a:defRPr>
@@ -3444,7 +6109,7 @@
           </a:lstStyle>
           <a:p>
             <a:fld id="{C764DE79-268F-4C1A-8933-263129D2AF90}" type="datetimeFigureOut">
-              <a:rPr lang="en-US" dirty="0"/>
+              <a:rPr lang="en-US" smtClean="0"/>
               <a:t>7/4/2020</a:t>
             </a:fld>
             <a:endParaRPr lang="en-US" dirty="0"/>
@@ -3474,7 +6139,45 @@
           <a:bodyPr vert="horz" lIns="91440" tIns="45720" rIns="91440" bIns="45720" rtlCol="0" anchor="ctr"/>
           <a:lstStyle>
             <a:lvl1pPr algn="ctr">
-              <a:defRPr sz="1200">
+              <a:defRPr sz="825">
+                <a:solidFill>
+                  <a:schemeClr val="tx1">
+                    <a:lumMod val="65000"/>
+                    <a:lumOff val="35000"/>
+                  </a:schemeClr>
+                </a:solidFill>
+              </a:defRPr>
+            </a:lvl1pPr>
+          </a:lstStyle>
+          <a:p>
+            <a:endParaRPr lang="en-US" dirty="0"/>
+          </a:p>
+        </p:txBody>
+      </p:sp>
+      <p:sp>
+        <p:nvSpPr>
+          <p:cNvPr id="6" name="Slide Number Placeholder 5"/>
+          <p:cNvSpPr>
+            <a:spLocks noGrp="1"/>
+          </p:cNvSpPr>
+          <p:nvPr>
+            <p:ph type="sldNum" sz="quarter" idx="4"/>
+          </p:nvPr>
+        </p:nvSpPr>
+        <p:spPr>
+          <a:xfrm>
+            <a:off x="6463145" y="6356351"/>
+            <a:ext cx="2057400" cy="365125"/>
+          </a:xfrm>
+          <a:prstGeom prst="rect">
+            <a:avLst/>
+          </a:prstGeom>
+        </p:spPr>
+        <p:txBody>
+          <a:bodyPr vert="horz" lIns="91440" tIns="45720" rIns="91440" bIns="45720" rtlCol="0" anchor="ctr"/>
+          <a:lstStyle>
+            <a:lvl1pPr algn="r">
+              <a:defRPr sz="825">
                 <a:solidFill>
                   <a:schemeClr val="tx1">
                     <a:tint val="75000"/>
@@ -3484,43 +6187,6 @@
             </a:lvl1pPr>
           </a:lstStyle>
           <a:p>
-            <a:endParaRPr lang="en-US" dirty="0"/>
-          </a:p>
-        </p:txBody>
-      </p:sp>
-      <p:sp>
-        <p:nvSpPr>
-          <p:cNvPr id="6" name="Slide Number Placeholder 5"/>
-          <p:cNvSpPr>
-            <a:spLocks noGrp="1"/>
-          </p:cNvSpPr>
-          <p:nvPr>
-            <p:ph type="sldNum" sz="quarter" idx="4"/>
-          </p:nvPr>
-        </p:nvSpPr>
-        <p:spPr>
-          <a:xfrm>
-            <a:off x="6457950" y="6356351"/>
-            <a:ext cx="2057400" cy="365125"/>
-          </a:xfrm>
-          <a:prstGeom prst="rect">
-            <a:avLst/>
-          </a:prstGeom>
-        </p:spPr>
-        <p:txBody>
-          <a:bodyPr vert="horz" lIns="91440" tIns="45720" rIns="91440" bIns="45720" rtlCol="0" anchor="ctr"/>
-          <a:lstStyle>
-            <a:lvl1pPr algn="r">
-              <a:defRPr sz="2400" b="1">
-                <a:solidFill>
-                  <a:schemeClr val="tx1">
-                    <a:tint val="75000"/>
-                  </a:schemeClr>
-                </a:solidFill>
-              </a:defRPr>
-            </a:lvl1pPr>
-          </a:lstStyle>
-          <a:p>
             <a:fld id="{C4CD1851-4943-4D29-B153-35642A3D04B9}" type="slidenum">
               <a:rPr lang="ja-JP" altLang="en-US" smtClean="0"/>
               <a:pPr/>
@@ -3533,28 +6199,28 @@
     </p:spTree>
     <p:extLst>
       <p:ext uri="{BB962C8B-B14F-4D97-AF65-F5344CB8AC3E}">
-        <p14:creationId xmlns:p14="http://schemas.microsoft.com/office/powerpoint/2010/main" val="812601784"/>
+        <p14:creationId xmlns:p14="http://schemas.microsoft.com/office/powerpoint/2010/main" val="385908533"/>
       </p:ext>
     </p:extLst>
   </p:cSld>
   <p:clrMap bg1="lt1" tx1="dk1" bg2="lt2" tx2="dk2" accent1="accent1" accent2="accent2" accent3="accent3" accent4="accent4" accent5="accent5" accent6="accent6" hlink="hlink" folHlink="folHlink"/>
   <p:sldLayoutIdLst>
-    <p:sldLayoutId id="2147483661" r:id="rId1"/>
-    <p:sldLayoutId id="2147483662" r:id="rId2"/>
-    <p:sldLayoutId id="2147483663" r:id="rId3"/>
-    <p:sldLayoutId id="2147483664" r:id="rId4"/>
-    <p:sldLayoutId id="2147483665" r:id="rId5"/>
-    <p:sldLayoutId id="2147483666" r:id="rId6"/>
-    <p:sldLayoutId id="2147483667" r:id="rId7"/>
-    <p:sldLayoutId id="2147483668" r:id="rId8"/>
-    <p:sldLayoutId id="2147483669" r:id="rId9"/>
-    <p:sldLayoutId id="2147483670" r:id="rId10"/>
-    <p:sldLayoutId id="2147483671" r:id="rId11"/>
+    <p:sldLayoutId id="2147483673" r:id="rId1"/>
+    <p:sldLayoutId id="2147483674" r:id="rId2"/>
+    <p:sldLayoutId id="2147483675" r:id="rId3"/>
+    <p:sldLayoutId id="2147483676" r:id="rId4"/>
+    <p:sldLayoutId id="2147483677" r:id="rId5"/>
+    <p:sldLayoutId id="2147483678" r:id="rId6"/>
+    <p:sldLayoutId id="2147483679" r:id="rId7"/>
+    <p:sldLayoutId id="2147483680" r:id="rId8"/>
+    <p:sldLayoutId id="2147483681" r:id="rId9"/>
+    <p:sldLayoutId id="2147483682" r:id="rId10"/>
+    <p:sldLayoutId id="2147483683" r:id="rId11"/>
   </p:sldLayoutIdLst>
   <p:hf hdr="0" ftr="0" dt="0"/>
   <p:txStyles>
     <p:titleStyle>
-      <a:lvl1pPr algn="l" defTabSz="914400" rtl="0" eaLnBrk="1" latinLnBrk="0" hangingPunct="1">
+      <a:lvl1pPr algn="l" defTabSz="685800" rtl="0" eaLnBrk="1" latinLnBrk="0" hangingPunct="1">
         <a:lnSpc>
           <a:spcPct val="90000"/>
         </a:lnSpc>
@@ -3562,7 +6228,7 @@
           <a:spcPct val="0"/>
         </a:spcBef>
         <a:buNone/>
-        <a:defRPr kumimoji="1" sz="4400" kern="1200">
+        <a:defRPr kumimoji="1" sz="3300" kern="1200">
           <a:solidFill>
             <a:schemeClr val="tx1"/>
           </a:solidFill>
@@ -3573,16 +6239,16 @@
       </a:lvl1pPr>
     </p:titleStyle>
     <p:bodyStyle>
-      <a:lvl1pPr marL="228600" indent="-228600" algn="l" defTabSz="914400" rtl="0" eaLnBrk="1" latinLnBrk="0" hangingPunct="1">
+      <a:lvl1pPr marL="171450" indent="-171450" algn="l" defTabSz="685800" rtl="0" eaLnBrk="1" latinLnBrk="0" hangingPunct="1">
         <a:lnSpc>
           <a:spcPct val="90000"/>
         </a:lnSpc>
         <a:spcBef>
-          <a:spcPts val="1000"/>
+          <a:spcPts val="750"/>
         </a:spcBef>
-        <a:buFont typeface="Arial" panose="020B0604020202020204" pitchFamily="34" charset="0"/>
-        <a:buChar char="•"/>
-        <a:defRPr kumimoji="1" sz="3200" kern="1200">
+        <a:buFont typeface="Wingdings 2" pitchFamily="18" charset="2"/>
+        <a:buChar char=""/>
+        <a:defRPr kumimoji="1" sz="2100" kern="1200">
           <a:solidFill>
             <a:schemeClr val="tx1"/>
           </a:solidFill>
@@ -3591,16 +6257,16 @@
           <a:cs typeface="+mn-cs"/>
         </a:defRPr>
       </a:lvl1pPr>
-      <a:lvl2pPr marL="685800" indent="-228600" algn="l" defTabSz="914400" rtl="0" eaLnBrk="1" latinLnBrk="0" hangingPunct="1">
+      <a:lvl2pPr marL="514350" indent="-171450" algn="l" defTabSz="685800" rtl="0" eaLnBrk="1" latinLnBrk="0" hangingPunct="1">
         <a:lnSpc>
           <a:spcPct val="90000"/>
         </a:lnSpc>
         <a:spcBef>
-          <a:spcPts val="500"/>
+          <a:spcPts val="375"/>
         </a:spcBef>
-        <a:buFont typeface="Arial" panose="020B0604020202020204" pitchFamily="34" charset="0"/>
-        <a:buChar char="•"/>
-        <a:defRPr kumimoji="1" sz="2800" kern="1200">
+        <a:buFont typeface="Wingdings 2" pitchFamily="18" charset="2"/>
+        <a:buChar char=""/>
+        <a:defRPr kumimoji="1" sz="1800" kern="1200">
           <a:solidFill>
             <a:schemeClr val="tx1"/>
           </a:solidFill>
@@ -3609,16 +6275,16 @@
           <a:cs typeface="+mn-cs"/>
         </a:defRPr>
       </a:lvl2pPr>
-      <a:lvl3pPr marL="1143000" indent="-228600" algn="l" defTabSz="914400" rtl="0" eaLnBrk="1" latinLnBrk="0" hangingPunct="1">
+      <a:lvl3pPr marL="857250" indent="-171450" algn="l" defTabSz="685800" rtl="0" eaLnBrk="1" latinLnBrk="0" hangingPunct="1">
         <a:lnSpc>
           <a:spcPct val="90000"/>
         </a:lnSpc>
         <a:spcBef>
-          <a:spcPts val="500"/>
+          <a:spcPts val="375"/>
         </a:spcBef>
-        <a:buFont typeface="Arial" panose="020B0604020202020204" pitchFamily="34" charset="0"/>
-        <a:buChar char="•"/>
-        <a:defRPr kumimoji="1" sz="2400" kern="1200">
+        <a:buFont typeface="Wingdings 2" pitchFamily="18" charset="2"/>
+        <a:buChar char=""/>
+        <a:defRPr kumimoji="1" sz="1500" kern="1200">
           <a:solidFill>
             <a:schemeClr val="tx1"/>
           </a:solidFill>
@@ -3627,16 +6293,16 @@
           <a:cs typeface="+mn-cs"/>
         </a:defRPr>
       </a:lvl3pPr>
-      <a:lvl4pPr marL="1600200" indent="-228600" algn="l" defTabSz="914400" rtl="0" eaLnBrk="1" latinLnBrk="0" hangingPunct="1">
+      <a:lvl4pPr marL="1200150" indent="-171450" algn="l" defTabSz="685800" rtl="0" eaLnBrk="1" latinLnBrk="0" hangingPunct="1">
         <a:lnSpc>
           <a:spcPct val="90000"/>
         </a:lnSpc>
         <a:spcBef>
-          <a:spcPts val="500"/>
+          <a:spcPts val="375"/>
         </a:spcBef>
-        <a:buFont typeface="Arial" panose="020B0604020202020204" pitchFamily="34" charset="0"/>
-        <a:buChar char="•"/>
-        <a:defRPr kumimoji="1" sz="1800" kern="1200">
+        <a:buFont typeface="Wingdings 2" pitchFamily="18" charset="2"/>
+        <a:buChar char=""/>
+        <a:defRPr kumimoji="1" sz="1350" kern="1200">
           <a:solidFill>
             <a:schemeClr val="tx1"/>
           </a:solidFill>
@@ -3645,16 +6311,16 @@
           <a:cs typeface="+mn-cs"/>
         </a:defRPr>
       </a:lvl4pPr>
-      <a:lvl5pPr marL="2057400" indent="-228600" algn="l" defTabSz="914400" rtl="0" eaLnBrk="1" latinLnBrk="0" hangingPunct="1">
+      <a:lvl5pPr marL="1543050" indent="-171450" algn="l" defTabSz="685800" rtl="0" eaLnBrk="1" latinLnBrk="0" hangingPunct="1">
         <a:lnSpc>
           <a:spcPct val="90000"/>
         </a:lnSpc>
         <a:spcBef>
-          <a:spcPts val="500"/>
+          <a:spcPts val="375"/>
         </a:spcBef>
-        <a:buFont typeface="Arial" panose="020B0604020202020204" pitchFamily="34" charset="0"/>
-        <a:buChar char="•"/>
-        <a:defRPr kumimoji="1" sz="1800" kern="1200">
+        <a:buFont typeface="Wingdings 2" pitchFamily="18" charset="2"/>
+        <a:buChar char=""/>
+        <a:defRPr kumimoji="1" sz="1350" kern="1200">
           <a:solidFill>
             <a:schemeClr val="tx1"/>
           </a:solidFill>
@@ -3663,16 +6329,13 @@
           <a:cs typeface="+mn-cs"/>
         </a:defRPr>
       </a:lvl5pPr>
-      <a:lvl6pPr marL="2514600" indent="-228600" algn="l" defTabSz="914400" rtl="0" eaLnBrk="1" latinLnBrk="0" hangingPunct="1">
-        <a:lnSpc>
-          <a:spcPct val="90000"/>
-        </a:lnSpc>
+      <a:lvl6pPr marL="1885950" indent="-171450" algn="l" defTabSz="685800" rtl="0" eaLnBrk="1" latinLnBrk="0" hangingPunct="1">
         <a:spcBef>
-          <a:spcPts val="500"/>
+          <a:spcPct val="20000"/>
         </a:spcBef>
-        <a:buFont typeface="Arial" panose="020B0604020202020204" pitchFamily="34" charset="0"/>
-        <a:buChar char="•"/>
-        <a:defRPr kumimoji="1" sz="1800" kern="1200">
+        <a:buFont typeface="Wingdings 2" pitchFamily="18" charset="2"/>
+        <a:buChar char=""/>
+        <a:defRPr kumimoji="1" sz="1350" kern="1200">
           <a:solidFill>
             <a:schemeClr val="tx1"/>
           </a:solidFill>
@@ -3681,16 +6344,13 @@
           <a:cs typeface="+mn-cs"/>
         </a:defRPr>
       </a:lvl6pPr>
-      <a:lvl7pPr marL="2971800" indent="-228600" algn="l" defTabSz="914400" rtl="0" eaLnBrk="1" latinLnBrk="0" hangingPunct="1">
-        <a:lnSpc>
-          <a:spcPct val="90000"/>
-        </a:lnSpc>
+      <a:lvl7pPr marL="2228850" indent="-171450" algn="l" defTabSz="685800" rtl="0" eaLnBrk="1" latinLnBrk="0" hangingPunct="1">
         <a:spcBef>
-          <a:spcPts val="500"/>
+          <a:spcPct val="20000"/>
         </a:spcBef>
-        <a:buFont typeface="Arial" panose="020B0604020202020204" pitchFamily="34" charset="0"/>
-        <a:buChar char="•"/>
-        <a:defRPr kumimoji="1" sz="1800" kern="1200">
+        <a:buFont typeface="Wingdings 2" pitchFamily="18" charset="2"/>
+        <a:buChar char=""/>
+        <a:defRPr kumimoji="1" sz="1350" kern="1200">
           <a:solidFill>
             <a:schemeClr val="tx1"/>
           </a:solidFill>
@@ -3699,16 +6359,13 @@
           <a:cs typeface="+mn-cs"/>
         </a:defRPr>
       </a:lvl7pPr>
-      <a:lvl8pPr marL="3429000" indent="-228600" algn="l" defTabSz="914400" rtl="0" eaLnBrk="1" latinLnBrk="0" hangingPunct="1">
-        <a:lnSpc>
-          <a:spcPct val="90000"/>
-        </a:lnSpc>
+      <a:lvl8pPr marL="2571750" indent="-171450" algn="l" defTabSz="685800" rtl="0" eaLnBrk="1" latinLnBrk="0" hangingPunct="1">
         <a:spcBef>
-          <a:spcPts val="500"/>
+          <a:spcPct val="20000"/>
         </a:spcBef>
-        <a:buFont typeface="Arial" panose="020B0604020202020204" pitchFamily="34" charset="0"/>
-        <a:buChar char="•"/>
-        <a:defRPr kumimoji="1" sz="1800" kern="1200">
+        <a:buFont typeface="Wingdings 2" pitchFamily="18" charset="2"/>
+        <a:buChar char=""/>
+        <a:defRPr kumimoji="1" sz="1350" kern="1200">
           <a:solidFill>
             <a:schemeClr val="tx1"/>
           </a:solidFill>
@@ -3717,16 +6374,13 @@
           <a:cs typeface="+mn-cs"/>
         </a:defRPr>
       </a:lvl8pPr>
-      <a:lvl9pPr marL="3886200" indent="-228600" algn="l" defTabSz="914400" rtl="0" eaLnBrk="1" latinLnBrk="0" hangingPunct="1">
-        <a:lnSpc>
-          <a:spcPct val="90000"/>
-        </a:lnSpc>
+      <a:lvl9pPr marL="2914650" indent="-171450" algn="l" defTabSz="685800" rtl="0" eaLnBrk="1" latinLnBrk="0" hangingPunct="1">
         <a:spcBef>
-          <a:spcPts val="500"/>
+          <a:spcPct val="20000"/>
         </a:spcBef>
-        <a:buFont typeface="Arial" panose="020B0604020202020204" pitchFamily="34" charset="0"/>
-        <a:buChar char="•"/>
-        <a:defRPr kumimoji="1" sz="1800" kern="1200">
+        <a:buFont typeface="Wingdings 2" pitchFamily="18" charset="2"/>
+        <a:buChar char=""/>
+        <a:defRPr kumimoji="1" sz="1350" kern="1200">
           <a:solidFill>
             <a:schemeClr val="tx1"/>
           </a:solidFill>
@@ -3740,8 +6394,8 @@
       <a:defPPr>
         <a:defRPr lang="en-US"/>
       </a:defPPr>
-      <a:lvl1pPr marL="0" algn="l" defTabSz="914400" rtl="0" eaLnBrk="1" latinLnBrk="0" hangingPunct="1">
-        <a:defRPr kumimoji="1" sz="1800" kern="1200">
+      <a:lvl1pPr marL="0" algn="l" defTabSz="685800" rtl="0" eaLnBrk="1" latinLnBrk="0" hangingPunct="1">
+        <a:defRPr kumimoji="1" sz="1350" kern="1200">
           <a:solidFill>
             <a:schemeClr val="tx1"/>
           </a:solidFill>
@@ -3750,7 +6404,432 @@
           <a:cs typeface="+mn-cs"/>
         </a:defRPr>
       </a:lvl1pPr>
-      <a:lvl2pPr marL="457200" algn="l" defTabSz="914400" rtl="0" eaLnBrk="1" latinLnBrk="0" hangingPunct="1">
+      <a:lvl2pPr marL="342900" algn="l" defTabSz="685800" rtl="0" eaLnBrk="1" latinLnBrk="0" hangingPunct="1">
+        <a:defRPr kumimoji="1" sz="1350" kern="1200">
+          <a:solidFill>
+            <a:schemeClr val="tx1"/>
+          </a:solidFill>
+          <a:latin typeface="+mn-lt"/>
+          <a:ea typeface="+mn-ea"/>
+          <a:cs typeface="+mn-cs"/>
+        </a:defRPr>
+      </a:lvl2pPr>
+      <a:lvl3pPr marL="685800" algn="l" defTabSz="685800" rtl="0" eaLnBrk="1" latinLnBrk="0" hangingPunct="1">
+        <a:defRPr kumimoji="1" sz="1350" kern="1200">
+          <a:solidFill>
+            <a:schemeClr val="tx1"/>
+          </a:solidFill>
+          <a:latin typeface="+mn-lt"/>
+          <a:ea typeface="+mn-ea"/>
+          <a:cs typeface="+mn-cs"/>
+        </a:defRPr>
+      </a:lvl3pPr>
+      <a:lvl4pPr marL="1028700" algn="l" defTabSz="685800" rtl="0" eaLnBrk="1" latinLnBrk="0" hangingPunct="1">
+        <a:defRPr kumimoji="1" sz="1350" kern="1200">
+          <a:solidFill>
+            <a:schemeClr val="tx1"/>
+          </a:solidFill>
+          <a:latin typeface="+mn-lt"/>
+          <a:ea typeface="+mn-ea"/>
+          <a:cs typeface="+mn-cs"/>
+        </a:defRPr>
+      </a:lvl4pPr>
+      <a:lvl5pPr marL="1371600" algn="l" defTabSz="685800" rtl="0" eaLnBrk="1" latinLnBrk="0" hangingPunct="1">
+        <a:defRPr kumimoji="1" sz="1350" kern="1200">
+          <a:solidFill>
+            <a:schemeClr val="tx1"/>
+          </a:solidFill>
+          <a:latin typeface="+mn-lt"/>
+          <a:ea typeface="+mn-ea"/>
+          <a:cs typeface="+mn-cs"/>
+        </a:defRPr>
+      </a:lvl5pPr>
+      <a:lvl6pPr marL="1714500" algn="l" defTabSz="685800" rtl="0" eaLnBrk="1" latinLnBrk="0" hangingPunct="1">
+        <a:defRPr kumimoji="1" sz="1350" kern="1200">
+          <a:solidFill>
+            <a:schemeClr val="tx1"/>
+          </a:solidFill>
+          <a:latin typeface="+mn-lt"/>
+          <a:ea typeface="+mn-ea"/>
+          <a:cs typeface="+mn-cs"/>
+        </a:defRPr>
+      </a:lvl6pPr>
+      <a:lvl7pPr marL="2057400" algn="l" defTabSz="685800" rtl="0" eaLnBrk="1" latinLnBrk="0" hangingPunct="1">
+        <a:defRPr kumimoji="1" sz="1350" kern="1200">
+          <a:solidFill>
+            <a:schemeClr val="tx1"/>
+          </a:solidFill>
+          <a:latin typeface="+mn-lt"/>
+          <a:ea typeface="+mn-ea"/>
+          <a:cs typeface="+mn-cs"/>
+        </a:defRPr>
+      </a:lvl7pPr>
+      <a:lvl8pPr marL="2400300" algn="l" defTabSz="685800" rtl="0" eaLnBrk="1" latinLnBrk="0" hangingPunct="1">
+        <a:defRPr kumimoji="1" sz="1350" kern="1200">
+          <a:solidFill>
+            <a:schemeClr val="tx1"/>
+          </a:solidFill>
+          <a:latin typeface="+mn-lt"/>
+          <a:ea typeface="+mn-ea"/>
+          <a:cs typeface="+mn-cs"/>
+        </a:defRPr>
+      </a:lvl8pPr>
+      <a:lvl9pPr marL="2743200" algn="l" defTabSz="685800" rtl="0" eaLnBrk="1" latinLnBrk="0" hangingPunct="1">
+        <a:defRPr kumimoji="1" sz="1350" kern="1200">
+          <a:solidFill>
+            <a:schemeClr val="tx1"/>
+          </a:solidFill>
+          <a:latin typeface="+mn-lt"/>
+          <a:ea typeface="+mn-ea"/>
+          <a:cs typeface="+mn-cs"/>
+        </a:defRPr>
+      </a:lvl9pPr>
+    </p:otherStyle>
+  </p:txStyles>
+</p:sldMaster>
+</file>
+
+<file path=ppt/slideMasters/slideMaster2.xml><?xml version="1.0" encoding="utf-8"?>
+<p:sldMaster xmlns:a="http://schemas.openxmlformats.org/drawingml/2006/main" xmlns:r="http://schemas.openxmlformats.org/officeDocument/2006/relationships" xmlns:p="http://schemas.openxmlformats.org/presentationml/2006/main" preserve="1">
+  <p:cSld>
+    <p:bg>
+      <p:bgRef idx="1001">
+        <a:schemeClr val="bg1"/>
+      </p:bgRef>
+    </p:bg>
+    <p:spTree>
+      <p:nvGrpSpPr>
+        <p:cNvPr id="1" name=""/>
+        <p:cNvGrpSpPr/>
+        <p:nvPr/>
+      </p:nvGrpSpPr>
+      <p:grpSpPr>
+        <a:xfrm>
+          <a:off x="0" y="0"/>
+          <a:ext cx="0" cy="0"/>
+          <a:chOff x="0" y="0"/>
+          <a:chExt cx="0" cy="0"/>
+        </a:xfrm>
+      </p:grpSpPr>
+      <p:sp>
+        <p:nvSpPr>
+          <p:cNvPr id="2" name="Title Placeholder 1"/>
+          <p:cNvSpPr>
+            <a:spLocks noGrp="1"/>
+          </p:cNvSpPr>
+          <p:nvPr>
+            <p:ph type="title"/>
+          </p:nvPr>
+        </p:nvSpPr>
+        <p:spPr>
+          <a:xfrm>
+            <a:off x="633845" y="365760"/>
+            <a:ext cx="7886700" cy="1325562"/>
+          </a:xfrm>
+          <a:prstGeom prst="rect">
+            <a:avLst/>
+          </a:prstGeom>
+        </p:spPr>
+        <p:txBody>
+          <a:bodyPr vert="horz" lIns="91440" tIns="45720" rIns="91440" bIns="45720" rtlCol="0" anchor="ctr">
+            <a:normAutofit/>
+          </a:bodyPr>
+          <a:lstStyle/>
+          <a:p>
+            <a:r>
+              <a:rPr lang="ja-JP" altLang="en-US"/>
+              <a:t>マスター タイトルの書式設定</a:t>
+            </a:r>
+            <a:endParaRPr lang="en-US" dirty="0"/>
+          </a:p>
+        </p:txBody>
+      </p:sp>
+      <p:sp>
+        <p:nvSpPr>
+          <p:cNvPr id="3" name="Text Placeholder 2"/>
+          <p:cNvSpPr>
+            <a:spLocks noGrp="1"/>
+          </p:cNvSpPr>
+          <p:nvPr>
+            <p:ph type="body" idx="1"/>
+          </p:nvPr>
+        </p:nvSpPr>
+        <p:spPr>
+          <a:xfrm>
+            <a:off x="633845" y="1828801"/>
+            <a:ext cx="7886700" cy="4351337"/>
+          </a:xfrm>
+          <a:prstGeom prst="rect">
+            <a:avLst/>
+          </a:prstGeom>
+        </p:spPr>
+        <p:txBody>
+          <a:bodyPr vert="horz" lIns="91440" tIns="45720" rIns="91440" bIns="45720" rtlCol="0">
+            <a:normAutofit/>
+          </a:bodyPr>
+          <a:lstStyle/>
+          <a:p>
+            <a:pPr lvl="0"/>
+            <a:r>
+              <a:rPr lang="ja-JP" altLang="en-US"/>
+              <a:t>マスター テキストの書式設定</a:t>
+            </a:r>
+          </a:p>
+          <a:p>
+            <a:pPr lvl="1"/>
+            <a:r>
+              <a:rPr lang="ja-JP" altLang="en-US"/>
+              <a:t>第 </a:t>
+            </a:r>
+            <a:r>
+              <a:rPr lang="en-US" altLang="ja-JP"/>
+              <a:t>2 </a:t>
+            </a:r>
+            <a:r>
+              <a:rPr lang="ja-JP" altLang="en-US"/>
+              <a:t>レベル</a:t>
+            </a:r>
+          </a:p>
+          <a:p>
+            <a:pPr lvl="2"/>
+            <a:r>
+              <a:rPr lang="ja-JP" altLang="en-US"/>
+              <a:t>第 </a:t>
+            </a:r>
+            <a:r>
+              <a:rPr lang="en-US" altLang="ja-JP"/>
+              <a:t>3 </a:t>
+            </a:r>
+            <a:r>
+              <a:rPr lang="ja-JP" altLang="en-US"/>
+              <a:t>レベル</a:t>
+            </a:r>
+          </a:p>
+          <a:p>
+            <a:pPr lvl="3"/>
+            <a:r>
+              <a:rPr lang="ja-JP" altLang="en-US"/>
+              <a:t>第 </a:t>
+            </a:r>
+            <a:r>
+              <a:rPr lang="en-US" altLang="ja-JP"/>
+              <a:t>4 </a:t>
+            </a:r>
+            <a:r>
+              <a:rPr lang="ja-JP" altLang="en-US"/>
+              <a:t>レベル</a:t>
+            </a:r>
+          </a:p>
+          <a:p>
+            <a:pPr lvl="4"/>
+            <a:r>
+              <a:rPr lang="ja-JP" altLang="en-US"/>
+              <a:t>第 </a:t>
+            </a:r>
+            <a:r>
+              <a:rPr lang="en-US" altLang="ja-JP"/>
+              <a:t>5 </a:t>
+            </a:r>
+            <a:r>
+              <a:rPr lang="ja-JP" altLang="en-US"/>
+              <a:t>レベル</a:t>
+            </a:r>
+            <a:endParaRPr lang="en-US" dirty="0"/>
+          </a:p>
+        </p:txBody>
+      </p:sp>
+      <p:sp>
+        <p:nvSpPr>
+          <p:cNvPr id="4" name="Date Placeholder 3"/>
+          <p:cNvSpPr>
+            <a:spLocks noGrp="1"/>
+          </p:cNvSpPr>
+          <p:nvPr>
+            <p:ph type="dt" sz="half" idx="2"/>
+          </p:nvPr>
+        </p:nvSpPr>
+        <p:spPr>
+          <a:xfrm>
+            <a:off x="628650" y="6356351"/>
+            <a:ext cx="2057400" cy="365125"/>
+          </a:xfrm>
+          <a:prstGeom prst="rect">
+            <a:avLst/>
+          </a:prstGeom>
+        </p:spPr>
+        <p:txBody>
+          <a:bodyPr vert="horz" lIns="91440" tIns="45720" rIns="91440" bIns="45720" rtlCol="0" anchor="ctr"/>
+          <a:lstStyle>
+            <a:lvl1pPr algn="l">
+              <a:defRPr sz="825">
+                <a:solidFill>
+                  <a:schemeClr val="tx1">
+                    <a:lumMod val="65000"/>
+                    <a:lumOff val="35000"/>
+                  </a:schemeClr>
+                </a:solidFill>
+              </a:defRPr>
+            </a:lvl1pPr>
+          </a:lstStyle>
+          <a:p>
+            <a:fld id="{C764DE79-268F-4C1A-8933-263129D2AF90}" type="datetimeFigureOut">
+              <a:rPr lang="en-US" smtClean="0"/>
+              <a:t>7/4/2020</a:t>
+            </a:fld>
+            <a:endParaRPr lang="en-US" dirty="0"/>
+          </a:p>
+        </p:txBody>
+      </p:sp>
+      <p:sp>
+        <p:nvSpPr>
+          <p:cNvPr id="5" name="Footer Placeholder 4"/>
+          <p:cNvSpPr>
+            <a:spLocks noGrp="1"/>
+          </p:cNvSpPr>
+          <p:nvPr>
+            <p:ph type="ftr" sz="quarter" idx="3"/>
+          </p:nvPr>
+        </p:nvSpPr>
+        <p:spPr>
+          <a:xfrm>
+            <a:off x="3028950" y="6356351"/>
+            <a:ext cx="3086100" cy="365125"/>
+          </a:xfrm>
+          <a:prstGeom prst="rect">
+            <a:avLst/>
+          </a:prstGeom>
+        </p:spPr>
+        <p:txBody>
+          <a:bodyPr vert="horz" lIns="91440" tIns="45720" rIns="91440" bIns="45720" rtlCol="0" anchor="ctr"/>
+          <a:lstStyle>
+            <a:lvl1pPr algn="ctr">
+              <a:defRPr sz="825">
+                <a:solidFill>
+                  <a:schemeClr val="tx1">
+                    <a:lumMod val="65000"/>
+                    <a:lumOff val="35000"/>
+                  </a:schemeClr>
+                </a:solidFill>
+              </a:defRPr>
+            </a:lvl1pPr>
+          </a:lstStyle>
+          <a:p>
+            <a:endParaRPr lang="en-US" dirty="0"/>
+          </a:p>
+        </p:txBody>
+      </p:sp>
+      <p:sp>
+        <p:nvSpPr>
+          <p:cNvPr id="6" name="Slide Number Placeholder 5"/>
+          <p:cNvSpPr>
+            <a:spLocks noGrp="1"/>
+          </p:cNvSpPr>
+          <p:nvPr>
+            <p:ph type="sldNum" sz="quarter" idx="4"/>
+          </p:nvPr>
+        </p:nvSpPr>
+        <p:spPr>
+          <a:xfrm>
+            <a:off x="6463145" y="6356351"/>
+            <a:ext cx="2057400" cy="365125"/>
+          </a:xfrm>
+          <a:prstGeom prst="rect">
+            <a:avLst/>
+          </a:prstGeom>
+        </p:spPr>
+        <p:txBody>
+          <a:bodyPr vert="horz" lIns="91440" tIns="45720" rIns="91440" bIns="45720" rtlCol="0" anchor="ctr"/>
+          <a:lstStyle>
+            <a:lvl1pPr algn="r">
+              <a:defRPr sz="825">
+                <a:solidFill>
+                  <a:schemeClr val="tx1">
+                    <a:tint val="75000"/>
+                  </a:schemeClr>
+                </a:solidFill>
+              </a:defRPr>
+            </a:lvl1pPr>
+          </a:lstStyle>
+          <a:p>
+            <a:fld id="{C4CD1851-4943-4D29-B153-35642A3D04B9}" type="slidenum">
+              <a:rPr lang="ja-JP" altLang="en-US" smtClean="0"/>
+              <a:pPr/>
+              <a:t>‹#›</a:t>
+            </a:fld>
+            <a:endParaRPr lang="ja-JP" altLang="en-US" dirty="0"/>
+          </a:p>
+        </p:txBody>
+      </p:sp>
+    </p:spTree>
+    <p:extLst>
+      <p:ext uri="{BB962C8B-B14F-4D97-AF65-F5344CB8AC3E}">
+        <p14:creationId xmlns:p14="http://schemas.microsoft.com/office/powerpoint/2010/main" val="1115549296"/>
+      </p:ext>
+    </p:extLst>
+  </p:cSld>
+  <p:clrMap bg1="lt1" tx1="dk1" bg2="lt2" tx2="dk2" accent1="accent1" accent2="accent2" accent3="accent3" accent4="accent4" accent5="accent5" accent6="accent6" hlink="hlink" folHlink="folHlink"/>
+  <p:sldLayoutIdLst>
+    <p:sldLayoutId id="2147483715" r:id="rId1"/>
+    <p:sldLayoutId id="2147483716" r:id="rId2"/>
+    <p:sldLayoutId id="2147483717" r:id="rId3"/>
+    <p:sldLayoutId id="2147483718" r:id="rId4"/>
+    <p:sldLayoutId id="2147483719" r:id="rId5"/>
+    <p:sldLayoutId id="2147483720" r:id="rId6"/>
+    <p:sldLayoutId id="2147483721" r:id="rId7"/>
+    <p:sldLayoutId id="2147483722" r:id="rId8"/>
+    <p:sldLayoutId id="2147483723" r:id="rId9"/>
+    <p:sldLayoutId id="2147483724" r:id="rId10"/>
+    <p:sldLayoutId id="2147483725" r:id="rId11"/>
+  </p:sldLayoutIdLst>
+  <p:hf hdr="0" ftr="0" dt="0"/>
+  <p:txStyles>
+    <p:titleStyle>
+      <a:lvl1pPr algn="l" defTabSz="685800" rtl="0" eaLnBrk="1" latinLnBrk="0" hangingPunct="1">
+        <a:lnSpc>
+          <a:spcPct val="90000"/>
+        </a:lnSpc>
+        <a:spcBef>
+          <a:spcPct val="0"/>
+        </a:spcBef>
+        <a:buNone/>
+        <a:defRPr kumimoji="1" sz="3300" kern="1200">
+          <a:solidFill>
+            <a:schemeClr val="tx1"/>
+          </a:solidFill>
+          <a:latin typeface="+mj-lt"/>
+          <a:ea typeface="+mj-ea"/>
+          <a:cs typeface="+mj-cs"/>
+        </a:defRPr>
+      </a:lvl1pPr>
+    </p:titleStyle>
+    <p:bodyStyle>
+      <a:lvl1pPr marL="171450" indent="-171450" algn="l" defTabSz="685800" rtl="0" eaLnBrk="1" latinLnBrk="0" hangingPunct="1">
+        <a:lnSpc>
+          <a:spcPct val="90000"/>
+        </a:lnSpc>
+        <a:spcBef>
+          <a:spcPts val="750"/>
+        </a:spcBef>
+        <a:buFont typeface="Wingdings 2" pitchFamily="18" charset="2"/>
+        <a:buChar char=""/>
+        <a:defRPr kumimoji="1" sz="2100" kern="1200">
+          <a:solidFill>
+            <a:schemeClr val="tx1"/>
+          </a:solidFill>
+          <a:latin typeface="+mn-lt"/>
+          <a:ea typeface="+mn-ea"/>
+          <a:cs typeface="+mn-cs"/>
+        </a:defRPr>
+      </a:lvl1pPr>
+      <a:lvl2pPr marL="514350" indent="-171450" algn="l" defTabSz="685800" rtl="0" eaLnBrk="1" latinLnBrk="0" hangingPunct="1">
+        <a:lnSpc>
+          <a:spcPct val="90000"/>
+        </a:lnSpc>
+        <a:spcBef>
+          <a:spcPts val="375"/>
+        </a:spcBef>
+        <a:buFont typeface="Wingdings 2" pitchFamily="18" charset="2"/>
+        <a:buChar char=""/>
         <a:defRPr kumimoji="1" sz="1800" kern="1200">
           <a:solidFill>
             <a:schemeClr val="tx1"/>
@@ -3760,8 +6839,16 @@
           <a:cs typeface="+mn-cs"/>
         </a:defRPr>
       </a:lvl2pPr>
-      <a:lvl3pPr marL="914400" algn="l" defTabSz="914400" rtl="0" eaLnBrk="1" latinLnBrk="0" hangingPunct="1">
-        <a:defRPr kumimoji="1" sz="1800" kern="1200">
+      <a:lvl3pPr marL="857250" indent="-171450" algn="l" defTabSz="685800" rtl="0" eaLnBrk="1" latinLnBrk="0" hangingPunct="1">
+        <a:lnSpc>
+          <a:spcPct val="90000"/>
+        </a:lnSpc>
+        <a:spcBef>
+          <a:spcPts val="375"/>
+        </a:spcBef>
+        <a:buFont typeface="Wingdings 2" pitchFamily="18" charset="2"/>
+        <a:buChar char=""/>
+        <a:defRPr kumimoji="1" sz="1500" kern="1200">
           <a:solidFill>
             <a:schemeClr val="tx1"/>
           </a:solidFill>
@@ -3770,8 +6857,16 @@
           <a:cs typeface="+mn-cs"/>
         </a:defRPr>
       </a:lvl3pPr>
-      <a:lvl4pPr marL="1371600" algn="l" defTabSz="914400" rtl="0" eaLnBrk="1" latinLnBrk="0" hangingPunct="1">
-        <a:defRPr kumimoji="1" sz="1800" kern="1200">
+      <a:lvl4pPr marL="1200150" indent="-171450" algn="l" defTabSz="685800" rtl="0" eaLnBrk="1" latinLnBrk="0" hangingPunct="1">
+        <a:lnSpc>
+          <a:spcPct val="90000"/>
+        </a:lnSpc>
+        <a:spcBef>
+          <a:spcPts val="375"/>
+        </a:spcBef>
+        <a:buFont typeface="Wingdings 2" pitchFamily="18" charset="2"/>
+        <a:buChar char=""/>
+        <a:defRPr kumimoji="1" sz="1350" kern="1200">
           <a:solidFill>
             <a:schemeClr val="tx1"/>
           </a:solidFill>
@@ -3780,8 +6875,16 @@
           <a:cs typeface="+mn-cs"/>
         </a:defRPr>
       </a:lvl4pPr>
-      <a:lvl5pPr marL="1828800" algn="l" defTabSz="914400" rtl="0" eaLnBrk="1" latinLnBrk="0" hangingPunct="1">
-        <a:defRPr kumimoji="1" sz="1800" kern="1200">
+      <a:lvl5pPr marL="1543050" indent="-171450" algn="l" defTabSz="685800" rtl="0" eaLnBrk="1" latinLnBrk="0" hangingPunct="1">
+        <a:lnSpc>
+          <a:spcPct val="90000"/>
+        </a:lnSpc>
+        <a:spcBef>
+          <a:spcPts val="375"/>
+        </a:spcBef>
+        <a:buFont typeface="Wingdings 2" pitchFamily="18" charset="2"/>
+        <a:buChar char=""/>
+        <a:defRPr kumimoji="1" sz="1350" kern="1200">
           <a:solidFill>
             <a:schemeClr val="tx1"/>
           </a:solidFill>
@@ -3790,8 +6893,13 @@
           <a:cs typeface="+mn-cs"/>
         </a:defRPr>
       </a:lvl5pPr>
-      <a:lvl6pPr marL="2286000" algn="l" defTabSz="914400" rtl="0" eaLnBrk="1" latinLnBrk="0" hangingPunct="1">
-        <a:defRPr kumimoji="1" sz="1800" kern="1200">
+      <a:lvl6pPr marL="1885950" indent="-171450" algn="l" defTabSz="685800" rtl="0" eaLnBrk="1" latinLnBrk="0" hangingPunct="1">
+        <a:spcBef>
+          <a:spcPct val="20000"/>
+        </a:spcBef>
+        <a:buFont typeface="Wingdings 2" pitchFamily="18" charset="2"/>
+        <a:buChar char=""/>
+        <a:defRPr kumimoji="1" sz="1350" kern="1200">
           <a:solidFill>
             <a:schemeClr val="tx1"/>
           </a:solidFill>
@@ -3800,8 +6908,13 @@
           <a:cs typeface="+mn-cs"/>
         </a:defRPr>
       </a:lvl6pPr>
-      <a:lvl7pPr marL="2743200" algn="l" defTabSz="914400" rtl="0" eaLnBrk="1" latinLnBrk="0" hangingPunct="1">
-        <a:defRPr kumimoji="1" sz="1800" kern="1200">
+      <a:lvl7pPr marL="2228850" indent="-171450" algn="l" defTabSz="685800" rtl="0" eaLnBrk="1" latinLnBrk="0" hangingPunct="1">
+        <a:spcBef>
+          <a:spcPct val="20000"/>
+        </a:spcBef>
+        <a:buFont typeface="Wingdings 2" pitchFamily="18" charset="2"/>
+        <a:buChar char=""/>
+        <a:defRPr kumimoji="1" sz="1350" kern="1200">
           <a:solidFill>
             <a:schemeClr val="tx1"/>
           </a:solidFill>
@@ -3810,8 +6923,13 @@
           <a:cs typeface="+mn-cs"/>
         </a:defRPr>
       </a:lvl7pPr>
-      <a:lvl8pPr marL="3200400" algn="l" defTabSz="914400" rtl="0" eaLnBrk="1" latinLnBrk="0" hangingPunct="1">
-        <a:defRPr kumimoji="1" sz="1800" kern="1200">
+      <a:lvl8pPr marL="2571750" indent="-171450" algn="l" defTabSz="685800" rtl="0" eaLnBrk="1" latinLnBrk="0" hangingPunct="1">
+        <a:spcBef>
+          <a:spcPct val="20000"/>
+        </a:spcBef>
+        <a:buFont typeface="Wingdings 2" pitchFamily="18" charset="2"/>
+        <a:buChar char=""/>
+        <a:defRPr kumimoji="1" sz="1350" kern="1200">
           <a:solidFill>
             <a:schemeClr val="tx1"/>
           </a:solidFill>
@@ -3820,8 +6938,108 @@
           <a:cs typeface="+mn-cs"/>
         </a:defRPr>
       </a:lvl8pPr>
-      <a:lvl9pPr marL="3657600" algn="l" defTabSz="914400" rtl="0" eaLnBrk="1" latinLnBrk="0" hangingPunct="1">
-        <a:defRPr kumimoji="1" sz="1800" kern="1200">
+      <a:lvl9pPr marL="2914650" indent="-171450" algn="l" defTabSz="685800" rtl="0" eaLnBrk="1" latinLnBrk="0" hangingPunct="1">
+        <a:spcBef>
+          <a:spcPct val="20000"/>
+        </a:spcBef>
+        <a:buFont typeface="Wingdings 2" pitchFamily="18" charset="2"/>
+        <a:buChar char=""/>
+        <a:defRPr kumimoji="1" sz="1350" kern="1200">
+          <a:solidFill>
+            <a:schemeClr val="tx1"/>
+          </a:solidFill>
+          <a:latin typeface="+mn-lt"/>
+          <a:ea typeface="+mn-ea"/>
+          <a:cs typeface="+mn-cs"/>
+        </a:defRPr>
+      </a:lvl9pPr>
+    </p:bodyStyle>
+    <p:otherStyle>
+      <a:defPPr>
+        <a:defRPr lang="en-US"/>
+      </a:defPPr>
+      <a:lvl1pPr marL="0" algn="l" defTabSz="685800" rtl="0" eaLnBrk="1" latinLnBrk="0" hangingPunct="1">
+        <a:defRPr kumimoji="1" sz="1350" kern="1200">
+          <a:solidFill>
+            <a:schemeClr val="tx1"/>
+          </a:solidFill>
+          <a:latin typeface="+mn-lt"/>
+          <a:ea typeface="+mn-ea"/>
+          <a:cs typeface="+mn-cs"/>
+        </a:defRPr>
+      </a:lvl1pPr>
+      <a:lvl2pPr marL="342900" algn="l" defTabSz="685800" rtl="0" eaLnBrk="1" latinLnBrk="0" hangingPunct="1">
+        <a:defRPr kumimoji="1" sz="1350" kern="1200">
+          <a:solidFill>
+            <a:schemeClr val="tx1"/>
+          </a:solidFill>
+          <a:latin typeface="+mn-lt"/>
+          <a:ea typeface="+mn-ea"/>
+          <a:cs typeface="+mn-cs"/>
+        </a:defRPr>
+      </a:lvl2pPr>
+      <a:lvl3pPr marL="685800" algn="l" defTabSz="685800" rtl="0" eaLnBrk="1" latinLnBrk="0" hangingPunct="1">
+        <a:defRPr kumimoji="1" sz="1350" kern="1200">
+          <a:solidFill>
+            <a:schemeClr val="tx1"/>
+          </a:solidFill>
+          <a:latin typeface="+mn-lt"/>
+          <a:ea typeface="+mn-ea"/>
+          <a:cs typeface="+mn-cs"/>
+        </a:defRPr>
+      </a:lvl3pPr>
+      <a:lvl4pPr marL="1028700" algn="l" defTabSz="685800" rtl="0" eaLnBrk="1" latinLnBrk="0" hangingPunct="1">
+        <a:defRPr kumimoji="1" sz="1350" kern="1200">
+          <a:solidFill>
+            <a:schemeClr val="tx1"/>
+          </a:solidFill>
+          <a:latin typeface="+mn-lt"/>
+          <a:ea typeface="+mn-ea"/>
+          <a:cs typeface="+mn-cs"/>
+        </a:defRPr>
+      </a:lvl4pPr>
+      <a:lvl5pPr marL="1371600" algn="l" defTabSz="685800" rtl="0" eaLnBrk="1" latinLnBrk="0" hangingPunct="1">
+        <a:defRPr kumimoji="1" sz="1350" kern="1200">
+          <a:solidFill>
+            <a:schemeClr val="tx1"/>
+          </a:solidFill>
+          <a:latin typeface="+mn-lt"/>
+          <a:ea typeface="+mn-ea"/>
+          <a:cs typeface="+mn-cs"/>
+        </a:defRPr>
+      </a:lvl5pPr>
+      <a:lvl6pPr marL="1714500" algn="l" defTabSz="685800" rtl="0" eaLnBrk="1" latinLnBrk="0" hangingPunct="1">
+        <a:defRPr kumimoji="1" sz="1350" kern="1200">
+          <a:solidFill>
+            <a:schemeClr val="tx1"/>
+          </a:solidFill>
+          <a:latin typeface="+mn-lt"/>
+          <a:ea typeface="+mn-ea"/>
+          <a:cs typeface="+mn-cs"/>
+        </a:defRPr>
+      </a:lvl6pPr>
+      <a:lvl7pPr marL="2057400" algn="l" defTabSz="685800" rtl="0" eaLnBrk="1" latinLnBrk="0" hangingPunct="1">
+        <a:defRPr kumimoji="1" sz="1350" kern="1200">
+          <a:solidFill>
+            <a:schemeClr val="tx1"/>
+          </a:solidFill>
+          <a:latin typeface="+mn-lt"/>
+          <a:ea typeface="+mn-ea"/>
+          <a:cs typeface="+mn-cs"/>
+        </a:defRPr>
+      </a:lvl7pPr>
+      <a:lvl8pPr marL="2400300" algn="l" defTabSz="685800" rtl="0" eaLnBrk="1" latinLnBrk="0" hangingPunct="1">
+        <a:defRPr kumimoji="1" sz="1350" kern="1200">
+          <a:solidFill>
+            <a:schemeClr val="tx1"/>
+          </a:solidFill>
+          <a:latin typeface="+mn-lt"/>
+          <a:ea typeface="+mn-ea"/>
+          <a:cs typeface="+mn-cs"/>
+        </a:defRPr>
+      </a:lvl8pPr>
+      <a:lvl9pPr marL="2743200" algn="l" defTabSz="685800" rtl="0" eaLnBrk="1" latinLnBrk="0" hangingPunct="1">
+        <a:defRPr kumimoji="1" sz="1350" kern="1200">
           <a:solidFill>
             <a:schemeClr val="tx1"/>
           </a:solidFill>
@@ -3870,10 +7088,16 @@
         </p:nvSpPr>
         <p:spPr/>
         <p:txBody>
-          <a:bodyPr/>
-          <a:lstStyle/>
-          <a:p>
-            <a:endParaRPr kumimoji="1" lang="ja-JP" altLang="en-US"/>
+          <a:bodyPr>
+            <a:normAutofit/>
+          </a:bodyPr>
+          <a:lstStyle/>
+          <a:p>
+            <a:r>
+              <a:rPr lang="ja-JP" altLang="en-US" sz="4800" dirty="0"/>
+              <a:t>進化的な深層学習の構築に関する研究</a:t>
+            </a:r>
+            <a:endParaRPr kumimoji="1" lang="ja-JP" altLang="en-US" sz="4800" dirty="0"/>
           </a:p>
         </p:txBody>
       </p:sp>
@@ -3895,10 +7119,27 @@
         </p:nvSpPr>
         <p:spPr/>
         <p:txBody>
-          <a:bodyPr/>
-          <a:lstStyle/>
-          <a:p>
-            <a:endParaRPr kumimoji="1" lang="ja-JP" altLang="en-US"/>
+          <a:bodyPr>
+            <a:normAutofit/>
+          </a:bodyPr>
+          <a:lstStyle/>
+          <a:p>
+            <a:r>
+              <a:rPr kumimoji="1" lang="ja-JP" altLang="en-US" sz="2400" dirty="0"/>
+              <a:t>ソフトウェアシステム研究グループ</a:t>
+            </a:r>
+            <a:endParaRPr kumimoji="1" lang="en-US" altLang="ja-JP" sz="2400" dirty="0"/>
+          </a:p>
+          <a:p>
+            <a:r>
+              <a:rPr lang="en-US" altLang="ja-JP" sz="2400" dirty="0"/>
+              <a:t>B4 </a:t>
+            </a:r>
+            <a:r>
+              <a:rPr lang="ja-JP" altLang="en-US" sz="2400" dirty="0"/>
+              <a:t>杉山竜弥</a:t>
+            </a:r>
+            <a:endParaRPr kumimoji="1" lang="ja-JP" altLang="en-US" sz="2400" dirty="0"/>
           </a:p>
         </p:txBody>
       </p:sp>
@@ -3935,6 +7176,346 @@
     <p:extLst>
       <p:ext uri="{BB962C8B-B14F-4D97-AF65-F5344CB8AC3E}">
         <p14:creationId xmlns:p14="http://schemas.microsoft.com/office/powerpoint/2010/main" val="1565725075"/>
+      </p:ext>
+    </p:extLst>
+  </p:cSld>
+  <p:clrMapOvr>
+    <a:masterClrMapping/>
+  </p:clrMapOvr>
+</p:sld>
+</file>
+
+<file path=ppt/slides/slide10.xml><?xml version="1.0" encoding="utf-8"?>
+<p:sld xmlns:a="http://schemas.openxmlformats.org/drawingml/2006/main" xmlns:r="http://schemas.openxmlformats.org/officeDocument/2006/relationships" xmlns:p="http://schemas.openxmlformats.org/presentationml/2006/main">
+  <p:cSld>
+    <p:spTree>
+      <p:nvGrpSpPr>
+        <p:cNvPr id="1" name=""/>
+        <p:cNvGrpSpPr/>
+        <p:nvPr/>
+      </p:nvGrpSpPr>
+      <p:grpSpPr>
+        <a:xfrm>
+          <a:off x="0" y="0"/>
+          <a:ext cx="0" cy="0"/>
+          <a:chOff x="0" y="0"/>
+          <a:chExt cx="0" cy="0"/>
+        </a:xfrm>
+      </p:grpSpPr>
+      <p:sp>
+        <p:nvSpPr>
+          <p:cNvPr id="2" name="タイトル 1">
+            <a:extLst>
+              <a:ext uri="{FF2B5EF4-FFF2-40B4-BE49-F238E27FC236}">
+                <a16:creationId xmlns:a16="http://schemas.microsoft.com/office/drawing/2014/main" id="{5DA1EEB7-4CAE-4943-A89E-46AA1FEB1793}"/>
+              </a:ext>
+            </a:extLst>
+          </p:cNvPr>
+          <p:cNvSpPr>
+            <a:spLocks noGrp="1"/>
+          </p:cNvSpPr>
+          <p:nvPr>
+            <p:ph type="title"/>
+          </p:nvPr>
+        </p:nvSpPr>
+        <p:spPr/>
+        <p:txBody>
+          <a:bodyPr/>
+          <a:lstStyle/>
+          <a:p>
+            <a:r>
+              <a:rPr kumimoji="1" lang="ja-JP" altLang="en-US" dirty="0"/>
+              <a:t>まとめ</a:t>
+            </a:r>
+          </a:p>
+        </p:txBody>
+      </p:sp>
+      <p:sp>
+        <p:nvSpPr>
+          <p:cNvPr id="3" name="コンテンツ プレースホルダー 2">
+            <a:extLst>
+              <a:ext uri="{FF2B5EF4-FFF2-40B4-BE49-F238E27FC236}">
+                <a16:creationId xmlns:a16="http://schemas.microsoft.com/office/drawing/2014/main" id="{E1759CCB-DED3-4CA6-829B-0C3FCB41E636}"/>
+              </a:ext>
+            </a:extLst>
+          </p:cNvPr>
+          <p:cNvSpPr>
+            <a:spLocks noGrp="1"/>
+          </p:cNvSpPr>
+          <p:nvPr>
+            <p:ph idx="1"/>
+          </p:nvPr>
+        </p:nvSpPr>
+        <p:spPr/>
+        <p:txBody>
+          <a:bodyPr/>
+          <a:lstStyle/>
+          <a:p>
+            <a:endParaRPr kumimoji="1" lang="ja-JP" altLang="en-US"/>
+          </a:p>
+        </p:txBody>
+      </p:sp>
+      <p:sp>
+        <p:nvSpPr>
+          <p:cNvPr id="4" name="スライド番号プレースホルダー 3">
+            <a:extLst>
+              <a:ext uri="{FF2B5EF4-FFF2-40B4-BE49-F238E27FC236}">
+                <a16:creationId xmlns:a16="http://schemas.microsoft.com/office/drawing/2014/main" id="{3BBEF9FA-EC0B-4EF6-9D3A-A66F44722485}"/>
+              </a:ext>
+            </a:extLst>
+          </p:cNvPr>
+          <p:cNvSpPr>
+            <a:spLocks noGrp="1"/>
+          </p:cNvSpPr>
+          <p:nvPr>
+            <p:ph type="sldNum" sz="quarter" idx="12"/>
+          </p:nvPr>
+        </p:nvSpPr>
+        <p:spPr/>
+        <p:txBody>
+          <a:bodyPr/>
+          <a:lstStyle/>
+          <a:p>
+            <a:fld id="{C4CD1851-4943-4D29-B153-35642A3D04B9}" type="slidenum">
+              <a:rPr kumimoji="1" lang="ja-JP" altLang="en-US" smtClean="0"/>
+              <a:t>10</a:t>
+            </a:fld>
+            <a:endParaRPr kumimoji="1" lang="ja-JP" altLang="en-US"/>
+          </a:p>
+        </p:txBody>
+      </p:sp>
+    </p:spTree>
+    <p:extLst>
+      <p:ext uri="{BB962C8B-B14F-4D97-AF65-F5344CB8AC3E}">
+        <p14:creationId xmlns:p14="http://schemas.microsoft.com/office/powerpoint/2010/main" val="3866001232"/>
+      </p:ext>
+    </p:extLst>
+  </p:cSld>
+  <p:clrMapOvr>
+    <a:masterClrMapping/>
+  </p:clrMapOvr>
+</p:sld>
+</file>
+
+<file path=ppt/slides/slide11.xml><?xml version="1.0" encoding="utf-8"?>
+<p:sld xmlns:a="http://schemas.openxmlformats.org/drawingml/2006/main" xmlns:r="http://schemas.openxmlformats.org/officeDocument/2006/relationships" xmlns:p="http://schemas.openxmlformats.org/presentationml/2006/main">
+  <p:cSld>
+    <p:spTree>
+      <p:nvGrpSpPr>
+        <p:cNvPr id="1" name=""/>
+        <p:cNvGrpSpPr/>
+        <p:nvPr/>
+      </p:nvGrpSpPr>
+      <p:grpSpPr>
+        <a:xfrm>
+          <a:off x="0" y="0"/>
+          <a:ext cx="0" cy="0"/>
+          <a:chOff x="0" y="0"/>
+          <a:chExt cx="0" cy="0"/>
+        </a:xfrm>
+      </p:grpSpPr>
+      <p:sp>
+        <p:nvSpPr>
+          <p:cNvPr id="2" name="タイトル 1">
+            <a:extLst>
+              <a:ext uri="{FF2B5EF4-FFF2-40B4-BE49-F238E27FC236}">
+                <a16:creationId xmlns:a16="http://schemas.microsoft.com/office/drawing/2014/main" id="{84B84D90-756A-4079-A579-FFE3F23C2A62}"/>
+              </a:ext>
+            </a:extLst>
+          </p:cNvPr>
+          <p:cNvSpPr>
+            <a:spLocks noGrp="1"/>
+          </p:cNvSpPr>
+          <p:nvPr>
+            <p:ph type="title"/>
+          </p:nvPr>
+        </p:nvSpPr>
+        <p:spPr/>
+        <p:txBody>
+          <a:bodyPr/>
+          <a:lstStyle/>
+          <a:p>
+            <a:r>
+              <a:rPr kumimoji="1" lang="ja-JP" altLang="en-US" dirty="0"/>
+              <a:t>今後の課題</a:t>
+            </a:r>
+          </a:p>
+        </p:txBody>
+      </p:sp>
+      <p:sp>
+        <p:nvSpPr>
+          <p:cNvPr id="3" name="コンテンツ プレースホルダー 2">
+            <a:extLst>
+              <a:ext uri="{FF2B5EF4-FFF2-40B4-BE49-F238E27FC236}">
+                <a16:creationId xmlns:a16="http://schemas.microsoft.com/office/drawing/2014/main" id="{BA5DAA0D-9E0B-4036-A085-039E2E9D93BC}"/>
+              </a:ext>
+            </a:extLst>
+          </p:cNvPr>
+          <p:cNvSpPr>
+            <a:spLocks noGrp="1"/>
+          </p:cNvSpPr>
+          <p:nvPr>
+            <p:ph idx="1"/>
+          </p:nvPr>
+        </p:nvSpPr>
+        <p:spPr/>
+        <p:txBody>
+          <a:bodyPr/>
+          <a:lstStyle/>
+          <a:p>
+            <a:endParaRPr kumimoji="1" lang="ja-JP" altLang="en-US"/>
+          </a:p>
+        </p:txBody>
+      </p:sp>
+      <p:sp>
+        <p:nvSpPr>
+          <p:cNvPr id="4" name="スライド番号プレースホルダー 3">
+            <a:extLst>
+              <a:ext uri="{FF2B5EF4-FFF2-40B4-BE49-F238E27FC236}">
+                <a16:creationId xmlns:a16="http://schemas.microsoft.com/office/drawing/2014/main" id="{A31FADAA-47C8-4E15-9A57-ECC9BCFA0CBC}"/>
+              </a:ext>
+            </a:extLst>
+          </p:cNvPr>
+          <p:cNvSpPr>
+            <a:spLocks noGrp="1"/>
+          </p:cNvSpPr>
+          <p:nvPr>
+            <p:ph type="sldNum" sz="quarter" idx="12"/>
+          </p:nvPr>
+        </p:nvSpPr>
+        <p:spPr/>
+        <p:txBody>
+          <a:bodyPr/>
+          <a:lstStyle/>
+          <a:p>
+            <a:fld id="{C4CD1851-4943-4D29-B153-35642A3D04B9}" type="slidenum">
+              <a:rPr kumimoji="1" lang="ja-JP" altLang="en-US" smtClean="0"/>
+              <a:t>11</a:t>
+            </a:fld>
+            <a:endParaRPr kumimoji="1" lang="ja-JP" altLang="en-US"/>
+          </a:p>
+        </p:txBody>
+      </p:sp>
+    </p:spTree>
+    <p:extLst>
+      <p:ext uri="{BB962C8B-B14F-4D97-AF65-F5344CB8AC3E}">
+        <p14:creationId xmlns:p14="http://schemas.microsoft.com/office/powerpoint/2010/main" val="3218343016"/>
+      </p:ext>
+    </p:extLst>
+  </p:cSld>
+  <p:clrMapOvr>
+    <a:masterClrMapping/>
+  </p:clrMapOvr>
+</p:sld>
+</file>
+
+<file path=ppt/slides/slide12.xml><?xml version="1.0" encoding="utf-8"?>
+<p:sld xmlns:a="http://schemas.openxmlformats.org/drawingml/2006/main" xmlns:r="http://schemas.openxmlformats.org/officeDocument/2006/relationships" xmlns:p="http://schemas.openxmlformats.org/presentationml/2006/main">
+  <p:cSld>
+    <p:spTree>
+      <p:nvGrpSpPr>
+        <p:cNvPr id="1" name=""/>
+        <p:cNvGrpSpPr/>
+        <p:nvPr/>
+      </p:nvGrpSpPr>
+      <p:grpSpPr>
+        <a:xfrm>
+          <a:off x="0" y="0"/>
+          <a:ext cx="0" cy="0"/>
+          <a:chOff x="0" y="0"/>
+          <a:chExt cx="0" cy="0"/>
+        </a:xfrm>
+      </p:grpSpPr>
+      <p:sp>
+        <p:nvSpPr>
+          <p:cNvPr id="2" name="タイトル 1">
+            <a:extLst>
+              <a:ext uri="{FF2B5EF4-FFF2-40B4-BE49-F238E27FC236}">
+                <a16:creationId xmlns:a16="http://schemas.microsoft.com/office/drawing/2014/main" id="{4DEB8DA1-BA47-4BC9-A475-561F144AE0AD}"/>
+              </a:ext>
+            </a:extLst>
+          </p:cNvPr>
+          <p:cNvSpPr>
+            <a:spLocks noGrp="1"/>
+          </p:cNvSpPr>
+          <p:nvPr>
+            <p:ph type="title"/>
+          </p:nvPr>
+        </p:nvSpPr>
+        <p:spPr/>
+        <p:txBody>
+          <a:bodyPr/>
+          <a:lstStyle/>
+          <a:p>
+            <a:r>
+              <a:rPr lang="ja-JP" altLang="en-US" dirty="0"/>
+              <a:t>ご清聴ありがとうございました</a:t>
+            </a:r>
+            <a:endParaRPr kumimoji="1" lang="ja-JP" altLang="en-US" dirty="0"/>
+          </a:p>
+        </p:txBody>
+      </p:sp>
+      <p:sp>
+        <p:nvSpPr>
+          <p:cNvPr id="3" name="コンテンツ プレースホルダー 2">
+            <a:extLst>
+              <a:ext uri="{FF2B5EF4-FFF2-40B4-BE49-F238E27FC236}">
+                <a16:creationId xmlns:a16="http://schemas.microsoft.com/office/drawing/2014/main" id="{DB068CA5-C6B4-4C4B-94D1-D40D714FE2C1}"/>
+              </a:ext>
+            </a:extLst>
+          </p:cNvPr>
+          <p:cNvSpPr>
+            <a:spLocks noGrp="1"/>
+          </p:cNvSpPr>
+          <p:nvPr>
+            <p:ph idx="1"/>
+          </p:nvPr>
+        </p:nvSpPr>
+        <p:spPr/>
+        <p:txBody>
+          <a:bodyPr/>
+          <a:lstStyle/>
+          <a:p>
+            <a:r>
+              <a:rPr kumimoji="1" lang="ja-JP" altLang="en-US" dirty="0"/>
+              <a:t>（参考資料？）</a:t>
+            </a:r>
+          </a:p>
+        </p:txBody>
+      </p:sp>
+      <p:sp>
+        <p:nvSpPr>
+          <p:cNvPr id="4" name="スライド番号プレースホルダー 3">
+            <a:extLst>
+              <a:ext uri="{FF2B5EF4-FFF2-40B4-BE49-F238E27FC236}">
+                <a16:creationId xmlns:a16="http://schemas.microsoft.com/office/drawing/2014/main" id="{E7E7C3AE-6284-4CA9-A9BA-CEE05734DD46}"/>
+              </a:ext>
+            </a:extLst>
+          </p:cNvPr>
+          <p:cNvSpPr>
+            <a:spLocks noGrp="1"/>
+          </p:cNvSpPr>
+          <p:nvPr>
+            <p:ph type="sldNum" sz="quarter" idx="12"/>
+          </p:nvPr>
+        </p:nvSpPr>
+        <p:spPr/>
+        <p:txBody>
+          <a:bodyPr/>
+          <a:lstStyle/>
+          <a:p>
+            <a:fld id="{C4CD1851-4943-4D29-B153-35642A3D04B9}" type="slidenum">
+              <a:rPr kumimoji="1" lang="ja-JP" altLang="en-US" smtClean="0"/>
+              <a:t>12</a:t>
+            </a:fld>
+            <a:endParaRPr kumimoji="1" lang="ja-JP" altLang="en-US"/>
+          </a:p>
+        </p:txBody>
+      </p:sp>
+    </p:spTree>
+    <p:extLst>
+      <p:ext uri="{BB962C8B-B14F-4D97-AF65-F5344CB8AC3E}">
+        <p14:creationId xmlns:p14="http://schemas.microsoft.com/office/powerpoint/2010/main" val="1397153132"/>
       </p:ext>
     </p:extLst>
   </p:cSld>
@@ -3979,10 +7560,15 @@
         </p:nvSpPr>
         <p:spPr/>
         <p:txBody>
-          <a:bodyPr/>
-          <a:lstStyle/>
-          <a:p>
-            <a:endParaRPr kumimoji="1" lang="ja-JP" altLang="en-US" dirty="0"/>
+          <a:bodyPr>
+            <a:normAutofit/>
+          </a:bodyPr>
+          <a:lstStyle/>
+          <a:p>
+            <a:r>
+              <a:rPr kumimoji="1" lang="ja-JP" altLang="en-US" sz="4000" dirty="0"/>
+              <a:t>目次</a:t>
+            </a:r>
           </a:p>
         </p:txBody>
       </p:sp>
@@ -4004,10 +7590,82 @@
         </p:nvSpPr>
         <p:spPr/>
         <p:txBody>
-          <a:bodyPr/>
-          <a:lstStyle/>
-          <a:p>
-            <a:endParaRPr kumimoji="1" lang="ja-JP" altLang="en-US" dirty="0"/>
+          <a:bodyPr>
+            <a:normAutofit/>
+          </a:bodyPr>
+          <a:lstStyle/>
+          <a:p>
+            <a:pPr marL="0" indent="0">
+              <a:buNone/>
+            </a:pPr>
+            <a:r>
+              <a:rPr lang="ja-JP" altLang="en-US" sz="3200" dirty="0"/>
+              <a:t>はじ</a:t>
+            </a:r>
+            <a:r>
+              <a:rPr kumimoji="1" lang="ja-JP" altLang="en-US" sz="3200" dirty="0"/>
+              <a:t>めに</a:t>
+            </a:r>
+            <a:endParaRPr kumimoji="1" lang="en-US" altLang="ja-JP" sz="3200" dirty="0"/>
+          </a:p>
+          <a:p>
+            <a:pPr marL="0" indent="0">
+              <a:buNone/>
+            </a:pPr>
+            <a:r>
+              <a:rPr lang="ja-JP" altLang="en-US" sz="3200" dirty="0"/>
+              <a:t>要素技術</a:t>
+            </a:r>
+            <a:endParaRPr lang="en-US" altLang="ja-JP" sz="3200" dirty="0"/>
+          </a:p>
+          <a:p>
+            <a:pPr marL="342900" lvl="1" indent="0">
+              <a:buNone/>
+            </a:pPr>
+            <a:r>
+              <a:rPr lang="en-US" altLang="ja-JP" sz="2800" dirty="0" err="1"/>
+              <a:t>AutoML</a:t>
+            </a:r>
+            <a:endParaRPr lang="en-US" altLang="ja-JP" sz="2800" dirty="0"/>
+          </a:p>
+          <a:p>
+            <a:pPr marL="342900" lvl="1" indent="0">
+              <a:buNone/>
+            </a:pPr>
+            <a:r>
+              <a:rPr lang="en-US" altLang="ja-JP" sz="2800" dirty="0"/>
+              <a:t>NAS</a:t>
+            </a:r>
+          </a:p>
+          <a:p>
+            <a:pPr marL="342900" lvl="1" indent="0">
+              <a:buNone/>
+            </a:pPr>
+            <a:r>
+              <a:rPr lang="en-US" altLang="ja-JP" sz="2800" dirty="0" err="1"/>
+              <a:t>AutoAugment</a:t>
+            </a:r>
+            <a:endParaRPr lang="en-US" altLang="ja-JP" sz="2800" dirty="0"/>
+          </a:p>
+          <a:p>
+            <a:pPr marL="0" indent="0">
+              <a:buNone/>
+            </a:pPr>
+            <a:r>
+              <a:rPr kumimoji="1" lang="ja-JP" altLang="en-US" sz="3200" dirty="0"/>
+              <a:t>実験</a:t>
+            </a:r>
+            <a:endParaRPr kumimoji="1" lang="en-US" altLang="ja-JP" sz="3200" dirty="0"/>
+          </a:p>
+          <a:p>
+            <a:pPr marL="0" indent="0">
+              <a:buNone/>
+            </a:pPr>
+            <a:r>
+              <a:rPr lang="ja-JP" altLang="en-US" sz="3200" dirty="0"/>
+              <a:t>まとめと今後の課題</a:t>
+            </a:r>
+            <a:endParaRPr kumimoji="1" lang="ja-JP" altLang="en-US" sz="3200" dirty="0"/>
           </a:p>
         </p:txBody>
       </p:sp>
@@ -4053,10 +7711,814 @@
 </p:sld>
 </file>
 
+<file path=ppt/slides/slide3.xml><?xml version="1.0" encoding="utf-8"?>
+<p:sld xmlns:a="http://schemas.openxmlformats.org/drawingml/2006/main" xmlns:r="http://schemas.openxmlformats.org/officeDocument/2006/relationships" xmlns:p="http://schemas.openxmlformats.org/presentationml/2006/main">
+  <p:cSld>
+    <p:spTree>
+      <p:nvGrpSpPr>
+        <p:cNvPr id="1" name=""/>
+        <p:cNvGrpSpPr/>
+        <p:nvPr/>
+      </p:nvGrpSpPr>
+      <p:grpSpPr>
+        <a:xfrm>
+          <a:off x="0" y="0"/>
+          <a:ext cx="0" cy="0"/>
+          <a:chOff x="0" y="0"/>
+          <a:chExt cx="0" cy="0"/>
+        </a:xfrm>
+      </p:grpSpPr>
+      <p:sp>
+        <p:nvSpPr>
+          <p:cNvPr id="2" name="タイトル 1">
+            <a:extLst>
+              <a:ext uri="{FF2B5EF4-FFF2-40B4-BE49-F238E27FC236}">
+                <a16:creationId xmlns:a16="http://schemas.microsoft.com/office/drawing/2014/main" id="{09C25C03-AC73-4989-AB77-12B8BDAFF301}"/>
+              </a:ext>
+            </a:extLst>
+          </p:cNvPr>
+          <p:cNvSpPr>
+            <a:spLocks noGrp="1"/>
+          </p:cNvSpPr>
+          <p:nvPr>
+            <p:ph type="title"/>
+          </p:nvPr>
+        </p:nvSpPr>
+        <p:spPr/>
+        <p:txBody>
+          <a:bodyPr/>
+          <a:lstStyle/>
+          <a:p>
+            <a:r>
+              <a:rPr kumimoji="1" lang="ja-JP" altLang="en-US" dirty="0"/>
+              <a:t>はじめに</a:t>
+            </a:r>
+          </a:p>
+        </p:txBody>
+      </p:sp>
+      <p:sp>
+        <p:nvSpPr>
+          <p:cNvPr id="3" name="コンテンツ プレースホルダー 2">
+            <a:extLst>
+              <a:ext uri="{FF2B5EF4-FFF2-40B4-BE49-F238E27FC236}">
+                <a16:creationId xmlns:a16="http://schemas.microsoft.com/office/drawing/2014/main" id="{009F0EDA-DAD1-4BBF-B337-B8A87C44DBF9}"/>
+              </a:ext>
+            </a:extLst>
+          </p:cNvPr>
+          <p:cNvSpPr>
+            <a:spLocks noGrp="1"/>
+          </p:cNvSpPr>
+          <p:nvPr>
+            <p:ph idx="1"/>
+          </p:nvPr>
+        </p:nvSpPr>
+        <p:spPr/>
+        <p:txBody>
+          <a:bodyPr/>
+          <a:lstStyle/>
+          <a:p>
+            <a:endParaRPr kumimoji="1" lang="ja-JP" altLang="en-US" dirty="0"/>
+          </a:p>
+        </p:txBody>
+      </p:sp>
+      <p:sp>
+        <p:nvSpPr>
+          <p:cNvPr id="4" name="スライド番号プレースホルダー 3">
+            <a:extLst>
+              <a:ext uri="{FF2B5EF4-FFF2-40B4-BE49-F238E27FC236}">
+                <a16:creationId xmlns:a16="http://schemas.microsoft.com/office/drawing/2014/main" id="{C7B95118-52DB-4F95-8296-87178BF4D513}"/>
+              </a:ext>
+            </a:extLst>
+          </p:cNvPr>
+          <p:cNvSpPr>
+            <a:spLocks noGrp="1"/>
+          </p:cNvSpPr>
+          <p:nvPr>
+            <p:ph type="sldNum" sz="quarter" idx="12"/>
+          </p:nvPr>
+        </p:nvSpPr>
+        <p:spPr/>
+        <p:txBody>
+          <a:bodyPr/>
+          <a:lstStyle/>
+          <a:p>
+            <a:fld id="{C4CD1851-4943-4D29-B153-35642A3D04B9}" type="slidenum">
+              <a:rPr kumimoji="1" lang="ja-JP" altLang="en-US" smtClean="0"/>
+              <a:t>3</a:t>
+            </a:fld>
+            <a:endParaRPr kumimoji="1" lang="ja-JP" altLang="en-US"/>
+          </a:p>
+        </p:txBody>
+      </p:sp>
+    </p:spTree>
+    <p:extLst>
+      <p:ext uri="{BB962C8B-B14F-4D97-AF65-F5344CB8AC3E}">
+        <p14:creationId xmlns:p14="http://schemas.microsoft.com/office/powerpoint/2010/main" val="4038168321"/>
+      </p:ext>
+    </p:extLst>
+  </p:cSld>
+  <p:clrMapOvr>
+    <a:masterClrMapping/>
+  </p:clrMapOvr>
+</p:sld>
+</file>
+
+<file path=ppt/slides/slide4.xml><?xml version="1.0" encoding="utf-8"?>
+<p:sld xmlns:a="http://schemas.openxmlformats.org/drawingml/2006/main" xmlns:r="http://schemas.openxmlformats.org/officeDocument/2006/relationships" xmlns:p="http://schemas.openxmlformats.org/presentationml/2006/main">
+  <p:cSld>
+    <p:spTree>
+      <p:nvGrpSpPr>
+        <p:cNvPr id="1" name=""/>
+        <p:cNvGrpSpPr/>
+        <p:nvPr/>
+      </p:nvGrpSpPr>
+      <p:grpSpPr>
+        <a:xfrm>
+          <a:off x="0" y="0"/>
+          <a:ext cx="0" cy="0"/>
+          <a:chOff x="0" y="0"/>
+          <a:chExt cx="0" cy="0"/>
+        </a:xfrm>
+      </p:grpSpPr>
+      <p:sp>
+        <p:nvSpPr>
+          <p:cNvPr id="2" name="タイトル 1">
+            <a:extLst>
+              <a:ext uri="{FF2B5EF4-FFF2-40B4-BE49-F238E27FC236}">
+                <a16:creationId xmlns:a16="http://schemas.microsoft.com/office/drawing/2014/main" id="{D7056ED2-ED91-49AB-B439-A31DA4C77D0F}"/>
+              </a:ext>
+            </a:extLst>
+          </p:cNvPr>
+          <p:cNvSpPr>
+            <a:spLocks noGrp="1"/>
+          </p:cNvSpPr>
+          <p:nvPr>
+            <p:ph type="title"/>
+          </p:nvPr>
+        </p:nvSpPr>
+        <p:spPr/>
+        <p:txBody>
+          <a:bodyPr/>
+          <a:lstStyle/>
+          <a:p>
+            <a:r>
+              <a:rPr kumimoji="1" lang="ja-JP" altLang="en-US" dirty="0"/>
+              <a:t>要素技術</a:t>
+            </a:r>
+          </a:p>
+        </p:txBody>
+      </p:sp>
+      <p:sp>
+        <p:nvSpPr>
+          <p:cNvPr id="3" name="コンテンツ プレースホルダー 2">
+            <a:extLst>
+              <a:ext uri="{FF2B5EF4-FFF2-40B4-BE49-F238E27FC236}">
+                <a16:creationId xmlns:a16="http://schemas.microsoft.com/office/drawing/2014/main" id="{777B8D3E-10BB-43D2-8BB6-741F4EA2F15E}"/>
+              </a:ext>
+            </a:extLst>
+          </p:cNvPr>
+          <p:cNvSpPr>
+            <a:spLocks noGrp="1"/>
+          </p:cNvSpPr>
+          <p:nvPr>
+            <p:ph idx="1"/>
+          </p:nvPr>
+        </p:nvSpPr>
+        <p:spPr/>
+        <p:txBody>
+          <a:bodyPr/>
+          <a:lstStyle/>
+          <a:p>
+            <a:r>
+              <a:rPr kumimoji="1" lang="en-US" altLang="ja-JP" dirty="0" err="1"/>
+              <a:t>AutoML</a:t>
+            </a:r>
+            <a:endParaRPr kumimoji="1" lang="en-US" altLang="ja-JP" dirty="0"/>
+          </a:p>
+          <a:p>
+            <a:r>
+              <a:rPr lang="en-US" altLang="ja-JP" dirty="0"/>
+              <a:t>NAS</a:t>
+            </a:r>
+          </a:p>
+          <a:p>
+            <a:r>
+              <a:rPr kumimoji="1" lang="en-US" altLang="ja-JP" dirty="0" err="1"/>
+              <a:t>AutoAugment</a:t>
+            </a:r>
+            <a:endParaRPr kumimoji="1" lang="ja-JP" altLang="en-US" dirty="0"/>
+          </a:p>
+        </p:txBody>
+      </p:sp>
+      <p:sp>
+        <p:nvSpPr>
+          <p:cNvPr id="4" name="スライド番号プレースホルダー 3">
+            <a:extLst>
+              <a:ext uri="{FF2B5EF4-FFF2-40B4-BE49-F238E27FC236}">
+                <a16:creationId xmlns:a16="http://schemas.microsoft.com/office/drawing/2014/main" id="{BEFD3F6E-548C-407D-9D85-C5D129B413C6}"/>
+              </a:ext>
+            </a:extLst>
+          </p:cNvPr>
+          <p:cNvSpPr>
+            <a:spLocks noGrp="1"/>
+          </p:cNvSpPr>
+          <p:nvPr>
+            <p:ph type="sldNum" sz="quarter" idx="12"/>
+          </p:nvPr>
+        </p:nvSpPr>
+        <p:spPr/>
+        <p:txBody>
+          <a:bodyPr/>
+          <a:lstStyle/>
+          <a:p>
+            <a:fld id="{C4CD1851-4943-4D29-B153-35642A3D04B9}" type="slidenum">
+              <a:rPr kumimoji="1" lang="ja-JP" altLang="en-US" smtClean="0"/>
+              <a:t>4</a:t>
+            </a:fld>
+            <a:endParaRPr kumimoji="1" lang="ja-JP" altLang="en-US"/>
+          </a:p>
+        </p:txBody>
+      </p:sp>
+    </p:spTree>
+    <p:extLst>
+      <p:ext uri="{BB962C8B-B14F-4D97-AF65-F5344CB8AC3E}">
+        <p14:creationId xmlns:p14="http://schemas.microsoft.com/office/powerpoint/2010/main" val="4250171752"/>
+      </p:ext>
+    </p:extLst>
+  </p:cSld>
+  <p:clrMapOvr>
+    <a:masterClrMapping/>
+  </p:clrMapOvr>
+</p:sld>
+</file>
+
+<file path=ppt/slides/slide5.xml><?xml version="1.0" encoding="utf-8"?>
+<p:sld xmlns:a="http://schemas.openxmlformats.org/drawingml/2006/main" xmlns:r="http://schemas.openxmlformats.org/officeDocument/2006/relationships" xmlns:p="http://schemas.openxmlformats.org/presentationml/2006/main">
+  <p:cSld>
+    <p:spTree>
+      <p:nvGrpSpPr>
+        <p:cNvPr id="1" name=""/>
+        <p:cNvGrpSpPr/>
+        <p:nvPr/>
+      </p:nvGrpSpPr>
+      <p:grpSpPr>
+        <a:xfrm>
+          <a:off x="0" y="0"/>
+          <a:ext cx="0" cy="0"/>
+          <a:chOff x="0" y="0"/>
+          <a:chExt cx="0" cy="0"/>
+        </a:xfrm>
+      </p:grpSpPr>
+      <p:sp>
+        <p:nvSpPr>
+          <p:cNvPr id="2" name="タイトル 1">
+            <a:extLst>
+              <a:ext uri="{FF2B5EF4-FFF2-40B4-BE49-F238E27FC236}">
+                <a16:creationId xmlns:a16="http://schemas.microsoft.com/office/drawing/2014/main" id="{C65AA872-FFA3-4C5C-9F1C-30CC98160A0B}"/>
+              </a:ext>
+            </a:extLst>
+          </p:cNvPr>
+          <p:cNvSpPr>
+            <a:spLocks noGrp="1"/>
+          </p:cNvSpPr>
+          <p:nvPr>
+            <p:ph type="title"/>
+          </p:nvPr>
+        </p:nvSpPr>
+        <p:spPr/>
+        <p:txBody>
+          <a:bodyPr/>
+          <a:lstStyle/>
+          <a:p>
+            <a:r>
+              <a:rPr lang="en-US" altLang="ja-JP" dirty="0" err="1"/>
+              <a:t>AutoML</a:t>
+            </a:r>
+            <a:endParaRPr kumimoji="1" lang="ja-JP" altLang="en-US" dirty="0"/>
+          </a:p>
+        </p:txBody>
+      </p:sp>
+      <p:sp>
+        <p:nvSpPr>
+          <p:cNvPr id="3" name="コンテンツ プレースホルダー 2">
+            <a:extLst>
+              <a:ext uri="{FF2B5EF4-FFF2-40B4-BE49-F238E27FC236}">
+                <a16:creationId xmlns:a16="http://schemas.microsoft.com/office/drawing/2014/main" id="{B46432FE-A3F7-4878-99B0-F6E56A86C13F}"/>
+              </a:ext>
+            </a:extLst>
+          </p:cNvPr>
+          <p:cNvSpPr>
+            <a:spLocks noGrp="1"/>
+          </p:cNvSpPr>
+          <p:nvPr>
+            <p:ph idx="1"/>
+          </p:nvPr>
+        </p:nvSpPr>
+        <p:spPr/>
+        <p:txBody>
+          <a:bodyPr/>
+          <a:lstStyle/>
+          <a:p>
+            <a:endParaRPr kumimoji="1" lang="ja-JP" altLang="en-US"/>
+          </a:p>
+        </p:txBody>
+      </p:sp>
+      <p:sp>
+        <p:nvSpPr>
+          <p:cNvPr id="4" name="スライド番号プレースホルダー 3">
+            <a:extLst>
+              <a:ext uri="{FF2B5EF4-FFF2-40B4-BE49-F238E27FC236}">
+                <a16:creationId xmlns:a16="http://schemas.microsoft.com/office/drawing/2014/main" id="{D0D4C3D9-D357-4EB4-9412-B9F18BE545FB}"/>
+              </a:ext>
+            </a:extLst>
+          </p:cNvPr>
+          <p:cNvSpPr>
+            <a:spLocks noGrp="1"/>
+          </p:cNvSpPr>
+          <p:nvPr>
+            <p:ph type="sldNum" sz="quarter" idx="12"/>
+          </p:nvPr>
+        </p:nvSpPr>
+        <p:spPr/>
+        <p:txBody>
+          <a:bodyPr/>
+          <a:lstStyle/>
+          <a:p>
+            <a:fld id="{C4CD1851-4943-4D29-B153-35642A3D04B9}" type="slidenum">
+              <a:rPr kumimoji="1" lang="ja-JP" altLang="en-US" smtClean="0"/>
+              <a:t>5</a:t>
+            </a:fld>
+            <a:endParaRPr kumimoji="1" lang="ja-JP" altLang="en-US"/>
+          </a:p>
+        </p:txBody>
+      </p:sp>
+    </p:spTree>
+    <p:extLst>
+      <p:ext uri="{BB962C8B-B14F-4D97-AF65-F5344CB8AC3E}">
+        <p14:creationId xmlns:p14="http://schemas.microsoft.com/office/powerpoint/2010/main" val="2582631419"/>
+      </p:ext>
+    </p:extLst>
+  </p:cSld>
+  <p:clrMapOvr>
+    <a:masterClrMapping/>
+  </p:clrMapOvr>
+</p:sld>
+</file>
+
+<file path=ppt/slides/slide6.xml><?xml version="1.0" encoding="utf-8"?>
+<p:sld xmlns:a="http://schemas.openxmlformats.org/drawingml/2006/main" xmlns:r="http://schemas.openxmlformats.org/officeDocument/2006/relationships" xmlns:p="http://schemas.openxmlformats.org/presentationml/2006/main">
+  <p:cSld>
+    <p:spTree>
+      <p:nvGrpSpPr>
+        <p:cNvPr id="1" name=""/>
+        <p:cNvGrpSpPr/>
+        <p:nvPr/>
+      </p:nvGrpSpPr>
+      <p:grpSpPr>
+        <a:xfrm>
+          <a:off x="0" y="0"/>
+          <a:ext cx="0" cy="0"/>
+          <a:chOff x="0" y="0"/>
+          <a:chExt cx="0" cy="0"/>
+        </a:xfrm>
+      </p:grpSpPr>
+      <p:sp>
+        <p:nvSpPr>
+          <p:cNvPr id="2" name="タイトル 1">
+            <a:extLst>
+              <a:ext uri="{FF2B5EF4-FFF2-40B4-BE49-F238E27FC236}">
+                <a16:creationId xmlns:a16="http://schemas.microsoft.com/office/drawing/2014/main" id="{0DAA3F36-11D2-427C-892C-247ACF30EA79}"/>
+              </a:ext>
+            </a:extLst>
+          </p:cNvPr>
+          <p:cNvSpPr>
+            <a:spLocks noGrp="1"/>
+          </p:cNvSpPr>
+          <p:nvPr>
+            <p:ph type="title"/>
+          </p:nvPr>
+        </p:nvSpPr>
+        <p:spPr/>
+        <p:txBody>
+          <a:bodyPr/>
+          <a:lstStyle/>
+          <a:p>
+            <a:r>
+              <a:rPr kumimoji="1" lang="en-US" altLang="ja-JP" dirty="0"/>
+              <a:t>NAS</a:t>
+            </a:r>
+            <a:endParaRPr kumimoji="1" lang="ja-JP" altLang="en-US" dirty="0"/>
+          </a:p>
+        </p:txBody>
+      </p:sp>
+      <p:sp>
+        <p:nvSpPr>
+          <p:cNvPr id="3" name="コンテンツ プレースホルダー 2">
+            <a:extLst>
+              <a:ext uri="{FF2B5EF4-FFF2-40B4-BE49-F238E27FC236}">
+                <a16:creationId xmlns:a16="http://schemas.microsoft.com/office/drawing/2014/main" id="{476CA458-F77F-467F-87F8-3EC6D31AF016}"/>
+              </a:ext>
+            </a:extLst>
+          </p:cNvPr>
+          <p:cNvSpPr>
+            <a:spLocks noGrp="1"/>
+          </p:cNvSpPr>
+          <p:nvPr>
+            <p:ph idx="1"/>
+          </p:nvPr>
+        </p:nvSpPr>
+        <p:spPr/>
+        <p:txBody>
+          <a:bodyPr/>
+          <a:lstStyle/>
+          <a:p>
+            <a:endParaRPr kumimoji="1" lang="ja-JP" altLang="en-US"/>
+          </a:p>
+        </p:txBody>
+      </p:sp>
+      <p:sp>
+        <p:nvSpPr>
+          <p:cNvPr id="4" name="スライド番号プレースホルダー 3">
+            <a:extLst>
+              <a:ext uri="{FF2B5EF4-FFF2-40B4-BE49-F238E27FC236}">
+                <a16:creationId xmlns:a16="http://schemas.microsoft.com/office/drawing/2014/main" id="{54BD258F-C325-4444-B410-F01C7BCF57FC}"/>
+              </a:ext>
+            </a:extLst>
+          </p:cNvPr>
+          <p:cNvSpPr>
+            <a:spLocks noGrp="1"/>
+          </p:cNvSpPr>
+          <p:nvPr>
+            <p:ph type="sldNum" sz="quarter" idx="12"/>
+          </p:nvPr>
+        </p:nvSpPr>
+        <p:spPr/>
+        <p:txBody>
+          <a:bodyPr/>
+          <a:lstStyle/>
+          <a:p>
+            <a:fld id="{C4CD1851-4943-4D29-B153-35642A3D04B9}" type="slidenum">
+              <a:rPr kumimoji="1" lang="ja-JP" altLang="en-US" smtClean="0"/>
+              <a:t>6</a:t>
+            </a:fld>
+            <a:endParaRPr kumimoji="1" lang="ja-JP" altLang="en-US"/>
+          </a:p>
+        </p:txBody>
+      </p:sp>
+    </p:spTree>
+    <p:extLst>
+      <p:ext uri="{BB962C8B-B14F-4D97-AF65-F5344CB8AC3E}">
+        <p14:creationId xmlns:p14="http://schemas.microsoft.com/office/powerpoint/2010/main" val="1327417464"/>
+      </p:ext>
+    </p:extLst>
+  </p:cSld>
+  <p:clrMapOvr>
+    <a:masterClrMapping/>
+  </p:clrMapOvr>
+</p:sld>
+</file>
+
+<file path=ppt/slides/slide7.xml><?xml version="1.0" encoding="utf-8"?>
+<p:sld xmlns:a="http://schemas.openxmlformats.org/drawingml/2006/main" xmlns:r="http://schemas.openxmlformats.org/officeDocument/2006/relationships" xmlns:p="http://schemas.openxmlformats.org/presentationml/2006/main">
+  <p:cSld>
+    <p:spTree>
+      <p:nvGrpSpPr>
+        <p:cNvPr id="1" name=""/>
+        <p:cNvGrpSpPr/>
+        <p:nvPr/>
+      </p:nvGrpSpPr>
+      <p:grpSpPr>
+        <a:xfrm>
+          <a:off x="0" y="0"/>
+          <a:ext cx="0" cy="0"/>
+          <a:chOff x="0" y="0"/>
+          <a:chExt cx="0" cy="0"/>
+        </a:xfrm>
+      </p:grpSpPr>
+      <p:sp>
+        <p:nvSpPr>
+          <p:cNvPr id="2" name="タイトル 1">
+            <a:extLst>
+              <a:ext uri="{FF2B5EF4-FFF2-40B4-BE49-F238E27FC236}">
+                <a16:creationId xmlns:a16="http://schemas.microsoft.com/office/drawing/2014/main" id="{D3F08CBE-1DD7-4314-9606-0532B031A5D0}"/>
+              </a:ext>
+            </a:extLst>
+          </p:cNvPr>
+          <p:cNvSpPr>
+            <a:spLocks noGrp="1"/>
+          </p:cNvSpPr>
+          <p:nvPr>
+            <p:ph type="title"/>
+          </p:nvPr>
+        </p:nvSpPr>
+        <p:spPr/>
+        <p:txBody>
+          <a:bodyPr/>
+          <a:lstStyle/>
+          <a:p>
+            <a:r>
+              <a:rPr kumimoji="1" lang="en-US" altLang="ja-JP" dirty="0"/>
+              <a:t>Auto Augment</a:t>
+            </a:r>
+            <a:endParaRPr kumimoji="1" lang="ja-JP" altLang="en-US" dirty="0"/>
+          </a:p>
+        </p:txBody>
+      </p:sp>
+      <p:sp>
+        <p:nvSpPr>
+          <p:cNvPr id="3" name="コンテンツ プレースホルダー 2">
+            <a:extLst>
+              <a:ext uri="{FF2B5EF4-FFF2-40B4-BE49-F238E27FC236}">
+                <a16:creationId xmlns:a16="http://schemas.microsoft.com/office/drawing/2014/main" id="{BEDFE5E1-ACDA-404F-AE6A-4EF7CBEA33F9}"/>
+              </a:ext>
+            </a:extLst>
+          </p:cNvPr>
+          <p:cNvSpPr>
+            <a:spLocks noGrp="1"/>
+          </p:cNvSpPr>
+          <p:nvPr>
+            <p:ph idx="1"/>
+          </p:nvPr>
+        </p:nvSpPr>
+        <p:spPr/>
+        <p:txBody>
+          <a:bodyPr/>
+          <a:lstStyle/>
+          <a:p>
+            <a:endParaRPr kumimoji="1" lang="ja-JP" altLang="en-US"/>
+          </a:p>
+        </p:txBody>
+      </p:sp>
+      <p:sp>
+        <p:nvSpPr>
+          <p:cNvPr id="4" name="スライド番号プレースホルダー 3">
+            <a:extLst>
+              <a:ext uri="{FF2B5EF4-FFF2-40B4-BE49-F238E27FC236}">
+                <a16:creationId xmlns:a16="http://schemas.microsoft.com/office/drawing/2014/main" id="{22CDD866-8737-4E13-9DE5-B807497D9576}"/>
+              </a:ext>
+            </a:extLst>
+          </p:cNvPr>
+          <p:cNvSpPr>
+            <a:spLocks noGrp="1"/>
+          </p:cNvSpPr>
+          <p:nvPr>
+            <p:ph type="sldNum" sz="quarter" idx="12"/>
+          </p:nvPr>
+        </p:nvSpPr>
+        <p:spPr/>
+        <p:txBody>
+          <a:bodyPr/>
+          <a:lstStyle/>
+          <a:p>
+            <a:fld id="{C4CD1851-4943-4D29-B153-35642A3D04B9}" type="slidenum">
+              <a:rPr kumimoji="1" lang="ja-JP" altLang="en-US" smtClean="0"/>
+              <a:t>7</a:t>
+            </a:fld>
+            <a:endParaRPr kumimoji="1" lang="ja-JP" altLang="en-US"/>
+          </a:p>
+        </p:txBody>
+      </p:sp>
+    </p:spTree>
+    <p:extLst>
+      <p:ext uri="{BB962C8B-B14F-4D97-AF65-F5344CB8AC3E}">
+        <p14:creationId xmlns:p14="http://schemas.microsoft.com/office/powerpoint/2010/main" val="4196173772"/>
+      </p:ext>
+    </p:extLst>
+  </p:cSld>
+  <p:clrMapOvr>
+    <a:masterClrMapping/>
+  </p:clrMapOvr>
+</p:sld>
+</file>
+
+<file path=ppt/slides/slide8.xml><?xml version="1.0" encoding="utf-8"?>
+<p:sld xmlns:a="http://schemas.openxmlformats.org/drawingml/2006/main" xmlns:r="http://schemas.openxmlformats.org/officeDocument/2006/relationships" xmlns:p="http://schemas.openxmlformats.org/presentationml/2006/main">
+  <p:cSld>
+    <p:spTree>
+      <p:nvGrpSpPr>
+        <p:cNvPr id="1" name=""/>
+        <p:cNvGrpSpPr/>
+        <p:nvPr/>
+      </p:nvGrpSpPr>
+      <p:grpSpPr>
+        <a:xfrm>
+          <a:off x="0" y="0"/>
+          <a:ext cx="0" cy="0"/>
+          <a:chOff x="0" y="0"/>
+          <a:chExt cx="0" cy="0"/>
+        </a:xfrm>
+      </p:grpSpPr>
+      <p:sp>
+        <p:nvSpPr>
+          <p:cNvPr id="2" name="タイトル 1">
+            <a:extLst>
+              <a:ext uri="{FF2B5EF4-FFF2-40B4-BE49-F238E27FC236}">
+                <a16:creationId xmlns:a16="http://schemas.microsoft.com/office/drawing/2014/main" id="{7D5FA137-D008-44C4-A68C-1620CDE9FBA3}"/>
+              </a:ext>
+            </a:extLst>
+          </p:cNvPr>
+          <p:cNvSpPr>
+            <a:spLocks noGrp="1"/>
+          </p:cNvSpPr>
+          <p:nvPr>
+            <p:ph type="title"/>
+          </p:nvPr>
+        </p:nvSpPr>
+        <p:spPr/>
+        <p:txBody>
+          <a:bodyPr/>
+          <a:lstStyle/>
+          <a:p>
+            <a:r>
+              <a:rPr kumimoji="1" lang="ja-JP" altLang="en-US" dirty="0"/>
+              <a:t>実験１</a:t>
+            </a:r>
+          </a:p>
+        </p:txBody>
+      </p:sp>
+      <p:sp>
+        <p:nvSpPr>
+          <p:cNvPr id="3" name="コンテンツ プレースホルダー 2">
+            <a:extLst>
+              <a:ext uri="{FF2B5EF4-FFF2-40B4-BE49-F238E27FC236}">
+                <a16:creationId xmlns:a16="http://schemas.microsoft.com/office/drawing/2014/main" id="{65C1B5A9-714A-4CDD-9AB1-78B3672391E9}"/>
+              </a:ext>
+            </a:extLst>
+          </p:cNvPr>
+          <p:cNvSpPr>
+            <a:spLocks noGrp="1"/>
+          </p:cNvSpPr>
+          <p:nvPr>
+            <p:ph idx="1"/>
+          </p:nvPr>
+        </p:nvSpPr>
+        <p:spPr/>
+        <p:txBody>
+          <a:bodyPr/>
+          <a:lstStyle/>
+          <a:p>
+            <a:endParaRPr kumimoji="1" lang="ja-JP" altLang="en-US"/>
+          </a:p>
+        </p:txBody>
+      </p:sp>
+      <p:sp>
+        <p:nvSpPr>
+          <p:cNvPr id="4" name="スライド番号プレースホルダー 3">
+            <a:extLst>
+              <a:ext uri="{FF2B5EF4-FFF2-40B4-BE49-F238E27FC236}">
+                <a16:creationId xmlns:a16="http://schemas.microsoft.com/office/drawing/2014/main" id="{AE23CC93-6598-436C-A766-52E7A2470210}"/>
+              </a:ext>
+            </a:extLst>
+          </p:cNvPr>
+          <p:cNvSpPr>
+            <a:spLocks noGrp="1"/>
+          </p:cNvSpPr>
+          <p:nvPr>
+            <p:ph type="sldNum" sz="quarter" idx="12"/>
+          </p:nvPr>
+        </p:nvSpPr>
+        <p:spPr/>
+        <p:txBody>
+          <a:bodyPr/>
+          <a:lstStyle/>
+          <a:p>
+            <a:fld id="{C4CD1851-4943-4D29-B153-35642A3D04B9}" type="slidenum">
+              <a:rPr kumimoji="1" lang="ja-JP" altLang="en-US" smtClean="0"/>
+              <a:t>8</a:t>
+            </a:fld>
+            <a:endParaRPr kumimoji="1" lang="ja-JP" altLang="en-US"/>
+          </a:p>
+        </p:txBody>
+      </p:sp>
+    </p:spTree>
+    <p:extLst>
+      <p:ext uri="{BB962C8B-B14F-4D97-AF65-F5344CB8AC3E}">
+        <p14:creationId xmlns:p14="http://schemas.microsoft.com/office/powerpoint/2010/main" val="289198549"/>
+      </p:ext>
+    </p:extLst>
+  </p:cSld>
+  <p:clrMapOvr>
+    <a:masterClrMapping/>
+  </p:clrMapOvr>
+</p:sld>
+</file>
+
+<file path=ppt/slides/slide9.xml><?xml version="1.0" encoding="utf-8"?>
+<p:sld xmlns:a="http://schemas.openxmlformats.org/drawingml/2006/main" xmlns:r="http://schemas.openxmlformats.org/officeDocument/2006/relationships" xmlns:p="http://schemas.openxmlformats.org/presentationml/2006/main">
+  <p:cSld>
+    <p:spTree>
+      <p:nvGrpSpPr>
+        <p:cNvPr id="1" name=""/>
+        <p:cNvGrpSpPr/>
+        <p:nvPr/>
+      </p:nvGrpSpPr>
+      <p:grpSpPr>
+        <a:xfrm>
+          <a:off x="0" y="0"/>
+          <a:ext cx="0" cy="0"/>
+          <a:chOff x="0" y="0"/>
+          <a:chExt cx="0" cy="0"/>
+        </a:xfrm>
+      </p:grpSpPr>
+      <p:sp>
+        <p:nvSpPr>
+          <p:cNvPr id="2" name="タイトル 1">
+            <a:extLst>
+              <a:ext uri="{FF2B5EF4-FFF2-40B4-BE49-F238E27FC236}">
+                <a16:creationId xmlns:a16="http://schemas.microsoft.com/office/drawing/2014/main" id="{20D81EEE-473B-45A1-8F0D-286E0BB8C4EC}"/>
+              </a:ext>
+            </a:extLst>
+          </p:cNvPr>
+          <p:cNvSpPr>
+            <a:spLocks noGrp="1"/>
+          </p:cNvSpPr>
+          <p:nvPr>
+            <p:ph type="title"/>
+          </p:nvPr>
+        </p:nvSpPr>
+        <p:spPr/>
+        <p:txBody>
+          <a:bodyPr/>
+          <a:lstStyle/>
+          <a:p>
+            <a:r>
+              <a:rPr kumimoji="1" lang="ja-JP" altLang="en-US" dirty="0"/>
+              <a:t>実験２</a:t>
+            </a:r>
+          </a:p>
+        </p:txBody>
+      </p:sp>
+      <p:sp>
+        <p:nvSpPr>
+          <p:cNvPr id="3" name="コンテンツ プレースホルダー 2">
+            <a:extLst>
+              <a:ext uri="{FF2B5EF4-FFF2-40B4-BE49-F238E27FC236}">
+                <a16:creationId xmlns:a16="http://schemas.microsoft.com/office/drawing/2014/main" id="{718478E5-A116-481C-A147-295E443B8BB0}"/>
+              </a:ext>
+            </a:extLst>
+          </p:cNvPr>
+          <p:cNvSpPr>
+            <a:spLocks noGrp="1"/>
+          </p:cNvSpPr>
+          <p:nvPr>
+            <p:ph idx="1"/>
+          </p:nvPr>
+        </p:nvSpPr>
+        <p:spPr/>
+        <p:txBody>
+          <a:bodyPr/>
+          <a:lstStyle/>
+          <a:p>
+            <a:endParaRPr kumimoji="1" lang="ja-JP" altLang="en-US"/>
+          </a:p>
+        </p:txBody>
+      </p:sp>
+      <p:sp>
+        <p:nvSpPr>
+          <p:cNvPr id="4" name="スライド番号プレースホルダー 3">
+            <a:extLst>
+              <a:ext uri="{FF2B5EF4-FFF2-40B4-BE49-F238E27FC236}">
+                <a16:creationId xmlns:a16="http://schemas.microsoft.com/office/drawing/2014/main" id="{C065733B-D842-4061-9EC8-03E2A5D6BF06}"/>
+              </a:ext>
+            </a:extLst>
+          </p:cNvPr>
+          <p:cNvSpPr>
+            <a:spLocks noGrp="1"/>
+          </p:cNvSpPr>
+          <p:nvPr>
+            <p:ph type="sldNum" sz="quarter" idx="12"/>
+          </p:nvPr>
+        </p:nvSpPr>
+        <p:spPr/>
+        <p:txBody>
+          <a:bodyPr/>
+          <a:lstStyle/>
+          <a:p>
+            <a:fld id="{C4CD1851-4943-4D29-B153-35642A3D04B9}" type="slidenum">
+              <a:rPr kumimoji="1" lang="ja-JP" altLang="en-US" smtClean="0"/>
+              <a:t>9</a:t>
+            </a:fld>
+            <a:endParaRPr kumimoji="1" lang="ja-JP" altLang="en-US"/>
+          </a:p>
+        </p:txBody>
+      </p:sp>
+    </p:spTree>
+    <p:extLst>
+      <p:ext uri="{BB962C8B-B14F-4D97-AF65-F5344CB8AC3E}">
+        <p14:creationId xmlns:p14="http://schemas.microsoft.com/office/powerpoint/2010/main" val="2056463254"/>
+      </p:ext>
+    </p:extLst>
+  </p:cSld>
+  <p:clrMapOvr>
+    <a:masterClrMapping/>
+  </p:clrMapOvr>
+</p:sld>
+</file>
+
 <file path=ppt/theme/theme1.xml><?xml version="1.0" encoding="utf-8"?>
-<a:theme xmlns:a="http://schemas.openxmlformats.org/drawingml/2006/main" name="Office テーマ">
+<a:theme xmlns:a="http://schemas.openxmlformats.org/drawingml/2006/main" name="HDOfficeLightV0">
   <a:themeElements>
-    <a:clrScheme name="Office テーマ">
+    <a:clrScheme name="Office">
       <a:dk1>
         <a:sysClr val="windowText" lastClr="000000"/>
       </a:dk1>
@@ -4070,7 +8532,7 @@
         <a:srgbClr val="E7E6E6"/>
       </a:lt2>
       <a:accent1>
-        <a:srgbClr val="4472C4"/>
+        <a:srgbClr val="5B9BD5"/>
       </a:accent1>
       <a:accent2>
         <a:srgbClr val="ED7D31"/>
@@ -4082,7 +8544,7 @@
         <a:srgbClr val="FFC000"/>
       </a:accent4>
       <a:accent5>
-        <a:srgbClr val="5B9BD5"/>
+        <a:srgbClr val="4472C4"/>
       </a:accent5>
       <a:accent6>
         <a:srgbClr val="70AD47"/>
@@ -4094,14 +8556,14 @@
         <a:srgbClr val="954F72"/>
       </a:folHlink>
     </a:clrScheme>
-    <a:fontScheme name="Office テーマ">
+    <a:fontScheme name="Office">
       <a:majorFont>
-        <a:latin typeface="Calibri Light" panose="020F0302020204030204"/>
+        <a:latin typeface="Calibri Light"/>
         <a:ea typeface=""/>
         <a:cs typeface=""/>
-        <a:font script="Jpan" typeface="游ゴシック Light"/>
+        <a:font script="Jpan" typeface="ＭＳ Ｐゴシック"/>
         <a:font script="Hang" typeface="맑은 고딕"/>
-        <a:font script="Hans" typeface="等线 Light"/>
+        <a:font script="Hans" typeface="宋体"/>
         <a:font script="Hant" typeface="新細明體"/>
         <a:font script="Arab" typeface="Times New Roman"/>
         <a:font script="Hebr" typeface="Times New Roman"/>
@@ -4131,12 +8593,12 @@
         <a:font script="Geor" typeface="Sylfaen"/>
       </a:majorFont>
       <a:minorFont>
-        <a:latin typeface="Calibri" panose="020F0502020204030204"/>
+        <a:latin typeface="Calibri"/>
         <a:ea typeface=""/>
         <a:cs typeface=""/>
-        <a:font script="Jpan" typeface="游ゴシック"/>
+        <a:font script="Jpan" typeface="ＭＳ Ｐゴシック"/>
         <a:font script="Hang" typeface="맑은 고딕"/>
-        <a:font script="Hans" typeface="等线"/>
+        <a:font script="Hans" typeface="宋体"/>
         <a:font script="Hant" typeface="新細明體"/>
         <a:font script="Arab" typeface="Arial"/>
         <a:font script="Hebr" typeface="Arial"/>
@@ -4166,7 +8628,7 @@
         <a:font script="Geor" typeface="Sylfaen"/>
       </a:minorFont>
     </a:fontScheme>
-    <a:fmtScheme name="Office テーマ">
+    <a:fmtScheme name="Office">
       <a:fillStyleLst>
         <a:solidFill>
           <a:schemeClr val="phClr"/>
@@ -4175,23 +8637,23 @@
           <a:gsLst>
             <a:gs pos="0">
               <a:schemeClr val="phClr">
+                <a:tint val="67000"/>
+                <a:satMod val="105000"/>
                 <a:lumMod val="110000"/>
-                <a:satMod val="105000"/>
-                <a:tint val="67000"/>
               </a:schemeClr>
             </a:gs>
             <a:gs pos="50000">
               <a:schemeClr val="phClr">
+                <a:tint val="73000"/>
+                <a:satMod val="103000"/>
                 <a:lumMod val="105000"/>
-                <a:satMod val="103000"/>
-                <a:tint val="73000"/>
               </a:schemeClr>
             </a:gs>
             <a:gs pos="100000">
               <a:schemeClr val="phClr">
+                <a:tint val="81000"/>
+                <a:satMod val="109000"/>
                 <a:lumMod val="105000"/>
-                <a:satMod val="109000"/>
-                <a:tint val="81000"/>
               </a:schemeClr>
             </a:gs>
           </a:gsLst>
@@ -4201,23 +8663,23 @@
           <a:gsLst>
             <a:gs pos="0">
               <a:schemeClr val="phClr">
+                <a:tint val="94000"/>
                 <a:satMod val="103000"/>
                 <a:lumMod val="102000"/>
-                <a:tint val="94000"/>
               </a:schemeClr>
             </a:gs>
             <a:gs pos="50000">
               <a:schemeClr val="phClr">
+                <a:shade val="100000"/>
                 <a:satMod val="110000"/>
                 <a:lumMod val="100000"/>
-                <a:shade val="100000"/>
               </a:schemeClr>
             </a:gs>
             <a:gs pos="100000">
               <a:schemeClr val="phClr">
+                <a:shade val="78000"/>
+                <a:satMod val="120000"/>
                 <a:lumMod val="99000"/>
-                <a:satMod val="120000"/>
-                <a:shade val="78000"/>
               </a:schemeClr>
             </a:gs>
           </a:gsLst>
@@ -4230,21 +8692,18 @@
             <a:schemeClr val="phClr"/>
           </a:solidFill>
           <a:prstDash val="solid"/>
-          <a:miter lim="800000"/>
         </a:ln>
         <a:ln w="12700" cap="flat" cmpd="sng" algn="ctr">
           <a:solidFill>
             <a:schemeClr val="phClr"/>
           </a:solidFill>
           <a:prstDash val="solid"/>
-          <a:miter lim="800000"/>
         </a:ln>
         <a:ln w="19050" cap="flat" cmpd="sng" algn="ctr">
           <a:solidFill>
             <a:schemeClr val="phClr"/>
           </a:solidFill>
           <a:prstDash val="solid"/>
-          <a:miter lim="800000"/>
         </a:ln>
       </a:lnStyleLst>
       <a:effectStyleLst>
@@ -4279,16 +8738,16 @@
             <a:gs pos="0">
               <a:schemeClr val="phClr">
                 <a:tint val="93000"/>
+                <a:shade val="98000"/>
                 <a:satMod val="150000"/>
-                <a:shade val="98000"/>
                 <a:lumMod val="102000"/>
               </a:schemeClr>
             </a:gs>
             <a:gs pos="50000">
               <a:schemeClr val="phClr">
                 <a:tint val="98000"/>
+                <a:shade val="90000"/>
                 <a:satMod val="130000"/>
-                <a:shade val="90000"/>
                 <a:lumMod val="103000"/>
               </a:schemeClr>
             </a:gs>
@@ -4306,16 +8765,11 @@
   </a:themeElements>
   <a:objectDefaults/>
   <a:extraClrSchemeLst/>
-  <a:extLst>
-    <a:ext uri="{05A4C25C-085E-4340-85A3-A5531E510DB2}">
-      <thm15:themeFamily xmlns:thm15="http://schemas.microsoft.com/office/thememl/2012/main" name="Office Theme" id="{62F939B6-93AF-4DB8-9C6B-D6C7DFDC589F}" vid="{4A3C46E8-61CC-4603-A589-7422A47A8E4A}"/>
-    </a:ext>
-  </a:extLst>
 </a:theme>
 </file>
 
 <file path=ppt/theme/theme2.xml><?xml version="1.0" encoding="utf-8"?>
-<a:theme xmlns:a="http://schemas.openxmlformats.org/drawingml/2006/main" name="Office テーマ">
+<a:theme xmlns:a="http://schemas.openxmlformats.org/drawingml/2006/main" name="1_HDOfficeLightV0">
   <a:themeElements>
     <a:clrScheme name="Office">
       <a:dk1>
@@ -4331,7 +8785,7 @@
         <a:srgbClr val="E7E6E6"/>
       </a:lt2>
       <a:accent1>
-        <a:srgbClr val="4472C4"/>
+        <a:srgbClr val="5B9BD5"/>
       </a:accent1>
       <a:accent2>
         <a:srgbClr val="ED7D31"/>
@@ -4343,7 +8797,7 @@
         <a:srgbClr val="FFC000"/>
       </a:accent4>
       <a:accent5>
-        <a:srgbClr val="5B9BD5"/>
+        <a:srgbClr val="4472C4"/>
       </a:accent5>
       <a:accent6>
         <a:srgbClr val="70AD47"/>
@@ -4357,12 +8811,12 @@
     </a:clrScheme>
     <a:fontScheme name="Office">
       <a:majorFont>
-        <a:latin typeface="游ゴシック Light" panose="020F0302020204030204"/>
+        <a:latin typeface="Calibri Light"/>
         <a:ea typeface=""/>
         <a:cs typeface=""/>
-        <a:font script="Jpan" typeface="游ゴシック Light"/>
+        <a:font script="Jpan" typeface="ＭＳ Ｐゴシック"/>
         <a:font script="Hang" typeface="맑은 고딕"/>
-        <a:font script="Hans" typeface="等线 Light"/>
+        <a:font script="Hans" typeface="宋体"/>
         <a:font script="Hant" typeface="新細明體"/>
         <a:font script="Arab" typeface="Times New Roman"/>
         <a:font script="Hebr" typeface="Times New Roman"/>
@@ -4390,31 +8844,14 @@
         <a:font script="Viet" typeface="Times New Roman"/>
         <a:font script="Uigh" typeface="Microsoft Uighur"/>
         <a:font script="Geor" typeface="Sylfaen"/>
-        <a:font script="Armn" typeface="Arial"/>
-        <a:font script="Bugi" typeface="Leelawadee UI"/>
-        <a:font script="Bopo" typeface="Microsoft JhengHei"/>
-        <a:font script="Java" typeface="Javanese Text"/>
-        <a:font script="Lisu" typeface="Segoe UI"/>
-        <a:font script="Mymr" typeface="Myanmar Text"/>
-        <a:font script="Nkoo" typeface="Ebrima"/>
-        <a:font script="Olck" typeface="Nirmala UI"/>
-        <a:font script="Osma" typeface="Ebrima"/>
-        <a:font script="Phag" typeface="Phagspa"/>
-        <a:font script="Syrn" typeface="Estrangelo Edessa"/>
-        <a:font script="Syrj" typeface="Estrangelo Edessa"/>
-        <a:font script="Syre" typeface="Estrangelo Edessa"/>
-        <a:font script="Sora" typeface="Nirmala UI"/>
-        <a:font script="Tale" typeface="Microsoft Tai Le"/>
-        <a:font script="Talu" typeface="Microsoft New Tai Lue"/>
-        <a:font script="Tfng" typeface="Ebrima"/>
       </a:majorFont>
       <a:minorFont>
-        <a:latin typeface="游ゴシック" panose="020F0502020204030204"/>
+        <a:latin typeface="Calibri"/>
         <a:ea typeface=""/>
         <a:cs typeface=""/>
-        <a:font script="Jpan" typeface="游ゴシック"/>
+        <a:font script="Jpan" typeface="ＭＳ Ｐゴシック"/>
         <a:font script="Hang" typeface="맑은 고딕"/>
-        <a:font script="Hans" typeface="等线"/>
+        <a:font script="Hans" typeface="宋体"/>
         <a:font script="Hant" typeface="新細明體"/>
         <a:font script="Arab" typeface="Arial"/>
         <a:font script="Hebr" typeface="Arial"/>
@@ -4442,23 +8879,6 @@
         <a:font script="Viet" typeface="Arial"/>
         <a:font script="Uigh" typeface="Microsoft Uighur"/>
         <a:font script="Geor" typeface="Sylfaen"/>
-        <a:font script="Armn" typeface="Arial"/>
-        <a:font script="Bugi" typeface="Leelawadee UI"/>
-        <a:font script="Bopo" typeface="Microsoft JhengHei"/>
-        <a:font script="Java" typeface="Javanese Text"/>
-        <a:font script="Lisu" typeface="Segoe UI"/>
-        <a:font script="Mymr" typeface="Myanmar Text"/>
-        <a:font script="Nkoo" typeface="Ebrima"/>
-        <a:font script="Olck" typeface="Nirmala UI"/>
-        <a:font script="Osma" typeface="Ebrima"/>
-        <a:font script="Phag" typeface="Phagspa"/>
-        <a:font script="Syrn" typeface="Estrangelo Edessa"/>
-        <a:font script="Syrj" typeface="Estrangelo Edessa"/>
-        <a:font script="Syre" typeface="Estrangelo Edessa"/>
-        <a:font script="Sora" typeface="Nirmala UI"/>
-        <a:font script="Tale" typeface="Microsoft Tai Le"/>
-        <a:font script="Talu" typeface="Microsoft New Tai Lue"/>
-        <a:font script="Tfng" typeface="Ebrima"/>
       </a:minorFont>
     </a:fontScheme>
     <a:fmtScheme name="Office">
@@ -4470,23 +8890,23 @@
           <a:gsLst>
             <a:gs pos="0">
               <a:schemeClr val="phClr">
+                <a:tint val="67000"/>
+                <a:satMod val="105000"/>
                 <a:lumMod val="110000"/>
-                <a:satMod val="105000"/>
-                <a:tint val="67000"/>
               </a:schemeClr>
             </a:gs>
             <a:gs pos="50000">
               <a:schemeClr val="phClr">
+                <a:tint val="73000"/>
+                <a:satMod val="103000"/>
                 <a:lumMod val="105000"/>
-                <a:satMod val="103000"/>
-                <a:tint val="73000"/>
               </a:schemeClr>
             </a:gs>
             <a:gs pos="100000">
               <a:schemeClr val="phClr">
+                <a:tint val="81000"/>
+                <a:satMod val="109000"/>
                 <a:lumMod val="105000"/>
-                <a:satMod val="109000"/>
-                <a:tint val="81000"/>
               </a:schemeClr>
             </a:gs>
           </a:gsLst>
@@ -4496,23 +8916,23 @@
           <a:gsLst>
             <a:gs pos="0">
               <a:schemeClr val="phClr">
+                <a:tint val="94000"/>
                 <a:satMod val="103000"/>
                 <a:lumMod val="102000"/>
-                <a:tint val="94000"/>
               </a:schemeClr>
             </a:gs>
             <a:gs pos="50000">
               <a:schemeClr val="phClr">
+                <a:shade val="100000"/>
                 <a:satMod val="110000"/>
                 <a:lumMod val="100000"/>
-                <a:shade val="100000"/>
               </a:schemeClr>
             </a:gs>
             <a:gs pos="100000">
               <a:schemeClr val="phClr">
+                <a:shade val="78000"/>
+                <a:satMod val="120000"/>
                 <a:lumMod val="99000"/>
-                <a:satMod val="120000"/>
-                <a:shade val="78000"/>
               </a:schemeClr>
             </a:gs>
           </a:gsLst>
@@ -4525,21 +8945,18 @@
             <a:schemeClr val="phClr"/>
           </a:solidFill>
           <a:prstDash val="solid"/>
-          <a:miter lim="800000"/>
         </a:ln>
         <a:ln w="12700" cap="flat" cmpd="sng" algn="ctr">
           <a:solidFill>
             <a:schemeClr val="phClr"/>
           </a:solidFill>
           <a:prstDash val="solid"/>
-          <a:miter lim="800000"/>
         </a:ln>
         <a:ln w="19050" cap="flat" cmpd="sng" algn="ctr">
           <a:solidFill>
             <a:schemeClr val="phClr"/>
           </a:solidFill>
           <a:prstDash val="solid"/>
-          <a:miter lim="800000"/>
         </a:ln>
       </a:lnStyleLst>
       <a:effectStyleLst>
@@ -4574,16 +8991,16 @@
             <a:gs pos="0">
               <a:schemeClr val="phClr">
                 <a:tint val="93000"/>
+                <a:shade val="98000"/>
                 <a:satMod val="150000"/>
-                <a:shade val="98000"/>
                 <a:lumMod val="102000"/>
               </a:schemeClr>
             </a:gs>
             <a:gs pos="50000">
               <a:schemeClr val="phClr">
                 <a:tint val="98000"/>
+                <a:shade val="90000"/>
                 <a:satMod val="130000"/>
-                <a:shade val="90000"/>
                 <a:lumMod val="103000"/>
               </a:schemeClr>
             </a:gs>
@@ -4601,11 +9018,6 @@
   </a:themeElements>
   <a:objectDefaults/>
   <a:extraClrSchemeLst/>
-  <a:extLst>
-    <a:ext uri="{05A4C25C-085E-4340-85A3-A5531E510DB2}">
-      <thm15:themeFamily xmlns:thm15="http://schemas.microsoft.com/office/thememl/2012/main" name="Office Theme" id="{62F939B6-93AF-4DB8-9C6B-D6C7DFDC589F}" vid="{4A3C46E8-61CC-4603-A589-7422A47A8E4A}"/>
-    </a:ext>
-  </a:extLst>
 </a:theme>
 </file>
 
@@ -4902,4 +9314,299 @@
     </a:ext>
   </a:extLst>
 </a:theme>
+</file>
+
+<file path=ppt/theme/theme4.xml><?xml version="1.0" encoding="utf-8"?>
+<a:theme xmlns:a="http://schemas.openxmlformats.org/drawingml/2006/main" name="Office テーマ">
+  <a:themeElements>
+    <a:clrScheme name="Office">
+      <a:dk1>
+        <a:sysClr val="windowText" lastClr="000000"/>
+      </a:dk1>
+      <a:lt1>
+        <a:sysClr val="window" lastClr="FFFFFF"/>
+      </a:lt1>
+      <a:dk2>
+        <a:srgbClr val="44546A"/>
+      </a:dk2>
+      <a:lt2>
+        <a:srgbClr val="E7E6E6"/>
+      </a:lt2>
+      <a:accent1>
+        <a:srgbClr val="4472C4"/>
+      </a:accent1>
+      <a:accent2>
+        <a:srgbClr val="ED7D31"/>
+      </a:accent2>
+      <a:accent3>
+        <a:srgbClr val="A5A5A5"/>
+      </a:accent3>
+      <a:accent4>
+        <a:srgbClr val="FFC000"/>
+      </a:accent4>
+      <a:accent5>
+        <a:srgbClr val="5B9BD5"/>
+      </a:accent5>
+      <a:accent6>
+        <a:srgbClr val="70AD47"/>
+      </a:accent6>
+      <a:hlink>
+        <a:srgbClr val="0563C1"/>
+      </a:hlink>
+      <a:folHlink>
+        <a:srgbClr val="954F72"/>
+      </a:folHlink>
+    </a:clrScheme>
+    <a:fontScheme name="Office">
+      <a:majorFont>
+        <a:latin typeface="游ゴシック Light" panose="020F0302020204030204"/>
+        <a:ea typeface=""/>
+        <a:cs typeface=""/>
+        <a:font script="Jpan" typeface="游ゴシック Light"/>
+        <a:font script="Hang" typeface="맑은 고딕"/>
+        <a:font script="Hans" typeface="等线 Light"/>
+        <a:font script="Hant" typeface="新細明體"/>
+        <a:font script="Arab" typeface="Times New Roman"/>
+        <a:font script="Hebr" typeface="Times New Roman"/>
+        <a:font script="Thai" typeface="Angsana New"/>
+        <a:font script="Ethi" typeface="Nyala"/>
+        <a:font script="Beng" typeface="Vrinda"/>
+        <a:font script="Gujr" typeface="Shruti"/>
+        <a:font script="Khmr" typeface="MoolBoran"/>
+        <a:font script="Knda" typeface="Tunga"/>
+        <a:font script="Guru" typeface="Raavi"/>
+        <a:font script="Cans" typeface="Euphemia"/>
+        <a:font script="Cher" typeface="Plantagenet Cherokee"/>
+        <a:font script="Yiii" typeface="Microsoft Yi Baiti"/>
+        <a:font script="Tibt" typeface="Microsoft Himalaya"/>
+        <a:font script="Thaa" typeface="MV Boli"/>
+        <a:font script="Deva" typeface="Mangal"/>
+        <a:font script="Telu" typeface="Gautami"/>
+        <a:font script="Taml" typeface="Latha"/>
+        <a:font script="Syrc" typeface="Estrangelo Edessa"/>
+        <a:font script="Orya" typeface="Kalinga"/>
+        <a:font script="Mlym" typeface="Kartika"/>
+        <a:font script="Laoo" typeface="DokChampa"/>
+        <a:font script="Sinh" typeface="Iskoola Pota"/>
+        <a:font script="Mong" typeface="Mongolian Baiti"/>
+        <a:font script="Viet" typeface="Times New Roman"/>
+        <a:font script="Uigh" typeface="Microsoft Uighur"/>
+        <a:font script="Geor" typeface="Sylfaen"/>
+        <a:font script="Armn" typeface="Arial"/>
+        <a:font script="Bugi" typeface="Leelawadee UI"/>
+        <a:font script="Bopo" typeface="Microsoft JhengHei"/>
+        <a:font script="Java" typeface="Javanese Text"/>
+        <a:font script="Lisu" typeface="Segoe UI"/>
+        <a:font script="Mymr" typeface="Myanmar Text"/>
+        <a:font script="Nkoo" typeface="Ebrima"/>
+        <a:font script="Olck" typeface="Nirmala UI"/>
+        <a:font script="Osma" typeface="Ebrima"/>
+        <a:font script="Phag" typeface="Phagspa"/>
+        <a:font script="Syrn" typeface="Estrangelo Edessa"/>
+        <a:font script="Syrj" typeface="Estrangelo Edessa"/>
+        <a:font script="Syre" typeface="Estrangelo Edessa"/>
+        <a:font script="Sora" typeface="Nirmala UI"/>
+        <a:font script="Tale" typeface="Microsoft Tai Le"/>
+        <a:font script="Talu" typeface="Microsoft New Tai Lue"/>
+        <a:font script="Tfng" typeface="Ebrima"/>
+      </a:majorFont>
+      <a:minorFont>
+        <a:latin typeface="游ゴシック" panose="020F0502020204030204"/>
+        <a:ea typeface=""/>
+        <a:cs typeface=""/>
+        <a:font script="Jpan" typeface="游ゴシック"/>
+        <a:font script="Hang" typeface="맑은 고딕"/>
+        <a:font script="Hans" typeface="等线"/>
+        <a:font script="Hant" typeface="新細明體"/>
+        <a:font script="Arab" typeface="Arial"/>
+        <a:font script="Hebr" typeface="Arial"/>
+        <a:font script="Thai" typeface="Cordia New"/>
+        <a:font script="Ethi" typeface="Nyala"/>
+        <a:font script="Beng" typeface="Vrinda"/>
+        <a:font script="Gujr" typeface="Shruti"/>
+        <a:font script="Khmr" typeface="DaunPenh"/>
+        <a:font script="Knda" typeface="Tunga"/>
+        <a:font script="Guru" typeface="Raavi"/>
+        <a:font script="Cans" typeface="Euphemia"/>
+        <a:font script="Cher" typeface="Plantagenet Cherokee"/>
+        <a:font script="Yiii" typeface="Microsoft Yi Baiti"/>
+        <a:font script="Tibt" typeface="Microsoft Himalaya"/>
+        <a:font script="Thaa" typeface="MV Boli"/>
+        <a:font script="Deva" typeface="Mangal"/>
+        <a:font script="Telu" typeface="Gautami"/>
+        <a:font script="Taml" typeface="Latha"/>
+        <a:font script="Syrc" typeface="Estrangelo Edessa"/>
+        <a:font script="Orya" typeface="Kalinga"/>
+        <a:font script="Mlym" typeface="Kartika"/>
+        <a:font script="Laoo" typeface="DokChampa"/>
+        <a:font script="Sinh" typeface="Iskoola Pota"/>
+        <a:font script="Mong" typeface="Mongolian Baiti"/>
+        <a:font script="Viet" typeface="Arial"/>
+        <a:font script="Uigh" typeface="Microsoft Uighur"/>
+        <a:font script="Geor" typeface="Sylfaen"/>
+        <a:font script="Armn" typeface="Arial"/>
+        <a:font script="Bugi" typeface="Leelawadee UI"/>
+        <a:font script="Bopo" typeface="Microsoft JhengHei"/>
+        <a:font script="Java" typeface="Javanese Text"/>
+        <a:font script="Lisu" typeface="Segoe UI"/>
+        <a:font script="Mymr" typeface="Myanmar Text"/>
+        <a:font script="Nkoo" typeface="Ebrima"/>
+        <a:font script="Olck" typeface="Nirmala UI"/>
+        <a:font script="Osma" typeface="Ebrima"/>
+        <a:font script="Phag" typeface="Phagspa"/>
+        <a:font script="Syrn" typeface="Estrangelo Edessa"/>
+        <a:font script="Syrj" typeface="Estrangelo Edessa"/>
+        <a:font script="Syre" typeface="Estrangelo Edessa"/>
+        <a:font script="Sora" typeface="Nirmala UI"/>
+        <a:font script="Tale" typeface="Microsoft Tai Le"/>
+        <a:font script="Talu" typeface="Microsoft New Tai Lue"/>
+        <a:font script="Tfng" typeface="Ebrima"/>
+      </a:minorFont>
+    </a:fontScheme>
+    <a:fmtScheme name="Office">
+      <a:fillStyleLst>
+        <a:solidFill>
+          <a:schemeClr val="phClr"/>
+        </a:solidFill>
+        <a:gradFill rotWithShape="1">
+          <a:gsLst>
+            <a:gs pos="0">
+              <a:schemeClr val="phClr">
+                <a:lumMod val="110000"/>
+                <a:satMod val="105000"/>
+                <a:tint val="67000"/>
+              </a:schemeClr>
+            </a:gs>
+            <a:gs pos="50000">
+              <a:schemeClr val="phClr">
+                <a:lumMod val="105000"/>
+                <a:satMod val="103000"/>
+                <a:tint val="73000"/>
+              </a:schemeClr>
+            </a:gs>
+            <a:gs pos="100000">
+              <a:schemeClr val="phClr">
+                <a:lumMod val="105000"/>
+                <a:satMod val="109000"/>
+                <a:tint val="81000"/>
+              </a:schemeClr>
+            </a:gs>
+          </a:gsLst>
+          <a:lin ang="5400000" scaled="0"/>
+        </a:gradFill>
+        <a:gradFill rotWithShape="1">
+          <a:gsLst>
+            <a:gs pos="0">
+              <a:schemeClr val="phClr">
+                <a:satMod val="103000"/>
+                <a:lumMod val="102000"/>
+                <a:tint val="94000"/>
+              </a:schemeClr>
+            </a:gs>
+            <a:gs pos="50000">
+              <a:schemeClr val="phClr">
+                <a:satMod val="110000"/>
+                <a:lumMod val="100000"/>
+                <a:shade val="100000"/>
+              </a:schemeClr>
+            </a:gs>
+            <a:gs pos="100000">
+              <a:schemeClr val="phClr">
+                <a:lumMod val="99000"/>
+                <a:satMod val="120000"/>
+                <a:shade val="78000"/>
+              </a:schemeClr>
+            </a:gs>
+          </a:gsLst>
+          <a:lin ang="5400000" scaled="0"/>
+        </a:gradFill>
+      </a:fillStyleLst>
+      <a:lnStyleLst>
+        <a:ln w="6350" cap="flat" cmpd="sng" algn="ctr">
+          <a:solidFill>
+            <a:schemeClr val="phClr"/>
+          </a:solidFill>
+          <a:prstDash val="solid"/>
+          <a:miter lim="800000"/>
+        </a:ln>
+        <a:ln w="12700" cap="flat" cmpd="sng" algn="ctr">
+          <a:solidFill>
+            <a:schemeClr val="phClr"/>
+          </a:solidFill>
+          <a:prstDash val="solid"/>
+          <a:miter lim="800000"/>
+        </a:ln>
+        <a:ln w="19050" cap="flat" cmpd="sng" algn="ctr">
+          <a:solidFill>
+            <a:schemeClr val="phClr"/>
+          </a:solidFill>
+          <a:prstDash val="solid"/>
+          <a:miter lim="800000"/>
+        </a:ln>
+      </a:lnStyleLst>
+      <a:effectStyleLst>
+        <a:effectStyle>
+          <a:effectLst/>
+        </a:effectStyle>
+        <a:effectStyle>
+          <a:effectLst/>
+        </a:effectStyle>
+        <a:effectStyle>
+          <a:effectLst>
+            <a:outerShdw blurRad="57150" dist="19050" dir="5400000" algn="ctr" rotWithShape="0">
+              <a:srgbClr val="000000">
+                <a:alpha val="63000"/>
+              </a:srgbClr>
+            </a:outerShdw>
+          </a:effectLst>
+        </a:effectStyle>
+      </a:effectStyleLst>
+      <a:bgFillStyleLst>
+        <a:solidFill>
+          <a:schemeClr val="phClr"/>
+        </a:solidFill>
+        <a:solidFill>
+          <a:schemeClr val="phClr">
+            <a:tint val="95000"/>
+            <a:satMod val="170000"/>
+          </a:schemeClr>
+        </a:solidFill>
+        <a:gradFill rotWithShape="1">
+          <a:gsLst>
+            <a:gs pos="0">
+              <a:schemeClr val="phClr">
+                <a:tint val="93000"/>
+                <a:satMod val="150000"/>
+                <a:shade val="98000"/>
+                <a:lumMod val="102000"/>
+              </a:schemeClr>
+            </a:gs>
+            <a:gs pos="50000">
+              <a:schemeClr val="phClr">
+                <a:tint val="98000"/>
+                <a:satMod val="130000"/>
+                <a:shade val="90000"/>
+                <a:lumMod val="103000"/>
+              </a:schemeClr>
+            </a:gs>
+            <a:gs pos="100000">
+              <a:schemeClr val="phClr">
+                <a:shade val="63000"/>
+                <a:satMod val="120000"/>
+              </a:schemeClr>
+            </a:gs>
+          </a:gsLst>
+          <a:lin ang="5400000" scaled="0"/>
+        </a:gradFill>
+      </a:bgFillStyleLst>
+    </a:fmtScheme>
+  </a:themeElements>
+  <a:objectDefaults/>
+  <a:extraClrSchemeLst/>
+  <a:extLst>
+    <a:ext uri="{05A4C25C-085E-4340-85A3-A5531E510DB2}">
+      <thm15:themeFamily xmlns:thm15="http://schemas.microsoft.com/office/thememl/2012/main" name="Office Theme" id="{62F939B6-93AF-4DB8-9C6B-D6C7DFDC589F}" vid="{4A3C46E8-61CC-4603-A589-7422A47A8E4A}"/>
+    </a:ext>
+  </a:extLst>
+</a:theme>
 </file>
--- a/report/2020前期/2020sugiyama.pptx
+++ b/report/2020前期/2020sugiyama.pptx
@@ -7094,10 +7094,17 @@
           <a:lstStyle/>
           <a:p>
             <a:r>
-              <a:rPr lang="ja-JP" altLang="en-US" sz="4800" dirty="0"/>
-              <a:t>進化的な深層学習の構築に関する研究</a:t>
-            </a:r>
-            <a:endParaRPr kumimoji="1" lang="ja-JP" altLang="en-US" sz="4800" dirty="0"/>
+              <a:rPr lang="ja-JP" altLang="en-US" sz="5400" dirty="0"/>
+              <a:t>進化的な深層学習の</a:t>
+            </a:r>
+            <a:br>
+              <a:rPr lang="en-US" altLang="ja-JP" sz="5400" dirty="0"/>
+            </a:br>
+            <a:r>
+              <a:rPr lang="ja-JP" altLang="en-US" sz="5400" dirty="0"/>
+              <a:t>構築に関する研究</a:t>
+            </a:r>
+            <a:endParaRPr kumimoji="1" lang="ja-JP" altLang="en-US" sz="5400" dirty="0"/>
           </a:p>
         </p:txBody>
       </p:sp>

--- a/report/2020前期/2020sugiyama.pptx
+++ b/report/2020前期/2020sugiyama.pptx
@@ -6,10 +6,10 @@
     <p:sldMasterId id="2147483714" r:id="rId2"/>
   </p:sldMasterIdLst>
   <p:notesMasterIdLst>
-    <p:notesMasterId r:id="rId15"/>
+    <p:notesMasterId r:id="rId27"/>
   </p:notesMasterIdLst>
   <p:handoutMasterIdLst>
-    <p:handoutMasterId r:id="rId16"/>
+    <p:handoutMasterId r:id="rId28"/>
   </p:handoutMasterIdLst>
   <p:sldIdLst>
     <p:sldId id="256" r:id="rId3"/>
@@ -17,13 +17,25 @@
     <p:sldId id="258" r:id="rId5"/>
     <p:sldId id="259" r:id="rId6"/>
     <p:sldId id="260" r:id="rId7"/>
-    <p:sldId id="261" r:id="rId8"/>
-    <p:sldId id="262" r:id="rId9"/>
-    <p:sldId id="263" r:id="rId10"/>
-    <p:sldId id="264" r:id="rId11"/>
-    <p:sldId id="265" r:id="rId12"/>
-    <p:sldId id="266" r:id="rId13"/>
-    <p:sldId id="267" r:id="rId14"/>
+    <p:sldId id="268" r:id="rId8"/>
+    <p:sldId id="269" r:id="rId9"/>
+    <p:sldId id="261" r:id="rId10"/>
+    <p:sldId id="270" r:id="rId11"/>
+    <p:sldId id="271" r:id="rId12"/>
+    <p:sldId id="272" r:id="rId13"/>
+    <p:sldId id="262" r:id="rId14"/>
+    <p:sldId id="263" r:id="rId15"/>
+    <p:sldId id="278" r:id="rId16"/>
+    <p:sldId id="276" r:id="rId17"/>
+    <p:sldId id="274" r:id="rId18"/>
+    <p:sldId id="275" r:id="rId19"/>
+    <p:sldId id="273" r:id="rId20"/>
+    <p:sldId id="264" r:id="rId21"/>
+    <p:sldId id="277" r:id="rId22"/>
+    <p:sldId id="279" r:id="rId23"/>
+    <p:sldId id="265" r:id="rId24"/>
+    <p:sldId id="266" r:id="rId25"/>
+    <p:sldId id="267" r:id="rId26"/>
   </p:sldIdLst>
   <p:sldSz cx="9144000" cy="6858000" type="screen4x3"/>
   <p:notesSz cx="6858000" cy="9144000"/>
@@ -123,6 +135,66 @@
     </a:lvl9pPr>
   </p:defaultTextStyle>
   <p:extLst>
+    <p:ext uri="{521415D9-36F7-43E2-AB2F-B90AF26B5E84}">
+      <p14:sectionLst xmlns:p14="http://schemas.microsoft.com/office/powerpoint/2010/main">
+        <p14:section name="タイトル" id="{FD3758F8-978B-48FE-B243-6B2B8909C6F2}">
+          <p14:sldIdLst>
+            <p14:sldId id="256"/>
+            <p14:sldId id="257"/>
+          </p14:sldIdLst>
+        </p14:section>
+        <p14:section name="はじめに" id="{0DDEE006-8E1E-49FD-A1BC-2048BC19FE47}">
+          <p14:sldIdLst>
+            <p14:sldId id="258"/>
+          </p14:sldIdLst>
+        </p14:section>
+        <p14:section name="要素技術" id="{1DE11A80-45A8-4A33-9079-B8DB69863E5D}">
+          <p14:sldIdLst>
+            <p14:sldId id="259"/>
+          </p14:sldIdLst>
+        </p14:section>
+        <p14:section name="AutoML" id="{2CA40046-EF30-44EA-A581-A3CFA8B24653}">
+          <p14:sldIdLst>
+            <p14:sldId id="260"/>
+            <p14:sldId id="268"/>
+            <p14:sldId id="269"/>
+          </p14:sldIdLst>
+        </p14:section>
+        <p14:section name="NAS" id="{1581B0F1-FA5E-4B7A-AE00-A65DC68C8E3A}">
+          <p14:sldIdLst>
+            <p14:sldId id="261"/>
+            <p14:sldId id="270"/>
+            <p14:sldId id="271"/>
+            <p14:sldId id="272"/>
+          </p14:sldIdLst>
+        </p14:section>
+        <p14:section name="Auto　Augment" id="{DF679D3A-B671-4BF7-833D-F3DA63948510}">
+          <p14:sldIdLst>
+            <p14:sldId id="262"/>
+          </p14:sldIdLst>
+        </p14:section>
+        <p14:section name="実験" id="{7F24CDE0-1A34-4609-819F-097913F882EA}">
+          <p14:sldIdLst>
+            <p14:sldId id="263"/>
+            <p14:sldId id="278"/>
+            <p14:sldId id="276"/>
+            <p14:sldId id="274"/>
+            <p14:sldId id="275"/>
+            <p14:sldId id="273"/>
+            <p14:sldId id="264"/>
+            <p14:sldId id="277"/>
+            <p14:sldId id="279"/>
+          </p14:sldIdLst>
+        </p14:section>
+        <p14:section name="まとめ" id="{3C34261D-4435-4AE3-AE44-44313A5936EA}">
+          <p14:sldIdLst>
+            <p14:sldId id="265"/>
+            <p14:sldId id="266"/>
+            <p14:sldId id="267"/>
+          </p14:sldIdLst>
+        </p14:section>
+      </p14:sectionLst>
+    </p:ext>
     <p:ext uri="{EFAFB233-063F-42B5-8137-9DF3F51BA10A}">
       <p15:sldGuideLst xmlns:p15="http://schemas.microsoft.com/office/powerpoint/2012/main">
         <p15:guide id="1" orient="horz" pos="2160" userDrawn="1">
@@ -136,6 +208,9 @@
           </p15:clr>
         </p15:guide>
       </p15:sldGuideLst>
+    </p:ext>
+    <p:ext uri="{2D200454-40CA-4A62-9FC3-DE9A4176ACB9}">
+      <p15:notesGuideLst xmlns:p15="http://schemas.microsoft.com/office/powerpoint/2012/main"/>
     </p:ext>
   </p:extLst>
 </p:presentation>
@@ -235,7 +310,7 @@
           <a:p>
             <a:fld id="{1C61390E-D16D-4195-A8F2-AF22B1985BB6}" type="datetimeFigureOut">
               <a:rPr kumimoji="1" lang="ja-JP" altLang="en-US" smtClean="0"/>
-              <a:t>2020/7/4</a:t>
+              <a:t>2020/7/8</a:t>
             </a:fld>
             <a:endParaRPr kumimoji="1" lang="ja-JP" altLang="en-US"/>
           </a:p>
@@ -412,7 +487,7 @@
           <a:p>
             <a:fld id="{56324B48-F712-49B6-BD28-DDE4965E8AFF}" type="datetimeFigureOut">
               <a:rPr kumimoji="1" lang="ja-JP" altLang="en-US" smtClean="0"/>
-              <a:t>2020/7/4</a:t>
+              <a:t>2020/7/8</a:t>
             </a:fld>
             <a:endParaRPr kumimoji="1" lang="ja-JP" altLang="en-US"/>
           </a:p>
@@ -853,7 +928,7 @@
           <a:p>
             <a:fld id="{476A0E91-776F-46F3-9A40-44C888CE270B}" type="datetime1">
               <a:rPr kumimoji="1" lang="ja-JP" altLang="en-US" smtClean="0"/>
-              <a:t>2020/7/4</a:t>
+              <a:t>2020/7/8</a:t>
             </a:fld>
             <a:endParaRPr kumimoji="1" lang="ja-JP" altLang="en-US"/>
           </a:p>
@@ -1056,7 +1131,7 @@
           <a:p>
             <a:fld id="{EDD97695-780B-4A04-A74A-B3C6DCFE5F45}" type="datetime1">
               <a:rPr kumimoji="1" lang="ja-JP" altLang="en-US" smtClean="0"/>
-              <a:t>2020/7/4</a:t>
+              <a:t>2020/7/8</a:t>
             </a:fld>
             <a:endParaRPr kumimoji="1" lang="ja-JP" altLang="en-US"/>
           </a:p>
@@ -1268,7 +1343,7 @@
           <a:p>
             <a:fld id="{30E2C40E-C4CB-498B-90F1-9F4381B321C7}" type="datetime1">
               <a:rPr kumimoji="1" lang="ja-JP" altLang="en-US" smtClean="0"/>
-              <a:t>2020/7/4</a:t>
+              <a:t>2020/7/8</a:t>
             </a:fld>
             <a:endParaRPr kumimoji="1" lang="ja-JP" altLang="en-US"/>
           </a:p>
@@ -1471,7 +1546,7 @@
           <a:p>
             <a:fld id="{476A0E91-776F-46F3-9A40-44C888CE270B}" type="datetime1">
               <a:rPr kumimoji="1" lang="ja-JP" altLang="en-US" smtClean="0"/>
-              <a:t>2020/7/4</a:t>
+              <a:t>2020/7/8</a:t>
             </a:fld>
             <a:endParaRPr kumimoji="1" lang="ja-JP" altLang="en-US"/>
           </a:p>
@@ -1674,7 +1749,7 @@
           <a:p>
             <a:fld id="{659C466D-D277-4CF3-A656-04B88B59A248}" type="datetime1">
               <a:rPr kumimoji="1" lang="ja-JP" altLang="en-US" smtClean="0"/>
-              <a:t>2020/7/4</a:t>
+              <a:t>2020/7/8</a:t>
             </a:fld>
             <a:endParaRPr kumimoji="1" lang="ja-JP" altLang="en-US"/>
           </a:p>
@@ -1925,7 +2000,7 @@
           <a:p>
             <a:fld id="{49C0F482-360D-408E-879E-8FE76102DA0B}" type="datetime1">
               <a:rPr kumimoji="1" lang="ja-JP" altLang="en-US" smtClean="0"/>
-              <a:t>2020/7/4</a:t>
+              <a:t>2020/7/8</a:t>
             </a:fld>
             <a:endParaRPr kumimoji="1" lang="ja-JP" altLang="en-US"/>
           </a:p>
@@ -2221,7 +2296,7 @@
           <a:p>
             <a:fld id="{6D5BC55B-4554-4A1F-9BBB-7A22D1A0EBBD}" type="datetime1">
               <a:rPr kumimoji="1" lang="ja-JP" altLang="en-US" smtClean="0"/>
-              <a:t>2020/7/4</a:t>
+              <a:t>2020/7/8</a:t>
             </a:fld>
             <a:endParaRPr kumimoji="1" lang="ja-JP" altLang="en-US"/>
           </a:p>
@@ -2632,7 +2707,7 @@
           <a:p>
             <a:fld id="{67223A2F-DCAE-41ED-8BF9-4D87BA79D5D7}" type="datetime1">
               <a:rPr kumimoji="1" lang="ja-JP" altLang="en-US" smtClean="0"/>
-              <a:t>2020/7/4</a:t>
+              <a:t>2020/7/8</a:t>
             </a:fld>
             <a:endParaRPr kumimoji="1" lang="ja-JP" altLang="en-US"/>
           </a:p>
@@ -2750,7 +2825,7 @@
           <a:p>
             <a:fld id="{5E71991C-D204-4D7C-9DD6-2490926B5F2E}" type="datetime1">
               <a:rPr kumimoji="1" lang="ja-JP" altLang="en-US" smtClean="0"/>
-              <a:t>2020/7/4</a:t>
+              <a:t>2020/7/8</a:t>
             </a:fld>
             <a:endParaRPr kumimoji="1" lang="ja-JP" altLang="en-US"/>
           </a:p>
@@ -2868,7 +2943,7 @@
           <a:p>
             <a:fld id="{BB498E0E-5FC3-474D-9623-9082E95005F8}" type="datetime1">
               <a:rPr kumimoji="1" lang="ja-JP" altLang="en-US" smtClean="0"/>
-              <a:t>2020/7/4</a:t>
+              <a:t>2020/7/8</a:t>
             </a:fld>
             <a:endParaRPr kumimoji="1" lang="ja-JP" altLang="en-US"/>
           </a:p>
@@ -3184,7 +3259,7 @@
           <a:p>
             <a:fld id="{A63B96FE-39C2-415B-8E6E-A08A535A7B5D}" type="datetime1">
               <a:rPr kumimoji="1" lang="ja-JP" altLang="en-US" smtClean="0"/>
-              <a:t>2020/7/4</a:t>
+              <a:t>2020/7/8</a:t>
             </a:fld>
             <a:endParaRPr kumimoji="1" lang="ja-JP" altLang="en-US"/>
           </a:p>
@@ -3410,7 +3485,7 @@
           <a:p>
             <a:fld id="{659C466D-D277-4CF3-A656-04B88B59A248}" type="datetime1">
               <a:rPr kumimoji="1" lang="ja-JP" altLang="en-US" smtClean="0"/>
-              <a:t>2020/7/4</a:t>
+              <a:t>2020/7/8</a:t>
             </a:fld>
             <a:endParaRPr kumimoji="1" lang="ja-JP" altLang="en-US"/>
           </a:p>
@@ -3674,7 +3749,7 @@
           <a:p>
             <a:fld id="{C764DE79-268F-4C1A-8933-263129D2AF90}" type="datetimeFigureOut">
               <a:rPr lang="en-US" smtClean="0"/>
-              <a:t>7/4/2020</a:t>
+              <a:t>7/8/2020</a:t>
             </a:fld>
             <a:endParaRPr lang="en-US" dirty="0"/>
           </a:p>
@@ -3878,7 +3953,7 @@
           <a:p>
             <a:fld id="{EDD97695-780B-4A04-A74A-B3C6DCFE5F45}" type="datetime1">
               <a:rPr kumimoji="1" lang="ja-JP" altLang="en-US" smtClean="0"/>
-              <a:t>2020/7/4</a:t>
+              <a:t>2020/7/8</a:t>
             </a:fld>
             <a:endParaRPr kumimoji="1" lang="ja-JP" altLang="en-US"/>
           </a:p>
@@ -4090,7 +4165,7 @@
           <a:p>
             <a:fld id="{30E2C40E-C4CB-498B-90F1-9F4381B321C7}" type="datetime1">
               <a:rPr kumimoji="1" lang="ja-JP" altLang="en-US" smtClean="0"/>
-              <a:t>2020/7/4</a:t>
+              <a:t>2020/7/8</a:t>
             </a:fld>
             <a:endParaRPr kumimoji="1" lang="ja-JP" altLang="en-US"/>
           </a:p>
@@ -4341,7 +4416,7 @@
           <a:p>
             <a:fld id="{49C0F482-360D-408E-879E-8FE76102DA0B}" type="datetime1">
               <a:rPr kumimoji="1" lang="ja-JP" altLang="en-US" smtClean="0"/>
-              <a:t>2020/7/4</a:t>
+              <a:t>2020/7/8</a:t>
             </a:fld>
             <a:endParaRPr kumimoji="1" lang="ja-JP" altLang="en-US"/>
           </a:p>
@@ -4637,7 +4712,7 @@
           <a:p>
             <a:fld id="{6D5BC55B-4554-4A1F-9BBB-7A22D1A0EBBD}" type="datetime1">
               <a:rPr kumimoji="1" lang="ja-JP" altLang="en-US" smtClean="0"/>
-              <a:t>2020/7/4</a:t>
+              <a:t>2020/7/8</a:t>
             </a:fld>
             <a:endParaRPr kumimoji="1" lang="ja-JP" altLang="en-US"/>
           </a:p>
@@ -5048,7 +5123,7 @@
           <a:p>
             <a:fld id="{67223A2F-DCAE-41ED-8BF9-4D87BA79D5D7}" type="datetime1">
               <a:rPr kumimoji="1" lang="ja-JP" altLang="en-US" smtClean="0"/>
-              <a:t>2020/7/4</a:t>
+              <a:t>2020/7/8</a:t>
             </a:fld>
             <a:endParaRPr kumimoji="1" lang="ja-JP" altLang="en-US"/>
           </a:p>
@@ -5166,7 +5241,7 @@
           <a:p>
             <a:fld id="{5E71991C-D204-4D7C-9DD6-2490926B5F2E}" type="datetime1">
               <a:rPr kumimoji="1" lang="ja-JP" altLang="en-US" smtClean="0"/>
-              <a:t>2020/7/4</a:t>
+              <a:t>2020/7/8</a:t>
             </a:fld>
             <a:endParaRPr kumimoji="1" lang="ja-JP" altLang="en-US"/>
           </a:p>
@@ -5284,7 +5359,7 @@
           <a:p>
             <a:fld id="{BB498E0E-5FC3-474D-9623-9082E95005F8}" type="datetime1">
               <a:rPr kumimoji="1" lang="ja-JP" altLang="en-US" smtClean="0"/>
-              <a:t>2020/7/4</a:t>
+              <a:t>2020/7/8</a:t>
             </a:fld>
             <a:endParaRPr kumimoji="1" lang="ja-JP" altLang="en-US"/>
           </a:p>
@@ -5600,7 +5675,7 @@
           <a:p>
             <a:fld id="{A63B96FE-39C2-415B-8E6E-A08A535A7B5D}" type="datetime1">
               <a:rPr kumimoji="1" lang="ja-JP" altLang="en-US" smtClean="0"/>
-              <a:t>2020/7/4</a:t>
+              <a:t>2020/7/8</a:t>
             </a:fld>
             <a:endParaRPr kumimoji="1" lang="ja-JP" altLang="en-US"/>
           </a:p>
@@ -5864,7 +5939,7 @@
           <a:p>
             <a:fld id="{16973EBF-287C-49D2-8289-D4366588353D}" type="datetime1">
               <a:rPr kumimoji="1" lang="ja-JP" altLang="en-US" smtClean="0"/>
-              <a:t>2020/7/4</a:t>
+              <a:t>2020/7/8</a:t>
             </a:fld>
             <a:endParaRPr kumimoji="1" lang="ja-JP" altLang="en-US"/>
           </a:p>
@@ -6110,7 +6185,7 @@
           <a:p>
             <a:fld id="{C764DE79-268F-4C1A-8933-263129D2AF90}" type="datetimeFigureOut">
               <a:rPr lang="en-US" smtClean="0"/>
-              <a:t>7/4/2020</a:t>
+              <a:t>7/8/2020</a:t>
             </a:fld>
             <a:endParaRPr lang="en-US" dirty="0"/>
           </a:p>
@@ -6674,7 +6749,7 @@
           <a:p>
             <a:fld id="{C764DE79-268F-4C1A-8933-263129D2AF90}" type="datetimeFigureOut">
               <a:rPr lang="en-US" smtClean="0"/>
-              <a:t>7/4/2020</a:t>
+              <a:t>7/8/2020</a:t>
             </a:fld>
             <a:endParaRPr lang="en-US" dirty="0"/>
           </a:p>
@@ -7214,7 +7289,7 @@
           <p:cNvPr id="2" name="タイトル 1">
             <a:extLst>
               <a:ext uri="{FF2B5EF4-FFF2-40B4-BE49-F238E27FC236}">
-                <a16:creationId xmlns:a16="http://schemas.microsoft.com/office/drawing/2014/main" id="{5DA1EEB7-4CAE-4943-A89E-46AA1FEB1793}"/>
+                <a16:creationId xmlns:a16="http://schemas.microsoft.com/office/drawing/2014/main" id="{23F0F135-4245-417A-A2A4-1B02B7A7679B}"/>
               </a:ext>
             </a:extLst>
           </p:cNvPr>
@@ -7231,9 +7306,17 @@
           <a:lstStyle/>
           <a:p>
             <a:r>
-              <a:rPr kumimoji="1" lang="ja-JP" altLang="en-US" dirty="0"/>
-              <a:t>まとめ</a:t>
-            </a:r>
+              <a:rPr kumimoji="1" lang="en-US" altLang="ja-JP" dirty="0"/>
+              <a:t>NAS</a:t>
+            </a:r>
+            <a:br>
+              <a:rPr kumimoji="1" lang="en-US" altLang="ja-JP" dirty="0"/>
+            </a:br>
+            <a:r>
+              <a:rPr lang="ja-JP" altLang="en-US" dirty="0"/>
+              <a:t>佐藤 怜らの研究</a:t>
+            </a:r>
+            <a:endParaRPr kumimoji="1" lang="ja-JP" altLang="en-US" dirty="0"/>
           </a:p>
         </p:txBody>
       </p:sp>
@@ -7242,7 +7325,7 @@
           <p:cNvPr id="3" name="コンテンツ プレースホルダー 2">
             <a:extLst>
               <a:ext uri="{FF2B5EF4-FFF2-40B4-BE49-F238E27FC236}">
-                <a16:creationId xmlns:a16="http://schemas.microsoft.com/office/drawing/2014/main" id="{E1759CCB-DED3-4CA6-829B-0C3FCB41E636}"/>
+                <a16:creationId xmlns:a16="http://schemas.microsoft.com/office/drawing/2014/main" id="{ACB91DB8-BA38-4E5D-91F0-D89F659642D4}"/>
               </a:ext>
             </a:extLst>
           </p:cNvPr>
@@ -7258,7 +7341,67 @@
           <a:bodyPr/>
           <a:lstStyle/>
           <a:p>
-            <a:endParaRPr kumimoji="1" lang="ja-JP" altLang="en-US"/>
+            <a:r>
+              <a:rPr lang="ja-JP" altLang="en-US" dirty="0"/>
+              <a:t>特徴としてコントローラで生成していたカテゴリカルなアーキテクチャパラメータから</a:t>
+            </a:r>
+            <a:r>
+              <a:rPr lang="en-US" altLang="ja-JP" dirty="0"/>
+              <a:t>,</a:t>
+            </a:r>
+          </a:p>
+          <a:p>
+            <a:r>
+              <a:rPr lang="ja-JP" altLang="en-US" dirty="0"/>
+              <a:t>アーキテクチャを確率分布で連続的に表現し</a:t>
+            </a:r>
+            <a:r>
+              <a:rPr lang="en-US" altLang="ja-JP" dirty="0"/>
+              <a:t>, </a:t>
+            </a:r>
+            <a:r>
+              <a:rPr lang="ja-JP" altLang="en-US" dirty="0"/>
+              <a:t>分布推定を行う手法に変えることで</a:t>
+            </a:r>
+            <a:r>
+              <a:rPr lang="en-US" altLang="ja-JP" dirty="0"/>
+              <a:t>, </a:t>
+            </a:r>
+            <a:r>
+              <a:rPr lang="ja-JP" altLang="en-US" dirty="0"/>
+              <a:t>微分可能となった</a:t>
+            </a:r>
+            <a:r>
+              <a:rPr lang="en-US" altLang="ja-JP" dirty="0"/>
+              <a:t>.</a:t>
+            </a:r>
+          </a:p>
+          <a:p>
+            <a:r>
+              <a:rPr lang="ja-JP" altLang="en-US" dirty="0"/>
+              <a:t>これによって貢献度と呼ぶアーキテクチャの構成要素ごとの評価を導入して</a:t>
+            </a:r>
+            <a:r>
+              <a:rPr lang="en-US" altLang="ja-JP" dirty="0"/>
+              <a:t>, </a:t>
+            </a:r>
+            <a:r>
+              <a:rPr lang="ja-JP" altLang="en-US" dirty="0"/>
+              <a:t>一様な更新ではなく構成要素ごとの勾配で更新をすることができ</a:t>
+            </a:r>
+            <a:r>
+              <a:rPr lang="en-US" altLang="ja-JP" dirty="0"/>
+              <a:t>, </a:t>
+            </a:r>
+            <a:r>
+              <a:rPr lang="ja-JP" altLang="en-US" dirty="0"/>
+              <a:t>高速化ができた</a:t>
+            </a:r>
+            <a:r>
+              <a:rPr lang="en-US" altLang="ja-JP" dirty="0"/>
+              <a:t>.</a:t>
+            </a:r>
+            <a:endParaRPr kumimoji="1" lang="ja-JP" altLang="en-US" dirty="0"/>
           </a:p>
         </p:txBody>
       </p:sp>
@@ -7267,7 +7410,7 @@
           <p:cNvPr id="4" name="スライド番号プレースホルダー 3">
             <a:extLst>
               <a:ext uri="{FF2B5EF4-FFF2-40B4-BE49-F238E27FC236}">
-                <a16:creationId xmlns:a16="http://schemas.microsoft.com/office/drawing/2014/main" id="{3BBEF9FA-EC0B-4EF6-9D3A-A66F44722485}"/>
+                <a16:creationId xmlns:a16="http://schemas.microsoft.com/office/drawing/2014/main" id="{41C2DC0B-1FFA-47D8-97E4-BEB09D36473D}"/>
               </a:ext>
             </a:extLst>
           </p:cNvPr>
@@ -7294,7 +7437,7 @@
     </p:spTree>
     <p:extLst>
       <p:ext uri="{BB962C8B-B14F-4D97-AF65-F5344CB8AC3E}">
-        <p14:creationId xmlns:p14="http://schemas.microsoft.com/office/powerpoint/2010/main" val="3866001232"/>
+        <p14:creationId xmlns:p14="http://schemas.microsoft.com/office/powerpoint/2010/main" val="3058784009"/>
       </p:ext>
     </p:extLst>
   </p:cSld>
@@ -7326,7 +7469,7 @@
           <p:cNvPr id="2" name="タイトル 1">
             <a:extLst>
               <a:ext uri="{FF2B5EF4-FFF2-40B4-BE49-F238E27FC236}">
-                <a16:creationId xmlns:a16="http://schemas.microsoft.com/office/drawing/2014/main" id="{84B84D90-756A-4079-A579-FFE3F23C2A62}"/>
+                <a16:creationId xmlns:a16="http://schemas.microsoft.com/office/drawing/2014/main" id="{B63730E0-A119-4C74-8912-4713CA58A408}"/>
               </a:ext>
             </a:extLst>
           </p:cNvPr>
@@ -7343,8 +7486,15 @@
           <a:lstStyle/>
           <a:p>
             <a:r>
+              <a:rPr kumimoji="1" lang="en-US" altLang="ja-JP" dirty="0"/>
+              <a:t>NAS</a:t>
+            </a:r>
+            <a:br>
+              <a:rPr kumimoji="1" lang="en-US" altLang="ja-JP" dirty="0"/>
+            </a:br>
+            <a:r>
               <a:rPr kumimoji="1" lang="ja-JP" altLang="en-US" dirty="0"/>
-              <a:t>今後の課題</a:t>
+              <a:t>ネットワークの重みの再利用</a:t>
             </a:r>
           </a:p>
         </p:txBody>
@@ -7354,7 +7504,7 @@
           <p:cNvPr id="3" name="コンテンツ プレースホルダー 2">
             <a:extLst>
               <a:ext uri="{FF2B5EF4-FFF2-40B4-BE49-F238E27FC236}">
-                <a16:creationId xmlns:a16="http://schemas.microsoft.com/office/drawing/2014/main" id="{BA5DAA0D-9E0B-4036-A085-039E2E9D93BC}"/>
+                <a16:creationId xmlns:a16="http://schemas.microsoft.com/office/drawing/2014/main" id="{4F7DCB5E-EE62-4539-91D0-CAE242E810FA}"/>
               </a:ext>
             </a:extLst>
           </p:cNvPr>
@@ -7370,7 +7520,51 @@
           <a:bodyPr/>
           <a:lstStyle/>
           <a:p>
-            <a:endParaRPr kumimoji="1" lang="ja-JP" altLang="en-US"/>
+            <a:r>
+              <a:rPr lang="en-US" altLang="ja-JP" dirty="0"/>
+              <a:t>\item </a:t>
+            </a:r>
+            <a:r>
+              <a:rPr lang="ja-JP" altLang="en-US" dirty="0"/>
+              <a:t>冗長にネットワーク構造を決めておく</a:t>
+            </a:r>
+            <a:r>
+              <a:rPr lang="en-US" altLang="ja-JP" dirty="0"/>
+              <a:t>. (</a:t>
+            </a:r>
+            <a:r>
+              <a:rPr lang="ja-JP" altLang="en-US" dirty="0"/>
+              <a:t>あるノードはそれ以前のノード全てに接続可能とする</a:t>
+            </a:r>
+            <a:r>
+              <a:rPr lang="en-US" altLang="ja-JP" dirty="0"/>
+              <a:t>)</a:t>
+            </a:r>
+          </a:p>
+          <a:p>
+            <a:r>
+              <a:rPr lang="en-US" altLang="ja-JP" dirty="0"/>
+              <a:t>  \item </a:t>
+            </a:r>
+            <a:r>
+              <a:rPr lang="ja-JP" altLang="en-US" dirty="0"/>
+              <a:t>重みを学習して、各エッジ、各演算子ごとに重みを保存</a:t>
+            </a:r>
+          </a:p>
+          <a:p>
+            <a:r>
+              <a:rPr lang="ja-JP" altLang="en-US" dirty="0"/>
+              <a:t>  </a:t>
+            </a:r>
+            <a:r>
+              <a:rPr lang="en-US" altLang="ja-JP" dirty="0"/>
+              <a:t>\item </a:t>
+            </a:r>
+            <a:r>
+              <a:rPr lang="ja-JP" altLang="en-US" dirty="0"/>
+              <a:t>アーキテクチャ（接続するか？＋演算子）を探索</a:t>
+            </a:r>
+            <a:endParaRPr kumimoji="1" lang="ja-JP" altLang="en-US" dirty="0"/>
           </a:p>
         </p:txBody>
       </p:sp>
@@ -7379,7 +7573,7 @@
           <p:cNvPr id="4" name="スライド番号プレースホルダー 3">
             <a:extLst>
               <a:ext uri="{FF2B5EF4-FFF2-40B4-BE49-F238E27FC236}">
-                <a16:creationId xmlns:a16="http://schemas.microsoft.com/office/drawing/2014/main" id="{A31FADAA-47C8-4E15-9A57-ECC9BCFA0CBC}"/>
+                <a16:creationId xmlns:a16="http://schemas.microsoft.com/office/drawing/2014/main" id="{A113EEF3-E944-48B7-A1A7-C097E346287F}"/>
               </a:ext>
             </a:extLst>
           </p:cNvPr>
@@ -7406,7 +7600,7 @@
     </p:spTree>
     <p:extLst>
       <p:ext uri="{BB962C8B-B14F-4D97-AF65-F5344CB8AC3E}">
-        <p14:creationId xmlns:p14="http://schemas.microsoft.com/office/powerpoint/2010/main" val="3218343016"/>
+        <p14:creationId xmlns:p14="http://schemas.microsoft.com/office/powerpoint/2010/main" val="4241614177"/>
       </p:ext>
     </p:extLst>
   </p:cSld>
@@ -7438,7 +7632,7 @@
           <p:cNvPr id="2" name="タイトル 1">
             <a:extLst>
               <a:ext uri="{FF2B5EF4-FFF2-40B4-BE49-F238E27FC236}">
-                <a16:creationId xmlns:a16="http://schemas.microsoft.com/office/drawing/2014/main" id="{4DEB8DA1-BA47-4BC9-A475-561F144AE0AD}"/>
+                <a16:creationId xmlns:a16="http://schemas.microsoft.com/office/drawing/2014/main" id="{D3F08CBE-1DD7-4314-9606-0532B031A5D0}"/>
               </a:ext>
             </a:extLst>
           </p:cNvPr>
@@ -7455,8 +7649,8 @@
           <a:lstStyle/>
           <a:p>
             <a:r>
-              <a:rPr lang="ja-JP" altLang="en-US" dirty="0"/>
-              <a:t>ご清聴ありがとうございました</a:t>
+              <a:rPr kumimoji="1" lang="en-US" altLang="ja-JP" dirty="0"/>
+              <a:t>Auto Augment</a:t>
             </a:r>
             <a:endParaRPr kumimoji="1" lang="ja-JP" altLang="en-US" dirty="0"/>
           </a:p>
@@ -7467,7 +7661,7 @@
           <p:cNvPr id="3" name="コンテンツ プレースホルダー 2">
             <a:extLst>
               <a:ext uri="{FF2B5EF4-FFF2-40B4-BE49-F238E27FC236}">
-                <a16:creationId xmlns:a16="http://schemas.microsoft.com/office/drawing/2014/main" id="{DB068CA5-C6B4-4C4B-94D1-D40D714FE2C1}"/>
+                <a16:creationId xmlns:a16="http://schemas.microsoft.com/office/drawing/2014/main" id="{BEDFE5E1-ACDA-404F-AE6A-4EF7CBEA33F9}"/>
               </a:ext>
             </a:extLst>
           </p:cNvPr>
@@ -7484,9 +7678,18 @@
           <a:lstStyle/>
           <a:p>
             <a:r>
-              <a:rPr kumimoji="1" lang="ja-JP" altLang="en-US" dirty="0"/>
-              <a:t>（参考資料？）</a:t>
-            </a:r>
+              <a:rPr lang="ja-JP" altLang="en-US" dirty="0"/>
+              <a:t>データ拡張の空間を探索し</a:t>
+            </a:r>
+            <a:r>
+              <a:rPr lang="en-US" altLang="ja-JP" dirty="0"/>
+              <a:t>, </a:t>
+            </a:r>
+            <a:r>
+              <a:rPr lang="ja-JP" altLang="en-US" dirty="0"/>
+              <a:t>最高の検証精度となる最適な方策を見つける</a:t>
+            </a:r>
+            <a:endParaRPr kumimoji="1" lang="ja-JP" altLang="en-US" dirty="0"/>
           </a:p>
         </p:txBody>
       </p:sp>
@@ -7495,7 +7698,7 @@
           <p:cNvPr id="4" name="スライド番号プレースホルダー 3">
             <a:extLst>
               <a:ext uri="{FF2B5EF4-FFF2-40B4-BE49-F238E27FC236}">
-                <a16:creationId xmlns:a16="http://schemas.microsoft.com/office/drawing/2014/main" id="{E7E7C3AE-6284-4CA9-A9BA-CEE05734DD46}"/>
+                <a16:creationId xmlns:a16="http://schemas.microsoft.com/office/drawing/2014/main" id="{22CDD866-8737-4E13-9DE5-B807497D9576}"/>
               </a:ext>
             </a:extLst>
           </p:cNvPr>
@@ -7522,7 +7725,1962 @@
     </p:spTree>
     <p:extLst>
       <p:ext uri="{BB962C8B-B14F-4D97-AF65-F5344CB8AC3E}">
-        <p14:creationId xmlns:p14="http://schemas.microsoft.com/office/powerpoint/2010/main" val="1397153132"/>
+        <p14:creationId xmlns:p14="http://schemas.microsoft.com/office/powerpoint/2010/main" val="4196173772"/>
+      </p:ext>
+    </p:extLst>
+  </p:cSld>
+  <p:clrMapOvr>
+    <a:masterClrMapping/>
+  </p:clrMapOvr>
+</p:sld>
+</file>
+
+<file path=ppt/slides/slide13.xml><?xml version="1.0" encoding="utf-8"?>
+<p:sld xmlns:a="http://schemas.openxmlformats.org/drawingml/2006/main" xmlns:r="http://schemas.openxmlformats.org/officeDocument/2006/relationships" xmlns:p="http://schemas.openxmlformats.org/presentationml/2006/main">
+  <p:cSld>
+    <p:spTree>
+      <p:nvGrpSpPr>
+        <p:cNvPr id="1" name=""/>
+        <p:cNvGrpSpPr/>
+        <p:nvPr/>
+      </p:nvGrpSpPr>
+      <p:grpSpPr>
+        <a:xfrm>
+          <a:off x="0" y="0"/>
+          <a:ext cx="0" cy="0"/>
+          <a:chOff x="0" y="0"/>
+          <a:chExt cx="0" cy="0"/>
+        </a:xfrm>
+      </p:grpSpPr>
+      <p:sp>
+        <p:nvSpPr>
+          <p:cNvPr id="2" name="タイトル 1">
+            <a:extLst>
+              <a:ext uri="{FF2B5EF4-FFF2-40B4-BE49-F238E27FC236}">
+                <a16:creationId xmlns:a16="http://schemas.microsoft.com/office/drawing/2014/main" id="{7D5FA137-D008-44C4-A68C-1620CDE9FBA3}"/>
+              </a:ext>
+            </a:extLst>
+          </p:cNvPr>
+          <p:cNvSpPr>
+            <a:spLocks noGrp="1"/>
+          </p:cNvSpPr>
+          <p:nvPr>
+            <p:ph type="title"/>
+          </p:nvPr>
+        </p:nvSpPr>
+        <p:spPr/>
+        <p:txBody>
+          <a:bodyPr/>
+          <a:lstStyle/>
+          <a:p>
+            <a:r>
+              <a:rPr kumimoji="1" lang="ja-JP" altLang="en-US" dirty="0"/>
+              <a:t>実験</a:t>
+            </a:r>
+          </a:p>
+        </p:txBody>
+      </p:sp>
+      <p:sp>
+        <p:nvSpPr>
+          <p:cNvPr id="3" name="コンテンツ プレースホルダー 2">
+            <a:extLst>
+              <a:ext uri="{FF2B5EF4-FFF2-40B4-BE49-F238E27FC236}">
+                <a16:creationId xmlns:a16="http://schemas.microsoft.com/office/drawing/2014/main" id="{65C1B5A9-714A-4CDD-9AB1-78B3672391E9}"/>
+              </a:ext>
+            </a:extLst>
+          </p:cNvPr>
+          <p:cNvSpPr>
+            <a:spLocks noGrp="1"/>
+          </p:cNvSpPr>
+          <p:nvPr>
+            <p:ph idx="1"/>
+          </p:nvPr>
+        </p:nvSpPr>
+        <p:spPr/>
+        <p:txBody>
+          <a:bodyPr/>
+          <a:lstStyle/>
+          <a:p>
+            <a:r>
+              <a:rPr kumimoji="1" lang="ja-JP" altLang="en-US" dirty="0"/>
+              <a:t>目的</a:t>
+            </a:r>
+            <a:endParaRPr kumimoji="1" lang="en-US" altLang="ja-JP" dirty="0"/>
+          </a:p>
+          <a:p>
+            <a:endParaRPr lang="en-US" altLang="ja-JP" dirty="0"/>
+          </a:p>
+          <a:p>
+            <a:endParaRPr lang="en-US" altLang="ja-JP" dirty="0"/>
+          </a:p>
+          <a:p>
+            <a:endParaRPr lang="en-US" altLang="ja-JP" dirty="0"/>
+          </a:p>
+          <a:p>
+            <a:r>
+              <a:rPr kumimoji="1" lang="ja-JP" altLang="en-US" dirty="0"/>
+              <a:t>問題</a:t>
+            </a:r>
+          </a:p>
+        </p:txBody>
+      </p:sp>
+      <p:sp>
+        <p:nvSpPr>
+          <p:cNvPr id="4" name="スライド番号プレースホルダー 3">
+            <a:extLst>
+              <a:ext uri="{FF2B5EF4-FFF2-40B4-BE49-F238E27FC236}">
+                <a16:creationId xmlns:a16="http://schemas.microsoft.com/office/drawing/2014/main" id="{AE23CC93-6598-436C-A766-52E7A2470210}"/>
+              </a:ext>
+            </a:extLst>
+          </p:cNvPr>
+          <p:cNvSpPr>
+            <a:spLocks noGrp="1"/>
+          </p:cNvSpPr>
+          <p:nvPr>
+            <p:ph type="sldNum" sz="quarter" idx="12"/>
+          </p:nvPr>
+        </p:nvSpPr>
+        <p:spPr/>
+        <p:txBody>
+          <a:bodyPr/>
+          <a:lstStyle/>
+          <a:p>
+            <a:fld id="{C4CD1851-4943-4D29-B153-35642A3D04B9}" type="slidenum">
+              <a:rPr kumimoji="1" lang="ja-JP" altLang="en-US" smtClean="0"/>
+              <a:t>13</a:t>
+            </a:fld>
+            <a:endParaRPr kumimoji="1" lang="ja-JP" altLang="en-US"/>
+          </a:p>
+        </p:txBody>
+      </p:sp>
+    </p:spTree>
+    <p:extLst>
+      <p:ext uri="{BB962C8B-B14F-4D97-AF65-F5344CB8AC3E}">
+        <p14:creationId xmlns:p14="http://schemas.microsoft.com/office/powerpoint/2010/main" val="289198549"/>
+      </p:ext>
+    </p:extLst>
+  </p:cSld>
+  <p:clrMapOvr>
+    <a:masterClrMapping/>
+  </p:clrMapOvr>
+</p:sld>
+</file>
+
+<file path=ppt/slides/slide14.xml><?xml version="1.0" encoding="utf-8"?>
+<p:sld xmlns:a="http://schemas.openxmlformats.org/drawingml/2006/main" xmlns:r="http://schemas.openxmlformats.org/officeDocument/2006/relationships" xmlns:p="http://schemas.openxmlformats.org/presentationml/2006/main">
+  <p:cSld>
+    <p:spTree>
+      <p:nvGrpSpPr>
+        <p:cNvPr id="1" name=""/>
+        <p:cNvGrpSpPr/>
+        <p:nvPr/>
+      </p:nvGrpSpPr>
+      <p:grpSpPr>
+        <a:xfrm>
+          <a:off x="0" y="0"/>
+          <a:ext cx="0" cy="0"/>
+          <a:chOff x="0" y="0"/>
+          <a:chExt cx="0" cy="0"/>
+        </a:xfrm>
+      </p:grpSpPr>
+      <p:sp>
+        <p:nvSpPr>
+          <p:cNvPr id="2" name="タイトル 1">
+            <a:extLst>
+              <a:ext uri="{FF2B5EF4-FFF2-40B4-BE49-F238E27FC236}">
+                <a16:creationId xmlns:a16="http://schemas.microsoft.com/office/drawing/2014/main" id="{08F5870A-A176-46FE-8A15-9638D8B5B2ED}"/>
+              </a:ext>
+            </a:extLst>
+          </p:cNvPr>
+          <p:cNvSpPr>
+            <a:spLocks noGrp="1"/>
+          </p:cNvSpPr>
+          <p:nvPr>
+            <p:ph type="title"/>
+          </p:nvPr>
+        </p:nvSpPr>
+        <p:spPr/>
+        <p:txBody>
+          <a:bodyPr/>
+          <a:lstStyle/>
+          <a:p>
+            <a:r>
+              <a:rPr kumimoji="1" lang="ja-JP" altLang="en-US" dirty="0"/>
+              <a:t>データセット</a:t>
+            </a:r>
+          </a:p>
+        </p:txBody>
+      </p:sp>
+      <p:sp>
+        <p:nvSpPr>
+          <p:cNvPr id="3" name="コンテンツ プレースホルダー 2">
+            <a:extLst>
+              <a:ext uri="{FF2B5EF4-FFF2-40B4-BE49-F238E27FC236}">
+                <a16:creationId xmlns:a16="http://schemas.microsoft.com/office/drawing/2014/main" id="{CF38B47A-CBFD-47E6-8000-10693616FC02}"/>
+              </a:ext>
+            </a:extLst>
+          </p:cNvPr>
+          <p:cNvSpPr>
+            <a:spLocks noGrp="1"/>
+          </p:cNvSpPr>
+          <p:nvPr>
+            <p:ph idx="1"/>
+          </p:nvPr>
+        </p:nvSpPr>
+        <p:spPr/>
+        <p:txBody>
+          <a:bodyPr/>
+          <a:lstStyle/>
+          <a:p>
+            <a:r>
+              <a:rPr kumimoji="1" lang="en-US" altLang="ja-JP"/>
+              <a:t>Cifar-10</a:t>
+            </a:r>
+          </a:p>
+          <a:p>
+            <a:r>
+              <a:rPr lang="en-US" altLang="ja-JP"/>
+              <a:t>60,000</a:t>
+            </a:r>
+            <a:r>
+              <a:rPr lang="ja-JP" altLang="en-US"/>
+              <a:t>枚</a:t>
+            </a:r>
+            <a:endParaRPr lang="en-US" altLang="ja-JP"/>
+          </a:p>
+          <a:p>
+            <a:r>
+              <a:rPr kumimoji="1" lang="en-US" altLang="ja-JP"/>
+              <a:t>3x32x32</a:t>
+            </a:r>
+          </a:p>
+          <a:p>
+            <a:r>
+              <a:rPr lang="en-US" altLang="ja-JP"/>
+              <a:t>10</a:t>
+            </a:r>
+            <a:r>
+              <a:rPr lang="ja-JP" altLang="en-US"/>
+              <a:t>クラス（動物系</a:t>
+            </a:r>
+            <a:r>
+              <a:rPr lang="en-US" altLang="ja-JP"/>
+              <a:t>, </a:t>
+            </a:r>
+            <a:r>
+              <a:rPr lang="ja-JP" altLang="en-US"/>
+              <a:t>機械系）</a:t>
+            </a:r>
+            <a:endParaRPr kumimoji="1" lang="en-US" altLang="ja-JP" dirty="0"/>
+          </a:p>
+        </p:txBody>
+      </p:sp>
+      <p:sp>
+        <p:nvSpPr>
+          <p:cNvPr id="4" name="スライド番号プレースホルダー 3">
+            <a:extLst>
+              <a:ext uri="{FF2B5EF4-FFF2-40B4-BE49-F238E27FC236}">
+                <a16:creationId xmlns:a16="http://schemas.microsoft.com/office/drawing/2014/main" id="{525D7089-5056-4050-A957-852017D25BE0}"/>
+              </a:ext>
+            </a:extLst>
+          </p:cNvPr>
+          <p:cNvSpPr>
+            <a:spLocks noGrp="1"/>
+          </p:cNvSpPr>
+          <p:nvPr>
+            <p:ph type="sldNum" sz="quarter" idx="12"/>
+          </p:nvPr>
+        </p:nvSpPr>
+        <p:spPr/>
+        <p:txBody>
+          <a:bodyPr/>
+          <a:lstStyle/>
+          <a:p>
+            <a:fld id="{C4CD1851-4943-4D29-B153-35642A3D04B9}" type="slidenum">
+              <a:rPr kumimoji="1" lang="ja-JP" altLang="en-US" smtClean="0"/>
+              <a:t>14</a:t>
+            </a:fld>
+            <a:endParaRPr kumimoji="1" lang="ja-JP" altLang="en-US"/>
+          </a:p>
+        </p:txBody>
+      </p:sp>
+      <p:sp>
+        <p:nvSpPr>
+          <p:cNvPr id="5" name="Rectangle 1">
+            <a:extLst>
+              <a:ext uri="{FF2B5EF4-FFF2-40B4-BE49-F238E27FC236}">
+                <a16:creationId xmlns:a16="http://schemas.microsoft.com/office/drawing/2014/main" id="{D54451A5-E3CF-4D8C-88F6-F89623C7DFB1}"/>
+              </a:ext>
+            </a:extLst>
+          </p:cNvPr>
+          <p:cNvSpPr>
+            <a:spLocks noChangeArrowheads="1"/>
+          </p:cNvSpPr>
+          <p:nvPr/>
+        </p:nvSpPr>
+        <p:spPr bwMode="auto">
+          <a:xfrm>
+            <a:off x="803563" y="6163729"/>
+            <a:ext cx="6110647" cy="153888"/>
+          </a:xfrm>
+          <a:prstGeom prst="rect">
+            <a:avLst/>
+          </a:prstGeom>
+          <a:solidFill>
+            <a:srgbClr val="F5F5F5"/>
+          </a:solidFill>
+          <a:ln>
+            <a:noFill/>
+          </a:ln>
+          <a:effectLst/>
+          <a:extLst>
+            <a:ext uri="{91240B29-F687-4F45-9708-019B960494DF}">
+              <a14:hiddenLine xmlns:a14="http://schemas.microsoft.com/office/drawing/2010/main" w="9525">
+                <a:solidFill>
+                  <a:schemeClr val="tx1"/>
+                </a:solidFill>
+                <a:miter lim="800000"/>
+                <a:headEnd/>
+                <a:tailEnd/>
+              </a14:hiddenLine>
+            </a:ext>
+            <a:ext uri="{AF507438-7753-43E0-B8FC-AC1667EBCBE1}">
+              <a14:hiddenEffects xmlns:a14="http://schemas.microsoft.com/office/drawing/2010/main">
+                <a:effectLst>
+                  <a:outerShdw dist="35921" dir="2700000" algn="ctr" rotWithShape="0">
+                    <a:schemeClr val="bg2"/>
+                  </a:outerShdw>
+                </a:effectLst>
+              </a14:hiddenEffects>
+            </a:ext>
+          </a:extLst>
+        </p:spPr>
+        <p:txBody>
+          <a:bodyPr vert="horz" wrap="none" lIns="0" tIns="0" rIns="0" bIns="0" numCol="1" anchor="ctr" anchorCtr="0" compatLnSpc="1">
+            <a:prstTxWarp prst="textNoShape">
+              <a:avLst/>
+            </a:prstTxWarp>
+            <a:spAutoFit/>
+          </a:bodyPr>
+          <a:lstStyle/>
+          <a:p>
+            <a:pPr marL="0" marR="0" lvl="0" indent="0" algn="l" defTabSz="914400" rtl="0" eaLnBrk="0" fontAlgn="base" latinLnBrk="0" hangingPunct="0">
+              <a:lnSpc>
+                <a:spcPct val="100000"/>
+              </a:lnSpc>
+              <a:spcBef>
+                <a:spcPct val="0"/>
+              </a:spcBef>
+              <a:spcAft>
+                <a:spcPct val="0"/>
+              </a:spcAft>
+              <a:buClrTx/>
+              <a:buSzTx/>
+              <a:buFontTx/>
+              <a:buNone/>
+              <a:tabLst/>
+            </a:pPr>
+            <a:r>
+              <a:rPr kumimoji="0" lang="ja-JP" altLang="ja-JP" sz="1000" b="0" i="0" u="none" strike="noStrike" cap="none" normalizeH="0" baseline="0" dirty="0">
+                <a:ln>
+                  <a:noFill/>
+                </a:ln>
+                <a:solidFill>
+                  <a:srgbClr val="333333"/>
+                </a:solidFill>
+                <a:effectLst/>
+                <a:latin typeface="Arial Unicode MS"/>
+                <a:ea typeface="Menlo"/>
+              </a:rPr>
+              <a:t>CIFAR-10 (Canadian Institute for Advanced Research</a:t>
+            </a:r>
+            <a:r>
+              <a:rPr kumimoji="0" lang="en-US" altLang="ja-JP" sz="1000" b="0" i="0" u="none" strike="noStrike" cap="none" normalizeH="0" baseline="0" dirty="0">
+                <a:ln>
+                  <a:noFill/>
+                </a:ln>
+                <a:solidFill>
+                  <a:srgbClr val="333333"/>
+                </a:solidFill>
+                <a:effectLst/>
+                <a:latin typeface="Arial Unicode MS"/>
+                <a:ea typeface="Menlo"/>
+              </a:rPr>
+              <a:t>), </a:t>
+            </a:r>
+            <a:r>
+              <a:rPr kumimoji="0" lang="ja-JP" altLang="ja-JP" sz="1000" b="0" i="0" u="none" strike="noStrike" cap="none" normalizeH="0" baseline="0" dirty="0">
+                <a:ln>
+                  <a:noFill/>
+                </a:ln>
+                <a:solidFill>
+                  <a:srgbClr val="333333"/>
+                </a:solidFill>
+                <a:effectLst/>
+                <a:latin typeface="Arial Unicode MS"/>
+                <a:ea typeface="Menlo"/>
+              </a:rPr>
+              <a:t>Alex Krizhevsky and Vinod Nair and Geoffrey Hinton</a:t>
+            </a:r>
+            <a:endParaRPr kumimoji="0" lang="ja-JP" altLang="ja-JP" sz="1800" b="0" i="0" u="none" strike="noStrike" cap="none" normalizeH="0" baseline="0" dirty="0">
+              <a:ln>
+                <a:noFill/>
+              </a:ln>
+              <a:solidFill>
+                <a:schemeClr val="tx1"/>
+              </a:solidFill>
+              <a:effectLst/>
+              <a:latin typeface="Arial" panose="020B0604020202020204" pitchFamily="34" charset="0"/>
+            </a:endParaRPr>
+          </a:p>
+        </p:txBody>
+      </p:sp>
+      <p:pic>
+        <p:nvPicPr>
+          <p:cNvPr id="8" name="図 7">
+            <a:extLst>
+              <a:ext uri="{FF2B5EF4-FFF2-40B4-BE49-F238E27FC236}">
+                <a16:creationId xmlns:a16="http://schemas.microsoft.com/office/drawing/2014/main" id="{5BE3BAFE-395D-4297-9CF8-FC2C189F5F8E}"/>
+              </a:ext>
+            </a:extLst>
+          </p:cNvPr>
+          <p:cNvPicPr>
+            <a:picLocks noChangeAspect="1"/>
+          </p:cNvPicPr>
+          <p:nvPr/>
+        </p:nvPicPr>
+        <p:blipFill>
+          <a:blip r:embed="rId2">
+            <a:extLst>
+              <a:ext uri="{28A0092B-C50C-407E-A947-70E740481C1C}">
+                <a14:useLocalDpi xmlns:a14="http://schemas.microsoft.com/office/drawing/2010/main" val="0"/>
+              </a:ext>
+            </a:extLst>
+          </a:blip>
+          <a:stretch>
+            <a:fillRect/>
+          </a:stretch>
+        </p:blipFill>
+        <p:spPr>
+          <a:xfrm>
+            <a:off x="3333020" y="1730056"/>
+            <a:ext cx="5177135" cy="4051191"/>
+          </a:xfrm>
+          <a:prstGeom prst="rect">
+            <a:avLst/>
+          </a:prstGeom>
+        </p:spPr>
+      </p:pic>
+    </p:spTree>
+    <p:extLst>
+      <p:ext uri="{BB962C8B-B14F-4D97-AF65-F5344CB8AC3E}">
+        <p14:creationId xmlns:p14="http://schemas.microsoft.com/office/powerpoint/2010/main" val="2280189169"/>
+      </p:ext>
+    </p:extLst>
+  </p:cSld>
+  <p:clrMapOvr>
+    <a:masterClrMapping/>
+  </p:clrMapOvr>
+</p:sld>
+</file>
+
+<file path=ppt/slides/slide15.xml><?xml version="1.0" encoding="utf-8"?>
+<p:sld xmlns:a="http://schemas.openxmlformats.org/drawingml/2006/main" xmlns:r="http://schemas.openxmlformats.org/officeDocument/2006/relationships" xmlns:p="http://schemas.openxmlformats.org/presentationml/2006/main">
+  <p:cSld>
+    <p:spTree>
+      <p:nvGrpSpPr>
+        <p:cNvPr id="1" name=""/>
+        <p:cNvGrpSpPr/>
+        <p:nvPr/>
+      </p:nvGrpSpPr>
+      <p:grpSpPr>
+        <a:xfrm>
+          <a:off x="0" y="0"/>
+          <a:ext cx="0" cy="0"/>
+          <a:chOff x="0" y="0"/>
+          <a:chExt cx="0" cy="0"/>
+        </a:xfrm>
+      </p:grpSpPr>
+      <p:sp>
+        <p:nvSpPr>
+          <p:cNvPr id="2" name="タイトル 1">
+            <a:extLst>
+              <a:ext uri="{FF2B5EF4-FFF2-40B4-BE49-F238E27FC236}">
+                <a16:creationId xmlns:a16="http://schemas.microsoft.com/office/drawing/2014/main" id="{8EA8F374-BCB4-4017-B677-F40E83D7BC07}"/>
+              </a:ext>
+            </a:extLst>
+          </p:cNvPr>
+          <p:cNvSpPr>
+            <a:spLocks noGrp="1"/>
+          </p:cNvSpPr>
+          <p:nvPr>
+            <p:ph type="title"/>
+          </p:nvPr>
+        </p:nvSpPr>
+        <p:spPr/>
+        <p:txBody>
+          <a:bodyPr/>
+          <a:lstStyle/>
+          <a:p>
+            <a:r>
+              <a:rPr kumimoji="1" lang="ja-JP" altLang="en-US" dirty="0"/>
+              <a:t>実験１</a:t>
+            </a:r>
+          </a:p>
+        </p:txBody>
+      </p:sp>
+      <p:sp>
+        <p:nvSpPr>
+          <p:cNvPr id="3" name="コンテンツ プレースホルダー 2">
+            <a:extLst>
+              <a:ext uri="{FF2B5EF4-FFF2-40B4-BE49-F238E27FC236}">
+                <a16:creationId xmlns:a16="http://schemas.microsoft.com/office/drawing/2014/main" id="{387B9C2D-2ABB-4DF9-9CAD-418ED629E917}"/>
+              </a:ext>
+            </a:extLst>
+          </p:cNvPr>
+          <p:cNvSpPr>
+            <a:spLocks noGrp="1"/>
+          </p:cNvSpPr>
+          <p:nvPr>
+            <p:ph idx="1"/>
+          </p:nvPr>
+        </p:nvSpPr>
+        <p:spPr/>
+        <p:txBody>
+          <a:bodyPr/>
+          <a:lstStyle/>
+          <a:p>
+            <a:r>
+              <a:rPr kumimoji="1" lang="ja-JP" altLang="en-US" dirty="0"/>
+              <a:t>手法</a:t>
+            </a:r>
+            <a:endParaRPr kumimoji="1" lang="en-US" altLang="ja-JP" dirty="0"/>
+          </a:p>
+          <a:p>
+            <a:r>
+              <a:rPr lang="ja-JP" altLang="en-US" dirty="0"/>
+              <a:t>クラスを表す番号の前半</a:t>
+            </a:r>
+            <a:r>
+              <a:rPr lang="en-US" altLang="ja-JP" dirty="0"/>
+              <a:t>(airplane, mobile, bird, cat, deer)</a:t>
+            </a:r>
+            <a:r>
+              <a:rPr lang="ja-JP" altLang="en-US" dirty="0"/>
+              <a:t>で学習したモデルを</a:t>
+            </a:r>
+            <a:r>
+              <a:rPr lang="en-US" altLang="ja-JP" dirty="0"/>
+              <a:t>A,</a:t>
+            </a:r>
+          </a:p>
+          <a:p>
+            <a:r>
+              <a:rPr lang="ja-JP" altLang="en-US" dirty="0"/>
+              <a:t>後半</a:t>
+            </a:r>
+            <a:r>
+              <a:rPr lang="en-US" altLang="ja-JP" dirty="0"/>
+              <a:t>(dog, frog, horse, ship, truck)</a:t>
+            </a:r>
+            <a:r>
+              <a:rPr lang="ja-JP" altLang="en-US" dirty="0"/>
+              <a:t>で学習したモデルを</a:t>
+            </a:r>
+            <a:r>
+              <a:rPr lang="en-US" altLang="ja-JP" dirty="0"/>
+              <a:t>B</a:t>
+            </a:r>
+            <a:r>
+              <a:rPr lang="ja-JP" altLang="en-US" dirty="0"/>
+              <a:t>とする</a:t>
+            </a:r>
+            <a:r>
+              <a:rPr lang="en-US" altLang="ja-JP" dirty="0"/>
+              <a:t>.</a:t>
+            </a:r>
+          </a:p>
+          <a:p>
+            <a:endParaRPr lang="en-US" altLang="ja-JP" dirty="0"/>
+          </a:p>
+          <a:p>
+            <a:r>
+              <a:rPr lang="ja-JP" altLang="en-US" dirty="0"/>
+              <a:t>結合したモデル</a:t>
+            </a:r>
+            <a:r>
+              <a:rPr lang="en-US" altLang="ja-JP" dirty="0"/>
+              <a:t>A + B</a:t>
+            </a:r>
+            <a:r>
+              <a:rPr lang="ja-JP" altLang="en-US" dirty="0"/>
+              <a:t>は</a:t>
+            </a:r>
+            <a:r>
+              <a:rPr lang="en-US" altLang="ja-JP" dirty="0"/>
+              <a:t>, 10</a:t>
+            </a:r>
+            <a:r>
+              <a:rPr lang="ja-JP" altLang="en-US" dirty="0"/>
+              <a:t>クラス分類問題を解く</a:t>
+            </a:r>
+            <a:r>
+              <a:rPr lang="en-US" altLang="ja-JP" dirty="0"/>
+              <a:t>.</a:t>
+            </a:r>
+          </a:p>
+          <a:p>
+            <a:r>
+              <a:rPr lang="ja-JP" altLang="en-US" dirty="0"/>
+              <a:t>結合の際は</a:t>
+            </a:r>
+            <a:r>
+              <a:rPr lang="en-US" altLang="ja-JP" dirty="0"/>
+              <a:t>10</a:t>
+            </a:r>
+            <a:r>
+              <a:rPr lang="ja-JP" altLang="en-US" dirty="0"/>
+              <a:t>クラスのデータセットを</a:t>
+            </a:r>
+            <a:r>
+              <a:rPr lang="en-US" altLang="ja-JP" dirty="0"/>
+              <a:t>A, B</a:t>
+            </a:r>
+            <a:r>
+              <a:rPr lang="ja-JP" altLang="en-US" dirty="0"/>
+              <a:t>に入力し</a:t>
+            </a:r>
+            <a:r>
+              <a:rPr lang="en-US" altLang="ja-JP" dirty="0"/>
+              <a:t>, </a:t>
+            </a:r>
+            <a:r>
+              <a:rPr lang="ja-JP" altLang="en-US" dirty="0"/>
+              <a:t>得られた出力の次元を</a:t>
+            </a:r>
+            <a:r>
+              <a:rPr lang="en-US" altLang="ja-JP" dirty="0"/>
+              <a:t>10</a:t>
+            </a:r>
+            <a:r>
+              <a:rPr lang="ja-JP" altLang="en-US" dirty="0"/>
+              <a:t>クラスに拡張して和を求めた</a:t>
+            </a:r>
+            <a:r>
+              <a:rPr lang="en-US" altLang="ja-JP" dirty="0"/>
+              <a:t>.</a:t>
+            </a:r>
+            <a:endParaRPr kumimoji="1" lang="ja-JP" altLang="en-US" dirty="0"/>
+          </a:p>
+        </p:txBody>
+      </p:sp>
+      <p:sp>
+        <p:nvSpPr>
+          <p:cNvPr id="4" name="スライド番号プレースホルダー 3">
+            <a:extLst>
+              <a:ext uri="{FF2B5EF4-FFF2-40B4-BE49-F238E27FC236}">
+                <a16:creationId xmlns:a16="http://schemas.microsoft.com/office/drawing/2014/main" id="{410C5D71-53BC-483B-A213-E8F6E3A40EAA}"/>
+              </a:ext>
+            </a:extLst>
+          </p:cNvPr>
+          <p:cNvSpPr>
+            <a:spLocks noGrp="1"/>
+          </p:cNvSpPr>
+          <p:nvPr>
+            <p:ph type="sldNum" sz="quarter" idx="12"/>
+          </p:nvPr>
+        </p:nvSpPr>
+        <p:spPr/>
+        <p:txBody>
+          <a:bodyPr/>
+          <a:lstStyle/>
+          <a:p>
+            <a:fld id="{C4CD1851-4943-4D29-B153-35642A3D04B9}" type="slidenum">
+              <a:rPr kumimoji="1" lang="ja-JP" altLang="en-US" smtClean="0"/>
+              <a:t>15</a:t>
+            </a:fld>
+            <a:endParaRPr kumimoji="1" lang="ja-JP" altLang="en-US"/>
+          </a:p>
+        </p:txBody>
+      </p:sp>
+    </p:spTree>
+    <p:extLst>
+      <p:ext uri="{BB962C8B-B14F-4D97-AF65-F5344CB8AC3E}">
+        <p14:creationId xmlns:p14="http://schemas.microsoft.com/office/powerpoint/2010/main" val="3697988260"/>
+      </p:ext>
+    </p:extLst>
+  </p:cSld>
+  <p:clrMapOvr>
+    <a:masterClrMapping/>
+  </p:clrMapOvr>
+</p:sld>
+</file>
+
+<file path=ppt/slides/slide16.xml><?xml version="1.0" encoding="utf-8"?>
+<p:sld xmlns:a="http://schemas.openxmlformats.org/drawingml/2006/main" xmlns:r="http://schemas.openxmlformats.org/officeDocument/2006/relationships" xmlns:p="http://schemas.openxmlformats.org/presentationml/2006/main">
+  <p:cSld>
+    <p:spTree>
+      <p:nvGrpSpPr>
+        <p:cNvPr id="1" name=""/>
+        <p:cNvGrpSpPr/>
+        <p:nvPr/>
+      </p:nvGrpSpPr>
+      <p:grpSpPr>
+        <a:xfrm>
+          <a:off x="0" y="0"/>
+          <a:ext cx="0" cy="0"/>
+          <a:chOff x="0" y="0"/>
+          <a:chExt cx="0" cy="0"/>
+        </a:xfrm>
+      </p:grpSpPr>
+      <p:sp>
+        <p:nvSpPr>
+          <p:cNvPr id="2" name="タイトル 1">
+            <a:extLst>
+              <a:ext uri="{FF2B5EF4-FFF2-40B4-BE49-F238E27FC236}">
+                <a16:creationId xmlns:a16="http://schemas.microsoft.com/office/drawing/2014/main" id="{3BAC027B-F658-46BC-82FB-43918E21E2C4}"/>
+              </a:ext>
+            </a:extLst>
+          </p:cNvPr>
+          <p:cNvSpPr>
+            <a:spLocks noGrp="1"/>
+          </p:cNvSpPr>
+          <p:nvPr>
+            <p:ph type="title"/>
+          </p:nvPr>
+        </p:nvSpPr>
+        <p:spPr/>
+        <p:txBody>
+          <a:bodyPr/>
+          <a:lstStyle/>
+          <a:p>
+            <a:endParaRPr kumimoji="1" lang="ja-JP" altLang="en-US"/>
+          </a:p>
+        </p:txBody>
+      </p:sp>
+      <p:pic>
+        <p:nvPicPr>
+          <p:cNvPr id="7" name="コンテンツ プレースホルダー 6">
+            <a:extLst>
+              <a:ext uri="{FF2B5EF4-FFF2-40B4-BE49-F238E27FC236}">
+                <a16:creationId xmlns:a16="http://schemas.microsoft.com/office/drawing/2014/main" id="{41C8B8AB-C406-408B-B382-B7C62E5CA4EF}"/>
+              </a:ext>
+            </a:extLst>
+          </p:cNvPr>
+          <p:cNvPicPr>
+            <a:picLocks noGrp="1" noChangeAspect="1"/>
+          </p:cNvPicPr>
+          <p:nvPr>
+            <p:ph idx="1"/>
+          </p:nvPr>
+        </p:nvPicPr>
+        <p:blipFill>
+          <a:blip r:embed="rId2">
+            <a:extLst>
+              <a:ext uri="{28A0092B-C50C-407E-A947-70E740481C1C}">
+                <a14:useLocalDpi xmlns:a14="http://schemas.microsoft.com/office/drawing/2010/main" val="0"/>
+              </a:ext>
+            </a:extLst>
+          </a:blip>
+          <a:stretch>
+            <a:fillRect/>
+          </a:stretch>
+        </p:blipFill>
+        <p:spPr>
+          <a:xfrm>
+            <a:off x="633413" y="2347204"/>
+            <a:ext cx="7886700" cy="3314529"/>
+          </a:xfrm>
+        </p:spPr>
+      </p:pic>
+      <p:sp>
+        <p:nvSpPr>
+          <p:cNvPr id="4" name="スライド番号プレースホルダー 3">
+            <a:extLst>
+              <a:ext uri="{FF2B5EF4-FFF2-40B4-BE49-F238E27FC236}">
+                <a16:creationId xmlns:a16="http://schemas.microsoft.com/office/drawing/2014/main" id="{2F6130B3-EA15-4FC0-9D02-B1F3A35530A3}"/>
+              </a:ext>
+            </a:extLst>
+          </p:cNvPr>
+          <p:cNvSpPr>
+            <a:spLocks noGrp="1"/>
+          </p:cNvSpPr>
+          <p:nvPr>
+            <p:ph type="sldNum" sz="quarter" idx="12"/>
+          </p:nvPr>
+        </p:nvSpPr>
+        <p:spPr/>
+        <p:txBody>
+          <a:bodyPr/>
+          <a:lstStyle/>
+          <a:p>
+            <a:fld id="{C4CD1851-4943-4D29-B153-35642A3D04B9}" type="slidenum">
+              <a:rPr kumimoji="1" lang="ja-JP" altLang="en-US" smtClean="0"/>
+              <a:t>16</a:t>
+            </a:fld>
+            <a:endParaRPr kumimoji="1" lang="ja-JP" altLang="en-US"/>
+          </a:p>
+        </p:txBody>
+      </p:sp>
+    </p:spTree>
+    <p:extLst>
+      <p:ext uri="{BB962C8B-B14F-4D97-AF65-F5344CB8AC3E}">
+        <p14:creationId xmlns:p14="http://schemas.microsoft.com/office/powerpoint/2010/main" val="551856421"/>
+      </p:ext>
+    </p:extLst>
+  </p:cSld>
+  <p:clrMapOvr>
+    <a:masterClrMapping/>
+  </p:clrMapOvr>
+</p:sld>
+</file>
+
+<file path=ppt/slides/slide17.xml><?xml version="1.0" encoding="utf-8"?>
+<p:sld xmlns:a="http://schemas.openxmlformats.org/drawingml/2006/main" xmlns:r="http://schemas.openxmlformats.org/officeDocument/2006/relationships" xmlns:p="http://schemas.openxmlformats.org/presentationml/2006/main">
+  <p:cSld>
+    <p:spTree>
+      <p:nvGrpSpPr>
+        <p:cNvPr id="1" name=""/>
+        <p:cNvGrpSpPr/>
+        <p:nvPr/>
+      </p:nvGrpSpPr>
+      <p:grpSpPr>
+        <a:xfrm>
+          <a:off x="0" y="0"/>
+          <a:ext cx="0" cy="0"/>
+          <a:chOff x="0" y="0"/>
+          <a:chExt cx="0" cy="0"/>
+        </a:xfrm>
+      </p:grpSpPr>
+      <p:sp>
+        <p:nvSpPr>
+          <p:cNvPr id="2" name="タイトル 1">
+            <a:extLst>
+              <a:ext uri="{FF2B5EF4-FFF2-40B4-BE49-F238E27FC236}">
+                <a16:creationId xmlns:a16="http://schemas.microsoft.com/office/drawing/2014/main" id="{4252B173-BBCA-48A9-8D46-7FA76B972868}"/>
+              </a:ext>
+            </a:extLst>
+          </p:cNvPr>
+          <p:cNvSpPr>
+            <a:spLocks noGrp="1"/>
+          </p:cNvSpPr>
+          <p:nvPr>
+            <p:ph type="title"/>
+          </p:nvPr>
+        </p:nvSpPr>
+        <p:spPr/>
+        <p:txBody>
+          <a:bodyPr/>
+          <a:lstStyle/>
+          <a:p>
+            <a:endParaRPr kumimoji="1" lang="ja-JP" altLang="en-US"/>
+          </a:p>
+        </p:txBody>
+      </p:sp>
+      <p:pic>
+        <p:nvPicPr>
+          <p:cNvPr id="6" name="コンテンツ プレースホルダー 5">
+            <a:extLst>
+              <a:ext uri="{FF2B5EF4-FFF2-40B4-BE49-F238E27FC236}">
+                <a16:creationId xmlns:a16="http://schemas.microsoft.com/office/drawing/2014/main" id="{459AF495-9009-4F73-977C-5B5B19F7E7D0}"/>
+              </a:ext>
+            </a:extLst>
+          </p:cNvPr>
+          <p:cNvPicPr>
+            <a:picLocks noGrp="1" noChangeAspect="1"/>
+          </p:cNvPicPr>
+          <p:nvPr>
+            <p:ph idx="1"/>
+          </p:nvPr>
+        </p:nvPicPr>
+        <p:blipFill>
+          <a:blip r:embed="rId2">
+            <a:extLst>
+              <a:ext uri="{28A0092B-C50C-407E-A947-70E740481C1C}">
+                <a14:useLocalDpi xmlns:a14="http://schemas.microsoft.com/office/drawing/2010/main" val="0"/>
+              </a:ext>
+            </a:extLst>
+          </a:blip>
+          <a:stretch>
+            <a:fillRect/>
+          </a:stretch>
+        </p:blipFill>
+        <p:spPr>
+          <a:xfrm>
+            <a:off x="944881" y="1293092"/>
+            <a:ext cx="7254238" cy="4836158"/>
+          </a:xfrm>
+        </p:spPr>
+      </p:pic>
+      <p:sp>
+        <p:nvSpPr>
+          <p:cNvPr id="4" name="スライド番号プレースホルダー 3">
+            <a:extLst>
+              <a:ext uri="{FF2B5EF4-FFF2-40B4-BE49-F238E27FC236}">
+                <a16:creationId xmlns:a16="http://schemas.microsoft.com/office/drawing/2014/main" id="{E20A836C-A56C-4EC2-8B2A-77E49DC992A4}"/>
+              </a:ext>
+            </a:extLst>
+          </p:cNvPr>
+          <p:cNvSpPr>
+            <a:spLocks noGrp="1"/>
+          </p:cNvSpPr>
+          <p:nvPr>
+            <p:ph type="sldNum" sz="quarter" idx="12"/>
+          </p:nvPr>
+        </p:nvSpPr>
+        <p:spPr/>
+        <p:txBody>
+          <a:bodyPr/>
+          <a:lstStyle/>
+          <a:p>
+            <a:fld id="{C4CD1851-4943-4D29-B153-35642A3D04B9}" type="slidenum">
+              <a:rPr kumimoji="1" lang="ja-JP" altLang="en-US" smtClean="0"/>
+              <a:t>17</a:t>
+            </a:fld>
+            <a:endParaRPr kumimoji="1" lang="ja-JP" altLang="en-US"/>
+          </a:p>
+        </p:txBody>
+      </p:sp>
+    </p:spTree>
+    <p:extLst>
+      <p:ext uri="{BB962C8B-B14F-4D97-AF65-F5344CB8AC3E}">
+        <p14:creationId xmlns:p14="http://schemas.microsoft.com/office/powerpoint/2010/main" val="1255260506"/>
+      </p:ext>
+    </p:extLst>
+  </p:cSld>
+  <p:clrMapOvr>
+    <a:masterClrMapping/>
+  </p:clrMapOvr>
+</p:sld>
+</file>
+
+<file path=ppt/slides/slide18.xml><?xml version="1.0" encoding="utf-8"?>
+<p:sld xmlns:a="http://schemas.openxmlformats.org/drawingml/2006/main" xmlns:r="http://schemas.openxmlformats.org/officeDocument/2006/relationships" xmlns:p="http://schemas.openxmlformats.org/presentationml/2006/main">
+  <p:cSld>
+    <p:spTree>
+      <p:nvGrpSpPr>
+        <p:cNvPr id="1" name=""/>
+        <p:cNvGrpSpPr/>
+        <p:nvPr/>
+      </p:nvGrpSpPr>
+      <p:grpSpPr>
+        <a:xfrm>
+          <a:off x="0" y="0"/>
+          <a:ext cx="0" cy="0"/>
+          <a:chOff x="0" y="0"/>
+          <a:chExt cx="0" cy="0"/>
+        </a:xfrm>
+      </p:grpSpPr>
+      <p:sp>
+        <p:nvSpPr>
+          <p:cNvPr id="2" name="タイトル 1">
+            <a:extLst>
+              <a:ext uri="{FF2B5EF4-FFF2-40B4-BE49-F238E27FC236}">
+                <a16:creationId xmlns:a16="http://schemas.microsoft.com/office/drawing/2014/main" id="{0D67F3A9-9FBA-4738-B303-337B85424E88}"/>
+              </a:ext>
+            </a:extLst>
+          </p:cNvPr>
+          <p:cNvSpPr>
+            <a:spLocks noGrp="1"/>
+          </p:cNvSpPr>
+          <p:nvPr>
+            <p:ph type="title"/>
+          </p:nvPr>
+        </p:nvSpPr>
+        <p:spPr/>
+        <p:txBody>
+          <a:bodyPr/>
+          <a:lstStyle/>
+          <a:p>
+            <a:endParaRPr kumimoji="1" lang="ja-JP" altLang="en-US"/>
+          </a:p>
+        </p:txBody>
+      </p:sp>
+      <p:graphicFrame>
+        <p:nvGraphicFramePr>
+          <p:cNvPr id="5" name="コンテンツ プレースホルダー 4">
+            <a:extLst>
+              <a:ext uri="{FF2B5EF4-FFF2-40B4-BE49-F238E27FC236}">
+                <a16:creationId xmlns:a16="http://schemas.microsoft.com/office/drawing/2014/main" id="{B6B06CBB-6400-40DF-89C5-C2A46F7C85A8}"/>
+              </a:ext>
+            </a:extLst>
+          </p:cNvPr>
+          <p:cNvGraphicFramePr>
+            <a:graphicFrameLocks noGrp="1"/>
+          </p:cNvGraphicFramePr>
+          <p:nvPr>
+            <p:ph idx="1"/>
+            <p:extLst>
+              <p:ext uri="{D42A27DB-BD31-4B8C-83A1-F6EECF244321}">
+                <p14:modId xmlns:p14="http://schemas.microsoft.com/office/powerpoint/2010/main" val="3740085168"/>
+              </p:ext>
+            </p:extLst>
+          </p:nvPr>
+        </p:nvGraphicFramePr>
+        <p:xfrm>
+          <a:off x="633413" y="1828799"/>
+          <a:ext cx="7886700" cy="3474720"/>
+        </p:xfrm>
+        <a:graphic>
+          <a:graphicData uri="http://schemas.openxmlformats.org/drawingml/2006/table">
+            <a:tbl>
+              <a:tblPr firstRow="1" bandRow="1">
+                <a:tableStyleId>{3B4B98B0-60AC-42C2-AFA5-B58CD77FA1E5}</a:tableStyleId>
+              </a:tblPr>
+              <a:tblGrid>
+                <a:gridCol w="2931823">
+                  <a:extLst>
+                    <a:ext uri="{9D8B030D-6E8A-4147-A177-3AD203B41FA5}">
+                      <a16:colId xmlns:a16="http://schemas.microsoft.com/office/drawing/2014/main" val="1572290402"/>
+                    </a:ext>
+                  </a:extLst>
+                </a:gridCol>
+                <a:gridCol w="4954877">
+                  <a:extLst>
+                    <a:ext uri="{9D8B030D-6E8A-4147-A177-3AD203B41FA5}">
+                      <a16:colId xmlns:a16="http://schemas.microsoft.com/office/drawing/2014/main" val="2461103401"/>
+                    </a:ext>
+                  </a:extLst>
+                </a:gridCol>
+              </a:tblGrid>
+              <a:tr h="490847">
+                <a:tc>
+                  <a:txBody>
+                    <a:bodyPr/>
+                    <a:lstStyle/>
+                    <a:p>
+                      <a:pPr algn="ctr"/>
+                      <a:r>
+                        <a:rPr kumimoji="1" lang="en-US" altLang="ja-JP" sz="3200" dirty="0"/>
+                        <a:t>Optimizer</a:t>
+                      </a:r>
+                      <a:endParaRPr kumimoji="1" lang="ja-JP" altLang="en-US" sz="3200" dirty="0"/>
+                    </a:p>
+                  </a:txBody>
+                  <a:tcPr anchor="ctr">
+                    <a:lnL w="12700" cap="flat" cmpd="sng" algn="ctr">
+                      <a:solidFill>
+                        <a:schemeClr val="tx1"/>
+                      </a:solidFill>
+                      <a:prstDash val="solid"/>
+                      <a:round/>
+                      <a:headEnd type="none" w="med" len="med"/>
+                      <a:tailEnd type="none" w="med" len="med"/>
+                    </a:lnL>
+                    <a:lnR w="12700" cap="flat" cmpd="sng" algn="ctr">
+                      <a:solidFill>
+                        <a:schemeClr val="tx1"/>
+                      </a:solidFill>
+                      <a:prstDash val="solid"/>
+                      <a:round/>
+                      <a:headEnd type="none" w="med" len="med"/>
+                      <a:tailEnd type="none" w="med" len="med"/>
+                    </a:lnR>
+                    <a:lnT w="12700" cap="flat" cmpd="sng" algn="ctr">
+                      <a:solidFill>
+                        <a:schemeClr val="tx1"/>
+                      </a:solidFill>
+                      <a:prstDash val="solid"/>
+                      <a:round/>
+                      <a:headEnd type="none" w="med" len="med"/>
+                      <a:tailEnd type="none" w="med" len="med"/>
+                    </a:lnT>
+                    <a:lnB w="12700" cap="flat" cmpd="sng" algn="ctr">
+                      <a:solidFill>
+                        <a:schemeClr val="tx1"/>
+                      </a:solidFill>
+                      <a:prstDash val="solid"/>
+                      <a:round/>
+                      <a:headEnd type="none" w="med" len="med"/>
+                      <a:tailEnd type="none" w="med" len="med"/>
+                    </a:lnB>
+                    <a:solidFill>
+                      <a:schemeClr val="bg1"/>
+                    </a:solidFill>
+                  </a:tcPr>
+                </a:tc>
+                <a:tc>
+                  <a:txBody>
+                    <a:bodyPr/>
+                    <a:lstStyle/>
+                    <a:p>
+                      <a:pPr algn="ctr"/>
+                      <a:r>
+                        <a:rPr kumimoji="1" lang="en-US" altLang="ja-JP" sz="3200" dirty="0"/>
+                        <a:t>SDG</a:t>
+                      </a:r>
+                      <a:endParaRPr kumimoji="1" lang="ja-JP" altLang="en-US" sz="3200" dirty="0"/>
+                    </a:p>
+                  </a:txBody>
+                  <a:tcPr anchor="ctr">
+                    <a:lnL w="12700" cap="flat" cmpd="sng" algn="ctr">
+                      <a:solidFill>
+                        <a:schemeClr val="tx1"/>
+                      </a:solidFill>
+                      <a:prstDash val="solid"/>
+                      <a:round/>
+                      <a:headEnd type="none" w="med" len="med"/>
+                      <a:tailEnd type="none" w="med" len="med"/>
+                    </a:lnL>
+                    <a:lnR w="12700" cap="flat" cmpd="sng" algn="ctr">
+                      <a:solidFill>
+                        <a:schemeClr val="tx1"/>
+                      </a:solidFill>
+                      <a:prstDash val="solid"/>
+                      <a:round/>
+                      <a:headEnd type="none" w="med" len="med"/>
+                      <a:tailEnd type="none" w="med" len="med"/>
+                    </a:lnR>
+                    <a:lnT w="12700" cap="flat" cmpd="sng" algn="ctr">
+                      <a:solidFill>
+                        <a:schemeClr val="tx1"/>
+                      </a:solidFill>
+                      <a:prstDash val="solid"/>
+                      <a:round/>
+                      <a:headEnd type="none" w="med" len="med"/>
+                      <a:tailEnd type="none" w="med" len="med"/>
+                    </a:lnT>
+                    <a:lnB w="12700" cap="flat" cmpd="sng" algn="ctr">
+                      <a:solidFill>
+                        <a:schemeClr val="tx1"/>
+                      </a:solidFill>
+                      <a:prstDash val="solid"/>
+                      <a:round/>
+                      <a:headEnd type="none" w="med" len="med"/>
+                      <a:tailEnd type="none" w="med" len="med"/>
+                    </a:lnB>
+                    <a:solidFill>
+                      <a:schemeClr val="bg1"/>
+                    </a:solidFill>
+                  </a:tcPr>
+                </a:tc>
+                <a:extLst>
+                  <a:ext uri="{0D108BD9-81ED-4DB2-BD59-A6C34878D82A}">
+                    <a16:rowId xmlns:a16="http://schemas.microsoft.com/office/drawing/2014/main" val="2637940663"/>
+                  </a:ext>
+                </a:extLst>
+              </a:tr>
+              <a:tr h="490847">
+                <a:tc>
+                  <a:txBody>
+                    <a:bodyPr/>
+                    <a:lstStyle/>
+                    <a:p>
+                      <a:pPr algn="ctr"/>
+                      <a:r>
+                        <a:rPr kumimoji="1" lang="en-US" altLang="ja-JP" sz="3200" dirty="0"/>
+                        <a:t>momentum</a:t>
+                      </a:r>
+                      <a:endParaRPr kumimoji="1" lang="ja-JP" altLang="en-US" sz="3200" dirty="0"/>
+                    </a:p>
+                  </a:txBody>
+                  <a:tcPr anchor="ctr">
+                    <a:lnL w="12700" cap="flat" cmpd="sng" algn="ctr">
+                      <a:solidFill>
+                        <a:schemeClr val="tx1"/>
+                      </a:solidFill>
+                      <a:prstDash val="solid"/>
+                      <a:round/>
+                      <a:headEnd type="none" w="med" len="med"/>
+                      <a:tailEnd type="none" w="med" len="med"/>
+                    </a:lnL>
+                    <a:lnR w="12700" cap="flat" cmpd="sng" algn="ctr">
+                      <a:solidFill>
+                        <a:schemeClr val="tx1"/>
+                      </a:solidFill>
+                      <a:prstDash val="solid"/>
+                      <a:round/>
+                      <a:headEnd type="none" w="med" len="med"/>
+                      <a:tailEnd type="none" w="med" len="med"/>
+                    </a:lnR>
+                    <a:lnT w="12700" cap="flat" cmpd="sng" algn="ctr">
+                      <a:solidFill>
+                        <a:schemeClr val="tx1"/>
+                      </a:solidFill>
+                      <a:prstDash val="solid"/>
+                      <a:round/>
+                      <a:headEnd type="none" w="med" len="med"/>
+                      <a:tailEnd type="none" w="med" len="med"/>
+                    </a:lnT>
+                    <a:lnB w="12700" cap="flat" cmpd="sng" algn="ctr">
+                      <a:solidFill>
+                        <a:schemeClr val="tx1"/>
+                      </a:solidFill>
+                      <a:prstDash val="solid"/>
+                      <a:round/>
+                      <a:headEnd type="none" w="med" len="med"/>
+                      <a:tailEnd type="none" w="med" len="med"/>
+                    </a:lnB>
+                    <a:solidFill>
+                      <a:schemeClr val="bg1"/>
+                    </a:solidFill>
+                  </a:tcPr>
+                </a:tc>
+                <a:tc>
+                  <a:txBody>
+                    <a:bodyPr/>
+                    <a:lstStyle/>
+                    <a:p>
+                      <a:pPr algn="ctr"/>
+                      <a:r>
+                        <a:rPr kumimoji="1" lang="en-US" altLang="ja-JP" sz="3200" dirty="0"/>
+                        <a:t>0.9</a:t>
+                      </a:r>
+                      <a:endParaRPr kumimoji="1" lang="ja-JP" altLang="en-US" sz="3200" dirty="0"/>
+                    </a:p>
+                  </a:txBody>
+                  <a:tcPr anchor="ctr">
+                    <a:lnL w="12700" cap="flat" cmpd="sng" algn="ctr">
+                      <a:solidFill>
+                        <a:schemeClr val="tx1"/>
+                      </a:solidFill>
+                      <a:prstDash val="solid"/>
+                      <a:round/>
+                      <a:headEnd type="none" w="med" len="med"/>
+                      <a:tailEnd type="none" w="med" len="med"/>
+                    </a:lnL>
+                    <a:lnR w="12700" cap="flat" cmpd="sng" algn="ctr">
+                      <a:solidFill>
+                        <a:schemeClr val="tx1"/>
+                      </a:solidFill>
+                      <a:prstDash val="solid"/>
+                      <a:round/>
+                      <a:headEnd type="none" w="med" len="med"/>
+                      <a:tailEnd type="none" w="med" len="med"/>
+                    </a:lnR>
+                    <a:lnT w="12700" cap="flat" cmpd="sng" algn="ctr">
+                      <a:solidFill>
+                        <a:schemeClr val="tx1"/>
+                      </a:solidFill>
+                      <a:prstDash val="solid"/>
+                      <a:round/>
+                      <a:headEnd type="none" w="med" len="med"/>
+                      <a:tailEnd type="none" w="med" len="med"/>
+                    </a:lnT>
+                    <a:lnB w="12700" cap="flat" cmpd="sng" algn="ctr">
+                      <a:solidFill>
+                        <a:schemeClr val="tx1"/>
+                      </a:solidFill>
+                      <a:prstDash val="solid"/>
+                      <a:round/>
+                      <a:headEnd type="none" w="med" len="med"/>
+                      <a:tailEnd type="none" w="med" len="med"/>
+                    </a:lnB>
+                    <a:solidFill>
+                      <a:schemeClr val="bg1"/>
+                    </a:solidFill>
+                  </a:tcPr>
+                </a:tc>
+                <a:extLst>
+                  <a:ext uri="{0D108BD9-81ED-4DB2-BD59-A6C34878D82A}">
+                    <a16:rowId xmlns:a16="http://schemas.microsoft.com/office/drawing/2014/main" val="2784107619"/>
+                  </a:ext>
+                </a:extLst>
+              </a:tr>
+              <a:tr h="490847">
+                <a:tc>
+                  <a:txBody>
+                    <a:bodyPr/>
+                    <a:lstStyle/>
+                    <a:p>
+                      <a:pPr algn="ctr"/>
+                      <a:r>
+                        <a:rPr kumimoji="1" lang="en-US" altLang="ja-JP" sz="3200" dirty="0" err="1"/>
+                        <a:t>lr</a:t>
+                      </a:r>
+                      <a:endParaRPr kumimoji="1" lang="ja-JP" altLang="en-US" sz="3200" dirty="0"/>
+                    </a:p>
+                  </a:txBody>
+                  <a:tcPr anchor="ctr">
+                    <a:lnL w="12700" cap="flat" cmpd="sng" algn="ctr">
+                      <a:solidFill>
+                        <a:schemeClr val="tx1"/>
+                      </a:solidFill>
+                      <a:prstDash val="solid"/>
+                      <a:round/>
+                      <a:headEnd type="none" w="med" len="med"/>
+                      <a:tailEnd type="none" w="med" len="med"/>
+                    </a:lnL>
+                    <a:lnR w="12700" cap="flat" cmpd="sng" algn="ctr">
+                      <a:solidFill>
+                        <a:schemeClr val="tx1"/>
+                      </a:solidFill>
+                      <a:prstDash val="solid"/>
+                      <a:round/>
+                      <a:headEnd type="none" w="med" len="med"/>
+                      <a:tailEnd type="none" w="med" len="med"/>
+                    </a:lnR>
+                    <a:lnT w="12700" cap="flat" cmpd="sng" algn="ctr">
+                      <a:solidFill>
+                        <a:schemeClr val="tx1"/>
+                      </a:solidFill>
+                      <a:prstDash val="solid"/>
+                      <a:round/>
+                      <a:headEnd type="none" w="med" len="med"/>
+                      <a:tailEnd type="none" w="med" len="med"/>
+                    </a:lnT>
+                    <a:lnB w="12700" cap="flat" cmpd="sng" algn="ctr">
+                      <a:solidFill>
+                        <a:schemeClr val="tx1"/>
+                      </a:solidFill>
+                      <a:prstDash val="solid"/>
+                      <a:round/>
+                      <a:headEnd type="none" w="med" len="med"/>
+                      <a:tailEnd type="none" w="med" len="med"/>
+                    </a:lnB>
+                    <a:solidFill>
+                      <a:schemeClr val="bg1"/>
+                    </a:solidFill>
+                  </a:tcPr>
+                </a:tc>
+                <a:tc>
+                  <a:txBody>
+                    <a:bodyPr/>
+                    <a:lstStyle/>
+                    <a:p>
+                      <a:pPr algn="ctr"/>
+                      <a:r>
+                        <a:rPr kumimoji="1" lang="en-US" altLang="ja-JP" sz="3200" dirty="0"/>
+                        <a:t>0.001</a:t>
+                      </a:r>
+                      <a:endParaRPr kumimoji="1" lang="ja-JP" altLang="en-US" sz="3200" dirty="0"/>
+                    </a:p>
+                  </a:txBody>
+                  <a:tcPr anchor="ctr">
+                    <a:lnL w="12700" cap="flat" cmpd="sng" algn="ctr">
+                      <a:solidFill>
+                        <a:schemeClr val="tx1"/>
+                      </a:solidFill>
+                      <a:prstDash val="solid"/>
+                      <a:round/>
+                      <a:headEnd type="none" w="med" len="med"/>
+                      <a:tailEnd type="none" w="med" len="med"/>
+                    </a:lnL>
+                    <a:lnR w="12700" cap="flat" cmpd="sng" algn="ctr">
+                      <a:solidFill>
+                        <a:schemeClr val="tx1"/>
+                      </a:solidFill>
+                      <a:prstDash val="solid"/>
+                      <a:round/>
+                      <a:headEnd type="none" w="med" len="med"/>
+                      <a:tailEnd type="none" w="med" len="med"/>
+                    </a:lnR>
+                    <a:lnT w="12700" cap="flat" cmpd="sng" algn="ctr">
+                      <a:solidFill>
+                        <a:schemeClr val="tx1"/>
+                      </a:solidFill>
+                      <a:prstDash val="solid"/>
+                      <a:round/>
+                      <a:headEnd type="none" w="med" len="med"/>
+                      <a:tailEnd type="none" w="med" len="med"/>
+                    </a:lnT>
+                    <a:lnB w="12700" cap="flat" cmpd="sng" algn="ctr">
+                      <a:solidFill>
+                        <a:schemeClr val="tx1"/>
+                      </a:solidFill>
+                      <a:prstDash val="solid"/>
+                      <a:round/>
+                      <a:headEnd type="none" w="med" len="med"/>
+                      <a:tailEnd type="none" w="med" len="med"/>
+                    </a:lnB>
+                    <a:solidFill>
+                      <a:schemeClr val="bg1"/>
+                    </a:solidFill>
+                  </a:tcPr>
+                </a:tc>
+                <a:extLst>
+                  <a:ext uri="{0D108BD9-81ED-4DB2-BD59-A6C34878D82A}">
+                    <a16:rowId xmlns:a16="http://schemas.microsoft.com/office/drawing/2014/main" val="1467394789"/>
+                  </a:ext>
+                </a:extLst>
+              </a:tr>
+              <a:tr h="490847">
+                <a:tc>
+                  <a:txBody>
+                    <a:bodyPr/>
+                    <a:lstStyle/>
+                    <a:p>
+                      <a:pPr algn="ctr"/>
+                      <a:r>
+                        <a:rPr kumimoji="1" lang="en-US" altLang="ja-JP" sz="3200" dirty="0"/>
+                        <a:t>Loss</a:t>
+                      </a:r>
+                      <a:endParaRPr kumimoji="1" lang="ja-JP" altLang="en-US" sz="3200" dirty="0"/>
+                    </a:p>
+                  </a:txBody>
+                  <a:tcPr anchor="ctr">
+                    <a:lnL w="12700" cap="flat" cmpd="sng" algn="ctr">
+                      <a:solidFill>
+                        <a:schemeClr val="tx1"/>
+                      </a:solidFill>
+                      <a:prstDash val="solid"/>
+                      <a:round/>
+                      <a:headEnd type="none" w="med" len="med"/>
+                      <a:tailEnd type="none" w="med" len="med"/>
+                    </a:lnL>
+                    <a:lnR w="12700" cap="flat" cmpd="sng" algn="ctr">
+                      <a:solidFill>
+                        <a:schemeClr val="tx1"/>
+                      </a:solidFill>
+                      <a:prstDash val="solid"/>
+                      <a:round/>
+                      <a:headEnd type="none" w="med" len="med"/>
+                      <a:tailEnd type="none" w="med" len="med"/>
+                    </a:lnR>
+                    <a:lnT w="12700" cap="flat" cmpd="sng" algn="ctr">
+                      <a:solidFill>
+                        <a:schemeClr val="tx1"/>
+                      </a:solidFill>
+                      <a:prstDash val="solid"/>
+                      <a:round/>
+                      <a:headEnd type="none" w="med" len="med"/>
+                      <a:tailEnd type="none" w="med" len="med"/>
+                    </a:lnT>
+                    <a:lnB w="12700" cap="flat" cmpd="sng" algn="ctr">
+                      <a:solidFill>
+                        <a:schemeClr val="tx1"/>
+                      </a:solidFill>
+                      <a:prstDash val="solid"/>
+                      <a:round/>
+                      <a:headEnd type="none" w="med" len="med"/>
+                      <a:tailEnd type="none" w="med" len="med"/>
+                    </a:lnB>
+                    <a:solidFill>
+                      <a:schemeClr val="bg1"/>
+                    </a:solidFill>
+                  </a:tcPr>
+                </a:tc>
+                <a:tc>
+                  <a:txBody>
+                    <a:bodyPr/>
+                    <a:lstStyle/>
+                    <a:p>
+                      <a:pPr algn="ctr"/>
+                      <a:r>
+                        <a:rPr kumimoji="1" lang="en-US" altLang="ja-JP" sz="3200" dirty="0"/>
+                        <a:t>Cross Entropy Loss </a:t>
+                      </a:r>
+                      <a:endParaRPr kumimoji="1" lang="ja-JP" altLang="en-US" sz="3200" dirty="0"/>
+                    </a:p>
+                  </a:txBody>
+                  <a:tcPr anchor="ctr">
+                    <a:lnL w="12700" cap="flat" cmpd="sng" algn="ctr">
+                      <a:solidFill>
+                        <a:schemeClr val="tx1"/>
+                      </a:solidFill>
+                      <a:prstDash val="solid"/>
+                      <a:round/>
+                      <a:headEnd type="none" w="med" len="med"/>
+                      <a:tailEnd type="none" w="med" len="med"/>
+                    </a:lnL>
+                    <a:lnR w="12700" cap="flat" cmpd="sng" algn="ctr">
+                      <a:solidFill>
+                        <a:schemeClr val="tx1"/>
+                      </a:solidFill>
+                      <a:prstDash val="solid"/>
+                      <a:round/>
+                      <a:headEnd type="none" w="med" len="med"/>
+                      <a:tailEnd type="none" w="med" len="med"/>
+                    </a:lnR>
+                    <a:lnT w="12700" cap="flat" cmpd="sng" algn="ctr">
+                      <a:solidFill>
+                        <a:schemeClr val="tx1"/>
+                      </a:solidFill>
+                      <a:prstDash val="solid"/>
+                      <a:round/>
+                      <a:headEnd type="none" w="med" len="med"/>
+                      <a:tailEnd type="none" w="med" len="med"/>
+                    </a:lnT>
+                    <a:lnB w="12700" cap="flat" cmpd="sng" algn="ctr">
+                      <a:solidFill>
+                        <a:schemeClr val="tx1"/>
+                      </a:solidFill>
+                      <a:prstDash val="solid"/>
+                      <a:round/>
+                      <a:headEnd type="none" w="med" len="med"/>
+                      <a:tailEnd type="none" w="med" len="med"/>
+                    </a:lnB>
+                    <a:solidFill>
+                      <a:schemeClr val="bg1"/>
+                    </a:solidFill>
+                  </a:tcPr>
+                </a:tc>
+                <a:extLst>
+                  <a:ext uri="{0D108BD9-81ED-4DB2-BD59-A6C34878D82A}">
+                    <a16:rowId xmlns:a16="http://schemas.microsoft.com/office/drawing/2014/main" val="65829591"/>
+                  </a:ext>
+                </a:extLst>
+              </a:tr>
+              <a:tr h="490847">
+                <a:tc>
+                  <a:txBody>
+                    <a:bodyPr/>
+                    <a:lstStyle/>
+                    <a:p>
+                      <a:pPr algn="ctr"/>
+                      <a:r>
+                        <a:rPr kumimoji="1" lang="en-US" altLang="ja-JP" sz="3200" dirty="0"/>
+                        <a:t>batch size </a:t>
+                      </a:r>
+                      <a:endParaRPr kumimoji="1" lang="ja-JP" altLang="en-US" sz="3200" dirty="0"/>
+                    </a:p>
+                  </a:txBody>
+                  <a:tcPr anchor="ctr">
+                    <a:lnL w="12700" cap="flat" cmpd="sng" algn="ctr">
+                      <a:solidFill>
+                        <a:schemeClr val="tx1"/>
+                      </a:solidFill>
+                      <a:prstDash val="solid"/>
+                      <a:round/>
+                      <a:headEnd type="none" w="med" len="med"/>
+                      <a:tailEnd type="none" w="med" len="med"/>
+                    </a:lnL>
+                    <a:lnR w="12700" cap="flat" cmpd="sng" algn="ctr">
+                      <a:solidFill>
+                        <a:schemeClr val="tx1"/>
+                      </a:solidFill>
+                      <a:prstDash val="solid"/>
+                      <a:round/>
+                      <a:headEnd type="none" w="med" len="med"/>
+                      <a:tailEnd type="none" w="med" len="med"/>
+                    </a:lnR>
+                    <a:lnT w="12700" cap="flat" cmpd="sng" algn="ctr">
+                      <a:solidFill>
+                        <a:schemeClr val="tx1"/>
+                      </a:solidFill>
+                      <a:prstDash val="solid"/>
+                      <a:round/>
+                      <a:headEnd type="none" w="med" len="med"/>
+                      <a:tailEnd type="none" w="med" len="med"/>
+                    </a:lnT>
+                    <a:lnB w="12700" cap="flat" cmpd="sng" algn="ctr">
+                      <a:solidFill>
+                        <a:schemeClr val="tx1"/>
+                      </a:solidFill>
+                      <a:prstDash val="solid"/>
+                      <a:round/>
+                      <a:headEnd type="none" w="med" len="med"/>
+                      <a:tailEnd type="none" w="med" len="med"/>
+                    </a:lnB>
+                    <a:solidFill>
+                      <a:schemeClr val="bg1"/>
+                    </a:solidFill>
+                  </a:tcPr>
+                </a:tc>
+                <a:tc>
+                  <a:txBody>
+                    <a:bodyPr/>
+                    <a:lstStyle/>
+                    <a:p>
+                      <a:pPr algn="ctr"/>
+                      <a:r>
+                        <a:rPr kumimoji="1" lang="en-US" altLang="ja-JP" sz="3200" dirty="0"/>
+                        <a:t>64</a:t>
+                      </a:r>
+                      <a:endParaRPr kumimoji="1" lang="ja-JP" altLang="en-US" sz="3200" dirty="0"/>
+                    </a:p>
+                  </a:txBody>
+                  <a:tcPr anchor="ctr">
+                    <a:lnL w="12700" cap="flat" cmpd="sng" algn="ctr">
+                      <a:solidFill>
+                        <a:schemeClr val="tx1"/>
+                      </a:solidFill>
+                      <a:prstDash val="solid"/>
+                      <a:round/>
+                      <a:headEnd type="none" w="med" len="med"/>
+                      <a:tailEnd type="none" w="med" len="med"/>
+                    </a:lnL>
+                    <a:lnR w="12700" cap="flat" cmpd="sng" algn="ctr">
+                      <a:solidFill>
+                        <a:schemeClr val="tx1"/>
+                      </a:solidFill>
+                      <a:prstDash val="solid"/>
+                      <a:round/>
+                      <a:headEnd type="none" w="med" len="med"/>
+                      <a:tailEnd type="none" w="med" len="med"/>
+                    </a:lnR>
+                    <a:lnT w="12700" cap="flat" cmpd="sng" algn="ctr">
+                      <a:solidFill>
+                        <a:schemeClr val="tx1"/>
+                      </a:solidFill>
+                      <a:prstDash val="solid"/>
+                      <a:round/>
+                      <a:headEnd type="none" w="med" len="med"/>
+                      <a:tailEnd type="none" w="med" len="med"/>
+                    </a:lnT>
+                    <a:lnB w="12700" cap="flat" cmpd="sng" algn="ctr">
+                      <a:solidFill>
+                        <a:schemeClr val="tx1"/>
+                      </a:solidFill>
+                      <a:prstDash val="solid"/>
+                      <a:round/>
+                      <a:headEnd type="none" w="med" len="med"/>
+                      <a:tailEnd type="none" w="med" len="med"/>
+                    </a:lnB>
+                    <a:solidFill>
+                      <a:schemeClr val="bg1"/>
+                    </a:solidFill>
+                  </a:tcPr>
+                </a:tc>
+                <a:extLst>
+                  <a:ext uri="{0D108BD9-81ED-4DB2-BD59-A6C34878D82A}">
+                    <a16:rowId xmlns:a16="http://schemas.microsoft.com/office/drawing/2014/main" val="1071808799"/>
+                  </a:ext>
+                </a:extLst>
+              </a:tr>
+              <a:tr h="490847">
+                <a:tc>
+                  <a:txBody>
+                    <a:bodyPr/>
+                    <a:lstStyle/>
+                    <a:p>
+                      <a:pPr algn="ctr"/>
+                      <a:r>
+                        <a:rPr kumimoji="1" lang="en-US" altLang="ja-JP" sz="3200" dirty="0"/>
+                        <a:t>epoch</a:t>
+                      </a:r>
+                      <a:endParaRPr kumimoji="1" lang="ja-JP" altLang="en-US" sz="3200" dirty="0"/>
+                    </a:p>
+                  </a:txBody>
+                  <a:tcPr anchor="ctr">
+                    <a:lnL w="12700" cap="flat" cmpd="sng" algn="ctr">
+                      <a:solidFill>
+                        <a:schemeClr val="tx1"/>
+                      </a:solidFill>
+                      <a:prstDash val="solid"/>
+                      <a:round/>
+                      <a:headEnd type="none" w="med" len="med"/>
+                      <a:tailEnd type="none" w="med" len="med"/>
+                    </a:lnL>
+                    <a:lnR w="12700" cap="flat" cmpd="sng" algn="ctr">
+                      <a:solidFill>
+                        <a:schemeClr val="tx1"/>
+                      </a:solidFill>
+                      <a:prstDash val="solid"/>
+                      <a:round/>
+                      <a:headEnd type="none" w="med" len="med"/>
+                      <a:tailEnd type="none" w="med" len="med"/>
+                    </a:lnR>
+                    <a:lnT w="12700" cap="flat" cmpd="sng" algn="ctr">
+                      <a:solidFill>
+                        <a:schemeClr val="tx1"/>
+                      </a:solidFill>
+                      <a:prstDash val="solid"/>
+                      <a:round/>
+                      <a:headEnd type="none" w="med" len="med"/>
+                      <a:tailEnd type="none" w="med" len="med"/>
+                    </a:lnT>
+                    <a:lnB w="12700" cap="flat" cmpd="sng" algn="ctr">
+                      <a:solidFill>
+                        <a:schemeClr val="tx1"/>
+                      </a:solidFill>
+                      <a:prstDash val="solid"/>
+                      <a:round/>
+                      <a:headEnd type="none" w="med" len="med"/>
+                      <a:tailEnd type="none" w="med" len="med"/>
+                    </a:lnB>
+                    <a:solidFill>
+                      <a:schemeClr val="bg1"/>
+                    </a:solidFill>
+                  </a:tcPr>
+                </a:tc>
+                <a:tc>
+                  <a:txBody>
+                    <a:bodyPr/>
+                    <a:lstStyle/>
+                    <a:p>
+                      <a:pPr algn="ctr"/>
+                      <a:r>
+                        <a:rPr kumimoji="1" lang="en-US" altLang="ja-JP" sz="3200" dirty="0"/>
+                        <a:t>100</a:t>
+                      </a:r>
+                      <a:endParaRPr kumimoji="1" lang="ja-JP" altLang="en-US" sz="3200" dirty="0"/>
+                    </a:p>
+                  </a:txBody>
+                  <a:tcPr anchor="ctr">
+                    <a:lnL w="12700" cap="flat" cmpd="sng" algn="ctr">
+                      <a:solidFill>
+                        <a:schemeClr val="tx1"/>
+                      </a:solidFill>
+                      <a:prstDash val="solid"/>
+                      <a:round/>
+                      <a:headEnd type="none" w="med" len="med"/>
+                      <a:tailEnd type="none" w="med" len="med"/>
+                    </a:lnL>
+                    <a:lnR w="12700" cap="flat" cmpd="sng" algn="ctr">
+                      <a:solidFill>
+                        <a:schemeClr val="tx1"/>
+                      </a:solidFill>
+                      <a:prstDash val="solid"/>
+                      <a:round/>
+                      <a:headEnd type="none" w="med" len="med"/>
+                      <a:tailEnd type="none" w="med" len="med"/>
+                    </a:lnR>
+                    <a:lnT w="12700" cap="flat" cmpd="sng" algn="ctr">
+                      <a:solidFill>
+                        <a:schemeClr val="tx1"/>
+                      </a:solidFill>
+                      <a:prstDash val="solid"/>
+                      <a:round/>
+                      <a:headEnd type="none" w="med" len="med"/>
+                      <a:tailEnd type="none" w="med" len="med"/>
+                    </a:lnT>
+                    <a:lnB w="12700" cap="flat" cmpd="sng" algn="ctr">
+                      <a:solidFill>
+                        <a:schemeClr val="tx1"/>
+                      </a:solidFill>
+                      <a:prstDash val="solid"/>
+                      <a:round/>
+                      <a:headEnd type="none" w="med" len="med"/>
+                      <a:tailEnd type="none" w="med" len="med"/>
+                    </a:lnB>
+                    <a:solidFill>
+                      <a:schemeClr val="bg1"/>
+                    </a:solidFill>
+                  </a:tcPr>
+                </a:tc>
+                <a:extLst>
+                  <a:ext uri="{0D108BD9-81ED-4DB2-BD59-A6C34878D82A}">
+                    <a16:rowId xmlns:a16="http://schemas.microsoft.com/office/drawing/2014/main" val="174031941"/>
+                  </a:ext>
+                </a:extLst>
+              </a:tr>
+            </a:tbl>
+          </a:graphicData>
+        </a:graphic>
+      </p:graphicFrame>
+      <p:sp>
+        <p:nvSpPr>
+          <p:cNvPr id="4" name="スライド番号プレースホルダー 3">
+            <a:extLst>
+              <a:ext uri="{FF2B5EF4-FFF2-40B4-BE49-F238E27FC236}">
+                <a16:creationId xmlns:a16="http://schemas.microsoft.com/office/drawing/2014/main" id="{4DECE8ED-0DDE-4815-BF0A-8124AE881282}"/>
+              </a:ext>
+            </a:extLst>
+          </p:cNvPr>
+          <p:cNvSpPr>
+            <a:spLocks noGrp="1"/>
+          </p:cNvSpPr>
+          <p:nvPr>
+            <p:ph type="sldNum" sz="quarter" idx="12"/>
+          </p:nvPr>
+        </p:nvSpPr>
+        <p:spPr/>
+        <p:txBody>
+          <a:bodyPr/>
+          <a:lstStyle/>
+          <a:p>
+            <a:fld id="{C4CD1851-4943-4D29-B153-35642A3D04B9}" type="slidenum">
+              <a:rPr kumimoji="1" lang="ja-JP" altLang="en-US" smtClean="0"/>
+              <a:t>18</a:t>
+            </a:fld>
+            <a:endParaRPr kumimoji="1" lang="ja-JP" altLang="en-US"/>
+          </a:p>
+        </p:txBody>
+      </p:sp>
+    </p:spTree>
+    <p:extLst>
+      <p:ext uri="{BB962C8B-B14F-4D97-AF65-F5344CB8AC3E}">
+        <p14:creationId xmlns:p14="http://schemas.microsoft.com/office/powerpoint/2010/main" val="910558311"/>
+      </p:ext>
+    </p:extLst>
+  </p:cSld>
+  <p:clrMapOvr>
+    <a:masterClrMapping/>
+  </p:clrMapOvr>
+</p:sld>
+</file>
+
+<file path=ppt/slides/slide19.xml><?xml version="1.0" encoding="utf-8"?>
+<p:sld xmlns:a="http://schemas.openxmlformats.org/drawingml/2006/main" xmlns:r="http://schemas.openxmlformats.org/officeDocument/2006/relationships" xmlns:p="http://schemas.openxmlformats.org/presentationml/2006/main">
+  <p:cSld>
+    <p:spTree>
+      <p:nvGrpSpPr>
+        <p:cNvPr id="1" name=""/>
+        <p:cNvGrpSpPr/>
+        <p:nvPr/>
+      </p:nvGrpSpPr>
+      <p:grpSpPr>
+        <a:xfrm>
+          <a:off x="0" y="0"/>
+          <a:ext cx="0" cy="0"/>
+          <a:chOff x="0" y="0"/>
+          <a:chExt cx="0" cy="0"/>
+        </a:xfrm>
+      </p:grpSpPr>
+      <p:sp>
+        <p:nvSpPr>
+          <p:cNvPr id="2" name="タイトル 1">
+            <a:extLst>
+              <a:ext uri="{FF2B5EF4-FFF2-40B4-BE49-F238E27FC236}">
+                <a16:creationId xmlns:a16="http://schemas.microsoft.com/office/drawing/2014/main" id="{20D81EEE-473B-45A1-8F0D-286E0BB8C4EC}"/>
+              </a:ext>
+            </a:extLst>
+          </p:cNvPr>
+          <p:cNvSpPr>
+            <a:spLocks noGrp="1"/>
+          </p:cNvSpPr>
+          <p:nvPr>
+            <p:ph type="title"/>
+          </p:nvPr>
+        </p:nvSpPr>
+        <p:spPr/>
+        <p:txBody>
+          <a:bodyPr/>
+          <a:lstStyle/>
+          <a:p>
+            <a:r>
+              <a:rPr kumimoji="1" lang="ja-JP" altLang="en-US" dirty="0"/>
+              <a:t>実験２</a:t>
+            </a:r>
+          </a:p>
+        </p:txBody>
+      </p:sp>
+      <p:sp>
+        <p:nvSpPr>
+          <p:cNvPr id="3" name="コンテンツ プレースホルダー 2">
+            <a:extLst>
+              <a:ext uri="{FF2B5EF4-FFF2-40B4-BE49-F238E27FC236}">
+                <a16:creationId xmlns:a16="http://schemas.microsoft.com/office/drawing/2014/main" id="{718478E5-A116-481C-A147-295E443B8BB0}"/>
+              </a:ext>
+            </a:extLst>
+          </p:cNvPr>
+          <p:cNvSpPr>
+            <a:spLocks noGrp="1"/>
+          </p:cNvSpPr>
+          <p:nvPr>
+            <p:ph idx="1"/>
+          </p:nvPr>
+        </p:nvSpPr>
+        <p:spPr/>
+        <p:txBody>
+          <a:bodyPr/>
+          <a:lstStyle/>
+          <a:p>
+            <a:r>
+              <a:rPr kumimoji="1" lang="ja-JP" altLang="en-US" dirty="0"/>
+              <a:t>手法</a:t>
+            </a:r>
+            <a:endParaRPr kumimoji="1" lang="en-US" altLang="ja-JP" dirty="0"/>
+          </a:p>
+          <a:p>
+            <a:r>
+              <a:rPr lang="ja-JP" altLang="en-US" dirty="0"/>
+              <a:t>あるクラスの分類を複数のモデルで行うことで</a:t>
+            </a:r>
+            <a:r>
+              <a:rPr lang="en-US" altLang="ja-JP" dirty="0"/>
+              <a:t>, </a:t>
+            </a:r>
+            <a:r>
+              <a:rPr lang="ja-JP" altLang="en-US" dirty="0"/>
+              <a:t>実験</a:t>
+            </a:r>
+            <a:r>
+              <a:rPr lang="en-US" altLang="ja-JP" dirty="0"/>
+              <a:t>1</a:t>
+            </a:r>
+            <a:r>
+              <a:rPr lang="ja-JP" altLang="en-US" dirty="0"/>
+              <a:t>より高い精度の獲得を目指した</a:t>
+            </a:r>
+            <a:r>
+              <a:rPr lang="en-US" altLang="ja-JP" dirty="0"/>
+              <a:t>.</a:t>
+            </a:r>
+          </a:p>
+          <a:p>
+            <a:r>
+              <a:rPr lang="en-US" altLang="ja-JP" dirty="0"/>
+              <a:t>7</a:t>
+            </a:r>
+            <a:r>
+              <a:rPr lang="ja-JP" altLang="en-US" dirty="0"/>
+              <a:t>クラスを持つサブデータセットを</a:t>
+            </a:r>
+            <a:r>
+              <a:rPr lang="en-US" altLang="ja-JP" dirty="0"/>
+              <a:t>3</a:t>
+            </a:r>
+            <a:r>
+              <a:rPr lang="ja-JP" altLang="en-US" dirty="0"/>
+              <a:t>つ作成し</a:t>
+            </a:r>
+            <a:r>
+              <a:rPr lang="en-US" altLang="ja-JP" dirty="0"/>
+              <a:t>, </a:t>
+            </a:r>
+            <a:r>
+              <a:rPr lang="ja-JP" altLang="en-US" dirty="0"/>
+              <a:t>学習するモデルをそれぞれ</a:t>
+            </a:r>
+            <a:r>
+              <a:rPr lang="en-US" altLang="ja-JP" dirty="0"/>
+              <a:t>A, B, C</a:t>
+            </a:r>
+            <a:r>
+              <a:rPr lang="ja-JP" altLang="en-US" dirty="0"/>
+              <a:t>とした</a:t>
+            </a:r>
+            <a:r>
+              <a:rPr lang="en-US" altLang="ja-JP" dirty="0"/>
+              <a:t>.</a:t>
+            </a:r>
+          </a:p>
+          <a:p>
+            <a:r>
+              <a:rPr lang="ja-JP" altLang="en-US" dirty="0"/>
+              <a:t>各データセットのクラスは</a:t>
+            </a:r>
+            <a:r>
+              <a:rPr lang="en-US" altLang="ja-JP" dirty="0"/>
+              <a:t>, 2</a:t>
+            </a:r>
+            <a:r>
+              <a:rPr lang="ja-JP" altLang="en-US" dirty="0"/>
+              <a:t>つ以上の分類器でクラスを推定できるように振り分けた</a:t>
+            </a:r>
+            <a:r>
+              <a:rPr lang="en-US" altLang="ja-JP" dirty="0"/>
+              <a:t>.</a:t>
+            </a:r>
+            <a:endParaRPr kumimoji="1" lang="ja-JP" altLang="en-US" dirty="0"/>
+          </a:p>
+        </p:txBody>
+      </p:sp>
+      <p:sp>
+        <p:nvSpPr>
+          <p:cNvPr id="4" name="スライド番号プレースホルダー 3">
+            <a:extLst>
+              <a:ext uri="{FF2B5EF4-FFF2-40B4-BE49-F238E27FC236}">
+                <a16:creationId xmlns:a16="http://schemas.microsoft.com/office/drawing/2014/main" id="{C065733B-D842-4061-9EC8-03E2A5D6BF06}"/>
+              </a:ext>
+            </a:extLst>
+          </p:cNvPr>
+          <p:cNvSpPr>
+            <a:spLocks noGrp="1"/>
+          </p:cNvSpPr>
+          <p:nvPr>
+            <p:ph type="sldNum" sz="quarter" idx="12"/>
+          </p:nvPr>
+        </p:nvSpPr>
+        <p:spPr/>
+        <p:txBody>
+          <a:bodyPr/>
+          <a:lstStyle/>
+          <a:p>
+            <a:fld id="{C4CD1851-4943-4D29-B153-35642A3D04B9}" type="slidenum">
+              <a:rPr kumimoji="1" lang="ja-JP" altLang="en-US" smtClean="0"/>
+              <a:t>19</a:t>
+            </a:fld>
+            <a:endParaRPr kumimoji="1" lang="ja-JP" altLang="en-US"/>
+          </a:p>
+        </p:txBody>
+      </p:sp>
+    </p:spTree>
+    <p:extLst>
+      <p:ext uri="{BB962C8B-B14F-4D97-AF65-F5344CB8AC3E}">
+        <p14:creationId xmlns:p14="http://schemas.microsoft.com/office/powerpoint/2010/main" val="2056463254"/>
       </p:ext>
     </p:extLst>
   </p:cSld>
@@ -7718,6 +9876,798 @@
 </p:sld>
 </file>
 
+<file path=ppt/slides/slide20.xml><?xml version="1.0" encoding="utf-8"?>
+<p:sld xmlns:a="http://schemas.openxmlformats.org/drawingml/2006/main" xmlns:r="http://schemas.openxmlformats.org/officeDocument/2006/relationships" xmlns:p="http://schemas.openxmlformats.org/presentationml/2006/main">
+  <p:cSld>
+    <p:spTree>
+      <p:nvGrpSpPr>
+        <p:cNvPr id="1" name=""/>
+        <p:cNvGrpSpPr/>
+        <p:nvPr/>
+      </p:nvGrpSpPr>
+      <p:grpSpPr>
+        <a:xfrm>
+          <a:off x="0" y="0"/>
+          <a:ext cx="0" cy="0"/>
+          <a:chOff x="0" y="0"/>
+          <a:chExt cx="0" cy="0"/>
+        </a:xfrm>
+      </p:grpSpPr>
+      <p:sp>
+        <p:nvSpPr>
+          <p:cNvPr id="2" name="タイトル 1">
+            <a:extLst>
+              <a:ext uri="{FF2B5EF4-FFF2-40B4-BE49-F238E27FC236}">
+                <a16:creationId xmlns:a16="http://schemas.microsoft.com/office/drawing/2014/main" id="{5495397F-B76B-447A-9E18-6DB34BB29CF2}"/>
+              </a:ext>
+            </a:extLst>
+          </p:cNvPr>
+          <p:cNvSpPr>
+            <a:spLocks noGrp="1"/>
+          </p:cNvSpPr>
+          <p:nvPr>
+            <p:ph type="title"/>
+          </p:nvPr>
+        </p:nvSpPr>
+        <p:spPr/>
+        <p:txBody>
+          <a:bodyPr/>
+          <a:lstStyle/>
+          <a:p>
+            <a:endParaRPr kumimoji="1" lang="ja-JP" altLang="en-US"/>
+          </a:p>
+        </p:txBody>
+      </p:sp>
+      <p:pic>
+        <p:nvPicPr>
+          <p:cNvPr id="6" name="コンテンツ プレースホルダー 5">
+            <a:extLst>
+              <a:ext uri="{FF2B5EF4-FFF2-40B4-BE49-F238E27FC236}">
+                <a16:creationId xmlns:a16="http://schemas.microsoft.com/office/drawing/2014/main" id="{DCAA0EFD-AA4C-4C06-BB90-CE80CED35017}"/>
+              </a:ext>
+            </a:extLst>
+          </p:cNvPr>
+          <p:cNvPicPr>
+            <a:picLocks noGrp="1" noChangeAspect="1"/>
+          </p:cNvPicPr>
+          <p:nvPr>
+            <p:ph idx="1"/>
+          </p:nvPr>
+        </p:nvPicPr>
+        <p:blipFill>
+          <a:blip r:embed="rId2">
+            <a:extLst>
+              <a:ext uri="{28A0092B-C50C-407E-A947-70E740481C1C}">
+                <a14:useLocalDpi xmlns:a14="http://schemas.microsoft.com/office/drawing/2010/main" val="0"/>
+              </a:ext>
+            </a:extLst>
+          </a:blip>
+          <a:stretch>
+            <a:fillRect/>
+          </a:stretch>
+        </p:blipFill>
+        <p:spPr>
+          <a:xfrm>
+            <a:off x="875609" y="1427830"/>
+            <a:ext cx="7392782" cy="4928521"/>
+          </a:xfrm>
+        </p:spPr>
+      </p:pic>
+      <p:sp>
+        <p:nvSpPr>
+          <p:cNvPr id="4" name="スライド番号プレースホルダー 3">
+            <a:extLst>
+              <a:ext uri="{FF2B5EF4-FFF2-40B4-BE49-F238E27FC236}">
+                <a16:creationId xmlns:a16="http://schemas.microsoft.com/office/drawing/2014/main" id="{886CEAB1-9D21-43DB-B646-E110F71EB11E}"/>
+              </a:ext>
+            </a:extLst>
+          </p:cNvPr>
+          <p:cNvSpPr>
+            <a:spLocks noGrp="1"/>
+          </p:cNvSpPr>
+          <p:nvPr>
+            <p:ph type="sldNum" sz="quarter" idx="12"/>
+          </p:nvPr>
+        </p:nvSpPr>
+        <p:spPr/>
+        <p:txBody>
+          <a:bodyPr/>
+          <a:lstStyle/>
+          <a:p>
+            <a:fld id="{C4CD1851-4943-4D29-B153-35642A3D04B9}" type="slidenum">
+              <a:rPr kumimoji="1" lang="ja-JP" altLang="en-US" smtClean="0"/>
+              <a:t>20</a:t>
+            </a:fld>
+            <a:endParaRPr kumimoji="1" lang="ja-JP" altLang="en-US"/>
+          </a:p>
+        </p:txBody>
+      </p:sp>
+    </p:spTree>
+    <p:extLst>
+      <p:ext uri="{BB962C8B-B14F-4D97-AF65-F5344CB8AC3E}">
+        <p14:creationId xmlns:p14="http://schemas.microsoft.com/office/powerpoint/2010/main" val="3604123368"/>
+      </p:ext>
+    </p:extLst>
+  </p:cSld>
+  <p:clrMapOvr>
+    <a:masterClrMapping/>
+  </p:clrMapOvr>
+</p:sld>
+</file>
+
+<file path=ppt/slides/slide21.xml><?xml version="1.0" encoding="utf-8"?>
+<p:sld xmlns:a="http://schemas.openxmlformats.org/drawingml/2006/main" xmlns:r="http://schemas.openxmlformats.org/officeDocument/2006/relationships" xmlns:p="http://schemas.openxmlformats.org/presentationml/2006/main">
+  <p:cSld>
+    <p:spTree>
+      <p:nvGrpSpPr>
+        <p:cNvPr id="1" name=""/>
+        <p:cNvGrpSpPr/>
+        <p:nvPr/>
+      </p:nvGrpSpPr>
+      <p:grpSpPr>
+        <a:xfrm>
+          <a:off x="0" y="0"/>
+          <a:ext cx="0" cy="0"/>
+          <a:chOff x="0" y="0"/>
+          <a:chExt cx="0" cy="0"/>
+        </a:xfrm>
+      </p:grpSpPr>
+      <p:sp>
+        <p:nvSpPr>
+          <p:cNvPr id="2" name="タイトル 1">
+            <a:extLst>
+              <a:ext uri="{FF2B5EF4-FFF2-40B4-BE49-F238E27FC236}">
+                <a16:creationId xmlns:a16="http://schemas.microsoft.com/office/drawing/2014/main" id="{72D5F55E-D313-4F13-BC8E-AF840B011EEE}"/>
+              </a:ext>
+            </a:extLst>
+          </p:cNvPr>
+          <p:cNvSpPr>
+            <a:spLocks noGrp="1"/>
+          </p:cNvSpPr>
+          <p:nvPr>
+            <p:ph type="title"/>
+          </p:nvPr>
+        </p:nvSpPr>
+        <p:spPr/>
+        <p:txBody>
+          <a:bodyPr/>
+          <a:lstStyle/>
+          <a:p>
+            <a:r>
+              <a:rPr kumimoji="1" lang="ja-JP" altLang="en-US" dirty="0"/>
+              <a:t>考察</a:t>
+            </a:r>
+          </a:p>
+        </p:txBody>
+      </p:sp>
+      <p:sp>
+        <p:nvSpPr>
+          <p:cNvPr id="3" name="コンテンツ プレースホルダー 2">
+            <a:extLst>
+              <a:ext uri="{FF2B5EF4-FFF2-40B4-BE49-F238E27FC236}">
+                <a16:creationId xmlns:a16="http://schemas.microsoft.com/office/drawing/2014/main" id="{4797259C-80EA-4E7F-B802-B94B565EECAD}"/>
+              </a:ext>
+            </a:extLst>
+          </p:cNvPr>
+          <p:cNvSpPr>
+            <a:spLocks noGrp="1"/>
+          </p:cNvSpPr>
+          <p:nvPr>
+            <p:ph idx="1"/>
+          </p:nvPr>
+        </p:nvSpPr>
+        <p:spPr/>
+        <p:txBody>
+          <a:bodyPr>
+            <a:normAutofit fontScale="92500" lnSpcReduction="20000"/>
+          </a:bodyPr>
+          <a:lstStyle/>
+          <a:p>
+            <a:r>
+              <a:rPr lang="ja-JP" altLang="en-US" dirty="0"/>
+              <a:t>実験</a:t>
+            </a:r>
+            <a:r>
+              <a:rPr lang="en-US" altLang="ja-JP" dirty="0"/>
+              <a:t>1</a:t>
+            </a:r>
+            <a:r>
+              <a:rPr lang="ja-JP" altLang="en-US" dirty="0"/>
+              <a:t>ではクラスを拡張したデータセットでの</a:t>
+            </a:r>
+            <a:r>
+              <a:rPr lang="en-US" altLang="ja-JP" dirty="0"/>
+              <a:t>, </a:t>
+            </a:r>
+            <a:r>
+              <a:rPr lang="ja-JP" altLang="en-US" dirty="0"/>
+              <a:t>モデルの結合の有効性を見た</a:t>
+            </a:r>
+            <a:r>
+              <a:rPr lang="en-US" altLang="ja-JP" dirty="0"/>
+              <a:t>.</a:t>
+            </a:r>
+          </a:p>
+          <a:p>
+            <a:r>
+              <a:rPr lang="ja-JP" altLang="en-US" dirty="0"/>
+              <a:t>実験</a:t>
+            </a:r>
+            <a:r>
+              <a:rPr lang="en-US" altLang="ja-JP" dirty="0"/>
+              <a:t>2</a:t>
+            </a:r>
+            <a:r>
+              <a:rPr lang="ja-JP" altLang="en-US" dirty="0"/>
+              <a:t>では分類の結果を重ね合わせることで</a:t>
+            </a:r>
+            <a:r>
+              <a:rPr lang="en-US" altLang="ja-JP" dirty="0"/>
+              <a:t>, </a:t>
+            </a:r>
+            <a:r>
+              <a:rPr lang="ja-JP" altLang="en-US" dirty="0"/>
+              <a:t>テスト精度が非常に高まることが分かった</a:t>
+            </a:r>
+            <a:r>
+              <a:rPr lang="en-US" altLang="ja-JP" dirty="0"/>
+              <a:t>.</a:t>
+            </a:r>
+          </a:p>
+          <a:p>
+            <a:endParaRPr lang="en-US" altLang="ja-JP" dirty="0"/>
+          </a:p>
+          <a:p>
+            <a:r>
+              <a:rPr lang="ja-JP" altLang="en-US" dirty="0"/>
+              <a:t>色情報の似た画像クラスを含めることで効果的に</a:t>
+            </a:r>
+            <a:r>
+              <a:rPr lang="en-US" altLang="ja-JP" dirty="0"/>
+              <a:t>, </a:t>
+            </a:r>
+            <a:r>
+              <a:rPr lang="ja-JP" altLang="en-US" dirty="0"/>
+              <a:t>形状的特徴を学習するように促すなど</a:t>
+            </a:r>
+            <a:r>
+              <a:rPr lang="en-US" altLang="ja-JP" dirty="0"/>
+              <a:t>, </a:t>
+            </a:r>
+            <a:r>
+              <a:rPr lang="ja-JP" altLang="en-US" dirty="0"/>
+              <a:t>データセットの統合におけるクラスの組み合わせに関する問題を考えたい？</a:t>
+            </a:r>
+          </a:p>
+          <a:p>
+            <a:endParaRPr lang="ja-JP" altLang="en-US" dirty="0"/>
+          </a:p>
+          <a:p>
+            <a:r>
+              <a:rPr lang="ja-JP" altLang="en-US" dirty="0"/>
+              <a:t>図</a:t>
+            </a:r>
+            <a:r>
+              <a:rPr lang="en-US" altLang="ja-JP" dirty="0"/>
+              <a:t>\ref{fig:accuracy5}, \ref{fig:accuracy7}</a:t>
+            </a:r>
+            <a:r>
+              <a:rPr lang="ja-JP" altLang="en-US" dirty="0"/>
+              <a:t>ともにインデックスが前半のクラスを持つモデルでは</a:t>
+            </a:r>
+            <a:r>
+              <a:rPr lang="en-US" altLang="ja-JP" dirty="0"/>
+              <a:t>, </a:t>
+            </a:r>
+            <a:r>
+              <a:rPr lang="ja-JP" altLang="en-US" dirty="0"/>
+              <a:t>正答率が低い傾向が見られた</a:t>
+            </a:r>
+            <a:r>
+              <a:rPr lang="en-US" altLang="ja-JP" dirty="0"/>
+              <a:t>. </a:t>
+            </a:r>
+            <a:r>
+              <a:rPr lang="ja-JP" altLang="en-US" dirty="0"/>
+              <a:t>再度学習を行っても変わらなかったため誤差の影響ではなく</a:t>
+            </a:r>
+            <a:r>
+              <a:rPr lang="en-US" altLang="ja-JP" dirty="0"/>
+              <a:t>, </a:t>
+            </a:r>
+            <a:r>
+              <a:rPr lang="ja-JP" altLang="en-US" dirty="0"/>
+              <a:t>困難なクラスの分類によって精度が下がっていると考えられる</a:t>
+            </a:r>
+            <a:r>
+              <a:rPr lang="en-US" altLang="ja-JP" dirty="0"/>
+              <a:t>. </a:t>
+            </a:r>
+            <a:r>
+              <a:rPr lang="ja-JP" altLang="en-US" dirty="0"/>
+              <a:t>これはクラスを単純に分割したことによる偏りに原因がある</a:t>
+            </a:r>
+            <a:r>
+              <a:rPr lang="en-US" altLang="ja-JP" dirty="0"/>
+              <a:t>.</a:t>
+            </a:r>
+          </a:p>
+          <a:p>
+            <a:endParaRPr lang="en-US" altLang="ja-JP" dirty="0"/>
+          </a:p>
+          <a:p>
+            <a:r>
+              <a:rPr lang="ja-JP" altLang="en-US" dirty="0"/>
+              <a:t>様々なクラスの組み合わせパターンで実験することで</a:t>
+            </a:r>
+            <a:r>
+              <a:rPr lang="en-US" altLang="ja-JP" dirty="0"/>
+              <a:t>, </a:t>
+            </a:r>
+            <a:r>
+              <a:rPr lang="ja-JP" altLang="en-US" dirty="0"/>
+              <a:t>クラスの潜在的な識別難度や</a:t>
+            </a:r>
+            <a:r>
+              <a:rPr lang="en-US" altLang="ja-JP" dirty="0"/>
+              <a:t>, </a:t>
+            </a:r>
+            <a:r>
+              <a:rPr lang="ja-JP" altLang="en-US" dirty="0"/>
+              <a:t>類似クラス間の識別における相互作用などを確かめたい</a:t>
+            </a:r>
+            <a:r>
+              <a:rPr lang="en-US" altLang="ja-JP" dirty="0"/>
+              <a:t>.</a:t>
+            </a:r>
+            <a:endParaRPr kumimoji="1" lang="ja-JP" altLang="en-US" dirty="0"/>
+          </a:p>
+        </p:txBody>
+      </p:sp>
+      <p:sp>
+        <p:nvSpPr>
+          <p:cNvPr id="4" name="スライド番号プレースホルダー 3">
+            <a:extLst>
+              <a:ext uri="{FF2B5EF4-FFF2-40B4-BE49-F238E27FC236}">
+                <a16:creationId xmlns:a16="http://schemas.microsoft.com/office/drawing/2014/main" id="{89B08487-13EB-4F11-A47C-5F15BFC44304}"/>
+              </a:ext>
+            </a:extLst>
+          </p:cNvPr>
+          <p:cNvSpPr>
+            <a:spLocks noGrp="1"/>
+          </p:cNvSpPr>
+          <p:nvPr>
+            <p:ph type="sldNum" sz="quarter" idx="12"/>
+          </p:nvPr>
+        </p:nvSpPr>
+        <p:spPr/>
+        <p:txBody>
+          <a:bodyPr/>
+          <a:lstStyle/>
+          <a:p>
+            <a:fld id="{C4CD1851-4943-4D29-B153-35642A3D04B9}" type="slidenum">
+              <a:rPr kumimoji="1" lang="ja-JP" altLang="en-US" smtClean="0"/>
+              <a:t>21</a:t>
+            </a:fld>
+            <a:endParaRPr kumimoji="1" lang="ja-JP" altLang="en-US"/>
+          </a:p>
+        </p:txBody>
+      </p:sp>
+    </p:spTree>
+    <p:extLst>
+      <p:ext uri="{BB962C8B-B14F-4D97-AF65-F5344CB8AC3E}">
+        <p14:creationId xmlns:p14="http://schemas.microsoft.com/office/powerpoint/2010/main" val="1205427189"/>
+      </p:ext>
+    </p:extLst>
+  </p:cSld>
+  <p:clrMapOvr>
+    <a:masterClrMapping/>
+  </p:clrMapOvr>
+</p:sld>
+</file>
+
+<file path=ppt/slides/slide22.xml><?xml version="1.0" encoding="utf-8"?>
+<p:sld xmlns:a="http://schemas.openxmlformats.org/drawingml/2006/main" xmlns:r="http://schemas.openxmlformats.org/officeDocument/2006/relationships" xmlns:p="http://schemas.openxmlformats.org/presentationml/2006/main">
+  <p:cSld>
+    <p:spTree>
+      <p:nvGrpSpPr>
+        <p:cNvPr id="1" name=""/>
+        <p:cNvGrpSpPr/>
+        <p:nvPr/>
+      </p:nvGrpSpPr>
+      <p:grpSpPr>
+        <a:xfrm>
+          <a:off x="0" y="0"/>
+          <a:ext cx="0" cy="0"/>
+          <a:chOff x="0" y="0"/>
+          <a:chExt cx="0" cy="0"/>
+        </a:xfrm>
+      </p:grpSpPr>
+      <p:sp>
+        <p:nvSpPr>
+          <p:cNvPr id="2" name="タイトル 1">
+            <a:extLst>
+              <a:ext uri="{FF2B5EF4-FFF2-40B4-BE49-F238E27FC236}">
+                <a16:creationId xmlns:a16="http://schemas.microsoft.com/office/drawing/2014/main" id="{5DA1EEB7-4CAE-4943-A89E-46AA1FEB1793}"/>
+              </a:ext>
+            </a:extLst>
+          </p:cNvPr>
+          <p:cNvSpPr>
+            <a:spLocks noGrp="1"/>
+          </p:cNvSpPr>
+          <p:nvPr>
+            <p:ph type="title"/>
+          </p:nvPr>
+        </p:nvSpPr>
+        <p:spPr/>
+        <p:txBody>
+          <a:bodyPr/>
+          <a:lstStyle/>
+          <a:p>
+            <a:r>
+              <a:rPr kumimoji="1" lang="ja-JP" altLang="en-US" dirty="0"/>
+              <a:t>まとめ</a:t>
+            </a:r>
+          </a:p>
+        </p:txBody>
+      </p:sp>
+      <p:sp>
+        <p:nvSpPr>
+          <p:cNvPr id="3" name="コンテンツ プレースホルダー 2">
+            <a:extLst>
+              <a:ext uri="{FF2B5EF4-FFF2-40B4-BE49-F238E27FC236}">
+                <a16:creationId xmlns:a16="http://schemas.microsoft.com/office/drawing/2014/main" id="{E1759CCB-DED3-4CA6-829B-0C3FCB41E636}"/>
+              </a:ext>
+            </a:extLst>
+          </p:cNvPr>
+          <p:cNvSpPr>
+            <a:spLocks noGrp="1"/>
+          </p:cNvSpPr>
+          <p:nvPr>
+            <p:ph idx="1"/>
+          </p:nvPr>
+        </p:nvSpPr>
+        <p:spPr/>
+        <p:txBody>
+          <a:bodyPr/>
+          <a:lstStyle/>
+          <a:p>
+            <a:endParaRPr kumimoji="1" lang="ja-JP" altLang="en-US"/>
+          </a:p>
+        </p:txBody>
+      </p:sp>
+      <p:sp>
+        <p:nvSpPr>
+          <p:cNvPr id="4" name="スライド番号プレースホルダー 3">
+            <a:extLst>
+              <a:ext uri="{FF2B5EF4-FFF2-40B4-BE49-F238E27FC236}">
+                <a16:creationId xmlns:a16="http://schemas.microsoft.com/office/drawing/2014/main" id="{3BBEF9FA-EC0B-4EF6-9D3A-A66F44722485}"/>
+              </a:ext>
+            </a:extLst>
+          </p:cNvPr>
+          <p:cNvSpPr>
+            <a:spLocks noGrp="1"/>
+          </p:cNvSpPr>
+          <p:nvPr>
+            <p:ph type="sldNum" sz="quarter" idx="12"/>
+          </p:nvPr>
+        </p:nvSpPr>
+        <p:spPr/>
+        <p:txBody>
+          <a:bodyPr/>
+          <a:lstStyle/>
+          <a:p>
+            <a:fld id="{C4CD1851-4943-4D29-B153-35642A3D04B9}" type="slidenum">
+              <a:rPr kumimoji="1" lang="ja-JP" altLang="en-US" smtClean="0"/>
+              <a:t>22</a:t>
+            </a:fld>
+            <a:endParaRPr kumimoji="1" lang="ja-JP" altLang="en-US"/>
+          </a:p>
+        </p:txBody>
+      </p:sp>
+    </p:spTree>
+    <p:extLst>
+      <p:ext uri="{BB962C8B-B14F-4D97-AF65-F5344CB8AC3E}">
+        <p14:creationId xmlns:p14="http://schemas.microsoft.com/office/powerpoint/2010/main" val="3866001232"/>
+      </p:ext>
+    </p:extLst>
+  </p:cSld>
+  <p:clrMapOvr>
+    <a:masterClrMapping/>
+  </p:clrMapOvr>
+</p:sld>
+</file>
+
+<file path=ppt/slides/slide23.xml><?xml version="1.0" encoding="utf-8"?>
+<p:sld xmlns:a="http://schemas.openxmlformats.org/drawingml/2006/main" xmlns:r="http://schemas.openxmlformats.org/officeDocument/2006/relationships" xmlns:p="http://schemas.openxmlformats.org/presentationml/2006/main">
+  <p:cSld>
+    <p:spTree>
+      <p:nvGrpSpPr>
+        <p:cNvPr id="1" name=""/>
+        <p:cNvGrpSpPr/>
+        <p:nvPr/>
+      </p:nvGrpSpPr>
+      <p:grpSpPr>
+        <a:xfrm>
+          <a:off x="0" y="0"/>
+          <a:ext cx="0" cy="0"/>
+          <a:chOff x="0" y="0"/>
+          <a:chExt cx="0" cy="0"/>
+        </a:xfrm>
+      </p:grpSpPr>
+      <p:sp>
+        <p:nvSpPr>
+          <p:cNvPr id="2" name="タイトル 1">
+            <a:extLst>
+              <a:ext uri="{FF2B5EF4-FFF2-40B4-BE49-F238E27FC236}">
+                <a16:creationId xmlns:a16="http://schemas.microsoft.com/office/drawing/2014/main" id="{84B84D90-756A-4079-A579-FFE3F23C2A62}"/>
+              </a:ext>
+            </a:extLst>
+          </p:cNvPr>
+          <p:cNvSpPr>
+            <a:spLocks noGrp="1"/>
+          </p:cNvSpPr>
+          <p:nvPr>
+            <p:ph type="title"/>
+          </p:nvPr>
+        </p:nvSpPr>
+        <p:spPr/>
+        <p:txBody>
+          <a:bodyPr/>
+          <a:lstStyle/>
+          <a:p>
+            <a:r>
+              <a:rPr kumimoji="1" lang="ja-JP" altLang="en-US" dirty="0"/>
+              <a:t>今後の課題</a:t>
+            </a:r>
+          </a:p>
+        </p:txBody>
+      </p:sp>
+      <p:sp>
+        <p:nvSpPr>
+          <p:cNvPr id="3" name="コンテンツ プレースホルダー 2">
+            <a:extLst>
+              <a:ext uri="{FF2B5EF4-FFF2-40B4-BE49-F238E27FC236}">
+                <a16:creationId xmlns:a16="http://schemas.microsoft.com/office/drawing/2014/main" id="{BA5DAA0D-9E0B-4036-A085-039E2E9D93BC}"/>
+              </a:ext>
+            </a:extLst>
+          </p:cNvPr>
+          <p:cNvSpPr>
+            <a:spLocks noGrp="1"/>
+          </p:cNvSpPr>
+          <p:nvPr>
+            <p:ph idx="1"/>
+          </p:nvPr>
+        </p:nvSpPr>
+        <p:spPr/>
+        <p:txBody>
+          <a:bodyPr/>
+          <a:lstStyle/>
+          <a:p>
+            <a:r>
+              <a:rPr lang="ja-JP" altLang="en-US" dirty="0"/>
+              <a:t>今後の展望として</a:t>
+            </a:r>
+            <a:r>
+              <a:rPr lang="en-US" altLang="ja-JP" dirty="0"/>
+              <a:t>, ~</a:t>
+            </a:r>
+            <a:r>
+              <a:rPr lang="ja-JP" altLang="en-US" dirty="0" err="1"/>
+              <a:t>らの</a:t>
+            </a:r>
+            <a:r>
+              <a:rPr lang="ja-JP" altLang="en-US" dirty="0"/>
+              <a:t>論文中</a:t>
+            </a:r>
+            <a:r>
+              <a:rPr lang="en-US" altLang="ja-JP" dirty="0"/>
+              <a:t>\cite{ANAS}</a:t>
+            </a:r>
+            <a:r>
+              <a:rPr lang="ja-JP" altLang="en-US" dirty="0"/>
+              <a:t>のモデルを再現する</a:t>
+            </a:r>
+            <a:r>
+              <a:rPr lang="en-US" altLang="ja-JP" dirty="0"/>
+              <a:t>, </a:t>
+            </a:r>
+            <a:r>
+              <a:rPr lang="ja-JP" altLang="en-US" dirty="0"/>
+              <a:t>ネットワークの構造を探索する</a:t>
+            </a:r>
+            <a:r>
+              <a:rPr lang="en-US" altLang="ja-JP" dirty="0"/>
+              <a:t>NAS</a:t>
+            </a:r>
+            <a:r>
+              <a:rPr lang="ja-JP" altLang="en-US" dirty="0"/>
+              <a:t>ファミリのシステムを実装し</a:t>
+            </a:r>
+            <a:r>
+              <a:rPr lang="en-US" altLang="ja-JP" dirty="0"/>
+              <a:t>,</a:t>
+            </a:r>
+          </a:p>
+          <a:p>
+            <a:r>
+              <a:rPr lang="ja-JP" altLang="en-US" dirty="0"/>
+              <a:t>簡単な問題で動作実験を行うことで</a:t>
+            </a:r>
+            <a:r>
+              <a:rPr lang="en-US" altLang="ja-JP" dirty="0"/>
+              <a:t>, NAS</a:t>
+            </a:r>
+            <a:r>
+              <a:rPr lang="ja-JP" altLang="en-US" dirty="0"/>
+              <a:t>の理解を深めたい</a:t>
+            </a:r>
+            <a:r>
+              <a:rPr lang="en-US" altLang="ja-JP" dirty="0"/>
+              <a:t>.</a:t>
+            </a:r>
+            <a:endParaRPr kumimoji="1" lang="ja-JP" altLang="en-US" dirty="0"/>
+          </a:p>
+        </p:txBody>
+      </p:sp>
+      <p:sp>
+        <p:nvSpPr>
+          <p:cNvPr id="4" name="スライド番号プレースホルダー 3">
+            <a:extLst>
+              <a:ext uri="{FF2B5EF4-FFF2-40B4-BE49-F238E27FC236}">
+                <a16:creationId xmlns:a16="http://schemas.microsoft.com/office/drawing/2014/main" id="{A31FADAA-47C8-4E15-9A57-ECC9BCFA0CBC}"/>
+              </a:ext>
+            </a:extLst>
+          </p:cNvPr>
+          <p:cNvSpPr>
+            <a:spLocks noGrp="1"/>
+          </p:cNvSpPr>
+          <p:nvPr>
+            <p:ph type="sldNum" sz="quarter" idx="12"/>
+          </p:nvPr>
+        </p:nvSpPr>
+        <p:spPr/>
+        <p:txBody>
+          <a:bodyPr/>
+          <a:lstStyle/>
+          <a:p>
+            <a:fld id="{C4CD1851-4943-4D29-B153-35642A3D04B9}" type="slidenum">
+              <a:rPr kumimoji="1" lang="ja-JP" altLang="en-US" smtClean="0"/>
+              <a:t>23</a:t>
+            </a:fld>
+            <a:endParaRPr kumimoji="1" lang="ja-JP" altLang="en-US"/>
+          </a:p>
+        </p:txBody>
+      </p:sp>
+    </p:spTree>
+    <p:extLst>
+      <p:ext uri="{BB962C8B-B14F-4D97-AF65-F5344CB8AC3E}">
+        <p14:creationId xmlns:p14="http://schemas.microsoft.com/office/powerpoint/2010/main" val="3218343016"/>
+      </p:ext>
+    </p:extLst>
+  </p:cSld>
+  <p:clrMapOvr>
+    <a:masterClrMapping/>
+  </p:clrMapOvr>
+</p:sld>
+</file>
+
+<file path=ppt/slides/slide24.xml><?xml version="1.0" encoding="utf-8"?>
+<p:sld xmlns:a="http://schemas.openxmlformats.org/drawingml/2006/main" xmlns:r="http://schemas.openxmlformats.org/officeDocument/2006/relationships" xmlns:p="http://schemas.openxmlformats.org/presentationml/2006/main">
+  <p:cSld>
+    <p:spTree>
+      <p:nvGrpSpPr>
+        <p:cNvPr id="1" name=""/>
+        <p:cNvGrpSpPr/>
+        <p:nvPr/>
+      </p:nvGrpSpPr>
+      <p:grpSpPr>
+        <a:xfrm>
+          <a:off x="0" y="0"/>
+          <a:ext cx="0" cy="0"/>
+          <a:chOff x="0" y="0"/>
+          <a:chExt cx="0" cy="0"/>
+        </a:xfrm>
+      </p:grpSpPr>
+      <p:sp>
+        <p:nvSpPr>
+          <p:cNvPr id="2" name="タイトル 1">
+            <a:extLst>
+              <a:ext uri="{FF2B5EF4-FFF2-40B4-BE49-F238E27FC236}">
+                <a16:creationId xmlns:a16="http://schemas.microsoft.com/office/drawing/2014/main" id="{4DEB8DA1-BA47-4BC9-A475-561F144AE0AD}"/>
+              </a:ext>
+            </a:extLst>
+          </p:cNvPr>
+          <p:cNvSpPr>
+            <a:spLocks noGrp="1"/>
+          </p:cNvSpPr>
+          <p:nvPr>
+            <p:ph type="title"/>
+          </p:nvPr>
+        </p:nvSpPr>
+        <p:spPr/>
+        <p:txBody>
+          <a:bodyPr/>
+          <a:lstStyle/>
+          <a:p>
+            <a:r>
+              <a:rPr lang="ja-JP" altLang="en-US" dirty="0"/>
+              <a:t>ご清聴ありがとうございました</a:t>
+            </a:r>
+            <a:endParaRPr kumimoji="1" lang="ja-JP" altLang="en-US" dirty="0"/>
+          </a:p>
+        </p:txBody>
+      </p:sp>
+      <p:sp>
+        <p:nvSpPr>
+          <p:cNvPr id="3" name="コンテンツ プレースホルダー 2">
+            <a:extLst>
+              <a:ext uri="{FF2B5EF4-FFF2-40B4-BE49-F238E27FC236}">
+                <a16:creationId xmlns:a16="http://schemas.microsoft.com/office/drawing/2014/main" id="{DB068CA5-C6B4-4C4B-94D1-D40D714FE2C1}"/>
+              </a:ext>
+            </a:extLst>
+          </p:cNvPr>
+          <p:cNvSpPr>
+            <a:spLocks noGrp="1"/>
+          </p:cNvSpPr>
+          <p:nvPr>
+            <p:ph idx="1"/>
+          </p:nvPr>
+        </p:nvSpPr>
+        <p:spPr/>
+        <p:txBody>
+          <a:bodyPr/>
+          <a:lstStyle/>
+          <a:p>
+            <a:r>
+              <a:rPr kumimoji="1" lang="ja-JP" altLang="en-US" dirty="0"/>
+              <a:t>（参考資料？）</a:t>
+            </a:r>
+          </a:p>
+        </p:txBody>
+      </p:sp>
+      <p:sp>
+        <p:nvSpPr>
+          <p:cNvPr id="4" name="スライド番号プレースホルダー 3">
+            <a:extLst>
+              <a:ext uri="{FF2B5EF4-FFF2-40B4-BE49-F238E27FC236}">
+                <a16:creationId xmlns:a16="http://schemas.microsoft.com/office/drawing/2014/main" id="{E7E7C3AE-6284-4CA9-A9BA-CEE05734DD46}"/>
+              </a:ext>
+            </a:extLst>
+          </p:cNvPr>
+          <p:cNvSpPr>
+            <a:spLocks noGrp="1"/>
+          </p:cNvSpPr>
+          <p:nvPr>
+            <p:ph type="sldNum" sz="quarter" idx="12"/>
+          </p:nvPr>
+        </p:nvSpPr>
+        <p:spPr/>
+        <p:txBody>
+          <a:bodyPr/>
+          <a:lstStyle/>
+          <a:p>
+            <a:fld id="{C4CD1851-4943-4D29-B153-35642A3D04B9}" type="slidenum">
+              <a:rPr kumimoji="1" lang="ja-JP" altLang="en-US" smtClean="0"/>
+              <a:t>24</a:t>
+            </a:fld>
+            <a:endParaRPr kumimoji="1" lang="ja-JP" altLang="en-US"/>
+          </a:p>
+        </p:txBody>
+      </p:sp>
+    </p:spTree>
+    <p:extLst>
+      <p:ext uri="{BB962C8B-B14F-4D97-AF65-F5344CB8AC3E}">
+        <p14:creationId xmlns:p14="http://schemas.microsoft.com/office/powerpoint/2010/main" val="1397153132"/>
+      </p:ext>
+    </p:extLst>
+  </p:cSld>
+  <p:clrMapOvr>
+    <a:masterClrMapping/>
+  </p:clrMapOvr>
+</p:sld>
+</file>
+
 <file path=ppt/slides/slide3.xml><?xml version="1.0" encoding="utf-8"?>
 <p:sld xmlns:a="http://schemas.openxmlformats.org/drawingml/2006/main" xmlns:r="http://schemas.openxmlformats.org/officeDocument/2006/relationships" xmlns:p="http://schemas.openxmlformats.org/presentationml/2006/main">
   <p:cSld>
@@ -7784,6 +10734,26 @@
           <a:bodyPr/>
           <a:lstStyle/>
           <a:p>
+            <a:r>
+              <a:rPr kumimoji="1" lang="en-US" altLang="ja-JP" dirty="0"/>
+              <a:t>DNN</a:t>
+            </a:r>
+          </a:p>
+          <a:p>
+            <a:r>
+              <a:rPr lang="ja-JP" altLang="en-US" dirty="0"/>
+              <a:t>画像・音声・自然言語</a:t>
+            </a:r>
+            <a:endParaRPr lang="en-US" altLang="ja-JP" dirty="0"/>
+          </a:p>
+          <a:p>
+            <a:endParaRPr kumimoji="1" lang="en-US" altLang="ja-JP" dirty="0"/>
+          </a:p>
+          <a:p>
+            <a:r>
+              <a:rPr lang="ja-JP" altLang="en-US" dirty="0"/>
+              <a:t>設計は手作業</a:t>
+            </a:r>
             <a:endParaRPr kumimoji="1" lang="ja-JP" altLang="en-US" dirty="0"/>
           </a:p>
         </p:txBody>
@@ -8026,7 +10996,41 @@
           <a:bodyPr/>
           <a:lstStyle/>
           <a:p>
-            <a:endParaRPr kumimoji="1" lang="ja-JP" altLang="en-US"/>
+            <a:r>
+              <a:rPr lang="ja-JP" altLang="en-US" dirty="0"/>
+              <a:t>機械学習モデルの設計を自動化</a:t>
+            </a:r>
+            <a:endParaRPr lang="en-US" altLang="ja-JP" dirty="0"/>
+          </a:p>
+          <a:p>
+            <a:endParaRPr kumimoji="1" lang="en-US" altLang="ja-JP" dirty="0"/>
+          </a:p>
+          <a:p>
+            <a:r>
+              <a:rPr lang="ja-JP" altLang="en-US" dirty="0"/>
+              <a:t>時間コストの削減・性能の向上</a:t>
+            </a:r>
+          </a:p>
+          <a:p>
+            <a:r>
+              <a:rPr lang="ja-JP" altLang="en-US" dirty="0"/>
+              <a:t>アルゴリズムの評価</a:t>
+            </a:r>
+            <a:r>
+              <a:rPr lang="en-US" altLang="ja-JP" dirty="0"/>
+              <a:t>, </a:t>
+            </a:r>
+            <a:r>
+              <a:rPr lang="ja-JP" altLang="en-US" dirty="0"/>
+              <a:t>比較のためパラメータの最適性の影響を緩和</a:t>
+            </a:r>
+          </a:p>
+          <a:p>
+            <a:r>
+              <a:rPr lang="ja-JP" altLang="en-US" dirty="0"/>
+              <a:t>パラメータが与える影響の知識の必要性を排除</a:t>
+            </a:r>
+            <a:endParaRPr kumimoji="1" lang="ja-JP" altLang="en-US" dirty="0"/>
           </a:p>
         </p:txBody>
       </p:sp>
@@ -8094,7 +11098,7 @@
           <p:cNvPr id="2" name="タイトル 1">
             <a:extLst>
               <a:ext uri="{FF2B5EF4-FFF2-40B4-BE49-F238E27FC236}">
-                <a16:creationId xmlns:a16="http://schemas.microsoft.com/office/drawing/2014/main" id="{0DAA3F36-11D2-427C-892C-247ACF30EA79}"/>
+                <a16:creationId xmlns:a16="http://schemas.microsoft.com/office/drawing/2014/main" id="{71A87B42-59F8-4803-9068-00B1AAFA3B7B}"/>
               </a:ext>
             </a:extLst>
           </p:cNvPr>
@@ -8111,10 +11115,16 @@
           <a:lstStyle/>
           <a:p>
             <a:r>
+              <a:rPr kumimoji="1" lang="en-US" altLang="ja-JP" dirty="0" err="1"/>
+              <a:t>AutoML</a:t>
+            </a:r>
+            <a:br>
               <a:rPr kumimoji="1" lang="en-US" altLang="ja-JP" dirty="0"/>
-              <a:t>NAS</a:t>
-            </a:r>
-            <a:endParaRPr kumimoji="1" lang="ja-JP" altLang="en-US" dirty="0"/>
+            </a:br>
+            <a:r>
+              <a:rPr kumimoji="1" lang="ja-JP" altLang="en-US" dirty="0"/>
+              <a:t>主要カテゴリ</a:t>
+            </a:r>
           </a:p>
         </p:txBody>
       </p:sp>
@@ -8123,7 +11133,7 @@
           <p:cNvPr id="3" name="コンテンツ プレースホルダー 2">
             <a:extLst>
               <a:ext uri="{FF2B5EF4-FFF2-40B4-BE49-F238E27FC236}">
-                <a16:creationId xmlns:a16="http://schemas.microsoft.com/office/drawing/2014/main" id="{476CA458-F77F-467F-87F8-3EC6D31AF016}"/>
+                <a16:creationId xmlns:a16="http://schemas.microsoft.com/office/drawing/2014/main" id="{CBCAC2EE-9EEC-4FC1-B42A-0F5DB1F2F32A}"/>
               </a:ext>
             </a:extLst>
           </p:cNvPr>
@@ -8136,10 +11146,117 @@
         </p:nvSpPr>
         <p:spPr/>
         <p:txBody>
-          <a:bodyPr/>
-          <a:lstStyle/>
-          <a:p>
-            <a:endParaRPr kumimoji="1" lang="ja-JP" altLang="en-US"/>
+          <a:bodyPr>
+            <a:normAutofit lnSpcReduction="10000"/>
+          </a:bodyPr>
+          <a:lstStyle/>
+          <a:p>
+            <a:r>
+              <a:rPr lang="ja-JP" altLang="en-US" dirty="0"/>
+              <a:t>単純な生成・評価法</a:t>
+            </a:r>
+            <a:endParaRPr lang="en-US" altLang="ja-JP" dirty="0"/>
+          </a:p>
+          <a:p>
+            <a:r>
+              <a:rPr lang="en-US" altLang="ja-JP" dirty="0"/>
+              <a:t>  </a:t>
+            </a:r>
+            <a:r>
+              <a:rPr lang="ja-JP" altLang="en-US" dirty="0"/>
+              <a:t>生成段階で候補となる設定を生成</a:t>
+            </a:r>
+            <a:r>
+              <a:rPr lang="en-US" altLang="ja-JP" dirty="0"/>
+              <a:t>, </a:t>
+            </a:r>
+            <a:r>
+              <a:rPr lang="ja-JP" altLang="en-US" dirty="0"/>
+              <a:t>評価段階で評価して最適な設定を見つける手法</a:t>
+            </a:r>
+            <a:r>
+              <a:rPr lang="en-US" altLang="ja-JP" dirty="0"/>
+              <a:t>.</a:t>
+            </a:r>
+          </a:p>
+          <a:p>
+            <a:endParaRPr lang="en-US" altLang="ja-JP" dirty="0"/>
+          </a:p>
+          <a:p>
+            <a:r>
+              <a:rPr lang="ja-JP" altLang="en-US" dirty="0"/>
+              <a:t>反復的生成・評価法</a:t>
+            </a:r>
+            <a:endParaRPr lang="en-US" altLang="ja-JP" dirty="0"/>
+          </a:p>
+          <a:p>
+            <a:r>
+              <a:rPr lang="en-US" altLang="ja-JP" dirty="0"/>
+              <a:t>  </a:t>
+            </a:r>
+            <a:r>
+              <a:rPr lang="ja-JP" altLang="en-US" dirty="0"/>
+              <a:t>少数の設定を生成して</a:t>
+            </a:r>
+            <a:r>
+              <a:rPr lang="en-US" altLang="ja-JP" dirty="0"/>
+              <a:t>, </a:t>
+            </a:r>
+            <a:r>
+              <a:rPr lang="ja-JP" altLang="en-US" dirty="0"/>
+              <a:t>最も優れたものをみつけ</a:t>
+            </a:r>
+            <a:r>
+              <a:rPr lang="en-US" altLang="ja-JP" dirty="0"/>
+              <a:t>, </a:t>
+            </a:r>
+            <a:r>
+              <a:rPr lang="ja-JP" altLang="en-US" dirty="0"/>
+              <a:t>反復的に生成する新しい設定の指針とする手法</a:t>
+            </a:r>
+            <a:r>
+              <a:rPr lang="en-US" altLang="ja-JP" dirty="0"/>
+              <a:t>.</a:t>
+            </a:r>
+          </a:p>
+          <a:p>
+            <a:endParaRPr lang="en-US" altLang="ja-JP" dirty="0"/>
+          </a:p>
+          <a:p>
+            <a:r>
+              <a:rPr lang="ja-JP" altLang="en-US" dirty="0"/>
+              <a:t>高レベルの生成・評価方法</a:t>
+            </a:r>
+            <a:endParaRPr lang="en-US" altLang="ja-JP" dirty="0"/>
+          </a:p>
+          <a:p>
+            <a:r>
+              <a:rPr lang="en-US" altLang="ja-JP" dirty="0"/>
+              <a:t>  </a:t>
+            </a:r>
+            <a:r>
+              <a:rPr lang="ja-JP" altLang="en-US" dirty="0"/>
+              <a:t>高レベル生成機構として既存の自動パラメータチューニング手法や探索手法を持ち</a:t>
+            </a:r>
+            <a:r>
+              <a:rPr lang="en-US" altLang="ja-JP" dirty="0"/>
+              <a:t>,</a:t>
+            </a:r>
+          </a:p>
+          <a:p>
+            <a:r>
+              <a:rPr lang="en-US" altLang="ja-JP" dirty="0"/>
+              <a:t>  </a:t>
+            </a:r>
+            <a:r>
+              <a:rPr lang="ja-JP" altLang="en-US" dirty="0"/>
+              <a:t>少数精鋭の設定を生成し評価段階では慎重に評価する手法</a:t>
+            </a:r>
+            <a:r>
+              <a:rPr lang="en-US" altLang="ja-JP" dirty="0"/>
+              <a:t>.</a:t>
+            </a:r>
+            <a:endParaRPr kumimoji="1" lang="ja-JP" altLang="en-US" dirty="0"/>
           </a:p>
         </p:txBody>
       </p:sp>
@@ -8148,7 +11265,7 @@
           <p:cNvPr id="4" name="スライド番号プレースホルダー 3">
             <a:extLst>
               <a:ext uri="{FF2B5EF4-FFF2-40B4-BE49-F238E27FC236}">
-                <a16:creationId xmlns:a16="http://schemas.microsoft.com/office/drawing/2014/main" id="{54BD258F-C325-4444-B410-F01C7BCF57FC}"/>
+                <a16:creationId xmlns:a16="http://schemas.microsoft.com/office/drawing/2014/main" id="{724A7E78-E406-4F3F-BDB7-6074E18EE551}"/>
               </a:ext>
             </a:extLst>
           </p:cNvPr>
@@ -8175,7 +11292,7 @@
     </p:spTree>
     <p:extLst>
       <p:ext uri="{BB962C8B-B14F-4D97-AF65-F5344CB8AC3E}">
-        <p14:creationId xmlns:p14="http://schemas.microsoft.com/office/powerpoint/2010/main" val="1327417464"/>
+        <p14:creationId xmlns:p14="http://schemas.microsoft.com/office/powerpoint/2010/main" val="2780206107"/>
       </p:ext>
     </p:extLst>
   </p:cSld>
@@ -8207,7 +11324,7 @@
           <p:cNvPr id="2" name="タイトル 1">
             <a:extLst>
               <a:ext uri="{FF2B5EF4-FFF2-40B4-BE49-F238E27FC236}">
-                <a16:creationId xmlns:a16="http://schemas.microsoft.com/office/drawing/2014/main" id="{D3F08CBE-1DD7-4314-9606-0532B031A5D0}"/>
+                <a16:creationId xmlns:a16="http://schemas.microsoft.com/office/drawing/2014/main" id="{91F09A3D-6FE6-446C-B0F3-3E648762EFCC}"/>
               </a:ext>
             </a:extLst>
           </p:cNvPr>
@@ -8224,10 +11341,16 @@
           <a:lstStyle/>
           <a:p>
             <a:r>
+              <a:rPr kumimoji="1" lang="en-US" altLang="ja-JP" dirty="0" err="1"/>
+              <a:t>AutoML</a:t>
+            </a:r>
+            <a:br>
               <a:rPr kumimoji="1" lang="en-US" altLang="ja-JP" dirty="0"/>
-              <a:t>Auto Augment</a:t>
-            </a:r>
-            <a:endParaRPr kumimoji="1" lang="ja-JP" altLang="en-US" dirty="0"/>
+            </a:br>
+            <a:r>
+              <a:rPr kumimoji="1" lang="ja-JP" altLang="en-US" dirty="0"/>
+              <a:t>サブカテゴリ</a:t>
+            </a:r>
           </a:p>
         </p:txBody>
       </p:sp>
@@ -8236,7 +11359,7 @@
           <p:cNvPr id="3" name="コンテンツ プレースホルダー 2">
             <a:extLst>
               <a:ext uri="{FF2B5EF4-FFF2-40B4-BE49-F238E27FC236}">
-                <a16:creationId xmlns:a16="http://schemas.microsoft.com/office/drawing/2014/main" id="{BEDFE5E1-ACDA-404F-AE6A-4EF7CBEA33F9}"/>
+                <a16:creationId xmlns:a16="http://schemas.microsoft.com/office/drawing/2014/main" id="{0E96A121-467F-421C-B490-FDFB8EC05BFF}"/>
               </a:ext>
             </a:extLst>
           </p:cNvPr>
@@ -8249,10 +11372,189 @@
         </p:nvSpPr>
         <p:spPr/>
         <p:txBody>
-          <a:bodyPr/>
-          <a:lstStyle/>
-          <a:p>
-            <a:endParaRPr kumimoji="1" lang="ja-JP" altLang="en-US"/>
+          <a:bodyPr>
+            <a:normAutofit fontScale="77500" lnSpcReduction="20000"/>
+          </a:bodyPr>
+          <a:lstStyle/>
+          <a:p>
+            <a:r>
+              <a:rPr lang="ja-JP" altLang="en-US" dirty="0"/>
+              <a:t>繰り返し評価法</a:t>
+            </a:r>
+            <a:endParaRPr lang="en-US" altLang="ja-JP" dirty="0"/>
+          </a:p>
+          <a:p>
+            <a:r>
+              <a:rPr lang="en-US" altLang="ja-JP" dirty="0"/>
+              <a:t>  </a:t>
+            </a:r>
+            <a:r>
+              <a:rPr lang="ja-JP" altLang="en-US" dirty="0"/>
+              <a:t>複数回の評価を</a:t>
+            </a:r>
+            <a:r>
+              <a:rPr lang="en-US" altLang="ja-JP" dirty="0"/>
+              <a:t>, </a:t>
+            </a:r>
+            <a:r>
+              <a:rPr lang="ja-JP" altLang="en-US" dirty="0"/>
+              <a:t>平均することなどで評価する手法</a:t>
+            </a:r>
+            <a:r>
+              <a:rPr lang="en-US" altLang="ja-JP" dirty="0"/>
+              <a:t>.</a:t>
+            </a:r>
+          </a:p>
+          <a:p>
+            <a:endParaRPr lang="en-US" altLang="ja-JP" dirty="0"/>
+          </a:p>
+          <a:p>
+            <a:r>
+              <a:rPr lang="en-US" altLang="ja-JP" dirty="0"/>
+              <a:t>F-Racing</a:t>
+            </a:r>
+          </a:p>
+          <a:p>
+            <a:r>
+              <a:rPr lang="en-US" altLang="ja-JP" dirty="0"/>
+              <a:t> </a:t>
+            </a:r>
+            <a:r>
+              <a:rPr lang="ja-JP" altLang="en-US" dirty="0"/>
+              <a:t>統計的に劣る評価の設定を段階的に排除し</a:t>
+            </a:r>
+            <a:r>
+              <a:rPr lang="en-US" altLang="ja-JP" dirty="0"/>
+              <a:t>, </a:t>
+            </a:r>
+            <a:r>
+              <a:rPr lang="ja-JP" altLang="en-US" dirty="0"/>
+              <a:t>有望な候補に計算を集中する手法</a:t>
+            </a:r>
+            <a:r>
+              <a:rPr lang="en-US" altLang="ja-JP" dirty="0"/>
+              <a:t>. </a:t>
+            </a:r>
+            <a:r>
+              <a:rPr lang="ja-JP" altLang="en-US" dirty="0"/>
+              <a:t>繰り返し評価より効率的になる</a:t>
+            </a:r>
+            <a:r>
+              <a:rPr lang="en-US" altLang="ja-JP" dirty="0"/>
+              <a:t>.</a:t>
+            </a:r>
+          </a:p>
+          <a:p>
+            <a:endParaRPr lang="en-US" altLang="ja-JP" dirty="0"/>
+          </a:p>
+          <a:p>
+            <a:r>
+              <a:rPr lang="ja-JP" altLang="en-US" dirty="0"/>
+              <a:t>インテンシフィケーション</a:t>
+            </a:r>
+            <a:r>
+              <a:rPr lang="en-US" altLang="ja-JP" dirty="0"/>
+              <a:t>(</a:t>
+            </a:r>
+            <a:r>
+              <a:rPr lang="ja-JP" altLang="en-US" dirty="0"/>
+              <a:t>強化</a:t>
+            </a:r>
+            <a:r>
+              <a:rPr lang="en-US" altLang="ja-JP" dirty="0"/>
+              <a:t>)</a:t>
+            </a:r>
+          </a:p>
+          <a:p>
+            <a:r>
+              <a:rPr lang="en-US" altLang="ja-JP" dirty="0"/>
+              <a:t>  </a:t>
+            </a:r>
+            <a:r>
+              <a:rPr lang="ja-JP" altLang="en-US" dirty="0"/>
+              <a:t>問題のリストで候補設定と暫定設定の評価を次々比較し</a:t>
+            </a:r>
+            <a:r>
+              <a:rPr lang="en-US" altLang="ja-JP" dirty="0"/>
+              <a:t>, </a:t>
+            </a:r>
+            <a:r>
+              <a:rPr lang="ja-JP" altLang="en-US" dirty="0"/>
+              <a:t>劣る場合は途中で排除し</a:t>
+            </a:r>
+            <a:r>
+              <a:rPr lang="en-US" altLang="ja-JP" dirty="0"/>
+              <a:t>, </a:t>
+            </a:r>
+            <a:r>
+              <a:rPr lang="ja-JP" altLang="en-US" dirty="0"/>
+              <a:t>そうでなければ候補が暫定設定となる手法</a:t>
+            </a:r>
+            <a:r>
+              <a:rPr lang="en-US" altLang="ja-JP" dirty="0"/>
+              <a:t>.</a:t>
+            </a:r>
+          </a:p>
+          <a:p>
+            <a:endParaRPr lang="en-US" altLang="ja-JP" dirty="0"/>
+          </a:p>
+          <a:p>
+            <a:r>
+              <a:rPr lang="ja-JP" altLang="en-US" dirty="0"/>
+              <a:t>シャープニング </a:t>
+            </a:r>
+            <a:endParaRPr lang="en-US" altLang="ja-JP" dirty="0"/>
+          </a:p>
+          <a:p>
+            <a:r>
+              <a:rPr lang="ja-JP" altLang="en-US" dirty="0"/>
+              <a:t>少ないテスト数で評価を始め</a:t>
+            </a:r>
+            <a:r>
+              <a:rPr lang="en-US" altLang="ja-JP" dirty="0"/>
+              <a:t>, </a:t>
+            </a:r>
+            <a:r>
+              <a:rPr lang="ja-JP" altLang="en-US" dirty="0"/>
+              <a:t>将来性のある設定のテスト数を</a:t>
+            </a:r>
+            <a:r>
+              <a:rPr lang="en-US" altLang="ja-JP" dirty="0"/>
+              <a:t>2</a:t>
+            </a:r>
+            <a:r>
+              <a:rPr lang="ja-JP" altLang="en-US" dirty="0"/>
+              <a:t>倍にすることで素早く探索できる手法</a:t>
+            </a:r>
+            <a:r>
+              <a:rPr lang="en-US" altLang="ja-JP" dirty="0"/>
+              <a:t>.</a:t>
+            </a:r>
+          </a:p>
+          <a:p>
+            <a:endParaRPr lang="en-US" altLang="ja-JP" dirty="0"/>
+          </a:p>
+          <a:p>
+            <a:r>
+              <a:rPr lang="en-US" altLang="ja-JP" dirty="0"/>
+              <a:t> </a:t>
+            </a:r>
+            <a:r>
+              <a:rPr lang="ja-JP" altLang="en-US" dirty="0"/>
+              <a:t>アダプティブキャッピング </a:t>
+            </a:r>
+            <a:endParaRPr lang="en-US" altLang="ja-JP" dirty="0"/>
+          </a:p>
+          <a:p>
+            <a:r>
+              <a:rPr lang="ja-JP" altLang="en-US" dirty="0"/>
+              <a:t>有望でない設定の実行を中断して計算量を削減できる手法</a:t>
+            </a:r>
+            <a:r>
+              <a:rPr lang="en-US" altLang="ja-JP" dirty="0"/>
+              <a:t>.</a:t>
+            </a:r>
+            <a:endParaRPr kumimoji="1" lang="ja-JP" altLang="en-US" dirty="0"/>
           </a:p>
         </p:txBody>
       </p:sp>
@@ -8261,7 +11563,7 @@
           <p:cNvPr id="4" name="スライド番号プレースホルダー 3">
             <a:extLst>
               <a:ext uri="{FF2B5EF4-FFF2-40B4-BE49-F238E27FC236}">
-                <a16:creationId xmlns:a16="http://schemas.microsoft.com/office/drawing/2014/main" id="{22CDD866-8737-4E13-9DE5-B807497D9576}"/>
+                <a16:creationId xmlns:a16="http://schemas.microsoft.com/office/drawing/2014/main" id="{FF31C186-5459-47F1-B10A-62C2AC5B65FB}"/>
               </a:ext>
             </a:extLst>
           </p:cNvPr>
@@ -8288,7 +11590,7 @@
     </p:spTree>
     <p:extLst>
       <p:ext uri="{BB962C8B-B14F-4D97-AF65-F5344CB8AC3E}">
-        <p14:creationId xmlns:p14="http://schemas.microsoft.com/office/powerpoint/2010/main" val="4196173772"/>
+        <p14:creationId xmlns:p14="http://schemas.microsoft.com/office/powerpoint/2010/main" val="3295312014"/>
       </p:ext>
     </p:extLst>
   </p:cSld>
@@ -8320,7 +11622,7 @@
           <p:cNvPr id="2" name="タイトル 1">
             <a:extLst>
               <a:ext uri="{FF2B5EF4-FFF2-40B4-BE49-F238E27FC236}">
-                <a16:creationId xmlns:a16="http://schemas.microsoft.com/office/drawing/2014/main" id="{7D5FA137-D008-44C4-A68C-1620CDE9FBA3}"/>
+                <a16:creationId xmlns:a16="http://schemas.microsoft.com/office/drawing/2014/main" id="{0DAA3F36-11D2-427C-892C-247ACF30EA79}"/>
               </a:ext>
             </a:extLst>
           </p:cNvPr>
@@ -8337,9 +11639,10 @@
           <a:lstStyle/>
           <a:p>
             <a:r>
-              <a:rPr kumimoji="1" lang="ja-JP" altLang="en-US" dirty="0"/>
-              <a:t>実験１</a:t>
-            </a:r>
+              <a:rPr kumimoji="1" lang="en-US" altLang="ja-JP" dirty="0"/>
+              <a:t>NAS</a:t>
+            </a:r>
+            <a:endParaRPr kumimoji="1" lang="ja-JP" altLang="en-US" dirty="0"/>
           </a:p>
         </p:txBody>
       </p:sp>
@@ -8348,7 +11651,7 @@
           <p:cNvPr id="3" name="コンテンツ プレースホルダー 2">
             <a:extLst>
               <a:ext uri="{FF2B5EF4-FFF2-40B4-BE49-F238E27FC236}">
-                <a16:creationId xmlns:a16="http://schemas.microsoft.com/office/drawing/2014/main" id="{65C1B5A9-714A-4CDD-9AB1-78B3672391E9}"/>
+                <a16:creationId xmlns:a16="http://schemas.microsoft.com/office/drawing/2014/main" id="{476CA458-F77F-467F-87F8-3EC6D31AF016}"/>
               </a:ext>
             </a:extLst>
           </p:cNvPr>
@@ -8364,7 +11667,11 @@
           <a:bodyPr/>
           <a:lstStyle/>
           <a:p>
-            <a:endParaRPr kumimoji="1" lang="ja-JP" altLang="en-US"/>
+            <a:r>
+              <a:rPr lang="ja-JP" altLang="en-US" dirty="0"/>
+              <a:t>アーキテクチャ自体を最適化</a:t>
+            </a:r>
+            <a:endParaRPr kumimoji="1" lang="ja-JP" altLang="en-US" dirty="0"/>
           </a:p>
         </p:txBody>
       </p:sp>
@@ -8373,7 +11680,7 @@
           <p:cNvPr id="4" name="スライド番号プレースホルダー 3">
             <a:extLst>
               <a:ext uri="{FF2B5EF4-FFF2-40B4-BE49-F238E27FC236}">
-                <a16:creationId xmlns:a16="http://schemas.microsoft.com/office/drawing/2014/main" id="{AE23CC93-6598-436C-A766-52E7A2470210}"/>
+                <a16:creationId xmlns:a16="http://schemas.microsoft.com/office/drawing/2014/main" id="{54BD258F-C325-4444-B410-F01C7BCF57FC}"/>
               </a:ext>
             </a:extLst>
           </p:cNvPr>
@@ -8400,7 +11707,7 @@
     </p:spTree>
     <p:extLst>
       <p:ext uri="{BB962C8B-B14F-4D97-AF65-F5344CB8AC3E}">
-        <p14:creationId xmlns:p14="http://schemas.microsoft.com/office/powerpoint/2010/main" val="289198549"/>
+        <p14:creationId xmlns:p14="http://schemas.microsoft.com/office/powerpoint/2010/main" val="1327417464"/>
       </p:ext>
     </p:extLst>
   </p:cSld>
@@ -8432,7 +11739,7 @@
           <p:cNvPr id="2" name="タイトル 1">
             <a:extLst>
               <a:ext uri="{FF2B5EF4-FFF2-40B4-BE49-F238E27FC236}">
-                <a16:creationId xmlns:a16="http://schemas.microsoft.com/office/drawing/2014/main" id="{20D81EEE-473B-45A1-8F0D-286E0BB8C4EC}"/>
+                <a16:creationId xmlns:a16="http://schemas.microsoft.com/office/drawing/2014/main" id="{BEB91BC2-2532-49F4-A0CA-246B14195314}"/>
               </a:ext>
             </a:extLst>
           </p:cNvPr>
@@ -8449,9 +11756,17 @@
           <a:lstStyle/>
           <a:p>
             <a:r>
-              <a:rPr kumimoji="1" lang="ja-JP" altLang="en-US" dirty="0"/>
-              <a:t>実験２</a:t>
-            </a:r>
+              <a:rPr kumimoji="1" lang="en-US" altLang="ja-JP" dirty="0"/>
+              <a:t>NAS</a:t>
+            </a:r>
+            <a:br>
+              <a:rPr kumimoji="1" lang="en-US" altLang="ja-JP" dirty="0"/>
+            </a:br>
+            <a:r>
+              <a:rPr lang="ja-JP" altLang="en-US" dirty="0"/>
+              <a:t>アーキテクチャの探索</a:t>
+            </a:r>
+            <a:endParaRPr kumimoji="1" lang="ja-JP" altLang="en-US" dirty="0"/>
           </a:p>
         </p:txBody>
       </p:sp>
@@ -8460,7 +11775,7 @@
           <p:cNvPr id="3" name="コンテンツ プレースホルダー 2">
             <a:extLst>
               <a:ext uri="{FF2B5EF4-FFF2-40B4-BE49-F238E27FC236}">
-                <a16:creationId xmlns:a16="http://schemas.microsoft.com/office/drawing/2014/main" id="{718478E5-A116-481C-A147-295E443B8BB0}"/>
+                <a16:creationId xmlns:a16="http://schemas.microsoft.com/office/drawing/2014/main" id="{E27BF69A-4EF4-4AE8-A4C3-54265B1F7260}"/>
               </a:ext>
             </a:extLst>
           </p:cNvPr>
@@ -8476,7 +11791,127 @@
           <a:bodyPr/>
           <a:lstStyle/>
           <a:p>
-            <a:endParaRPr kumimoji="1" lang="ja-JP" altLang="en-US"/>
+            <a:r>
+              <a:rPr lang="ja-JP" altLang="en-US" dirty="0"/>
+              <a:t>まず最初にコントローラと呼ばれる再帰型ニューラルネットワーク</a:t>
+            </a:r>
+            <a:r>
+              <a:rPr lang="en-US" altLang="ja-JP" dirty="0"/>
+              <a:t>(Recurrent Neural Network; RNN)</a:t>
+            </a:r>
+            <a:r>
+              <a:rPr lang="ja-JP" altLang="en-US" dirty="0"/>
+              <a:t>で</a:t>
+            </a:r>
+            <a:r>
+              <a:rPr lang="en-US" altLang="ja-JP" dirty="0"/>
+              <a:t>, </a:t>
+            </a:r>
+            <a:r>
+              <a:rPr lang="ja-JP" altLang="en-US" dirty="0"/>
+              <a:t>アーキテクチャのハイパーパラメータを生成する</a:t>
+            </a:r>
+            <a:r>
+              <a:rPr lang="en-US" altLang="ja-JP" dirty="0"/>
+              <a:t>.</a:t>
+            </a:r>
+          </a:p>
+          <a:p>
+            <a:r>
+              <a:rPr lang="ja-JP" altLang="en-US" dirty="0"/>
+              <a:t>例えば畳み込み層を利用するネットワークでは</a:t>
+            </a:r>
+            <a:r>
+              <a:rPr lang="en-US" altLang="ja-JP" dirty="0"/>
+              <a:t>, </a:t>
+            </a:r>
+            <a:r>
+              <a:rPr lang="ja-JP" altLang="en-US" dirty="0"/>
+              <a:t>レイヤーごとにフィルタの高さ・幅</a:t>
+            </a:r>
+            <a:r>
+              <a:rPr lang="en-US" altLang="ja-JP" dirty="0"/>
+              <a:t>, </a:t>
+            </a:r>
+            <a:r>
+              <a:rPr lang="ja-JP" altLang="en-US" dirty="0"/>
+              <a:t>ストライドの高さ・幅</a:t>
+            </a:r>
+            <a:r>
+              <a:rPr lang="en-US" altLang="ja-JP" dirty="0"/>
+              <a:t>, </a:t>
+            </a:r>
+            <a:r>
+              <a:rPr lang="ja-JP" altLang="en-US" dirty="0"/>
+              <a:t>フィルタ数が必要となる</a:t>
+            </a:r>
+            <a:r>
+              <a:rPr lang="en-US" altLang="ja-JP" dirty="0"/>
+              <a:t>.</a:t>
+            </a:r>
+          </a:p>
+          <a:p>
+            <a:r>
+              <a:rPr lang="ja-JP" altLang="en-US" dirty="0"/>
+              <a:t>次にハイパーパラメータから子ネットワークを構築し</a:t>
+            </a:r>
+            <a:r>
+              <a:rPr lang="en-US" altLang="ja-JP" dirty="0"/>
+              <a:t>, </a:t>
+            </a:r>
+            <a:r>
+              <a:rPr lang="ja-JP" altLang="en-US" dirty="0"/>
+              <a:t>通常のように重みを訓練して検証データセットの精度を得る</a:t>
+            </a:r>
+            <a:r>
+              <a:rPr lang="en-US" altLang="ja-JP" dirty="0"/>
+              <a:t>.</a:t>
+            </a:r>
+          </a:p>
+          <a:p>
+            <a:r>
+              <a:rPr lang="ja-JP" altLang="en-US" dirty="0"/>
+              <a:t>最後に得られた精度で報酬を計算し</a:t>
+            </a:r>
+            <a:r>
+              <a:rPr lang="en-US" altLang="ja-JP" dirty="0"/>
+              <a:t>, </a:t>
+            </a:r>
+            <a:r>
+              <a:rPr lang="ja-JP" altLang="en-US" dirty="0"/>
+              <a:t>方策勾配法</a:t>
+            </a:r>
+            <a:r>
+              <a:rPr lang="en-US" altLang="ja-JP" dirty="0"/>
+              <a:t>(Policy gradient method)</a:t>
+            </a:r>
+            <a:r>
+              <a:rPr lang="ja-JP" altLang="en-US" dirty="0"/>
+              <a:t>によってコントローラのネットワークを更新する</a:t>
+            </a:r>
+            <a:r>
+              <a:rPr lang="en-US" altLang="ja-JP" dirty="0"/>
+              <a:t>.</a:t>
+            </a:r>
+          </a:p>
+          <a:p>
+            <a:r>
+              <a:rPr lang="ja-JP" altLang="en-US" dirty="0"/>
+              <a:t>これらの手順を繰り返すことで</a:t>
+            </a:r>
+            <a:r>
+              <a:rPr lang="en-US" altLang="ja-JP" dirty="0"/>
+              <a:t>, </a:t>
+            </a:r>
+            <a:r>
+              <a:rPr lang="ja-JP" altLang="en-US" dirty="0"/>
+              <a:t>子ネットワークのアーキテクチャが最適化される</a:t>
+            </a:r>
+            <a:r>
+              <a:rPr lang="en-US" altLang="ja-JP" dirty="0"/>
+              <a:t>.</a:t>
+            </a:r>
+            <a:endParaRPr kumimoji="1" lang="ja-JP" altLang="en-US" dirty="0"/>
           </a:p>
         </p:txBody>
       </p:sp>
@@ -8485,7 +11920,7 @@
           <p:cNvPr id="4" name="スライド番号プレースホルダー 3">
             <a:extLst>
               <a:ext uri="{FF2B5EF4-FFF2-40B4-BE49-F238E27FC236}">
-                <a16:creationId xmlns:a16="http://schemas.microsoft.com/office/drawing/2014/main" id="{C065733B-D842-4061-9EC8-03E2A5D6BF06}"/>
+                <a16:creationId xmlns:a16="http://schemas.microsoft.com/office/drawing/2014/main" id="{EA5C11A2-A21C-4E73-8DD0-73C89CB98C18}"/>
               </a:ext>
             </a:extLst>
           </p:cNvPr>
@@ -8512,7 +11947,7 @@
     </p:spTree>
     <p:extLst>
       <p:ext uri="{BB962C8B-B14F-4D97-AF65-F5344CB8AC3E}">
-        <p14:creationId xmlns:p14="http://schemas.microsoft.com/office/powerpoint/2010/main" val="2056463254"/>
+        <p14:creationId xmlns:p14="http://schemas.microsoft.com/office/powerpoint/2010/main" val="1399005155"/>
       </p:ext>
     </p:extLst>
   </p:cSld>

--- a/report/2020前期/2020sugiyama.pptx
+++ b/report/2020前期/2020sugiyama.pptx
@@ -6,10 +6,10 @@
     <p:sldMasterId id="2147483714" r:id="rId2"/>
   </p:sldMasterIdLst>
   <p:notesMasterIdLst>
-    <p:notesMasterId r:id="rId27"/>
+    <p:notesMasterId r:id="rId28"/>
   </p:notesMasterIdLst>
   <p:handoutMasterIdLst>
-    <p:handoutMasterId r:id="rId28"/>
+    <p:handoutMasterId r:id="rId29"/>
   </p:handoutMasterIdLst>
   <p:sldIdLst>
     <p:sldId id="256" r:id="rId3"/>
@@ -19,23 +19,24 @@
     <p:sldId id="260" r:id="rId7"/>
     <p:sldId id="268" r:id="rId8"/>
     <p:sldId id="269" r:id="rId9"/>
-    <p:sldId id="261" r:id="rId10"/>
-    <p:sldId id="270" r:id="rId11"/>
-    <p:sldId id="271" r:id="rId12"/>
-    <p:sldId id="272" r:id="rId13"/>
-    <p:sldId id="262" r:id="rId14"/>
-    <p:sldId id="263" r:id="rId15"/>
-    <p:sldId id="278" r:id="rId16"/>
-    <p:sldId id="276" r:id="rId17"/>
-    <p:sldId id="274" r:id="rId18"/>
-    <p:sldId id="275" r:id="rId19"/>
-    <p:sldId id="273" r:id="rId20"/>
-    <p:sldId id="264" r:id="rId21"/>
-    <p:sldId id="277" r:id="rId22"/>
-    <p:sldId id="279" r:id="rId23"/>
-    <p:sldId id="265" r:id="rId24"/>
-    <p:sldId id="266" r:id="rId25"/>
-    <p:sldId id="267" r:id="rId26"/>
+    <p:sldId id="280" r:id="rId10"/>
+    <p:sldId id="261" r:id="rId11"/>
+    <p:sldId id="270" r:id="rId12"/>
+    <p:sldId id="271" r:id="rId13"/>
+    <p:sldId id="272" r:id="rId14"/>
+    <p:sldId id="262" r:id="rId15"/>
+    <p:sldId id="263" r:id="rId16"/>
+    <p:sldId id="278" r:id="rId17"/>
+    <p:sldId id="276" r:id="rId18"/>
+    <p:sldId id="274" r:id="rId19"/>
+    <p:sldId id="275" r:id="rId20"/>
+    <p:sldId id="273" r:id="rId21"/>
+    <p:sldId id="264" r:id="rId22"/>
+    <p:sldId id="277" r:id="rId23"/>
+    <p:sldId id="279" r:id="rId24"/>
+    <p:sldId id="265" r:id="rId25"/>
+    <p:sldId id="266" r:id="rId26"/>
+    <p:sldId id="267" r:id="rId27"/>
   </p:sldIdLst>
   <p:sldSz cx="9144000" cy="6858000" type="screen4x3"/>
   <p:notesSz cx="6858000" cy="9144000"/>
@@ -158,6 +159,7 @@
             <p14:sldId id="260"/>
             <p14:sldId id="268"/>
             <p14:sldId id="269"/>
+            <p14:sldId id="280"/>
           </p14:sldIdLst>
         </p14:section>
         <p14:section name="NAS" id="{1581B0F1-FA5E-4B7A-AE00-A65DC68C8E3A}">
@@ -214,6 +216,14 @@
     </p:ext>
   </p:extLst>
 </p:presentation>
+</file>
+
+<file path=ppt/revisionInfo.xml><?xml version="1.0" encoding="utf-8"?>
+<p1510:revInfo xmlns:a="http://schemas.openxmlformats.org/drawingml/2006/main" xmlns:r="http://schemas.openxmlformats.org/officeDocument/2006/relationships" xmlns:p1510="http://schemas.microsoft.com/office/powerpoint/2015/10/main">
+  <p1510:revLst>
+    <p1510:client id="{4E244387-3265-4E32-BACA-2F617FE089AF}" v="165" dt="2020-07-08T07:23:15.830"/>
+  </p1510:revLst>
+</p1510:revInfo>
 </file>
 
 <file path=ppt/handoutMasters/handoutMaster1.xml><?xml version="1.0" encoding="utf-8"?>
@@ -7289,7 +7299,7 @@
           <p:cNvPr id="2" name="タイトル 1">
             <a:extLst>
               <a:ext uri="{FF2B5EF4-FFF2-40B4-BE49-F238E27FC236}">
-                <a16:creationId xmlns:a16="http://schemas.microsoft.com/office/drawing/2014/main" id="{23F0F135-4245-417A-A2A4-1B02B7A7679B}"/>
+                <a16:creationId xmlns:a16="http://schemas.microsoft.com/office/drawing/2014/main" id="{BEB91BC2-2532-49F4-A0CA-246B14195314}"/>
               </a:ext>
             </a:extLst>
           </p:cNvPr>
@@ -7314,7 +7324,7 @@
             </a:br>
             <a:r>
               <a:rPr lang="ja-JP" altLang="en-US" dirty="0"/>
-              <a:t>佐藤 怜らの研究</a:t>
+              <a:t>アーキテクチャの探索</a:t>
             </a:r>
             <a:endParaRPr kumimoji="1" lang="ja-JP" altLang="en-US" dirty="0"/>
           </a:p>
@@ -7325,7 +7335,7 @@
           <p:cNvPr id="3" name="コンテンツ プレースホルダー 2">
             <a:extLst>
               <a:ext uri="{FF2B5EF4-FFF2-40B4-BE49-F238E27FC236}">
-                <a16:creationId xmlns:a16="http://schemas.microsoft.com/office/drawing/2014/main" id="{ACB91DB8-BA38-4E5D-91F0-D89F659642D4}"/>
+                <a16:creationId xmlns:a16="http://schemas.microsoft.com/office/drawing/2014/main" id="{E27BF69A-4EF4-4AE8-A4C3-54265B1F7260}"/>
               </a:ext>
             </a:extLst>
           </p:cNvPr>
@@ -7343,17 +7353,15 @@
           <a:p>
             <a:r>
               <a:rPr lang="ja-JP" altLang="en-US" dirty="0"/>
-              <a:t>特徴としてコントローラで生成していたカテゴリカルなアーキテクチャパラメータから</a:t>
+              <a:t>まず最初にコントローラと呼ばれる再帰型ニューラルネットワーク</a:t>
             </a:r>
             <a:r>
               <a:rPr lang="en-US" altLang="ja-JP" dirty="0"/>
-              <a:t>,</a:t>
-            </a:r>
-          </a:p>
-          <a:p>
+              <a:t>(Recurrent Neural Network; RNN)</a:t>
+            </a:r>
             <a:r>
               <a:rPr lang="ja-JP" altLang="en-US" dirty="0"/>
-              <a:t>アーキテクチャを確率分布で連続的に表現し</a:t>
+              <a:t>で</a:t>
             </a:r>
             <a:r>
               <a:rPr lang="en-US" altLang="ja-JP" dirty="0"/>
@@ -7361,7 +7369,17 @@
             </a:r>
             <a:r>
               <a:rPr lang="ja-JP" altLang="en-US" dirty="0"/>
-              <a:t>分布推定を行う手法に変えることで</a:t>
+              <a:t>アーキテクチャのハイパーパラメータを生成する</a:t>
+            </a:r>
+            <a:r>
+              <a:rPr lang="en-US" altLang="ja-JP" dirty="0"/>
+              <a:t>.</a:t>
+            </a:r>
+          </a:p>
+          <a:p>
+            <a:r>
+              <a:rPr lang="ja-JP" altLang="en-US" dirty="0"/>
+              <a:t>例えば畳み込み層を利用するネットワークでは</a:t>
             </a:r>
             <a:r>
               <a:rPr lang="en-US" altLang="ja-JP" dirty="0"/>
@@ -7369,7 +7387,23 @@
             </a:r>
             <a:r>
               <a:rPr lang="ja-JP" altLang="en-US" dirty="0"/>
-              <a:t>微分可能となった</a:t>
+              <a:t>レイヤーごとにフィルタの高さ・幅</a:t>
+            </a:r>
+            <a:r>
+              <a:rPr lang="en-US" altLang="ja-JP" dirty="0"/>
+              <a:t>, </a:t>
+            </a:r>
+            <a:r>
+              <a:rPr lang="ja-JP" altLang="en-US" dirty="0"/>
+              <a:t>ストライドの高さ・幅</a:t>
+            </a:r>
+            <a:r>
+              <a:rPr lang="en-US" altLang="ja-JP" dirty="0"/>
+              <a:t>, </a:t>
+            </a:r>
+            <a:r>
+              <a:rPr lang="ja-JP" altLang="en-US" dirty="0"/>
+              <a:t>フィルタ数が必要となる</a:t>
             </a:r>
             <a:r>
               <a:rPr lang="en-US" altLang="ja-JP" dirty="0"/>
@@ -7379,7 +7413,7 @@
           <a:p>
             <a:r>
               <a:rPr lang="ja-JP" altLang="en-US" dirty="0"/>
-              <a:t>これによって貢献度と呼ぶアーキテクチャの構成要素ごとの評価を導入して</a:t>
+              <a:t>次にハイパーパラメータから子ネットワークを構築し</a:t>
             </a:r>
             <a:r>
               <a:rPr lang="en-US" altLang="ja-JP" dirty="0"/>
@@ -7387,7 +7421,17 @@
             </a:r>
             <a:r>
               <a:rPr lang="ja-JP" altLang="en-US" dirty="0"/>
-              <a:t>一様な更新ではなく構成要素ごとの勾配で更新をすることができ</a:t>
+              <a:t>通常のように重みを訓練して検証データセットの精度を得る</a:t>
+            </a:r>
+            <a:r>
+              <a:rPr lang="en-US" altLang="ja-JP" dirty="0"/>
+              <a:t>.</a:t>
+            </a:r>
+          </a:p>
+          <a:p>
+            <a:r>
+              <a:rPr lang="ja-JP" altLang="en-US" dirty="0"/>
+              <a:t>最後に得られた精度で報酬を計算し</a:t>
             </a:r>
             <a:r>
               <a:rPr lang="en-US" altLang="ja-JP" dirty="0"/>
@@ -7395,7 +7439,33 @@
             </a:r>
             <a:r>
               <a:rPr lang="ja-JP" altLang="en-US" dirty="0"/>
-              <a:t>高速化ができた</a:t>
+              <a:t>方策勾配法</a:t>
+            </a:r>
+            <a:r>
+              <a:rPr lang="en-US" altLang="ja-JP" dirty="0"/>
+              <a:t>(Policy gradient method)</a:t>
+            </a:r>
+            <a:r>
+              <a:rPr lang="ja-JP" altLang="en-US" dirty="0"/>
+              <a:t>によってコントローラのネットワークを更新する</a:t>
+            </a:r>
+            <a:r>
+              <a:rPr lang="en-US" altLang="ja-JP" dirty="0"/>
+              <a:t>.</a:t>
+            </a:r>
+          </a:p>
+          <a:p>
+            <a:r>
+              <a:rPr lang="ja-JP" altLang="en-US" dirty="0"/>
+              <a:t>これらの手順を繰り返すことで</a:t>
+            </a:r>
+            <a:r>
+              <a:rPr lang="en-US" altLang="ja-JP" dirty="0"/>
+              <a:t>, </a:t>
+            </a:r>
+            <a:r>
+              <a:rPr lang="ja-JP" altLang="en-US" dirty="0"/>
+              <a:t>子ネットワークのアーキテクチャが最適化される</a:t>
             </a:r>
             <a:r>
               <a:rPr lang="en-US" altLang="ja-JP" dirty="0"/>
@@ -7410,7 +7480,7 @@
           <p:cNvPr id="4" name="スライド番号プレースホルダー 3">
             <a:extLst>
               <a:ext uri="{FF2B5EF4-FFF2-40B4-BE49-F238E27FC236}">
-                <a16:creationId xmlns:a16="http://schemas.microsoft.com/office/drawing/2014/main" id="{41C2DC0B-1FFA-47D8-97E4-BEB09D36473D}"/>
+                <a16:creationId xmlns:a16="http://schemas.microsoft.com/office/drawing/2014/main" id="{EA5C11A2-A21C-4E73-8DD0-73C89CB98C18}"/>
               </a:ext>
             </a:extLst>
           </p:cNvPr>
@@ -7437,7 +7507,7 @@
     </p:spTree>
     <p:extLst>
       <p:ext uri="{BB962C8B-B14F-4D97-AF65-F5344CB8AC3E}">
-        <p14:creationId xmlns:p14="http://schemas.microsoft.com/office/powerpoint/2010/main" val="3058784009"/>
+        <p14:creationId xmlns:p14="http://schemas.microsoft.com/office/powerpoint/2010/main" val="1399005155"/>
       </p:ext>
     </p:extLst>
   </p:cSld>
@@ -7469,7 +7539,7 @@
           <p:cNvPr id="2" name="タイトル 1">
             <a:extLst>
               <a:ext uri="{FF2B5EF4-FFF2-40B4-BE49-F238E27FC236}">
-                <a16:creationId xmlns:a16="http://schemas.microsoft.com/office/drawing/2014/main" id="{B63730E0-A119-4C74-8912-4713CA58A408}"/>
+                <a16:creationId xmlns:a16="http://schemas.microsoft.com/office/drawing/2014/main" id="{23F0F135-4245-417A-A2A4-1B02B7A7679B}"/>
               </a:ext>
             </a:extLst>
           </p:cNvPr>
@@ -7493,9 +7563,10 @@
               <a:rPr kumimoji="1" lang="en-US" altLang="ja-JP" dirty="0"/>
             </a:br>
             <a:r>
-              <a:rPr kumimoji="1" lang="ja-JP" altLang="en-US" dirty="0"/>
-              <a:t>ネットワークの重みの再利用</a:t>
-            </a:r>
+              <a:rPr lang="ja-JP" altLang="en-US" dirty="0"/>
+              <a:t>佐藤 怜らの研究</a:t>
+            </a:r>
+            <a:endParaRPr kumimoji="1" lang="ja-JP" altLang="en-US" dirty="0"/>
           </a:p>
         </p:txBody>
       </p:sp>
@@ -7504,7 +7575,7 @@
           <p:cNvPr id="3" name="コンテンツ プレースホルダー 2">
             <a:extLst>
               <a:ext uri="{FF2B5EF4-FFF2-40B4-BE49-F238E27FC236}">
-                <a16:creationId xmlns:a16="http://schemas.microsoft.com/office/drawing/2014/main" id="{4F7DCB5E-EE62-4539-91D0-CAE242E810FA}"/>
+                <a16:creationId xmlns:a16="http://schemas.microsoft.com/office/drawing/2014/main" id="{ACB91DB8-BA38-4E5D-91F0-D89F659642D4}"/>
               </a:ext>
             </a:extLst>
           </p:cNvPr>
@@ -7521,48 +7592,64 @@
           <a:lstStyle/>
           <a:p>
             <a:r>
+              <a:rPr lang="ja-JP" altLang="en-US" dirty="0"/>
+              <a:t>特徴としてコントローラで生成していたカテゴリカルなアーキテクチャパラメータから</a:t>
+            </a:r>
+            <a:r>
               <a:rPr lang="en-US" altLang="ja-JP" dirty="0"/>
-              <a:t>\item </a:t>
-            </a:r>
+              <a:t>,</a:t>
+            </a:r>
+          </a:p>
+          <a:p>
             <a:r>
               <a:rPr lang="ja-JP" altLang="en-US" dirty="0"/>
-              <a:t>冗長にネットワーク構造を決めておく</a:t>
+              <a:t>アーキテクチャを確率分布で連続的に表現し</a:t>
             </a:r>
             <a:r>
               <a:rPr lang="en-US" altLang="ja-JP" dirty="0"/>
-              <a:t>. (</a:t>
+              <a:t>, </a:t>
             </a:r>
             <a:r>
               <a:rPr lang="ja-JP" altLang="en-US" dirty="0"/>
-              <a:t>あるノードはそれ以前のノード全てに接続可能とする</a:t>
+              <a:t>分布推定を行う手法に変えることで</a:t>
             </a:r>
             <a:r>
               <a:rPr lang="en-US" altLang="ja-JP" dirty="0"/>
-              <a:t>)</a:t>
-            </a:r>
-          </a:p>
-          <a:p>
+              <a:t>, </a:t>
+            </a:r>
+            <a:r>
+              <a:rPr lang="ja-JP" altLang="en-US" dirty="0"/>
+              <a:t>微分可能となった</a:t>
+            </a:r>
             <a:r>
               <a:rPr lang="en-US" altLang="ja-JP" dirty="0"/>
-              <a:t>  \item </a:t>
-            </a:r>
+              <a:t>.</a:t>
+            </a:r>
+          </a:p>
+          <a:p>
             <a:r>
               <a:rPr lang="ja-JP" altLang="en-US" dirty="0"/>
-              <a:t>重みを学習して、各エッジ、各演算子ごとに重みを保存</a:t>
-            </a:r>
-          </a:p>
-          <a:p>
+              <a:t>これによって貢献度と呼ぶアーキテクチャの構成要素ごとの評価を導入して</a:t>
+            </a:r>
+            <a:r>
+              <a:rPr lang="en-US" altLang="ja-JP" dirty="0"/>
+              <a:t>, </a:t>
+            </a:r>
             <a:r>
               <a:rPr lang="ja-JP" altLang="en-US" dirty="0"/>
-              <a:t>  </a:t>
+              <a:t>一様な更新ではなく構成要素ごとの勾配で更新をすることができ</a:t>
             </a:r>
             <a:r>
               <a:rPr lang="en-US" altLang="ja-JP" dirty="0"/>
-              <a:t>\item </a:t>
+              <a:t>, </a:t>
             </a:r>
             <a:r>
               <a:rPr lang="ja-JP" altLang="en-US" dirty="0"/>
-              <a:t>アーキテクチャ（接続するか？＋演算子）を探索</a:t>
+              <a:t>高速化ができた</a:t>
+            </a:r>
+            <a:r>
+              <a:rPr lang="en-US" altLang="ja-JP" dirty="0"/>
+              <a:t>.</a:t>
             </a:r>
             <a:endParaRPr kumimoji="1" lang="ja-JP" altLang="en-US" dirty="0"/>
           </a:p>
@@ -7573,7 +7660,7 @@
           <p:cNvPr id="4" name="スライド番号プレースホルダー 3">
             <a:extLst>
               <a:ext uri="{FF2B5EF4-FFF2-40B4-BE49-F238E27FC236}">
-                <a16:creationId xmlns:a16="http://schemas.microsoft.com/office/drawing/2014/main" id="{A113EEF3-E944-48B7-A1A7-C097E346287F}"/>
+                <a16:creationId xmlns:a16="http://schemas.microsoft.com/office/drawing/2014/main" id="{41C2DC0B-1FFA-47D8-97E4-BEB09D36473D}"/>
               </a:ext>
             </a:extLst>
           </p:cNvPr>
@@ -7597,10 +7684,86 @@
           </a:p>
         </p:txBody>
       </p:sp>
+      <p:sp>
+        <p:nvSpPr>
+          <p:cNvPr id="5" name="テキスト ボックス 4">
+            <a:extLst>
+              <a:ext uri="{FF2B5EF4-FFF2-40B4-BE49-F238E27FC236}">
+                <a16:creationId xmlns:a16="http://schemas.microsoft.com/office/drawing/2014/main" id="{E86109B8-1C33-412C-8C80-93541DCEA745}"/>
+              </a:ext>
+            </a:extLst>
+          </p:cNvPr>
+          <p:cNvSpPr txBox="1"/>
+          <p:nvPr/>
+        </p:nvSpPr>
+        <p:spPr>
+          <a:xfrm>
+            <a:off x="632178" y="5429956"/>
+            <a:ext cx="5650088" cy="923330"/>
+          </a:xfrm>
+          <a:prstGeom prst="rect">
+            <a:avLst/>
+          </a:prstGeom>
+          <a:noFill/>
+        </p:spPr>
+        <p:txBody>
+          <a:bodyPr rot="0" spcFirstLastPara="0" vertOverflow="overflow" horzOverflow="overflow" vert="horz" wrap="square" lIns="91440" tIns="45720" rIns="91440" bIns="45720" numCol="1" spcCol="0" rtlCol="0" fromWordArt="0" anchor="t" anchorCtr="0" forceAA="0" compatLnSpc="1">
+            <a:prstTxWarp prst="textNoShape">
+              <a:avLst/>
+            </a:prstTxWarp>
+            <a:spAutoFit/>
+          </a:bodyPr>
+          <a:lstStyle/>
+          <a:p>
+            <a:r>
+              <a:rPr lang="ja-JP">
+                <a:ea typeface="+mn-lt"/>
+                <a:cs typeface="+mn-lt"/>
+              </a:rPr>
+              <a:t>佐藤 怜 and 秋本 洋平 and 佐久間 淳</a:t>
+            </a:r>
+            <a:r>
+              <a:rPr lang="ja-JP">
+                <a:ea typeface="ＭＳ Ｐゴシック"/>
+              </a:rPr>
+              <a:t>. </a:t>
+            </a:r>
+            <a:r>
+              <a:rPr lang="ja-JP" altLang="en-US">
+                <a:ea typeface="ＭＳ Ｐゴシック"/>
+              </a:rPr>
+              <a:t>貢献度分配を導入した方策勾配による</a:t>
+            </a:r>
+            <a:r>
+              <a:rPr lang="en-US" altLang="ja-JP" dirty="0">
+                <a:ea typeface="ＭＳ Ｐゴシック"/>
+              </a:rPr>
+              <a:t>Neural Architecture Search</a:t>
+            </a:r>
+            <a:r>
+              <a:rPr lang="ja-JP" altLang="en-US">
+                <a:ea typeface="ＭＳ Ｐゴシック"/>
+              </a:rPr>
+              <a:t>の高速化 </a:t>
+            </a:r>
+            <a:r>
+              <a:rPr lang="ja-JP">
+                <a:ea typeface="+mn-lt"/>
+                <a:cs typeface="+mn-lt"/>
+              </a:rPr>
+              <a:t>2019</a:t>
+            </a:r>
+            <a:endParaRPr lang="en-US" altLang="ja-JP">
+              <a:ea typeface="ＭＳ Ｐゴシック"/>
+              <a:cs typeface="Calibri"/>
+            </a:endParaRPr>
+          </a:p>
+        </p:txBody>
+      </p:sp>
     </p:spTree>
     <p:extLst>
       <p:ext uri="{BB962C8B-B14F-4D97-AF65-F5344CB8AC3E}">
-        <p14:creationId xmlns:p14="http://schemas.microsoft.com/office/powerpoint/2010/main" val="4241614177"/>
+        <p14:creationId xmlns:p14="http://schemas.microsoft.com/office/powerpoint/2010/main" val="3058784009"/>
       </p:ext>
     </p:extLst>
   </p:cSld>
@@ -7632,7 +7795,7 @@
           <p:cNvPr id="2" name="タイトル 1">
             <a:extLst>
               <a:ext uri="{FF2B5EF4-FFF2-40B4-BE49-F238E27FC236}">
-                <a16:creationId xmlns:a16="http://schemas.microsoft.com/office/drawing/2014/main" id="{D3F08CBE-1DD7-4314-9606-0532B031A5D0}"/>
+                <a16:creationId xmlns:a16="http://schemas.microsoft.com/office/drawing/2014/main" id="{B63730E0-A119-4C74-8912-4713CA58A408}"/>
               </a:ext>
             </a:extLst>
           </p:cNvPr>
@@ -7650,9 +7813,15 @@
           <a:p>
             <a:r>
               <a:rPr kumimoji="1" lang="en-US" altLang="ja-JP" dirty="0"/>
-              <a:t>Auto Augment</a:t>
-            </a:r>
-            <a:endParaRPr kumimoji="1" lang="ja-JP" altLang="en-US" dirty="0"/>
+              <a:t>NAS</a:t>
+            </a:r>
+            <a:br>
+              <a:rPr kumimoji="1" lang="en-US" altLang="ja-JP" dirty="0"/>
+            </a:br>
+            <a:r>
+              <a:rPr kumimoji="1" lang="ja-JP" altLang="en-US" dirty="0"/>
+              <a:t>ネットワークの重みの再利用</a:t>
+            </a:r>
           </a:p>
         </p:txBody>
       </p:sp>
@@ -7661,7 +7830,7 @@
           <p:cNvPr id="3" name="コンテンツ プレースホルダー 2">
             <a:extLst>
               <a:ext uri="{FF2B5EF4-FFF2-40B4-BE49-F238E27FC236}">
-                <a16:creationId xmlns:a16="http://schemas.microsoft.com/office/drawing/2014/main" id="{BEDFE5E1-ACDA-404F-AE6A-4EF7CBEA33F9}"/>
+                <a16:creationId xmlns:a16="http://schemas.microsoft.com/office/drawing/2014/main" id="{4F7DCB5E-EE62-4539-91D0-CAE242E810FA}"/>
               </a:ext>
             </a:extLst>
           </p:cNvPr>
@@ -7678,16 +7847,48 @@
           <a:lstStyle/>
           <a:p>
             <a:r>
+              <a:rPr lang="en-US" altLang="ja-JP" dirty="0"/>
+              <a:t>\item </a:t>
+            </a:r>
+            <a:r>
               <a:rPr lang="ja-JP" altLang="en-US" dirty="0"/>
-              <a:t>データ拡張の空間を探索し</a:t>
+              <a:t>冗長にネットワーク構造を決めておく</a:t>
             </a:r>
             <a:r>
               <a:rPr lang="en-US" altLang="ja-JP" dirty="0"/>
-              <a:t>, </a:t>
+              <a:t>. (</a:t>
             </a:r>
             <a:r>
               <a:rPr lang="ja-JP" altLang="en-US" dirty="0"/>
-              <a:t>最高の検証精度となる最適な方策を見つける</a:t>
+              <a:t>あるノードはそれ以前のノード全てに接続可能とする</a:t>
+            </a:r>
+            <a:r>
+              <a:rPr lang="en-US" altLang="ja-JP" dirty="0"/>
+              <a:t>)</a:t>
+            </a:r>
+          </a:p>
+          <a:p>
+            <a:r>
+              <a:rPr lang="en-US" altLang="ja-JP" dirty="0"/>
+              <a:t>  \item </a:t>
+            </a:r>
+            <a:r>
+              <a:rPr lang="ja-JP" altLang="en-US" dirty="0"/>
+              <a:t>重みを学習して、各エッジ、各演算子ごとに重みを保存</a:t>
+            </a:r>
+          </a:p>
+          <a:p>
+            <a:r>
+              <a:rPr lang="ja-JP" altLang="en-US" dirty="0"/>
+              <a:t>  </a:t>
+            </a:r>
+            <a:r>
+              <a:rPr lang="en-US" altLang="ja-JP" dirty="0"/>
+              <a:t>\item </a:t>
+            </a:r>
+            <a:r>
+              <a:rPr lang="ja-JP" altLang="en-US" dirty="0"/>
+              <a:t>アーキテクチャ（接続するか？＋演算子）を探索</a:t>
             </a:r>
             <a:endParaRPr kumimoji="1" lang="ja-JP" altLang="en-US" dirty="0"/>
           </a:p>
@@ -7698,7 +7899,7 @@
           <p:cNvPr id="4" name="スライド番号プレースホルダー 3">
             <a:extLst>
               <a:ext uri="{FF2B5EF4-FFF2-40B4-BE49-F238E27FC236}">
-                <a16:creationId xmlns:a16="http://schemas.microsoft.com/office/drawing/2014/main" id="{22CDD866-8737-4E13-9DE5-B807497D9576}"/>
+                <a16:creationId xmlns:a16="http://schemas.microsoft.com/office/drawing/2014/main" id="{A113EEF3-E944-48B7-A1A7-C097E346287F}"/>
               </a:ext>
             </a:extLst>
           </p:cNvPr>
@@ -7725,7 +7926,7 @@
     </p:spTree>
     <p:extLst>
       <p:ext uri="{BB962C8B-B14F-4D97-AF65-F5344CB8AC3E}">
-        <p14:creationId xmlns:p14="http://schemas.microsoft.com/office/powerpoint/2010/main" val="4196173772"/>
+        <p14:creationId xmlns:p14="http://schemas.microsoft.com/office/powerpoint/2010/main" val="4241614177"/>
       </p:ext>
     </p:extLst>
   </p:cSld>
@@ -7757,7 +7958,7 @@
           <p:cNvPr id="2" name="タイトル 1">
             <a:extLst>
               <a:ext uri="{FF2B5EF4-FFF2-40B4-BE49-F238E27FC236}">
-                <a16:creationId xmlns:a16="http://schemas.microsoft.com/office/drawing/2014/main" id="{7D5FA137-D008-44C4-A68C-1620CDE9FBA3}"/>
+                <a16:creationId xmlns:a16="http://schemas.microsoft.com/office/drawing/2014/main" id="{D3F08CBE-1DD7-4314-9606-0532B031A5D0}"/>
               </a:ext>
             </a:extLst>
           </p:cNvPr>
@@ -7774,9 +7975,10 @@
           <a:lstStyle/>
           <a:p>
             <a:r>
-              <a:rPr kumimoji="1" lang="ja-JP" altLang="en-US" dirty="0"/>
-              <a:t>実験</a:t>
-            </a:r>
+              <a:rPr kumimoji="1" lang="en-US" altLang="ja-JP" dirty="0"/>
+              <a:t>Auto Augment</a:t>
+            </a:r>
+            <a:endParaRPr kumimoji="1" lang="ja-JP" altLang="en-US" dirty="0"/>
           </a:p>
         </p:txBody>
       </p:sp>
@@ -7785,7 +7987,7 @@
           <p:cNvPr id="3" name="コンテンツ プレースホルダー 2">
             <a:extLst>
               <a:ext uri="{FF2B5EF4-FFF2-40B4-BE49-F238E27FC236}">
-                <a16:creationId xmlns:a16="http://schemas.microsoft.com/office/drawing/2014/main" id="{65C1B5A9-714A-4CDD-9AB1-78B3672391E9}"/>
+                <a16:creationId xmlns:a16="http://schemas.microsoft.com/office/drawing/2014/main" id="{BEDFE5E1-ACDA-404F-AE6A-4EF7CBEA33F9}"/>
               </a:ext>
             </a:extLst>
           </p:cNvPr>
@@ -7802,25 +8004,18 @@
           <a:lstStyle/>
           <a:p>
             <a:r>
-              <a:rPr kumimoji="1" lang="ja-JP" altLang="en-US" dirty="0"/>
-              <a:t>目的</a:t>
-            </a:r>
-            <a:endParaRPr kumimoji="1" lang="en-US" altLang="ja-JP" dirty="0"/>
-          </a:p>
-          <a:p>
-            <a:endParaRPr lang="en-US" altLang="ja-JP" dirty="0"/>
-          </a:p>
-          <a:p>
-            <a:endParaRPr lang="en-US" altLang="ja-JP" dirty="0"/>
-          </a:p>
-          <a:p>
-            <a:endParaRPr lang="en-US" altLang="ja-JP" dirty="0"/>
-          </a:p>
-          <a:p>
-            <a:r>
-              <a:rPr kumimoji="1" lang="ja-JP" altLang="en-US" dirty="0"/>
-              <a:t>問題</a:t>
-            </a:r>
+              <a:rPr lang="ja-JP" altLang="en-US" dirty="0"/>
+              <a:t>データ拡張の空間を探索し</a:t>
+            </a:r>
+            <a:r>
+              <a:rPr lang="en-US" altLang="ja-JP" dirty="0"/>
+              <a:t>, </a:t>
+            </a:r>
+            <a:r>
+              <a:rPr lang="ja-JP" altLang="en-US" dirty="0"/>
+              <a:t>最高の検証精度となる最適な方策を見つける</a:t>
+            </a:r>
+            <a:endParaRPr kumimoji="1" lang="ja-JP" altLang="en-US" dirty="0"/>
           </a:p>
         </p:txBody>
       </p:sp>
@@ -7829,7 +8024,7 @@
           <p:cNvPr id="4" name="スライド番号プレースホルダー 3">
             <a:extLst>
               <a:ext uri="{FF2B5EF4-FFF2-40B4-BE49-F238E27FC236}">
-                <a16:creationId xmlns:a16="http://schemas.microsoft.com/office/drawing/2014/main" id="{AE23CC93-6598-436C-A766-52E7A2470210}"/>
+                <a16:creationId xmlns:a16="http://schemas.microsoft.com/office/drawing/2014/main" id="{22CDD866-8737-4E13-9DE5-B807497D9576}"/>
               </a:ext>
             </a:extLst>
           </p:cNvPr>
@@ -7853,10 +8048,104 @@
           </a:p>
         </p:txBody>
       </p:sp>
+      <p:sp>
+        <p:nvSpPr>
+          <p:cNvPr id="5" name="テキスト ボックス 4">
+            <a:extLst>
+              <a:ext uri="{FF2B5EF4-FFF2-40B4-BE49-F238E27FC236}">
+                <a16:creationId xmlns:a16="http://schemas.microsoft.com/office/drawing/2014/main" id="{A529D4DE-F7C7-49C9-8BE5-07BBD439A888}"/>
+              </a:ext>
+            </a:extLst>
+          </p:cNvPr>
+          <p:cNvSpPr txBox="1"/>
+          <p:nvPr/>
+        </p:nvSpPr>
+        <p:spPr>
+          <a:xfrm>
+            <a:off x="632178" y="5444066"/>
+            <a:ext cx="5424311" cy="923330"/>
+          </a:xfrm>
+          <a:prstGeom prst="rect">
+            <a:avLst/>
+          </a:prstGeom>
+          <a:noFill/>
+        </p:spPr>
+        <p:txBody>
+          <a:bodyPr rot="0" spcFirstLastPara="0" vertOverflow="overflow" horzOverflow="overflow" vert="horz" wrap="square" lIns="91440" tIns="45720" rIns="91440" bIns="45720" numCol="1" spcCol="0" rtlCol="0" fromWordArt="0" anchor="t" anchorCtr="0" forceAA="0" compatLnSpc="1">
+            <a:prstTxWarp prst="textNoShape">
+              <a:avLst/>
+            </a:prstTxWarp>
+            <a:spAutoFit/>
+          </a:bodyPr>
+          <a:lstStyle/>
+          <a:p>
+            <a:r>
+              <a:rPr lang="en-US" altLang="ja-JP" dirty="0">
+                <a:ea typeface="ＭＳ Ｐゴシック"/>
+              </a:rPr>
+              <a:t>Ekin </a:t>
+            </a:r>
+            <a:r>
+              <a:rPr lang="en-US" altLang="ja-JP" dirty="0" err="1">
+                <a:ea typeface="ＭＳ Ｐゴシック"/>
+              </a:rPr>
+              <a:t>Dogus</a:t>
+            </a:r>
+            <a:r>
+              <a:rPr lang="en-US" altLang="ja-JP" dirty="0">
+                <a:ea typeface="ＭＳ Ｐゴシック"/>
+              </a:rPr>
+              <a:t> </a:t>
+            </a:r>
+            <a:r>
+              <a:rPr lang="en-US" altLang="ja-JP" dirty="0" err="1">
+                <a:ea typeface="ＭＳ Ｐゴシック"/>
+              </a:rPr>
+              <a:t>Cubuk</a:t>
+            </a:r>
+            <a:r>
+              <a:rPr lang="en-US" altLang="ja-JP" dirty="0">
+                <a:ea typeface="ＭＳ Ｐゴシック"/>
+              </a:rPr>
+              <a:t> and Barret </a:t>
+            </a:r>
+            <a:r>
+              <a:rPr lang="en-US" altLang="ja-JP" dirty="0" err="1">
+                <a:ea typeface="ＭＳ Ｐゴシック"/>
+              </a:rPr>
+              <a:t>Zoph</a:t>
+            </a:r>
+            <a:r>
+              <a:rPr lang="en-US" altLang="ja-JP" dirty="0">
+                <a:ea typeface="ＭＳ Ｐゴシック"/>
+              </a:rPr>
+              <a:t> and Dandelion Mane and Vijay Vasudevan and Quoc V. Le. </a:t>
+            </a:r>
+            <a:r>
+              <a:rPr lang="en-US" dirty="0" err="1">
+                <a:ea typeface="+mn-lt"/>
+                <a:cs typeface="+mn-lt"/>
+              </a:rPr>
+              <a:t>AutoAugment</a:t>
+            </a:r>
+            <a:r>
+              <a:rPr lang="en-US" dirty="0">
+                <a:ea typeface="+mn-lt"/>
+                <a:cs typeface="+mn-lt"/>
+              </a:rPr>
+              <a:t>: Learning Augmentation Policies from Data 2018</a:t>
+            </a:r>
+            <a:endParaRPr lang="en-US" altLang="ja-JP" dirty="0">
+              <a:ea typeface="ＭＳ Ｐゴシック"/>
+              <a:cs typeface="Calibri"/>
+            </a:endParaRPr>
+          </a:p>
+        </p:txBody>
+      </p:sp>
     </p:spTree>
     <p:extLst>
       <p:ext uri="{BB962C8B-B14F-4D97-AF65-F5344CB8AC3E}">
-        <p14:creationId xmlns:p14="http://schemas.microsoft.com/office/powerpoint/2010/main" val="289198549"/>
+        <p14:creationId xmlns:p14="http://schemas.microsoft.com/office/powerpoint/2010/main" val="4196173772"/>
       </p:ext>
     </p:extLst>
   </p:cSld>
@@ -7888,6 +8177,137 @@
           <p:cNvPr id="2" name="タイトル 1">
             <a:extLst>
               <a:ext uri="{FF2B5EF4-FFF2-40B4-BE49-F238E27FC236}">
+                <a16:creationId xmlns:a16="http://schemas.microsoft.com/office/drawing/2014/main" id="{7D5FA137-D008-44C4-A68C-1620CDE9FBA3}"/>
+              </a:ext>
+            </a:extLst>
+          </p:cNvPr>
+          <p:cNvSpPr>
+            <a:spLocks noGrp="1"/>
+          </p:cNvSpPr>
+          <p:nvPr>
+            <p:ph type="title"/>
+          </p:nvPr>
+        </p:nvSpPr>
+        <p:spPr/>
+        <p:txBody>
+          <a:bodyPr/>
+          <a:lstStyle/>
+          <a:p>
+            <a:r>
+              <a:rPr kumimoji="1" lang="ja-JP" altLang="en-US" dirty="0"/>
+              <a:t>実験</a:t>
+            </a:r>
+          </a:p>
+        </p:txBody>
+      </p:sp>
+      <p:sp>
+        <p:nvSpPr>
+          <p:cNvPr id="3" name="コンテンツ プレースホルダー 2">
+            <a:extLst>
+              <a:ext uri="{FF2B5EF4-FFF2-40B4-BE49-F238E27FC236}">
+                <a16:creationId xmlns:a16="http://schemas.microsoft.com/office/drawing/2014/main" id="{65C1B5A9-714A-4CDD-9AB1-78B3672391E9}"/>
+              </a:ext>
+            </a:extLst>
+          </p:cNvPr>
+          <p:cNvSpPr>
+            <a:spLocks noGrp="1"/>
+          </p:cNvSpPr>
+          <p:nvPr>
+            <p:ph idx="1"/>
+          </p:nvPr>
+        </p:nvSpPr>
+        <p:spPr/>
+        <p:txBody>
+          <a:bodyPr/>
+          <a:lstStyle/>
+          <a:p>
+            <a:r>
+              <a:rPr kumimoji="1" lang="ja-JP" altLang="en-US" dirty="0"/>
+              <a:t>目的</a:t>
+            </a:r>
+            <a:endParaRPr kumimoji="1" lang="en-US" altLang="ja-JP" dirty="0"/>
+          </a:p>
+          <a:p>
+            <a:endParaRPr lang="en-US" altLang="ja-JP" dirty="0"/>
+          </a:p>
+          <a:p>
+            <a:endParaRPr lang="en-US" altLang="ja-JP" dirty="0"/>
+          </a:p>
+          <a:p>
+            <a:endParaRPr lang="en-US" altLang="ja-JP" dirty="0"/>
+          </a:p>
+          <a:p>
+            <a:r>
+              <a:rPr kumimoji="1" lang="ja-JP" altLang="en-US" dirty="0"/>
+              <a:t>問題</a:t>
+            </a:r>
+          </a:p>
+        </p:txBody>
+      </p:sp>
+      <p:sp>
+        <p:nvSpPr>
+          <p:cNvPr id="4" name="スライド番号プレースホルダー 3">
+            <a:extLst>
+              <a:ext uri="{FF2B5EF4-FFF2-40B4-BE49-F238E27FC236}">
+                <a16:creationId xmlns:a16="http://schemas.microsoft.com/office/drawing/2014/main" id="{AE23CC93-6598-436C-A766-52E7A2470210}"/>
+              </a:ext>
+            </a:extLst>
+          </p:cNvPr>
+          <p:cNvSpPr>
+            <a:spLocks noGrp="1"/>
+          </p:cNvSpPr>
+          <p:nvPr>
+            <p:ph type="sldNum" sz="quarter" idx="12"/>
+          </p:nvPr>
+        </p:nvSpPr>
+        <p:spPr/>
+        <p:txBody>
+          <a:bodyPr/>
+          <a:lstStyle/>
+          <a:p>
+            <a:fld id="{C4CD1851-4943-4D29-B153-35642A3D04B9}" type="slidenum">
+              <a:rPr kumimoji="1" lang="ja-JP" altLang="en-US" smtClean="0"/>
+              <a:t>14</a:t>
+            </a:fld>
+            <a:endParaRPr kumimoji="1" lang="ja-JP" altLang="en-US"/>
+          </a:p>
+        </p:txBody>
+      </p:sp>
+    </p:spTree>
+    <p:extLst>
+      <p:ext uri="{BB962C8B-B14F-4D97-AF65-F5344CB8AC3E}">
+        <p14:creationId xmlns:p14="http://schemas.microsoft.com/office/powerpoint/2010/main" val="289198549"/>
+      </p:ext>
+    </p:extLst>
+  </p:cSld>
+  <p:clrMapOvr>
+    <a:masterClrMapping/>
+  </p:clrMapOvr>
+</p:sld>
+</file>
+
+<file path=ppt/slides/slide15.xml><?xml version="1.0" encoding="utf-8"?>
+<p:sld xmlns:a="http://schemas.openxmlformats.org/drawingml/2006/main" xmlns:r="http://schemas.openxmlformats.org/officeDocument/2006/relationships" xmlns:p="http://schemas.openxmlformats.org/presentationml/2006/main">
+  <p:cSld>
+    <p:spTree>
+      <p:nvGrpSpPr>
+        <p:cNvPr id="1" name=""/>
+        <p:cNvGrpSpPr/>
+        <p:nvPr/>
+      </p:nvGrpSpPr>
+      <p:grpSpPr>
+        <a:xfrm>
+          <a:off x="0" y="0"/>
+          <a:ext cx="0" cy="0"/>
+          <a:chOff x="0" y="0"/>
+          <a:chExt cx="0" cy="0"/>
+        </a:xfrm>
+      </p:grpSpPr>
+      <p:sp>
+        <p:nvSpPr>
+          <p:cNvPr id="2" name="タイトル 1">
+            <a:extLst>
+              <a:ext uri="{FF2B5EF4-FFF2-40B4-BE49-F238E27FC236}">
                 <a16:creationId xmlns:a16="http://schemas.microsoft.com/office/drawing/2014/main" id="{08F5870A-A176-46FE-8A15-9638D8B5B2ED}"/>
               </a:ext>
             </a:extLst>
@@ -7998,7 +8418,7 @@
           <a:p>
             <a:fld id="{C4CD1851-4943-4D29-B153-35642A3D04B9}" type="slidenum">
               <a:rPr kumimoji="1" lang="ja-JP" altLang="en-US" smtClean="0"/>
-              <a:t>14</a:t>
+              <a:t>15</a:t>
             </a:fld>
             <a:endParaRPr kumimoji="1" lang="ja-JP" altLang="en-US"/>
           </a:p>
@@ -8184,238 +8604,6 @@
 </p:sld>
 </file>
 
-<file path=ppt/slides/slide15.xml><?xml version="1.0" encoding="utf-8"?>
-<p:sld xmlns:a="http://schemas.openxmlformats.org/drawingml/2006/main" xmlns:r="http://schemas.openxmlformats.org/officeDocument/2006/relationships" xmlns:p="http://schemas.openxmlformats.org/presentationml/2006/main">
-  <p:cSld>
-    <p:spTree>
-      <p:nvGrpSpPr>
-        <p:cNvPr id="1" name=""/>
-        <p:cNvGrpSpPr/>
-        <p:nvPr/>
-      </p:nvGrpSpPr>
-      <p:grpSpPr>
-        <a:xfrm>
-          <a:off x="0" y="0"/>
-          <a:ext cx="0" cy="0"/>
-          <a:chOff x="0" y="0"/>
-          <a:chExt cx="0" cy="0"/>
-        </a:xfrm>
-      </p:grpSpPr>
-      <p:sp>
-        <p:nvSpPr>
-          <p:cNvPr id="2" name="タイトル 1">
-            <a:extLst>
-              <a:ext uri="{FF2B5EF4-FFF2-40B4-BE49-F238E27FC236}">
-                <a16:creationId xmlns:a16="http://schemas.microsoft.com/office/drawing/2014/main" id="{8EA8F374-BCB4-4017-B677-F40E83D7BC07}"/>
-              </a:ext>
-            </a:extLst>
-          </p:cNvPr>
-          <p:cNvSpPr>
-            <a:spLocks noGrp="1"/>
-          </p:cNvSpPr>
-          <p:nvPr>
-            <p:ph type="title"/>
-          </p:nvPr>
-        </p:nvSpPr>
-        <p:spPr/>
-        <p:txBody>
-          <a:bodyPr/>
-          <a:lstStyle/>
-          <a:p>
-            <a:r>
-              <a:rPr kumimoji="1" lang="ja-JP" altLang="en-US" dirty="0"/>
-              <a:t>実験１</a:t>
-            </a:r>
-          </a:p>
-        </p:txBody>
-      </p:sp>
-      <p:sp>
-        <p:nvSpPr>
-          <p:cNvPr id="3" name="コンテンツ プレースホルダー 2">
-            <a:extLst>
-              <a:ext uri="{FF2B5EF4-FFF2-40B4-BE49-F238E27FC236}">
-                <a16:creationId xmlns:a16="http://schemas.microsoft.com/office/drawing/2014/main" id="{387B9C2D-2ABB-4DF9-9CAD-418ED629E917}"/>
-              </a:ext>
-            </a:extLst>
-          </p:cNvPr>
-          <p:cNvSpPr>
-            <a:spLocks noGrp="1"/>
-          </p:cNvSpPr>
-          <p:nvPr>
-            <p:ph idx="1"/>
-          </p:nvPr>
-        </p:nvSpPr>
-        <p:spPr/>
-        <p:txBody>
-          <a:bodyPr/>
-          <a:lstStyle/>
-          <a:p>
-            <a:r>
-              <a:rPr kumimoji="1" lang="ja-JP" altLang="en-US" dirty="0"/>
-              <a:t>手法</a:t>
-            </a:r>
-            <a:endParaRPr kumimoji="1" lang="en-US" altLang="ja-JP" dirty="0"/>
-          </a:p>
-          <a:p>
-            <a:r>
-              <a:rPr lang="ja-JP" altLang="en-US" dirty="0"/>
-              <a:t>クラスを表す番号の前半</a:t>
-            </a:r>
-            <a:r>
-              <a:rPr lang="en-US" altLang="ja-JP" dirty="0"/>
-              <a:t>(airplane, mobile, bird, cat, deer)</a:t>
-            </a:r>
-            <a:r>
-              <a:rPr lang="ja-JP" altLang="en-US" dirty="0"/>
-              <a:t>で学習したモデルを</a:t>
-            </a:r>
-            <a:r>
-              <a:rPr lang="en-US" altLang="ja-JP" dirty="0"/>
-              <a:t>A,</a:t>
-            </a:r>
-          </a:p>
-          <a:p>
-            <a:r>
-              <a:rPr lang="ja-JP" altLang="en-US" dirty="0"/>
-              <a:t>後半</a:t>
-            </a:r>
-            <a:r>
-              <a:rPr lang="en-US" altLang="ja-JP" dirty="0"/>
-              <a:t>(dog, frog, horse, ship, truck)</a:t>
-            </a:r>
-            <a:r>
-              <a:rPr lang="ja-JP" altLang="en-US" dirty="0"/>
-              <a:t>で学習したモデルを</a:t>
-            </a:r>
-            <a:r>
-              <a:rPr lang="en-US" altLang="ja-JP" dirty="0"/>
-              <a:t>B</a:t>
-            </a:r>
-            <a:r>
-              <a:rPr lang="ja-JP" altLang="en-US" dirty="0"/>
-              <a:t>とする</a:t>
-            </a:r>
-            <a:r>
-              <a:rPr lang="en-US" altLang="ja-JP" dirty="0"/>
-              <a:t>.</a:t>
-            </a:r>
-          </a:p>
-          <a:p>
-            <a:endParaRPr lang="en-US" altLang="ja-JP" dirty="0"/>
-          </a:p>
-          <a:p>
-            <a:r>
-              <a:rPr lang="ja-JP" altLang="en-US" dirty="0"/>
-              <a:t>結合したモデル</a:t>
-            </a:r>
-            <a:r>
-              <a:rPr lang="en-US" altLang="ja-JP" dirty="0"/>
-              <a:t>A + B</a:t>
-            </a:r>
-            <a:r>
-              <a:rPr lang="ja-JP" altLang="en-US" dirty="0"/>
-              <a:t>は</a:t>
-            </a:r>
-            <a:r>
-              <a:rPr lang="en-US" altLang="ja-JP" dirty="0"/>
-              <a:t>, 10</a:t>
-            </a:r>
-            <a:r>
-              <a:rPr lang="ja-JP" altLang="en-US" dirty="0"/>
-              <a:t>クラス分類問題を解く</a:t>
-            </a:r>
-            <a:r>
-              <a:rPr lang="en-US" altLang="ja-JP" dirty="0"/>
-              <a:t>.</a:t>
-            </a:r>
-          </a:p>
-          <a:p>
-            <a:r>
-              <a:rPr lang="ja-JP" altLang="en-US" dirty="0"/>
-              <a:t>結合の際は</a:t>
-            </a:r>
-            <a:r>
-              <a:rPr lang="en-US" altLang="ja-JP" dirty="0"/>
-              <a:t>10</a:t>
-            </a:r>
-            <a:r>
-              <a:rPr lang="ja-JP" altLang="en-US" dirty="0"/>
-              <a:t>クラスのデータセットを</a:t>
-            </a:r>
-            <a:r>
-              <a:rPr lang="en-US" altLang="ja-JP" dirty="0"/>
-              <a:t>A, B</a:t>
-            </a:r>
-            <a:r>
-              <a:rPr lang="ja-JP" altLang="en-US" dirty="0"/>
-              <a:t>に入力し</a:t>
-            </a:r>
-            <a:r>
-              <a:rPr lang="en-US" altLang="ja-JP" dirty="0"/>
-              <a:t>, </a:t>
-            </a:r>
-            <a:r>
-              <a:rPr lang="ja-JP" altLang="en-US" dirty="0"/>
-              <a:t>得られた出力の次元を</a:t>
-            </a:r>
-            <a:r>
-              <a:rPr lang="en-US" altLang="ja-JP" dirty="0"/>
-              <a:t>10</a:t>
-            </a:r>
-            <a:r>
-              <a:rPr lang="ja-JP" altLang="en-US" dirty="0"/>
-              <a:t>クラスに拡張して和を求めた</a:t>
-            </a:r>
-            <a:r>
-              <a:rPr lang="en-US" altLang="ja-JP" dirty="0"/>
-              <a:t>.</a:t>
-            </a:r>
-            <a:endParaRPr kumimoji="1" lang="ja-JP" altLang="en-US" dirty="0"/>
-          </a:p>
-        </p:txBody>
-      </p:sp>
-      <p:sp>
-        <p:nvSpPr>
-          <p:cNvPr id="4" name="スライド番号プレースホルダー 3">
-            <a:extLst>
-              <a:ext uri="{FF2B5EF4-FFF2-40B4-BE49-F238E27FC236}">
-                <a16:creationId xmlns:a16="http://schemas.microsoft.com/office/drawing/2014/main" id="{410C5D71-53BC-483B-A213-E8F6E3A40EAA}"/>
-              </a:ext>
-            </a:extLst>
-          </p:cNvPr>
-          <p:cNvSpPr>
-            <a:spLocks noGrp="1"/>
-          </p:cNvSpPr>
-          <p:nvPr>
-            <p:ph type="sldNum" sz="quarter" idx="12"/>
-          </p:nvPr>
-        </p:nvSpPr>
-        <p:spPr/>
-        <p:txBody>
-          <a:bodyPr/>
-          <a:lstStyle/>
-          <a:p>
-            <a:fld id="{C4CD1851-4943-4D29-B153-35642A3D04B9}" type="slidenum">
-              <a:rPr kumimoji="1" lang="ja-JP" altLang="en-US" smtClean="0"/>
-              <a:t>15</a:t>
-            </a:fld>
-            <a:endParaRPr kumimoji="1" lang="ja-JP" altLang="en-US"/>
-          </a:p>
-        </p:txBody>
-      </p:sp>
-    </p:spTree>
-    <p:extLst>
-      <p:ext uri="{BB962C8B-B14F-4D97-AF65-F5344CB8AC3E}">
-        <p14:creationId xmlns:p14="http://schemas.microsoft.com/office/powerpoint/2010/main" val="3697988260"/>
-      </p:ext>
-    </p:extLst>
-  </p:cSld>
-  <p:clrMapOvr>
-    <a:masterClrMapping/>
-  </p:clrMapOvr>
-</p:sld>
-</file>
-
 <file path=ppt/slides/slide16.xml><?xml version="1.0" encoding="utf-8"?>
 <p:sld xmlns:a="http://schemas.openxmlformats.org/drawingml/2006/main" xmlns:r="http://schemas.openxmlformats.org/officeDocument/2006/relationships" xmlns:p="http://schemas.openxmlformats.org/presentationml/2006/main">
   <p:cSld>
@@ -8438,7 +8626,7 @@
           <p:cNvPr id="2" name="タイトル 1">
             <a:extLst>
               <a:ext uri="{FF2B5EF4-FFF2-40B4-BE49-F238E27FC236}">
-                <a16:creationId xmlns:a16="http://schemas.microsoft.com/office/drawing/2014/main" id="{3BAC027B-F658-46BC-82FB-43918E21E2C4}"/>
+                <a16:creationId xmlns:a16="http://schemas.microsoft.com/office/drawing/2014/main" id="{8EA8F374-BCB4-4017-B677-F40E83D7BC07}"/>
               </a:ext>
             </a:extLst>
           </p:cNvPr>
@@ -8454,51 +8642,164 @@
           <a:bodyPr/>
           <a:lstStyle/>
           <a:p>
-            <a:endParaRPr kumimoji="1" lang="ja-JP" altLang="en-US"/>
-          </a:p>
-        </p:txBody>
-      </p:sp>
-      <p:pic>
-        <p:nvPicPr>
-          <p:cNvPr id="7" name="コンテンツ プレースホルダー 6">
+            <a:r>
+              <a:rPr kumimoji="1" lang="ja-JP" altLang="en-US" dirty="0"/>
+              <a:t>実験１</a:t>
+            </a:r>
+          </a:p>
+        </p:txBody>
+      </p:sp>
+      <p:sp>
+        <p:nvSpPr>
+          <p:cNvPr id="3" name="コンテンツ プレースホルダー 2">
             <a:extLst>
               <a:ext uri="{FF2B5EF4-FFF2-40B4-BE49-F238E27FC236}">
-                <a16:creationId xmlns:a16="http://schemas.microsoft.com/office/drawing/2014/main" id="{41C8B8AB-C406-408B-B382-B7C62E5CA4EF}"/>
+                <a16:creationId xmlns:a16="http://schemas.microsoft.com/office/drawing/2014/main" id="{387B9C2D-2ABB-4DF9-9CAD-418ED629E917}"/>
               </a:ext>
             </a:extLst>
           </p:cNvPr>
-          <p:cNvPicPr>
-            <a:picLocks noGrp="1" noChangeAspect="1"/>
-          </p:cNvPicPr>
+          <p:cNvSpPr>
+            <a:spLocks noGrp="1"/>
+          </p:cNvSpPr>
           <p:nvPr>
             <p:ph idx="1"/>
           </p:nvPr>
-        </p:nvPicPr>
-        <p:blipFill>
-          <a:blip r:embed="rId2">
-            <a:extLst>
-              <a:ext uri="{28A0092B-C50C-407E-A947-70E740481C1C}">
-                <a14:useLocalDpi xmlns:a14="http://schemas.microsoft.com/office/drawing/2010/main" val="0"/>
-              </a:ext>
-            </a:extLst>
-          </a:blip>
-          <a:stretch>
-            <a:fillRect/>
-          </a:stretch>
-        </p:blipFill>
-        <p:spPr>
-          <a:xfrm>
-            <a:off x="633413" y="2347204"/>
-            <a:ext cx="7886700" cy="3314529"/>
-          </a:xfrm>
-        </p:spPr>
-      </p:pic>
+        </p:nvSpPr>
+        <p:spPr/>
+        <p:txBody>
+          <a:bodyPr/>
+          <a:lstStyle/>
+          <a:p>
+            <a:r>
+              <a:rPr kumimoji="1" lang="ja-JP" altLang="en-US" dirty="0"/>
+              <a:t>手法</a:t>
+            </a:r>
+            <a:endParaRPr kumimoji="1" lang="en-US" altLang="ja-JP" dirty="0"/>
+          </a:p>
+          <a:p>
+            <a:r>
+              <a:rPr lang="ja-JP" altLang="en-US" dirty="0"/>
+              <a:t>クラスを表す番号の前半</a:t>
+            </a:r>
+            <a:r>
+              <a:rPr lang="en-US" altLang="ja-JP" dirty="0"/>
+              <a:t>(airplane, mobile, bird, cat, deer)</a:t>
+            </a:r>
+            <a:r>
+              <a:rPr lang="ja-JP" altLang="en-US" dirty="0"/>
+              <a:t>で学習したモデルを</a:t>
+            </a:r>
+            <a:r>
+              <a:rPr lang="en-US" altLang="ja-JP" dirty="0"/>
+              <a:t>A,</a:t>
+            </a:r>
+          </a:p>
+          <a:p>
+            <a:r>
+              <a:rPr lang="ja-JP" altLang="en-US" dirty="0"/>
+              <a:t>後半</a:t>
+            </a:r>
+            <a:r>
+              <a:rPr lang="en-US" altLang="ja-JP" dirty="0"/>
+              <a:t>(dog, frog, horse, ship, truck)</a:t>
+            </a:r>
+            <a:r>
+              <a:rPr lang="ja-JP" altLang="en-US" dirty="0"/>
+              <a:t>で学習したモデルを</a:t>
+            </a:r>
+            <a:r>
+              <a:rPr lang="en-US" altLang="ja-JP" dirty="0"/>
+              <a:t>B</a:t>
+            </a:r>
+            <a:r>
+              <a:rPr lang="ja-JP" altLang="en-US" dirty="0"/>
+              <a:t>とする</a:t>
+            </a:r>
+            <a:r>
+              <a:rPr lang="en-US" altLang="ja-JP" dirty="0"/>
+              <a:t>.</a:t>
+            </a:r>
+          </a:p>
+          <a:p>
+            <a:endParaRPr lang="en-US" altLang="ja-JP" dirty="0"/>
+          </a:p>
+          <a:p>
+            <a:r>
+              <a:rPr lang="ja-JP" altLang="en-US" dirty="0"/>
+              <a:t>結合したモデル</a:t>
+            </a:r>
+            <a:r>
+              <a:rPr lang="en-US" altLang="ja-JP" dirty="0"/>
+              <a:t>A + B</a:t>
+            </a:r>
+            <a:r>
+              <a:rPr lang="ja-JP" altLang="en-US" dirty="0"/>
+              <a:t>は</a:t>
+            </a:r>
+            <a:r>
+              <a:rPr lang="en-US" altLang="ja-JP" dirty="0"/>
+              <a:t>, 10</a:t>
+            </a:r>
+            <a:r>
+              <a:rPr lang="ja-JP" altLang="en-US" dirty="0"/>
+              <a:t>クラス分類問題を解く</a:t>
+            </a:r>
+            <a:r>
+              <a:rPr lang="en-US" altLang="ja-JP" dirty="0"/>
+              <a:t>.</a:t>
+            </a:r>
+          </a:p>
+          <a:p>
+            <a:r>
+              <a:rPr lang="ja-JP" altLang="en-US" dirty="0"/>
+              <a:t>結合の際は</a:t>
+            </a:r>
+            <a:r>
+              <a:rPr lang="en-US" altLang="ja-JP" dirty="0"/>
+              <a:t>10</a:t>
+            </a:r>
+            <a:r>
+              <a:rPr lang="ja-JP" altLang="en-US" dirty="0"/>
+              <a:t>クラスのデータセットを</a:t>
+            </a:r>
+            <a:r>
+              <a:rPr lang="en-US" altLang="ja-JP" dirty="0"/>
+              <a:t>A, B</a:t>
+            </a:r>
+            <a:r>
+              <a:rPr lang="ja-JP" altLang="en-US" dirty="0"/>
+              <a:t>に入力し</a:t>
+            </a:r>
+            <a:r>
+              <a:rPr lang="en-US" altLang="ja-JP" dirty="0"/>
+              <a:t>, </a:t>
+            </a:r>
+            <a:r>
+              <a:rPr lang="ja-JP" altLang="en-US" dirty="0"/>
+              <a:t>得られた出力の次元を</a:t>
+            </a:r>
+            <a:r>
+              <a:rPr lang="en-US" altLang="ja-JP" dirty="0"/>
+              <a:t>10</a:t>
+            </a:r>
+            <a:r>
+              <a:rPr lang="ja-JP" altLang="en-US" dirty="0"/>
+              <a:t>クラスに拡張して和を求めた</a:t>
+            </a:r>
+            <a:r>
+              <a:rPr lang="en-US" altLang="ja-JP" dirty="0"/>
+              <a:t>.</a:t>
+            </a:r>
+            <a:endParaRPr kumimoji="1" lang="ja-JP" altLang="en-US" dirty="0"/>
+          </a:p>
+        </p:txBody>
+      </p:sp>
       <p:sp>
         <p:nvSpPr>
           <p:cNvPr id="4" name="スライド番号プレースホルダー 3">
             <a:extLst>
               <a:ext uri="{FF2B5EF4-FFF2-40B4-BE49-F238E27FC236}">
-                <a16:creationId xmlns:a16="http://schemas.microsoft.com/office/drawing/2014/main" id="{2F6130B3-EA15-4FC0-9D02-B1F3A35530A3}"/>
+                <a16:creationId xmlns:a16="http://schemas.microsoft.com/office/drawing/2014/main" id="{410C5D71-53BC-483B-A213-E8F6E3A40EAA}"/>
               </a:ext>
             </a:extLst>
           </p:cNvPr>
@@ -8525,7 +8826,7 @@
     </p:spTree>
     <p:extLst>
       <p:ext uri="{BB962C8B-B14F-4D97-AF65-F5344CB8AC3E}">
-        <p14:creationId xmlns:p14="http://schemas.microsoft.com/office/powerpoint/2010/main" val="551856421"/>
+        <p14:creationId xmlns:p14="http://schemas.microsoft.com/office/powerpoint/2010/main" val="3697988260"/>
       </p:ext>
     </p:extLst>
   </p:cSld>
@@ -8557,6 +8858,125 @@
           <p:cNvPr id="2" name="タイトル 1">
             <a:extLst>
               <a:ext uri="{FF2B5EF4-FFF2-40B4-BE49-F238E27FC236}">
+                <a16:creationId xmlns:a16="http://schemas.microsoft.com/office/drawing/2014/main" id="{3BAC027B-F658-46BC-82FB-43918E21E2C4}"/>
+              </a:ext>
+            </a:extLst>
+          </p:cNvPr>
+          <p:cNvSpPr>
+            <a:spLocks noGrp="1"/>
+          </p:cNvSpPr>
+          <p:nvPr>
+            <p:ph type="title"/>
+          </p:nvPr>
+        </p:nvSpPr>
+        <p:spPr/>
+        <p:txBody>
+          <a:bodyPr/>
+          <a:lstStyle/>
+          <a:p>
+            <a:endParaRPr kumimoji="1" lang="ja-JP" altLang="en-US"/>
+          </a:p>
+        </p:txBody>
+      </p:sp>
+      <p:pic>
+        <p:nvPicPr>
+          <p:cNvPr id="7" name="コンテンツ プレースホルダー 6">
+            <a:extLst>
+              <a:ext uri="{FF2B5EF4-FFF2-40B4-BE49-F238E27FC236}">
+                <a16:creationId xmlns:a16="http://schemas.microsoft.com/office/drawing/2014/main" id="{41C8B8AB-C406-408B-B382-B7C62E5CA4EF}"/>
+              </a:ext>
+            </a:extLst>
+          </p:cNvPr>
+          <p:cNvPicPr>
+            <a:picLocks noGrp="1" noChangeAspect="1"/>
+          </p:cNvPicPr>
+          <p:nvPr>
+            <p:ph idx="1"/>
+          </p:nvPr>
+        </p:nvPicPr>
+        <p:blipFill>
+          <a:blip r:embed="rId2">
+            <a:extLst>
+              <a:ext uri="{28A0092B-C50C-407E-A947-70E740481C1C}">
+                <a14:useLocalDpi xmlns:a14="http://schemas.microsoft.com/office/drawing/2010/main" val="0"/>
+              </a:ext>
+            </a:extLst>
+          </a:blip>
+          <a:stretch>
+            <a:fillRect/>
+          </a:stretch>
+        </p:blipFill>
+        <p:spPr>
+          <a:xfrm>
+            <a:off x="633413" y="2347204"/>
+            <a:ext cx="7886700" cy="3314529"/>
+          </a:xfrm>
+        </p:spPr>
+      </p:pic>
+      <p:sp>
+        <p:nvSpPr>
+          <p:cNvPr id="4" name="スライド番号プレースホルダー 3">
+            <a:extLst>
+              <a:ext uri="{FF2B5EF4-FFF2-40B4-BE49-F238E27FC236}">
+                <a16:creationId xmlns:a16="http://schemas.microsoft.com/office/drawing/2014/main" id="{2F6130B3-EA15-4FC0-9D02-B1F3A35530A3}"/>
+              </a:ext>
+            </a:extLst>
+          </p:cNvPr>
+          <p:cNvSpPr>
+            <a:spLocks noGrp="1"/>
+          </p:cNvSpPr>
+          <p:nvPr>
+            <p:ph type="sldNum" sz="quarter" idx="12"/>
+          </p:nvPr>
+        </p:nvSpPr>
+        <p:spPr/>
+        <p:txBody>
+          <a:bodyPr/>
+          <a:lstStyle/>
+          <a:p>
+            <a:fld id="{C4CD1851-4943-4D29-B153-35642A3D04B9}" type="slidenum">
+              <a:rPr kumimoji="1" lang="ja-JP" altLang="en-US" smtClean="0"/>
+              <a:t>17</a:t>
+            </a:fld>
+            <a:endParaRPr kumimoji="1" lang="ja-JP" altLang="en-US"/>
+          </a:p>
+        </p:txBody>
+      </p:sp>
+    </p:spTree>
+    <p:extLst>
+      <p:ext uri="{BB962C8B-B14F-4D97-AF65-F5344CB8AC3E}">
+        <p14:creationId xmlns:p14="http://schemas.microsoft.com/office/powerpoint/2010/main" val="551856421"/>
+      </p:ext>
+    </p:extLst>
+  </p:cSld>
+  <p:clrMapOvr>
+    <a:masterClrMapping/>
+  </p:clrMapOvr>
+</p:sld>
+</file>
+
+<file path=ppt/slides/slide18.xml><?xml version="1.0" encoding="utf-8"?>
+<p:sld xmlns:a="http://schemas.openxmlformats.org/drawingml/2006/main" xmlns:r="http://schemas.openxmlformats.org/officeDocument/2006/relationships" xmlns:p="http://schemas.openxmlformats.org/presentationml/2006/main">
+  <p:cSld>
+    <p:spTree>
+      <p:nvGrpSpPr>
+        <p:cNvPr id="1" name=""/>
+        <p:cNvGrpSpPr/>
+        <p:nvPr/>
+      </p:nvGrpSpPr>
+      <p:grpSpPr>
+        <a:xfrm>
+          <a:off x="0" y="0"/>
+          <a:ext cx="0" cy="0"/>
+          <a:chOff x="0" y="0"/>
+          <a:chExt cx="0" cy="0"/>
+        </a:xfrm>
+      </p:grpSpPr>
+      <p:sp>
+        <p:nvSpPr>
+          <p:cNvPr id="2" name="タイトル 1">
+            <a:extLst>
+              <a:ext uri="{FF2B5EF4-FFF2-40B4-BE49-F238E27FC236}">
                 <a16:creationId xmlns:a16="http://schemas.microsoft.com/office/drawing/2014/main" id="{4252B173-BBCA-48A9-8D46-7FA76B972868}"/>
               </a:ext>
             </a:extLst>
@@ -8635,7 +9055,7 @@
           <a:p>
             <a:fld id="{C4CD1851-4943-4D29-B153-35642A3D04B9}" type="slidenum">
               <a:rPr kumimoji="1" lang="ja-JP" altLang="en-US" smtClean="0"/>
-              <a:t>17</a:t>
+              <a:t>18</a:t>
             </a:fld>
             <a:endParaRPr kumimoji="1" lang="ja-JP" altLang="en-US"/>
           </a:p>
@@ -8654,7 +9074,7 @@
 </p:sld>
 </file>
 
-<file path=ppt/slides/slide18.xml><?xml version="1.0" encoding="utf-8"?>
+<file path=ppt/slides/slide19.xml><?xml version="1.0" encoding="utf-8"?>
 <p:sld xmlns:a="http://schemas.openxmlformats.org/drawingml/2006/main" xmlns:r="http://schemas.openxmlformats.org/officeDocument/2006/relationships" xmlns:p="http://schemas.openxmlformats.org/presentationml/2006/main">
   <p:cSld>
     <p:spTree>
@@ -9472,7 +9892,7 @@
           <a:p>
             <a:fld id="{C4CD1851-4943-4D29-B153-35642A3D04B9}" type="slidenum">
               <a:rPr kumimoji="1" lang="ja-JP" altLang="en-US" smtClean="0"/>
-              <a:t>18</a:t>
+              <a:t>19</a:t>
             </a:fld>
             <a:endParaRPr kumimoji="1" lang="ja-JP" altLang="en-US"/>
           </a:p>
@@ -9482,205 +9902,6 @@
     <p:extLst>
       <p:ext uri="{BB962C8B-B14F-4D97-AF65-F5344CB8AC3E}">
         <p14:creationId xmlns:p14="http://schemas.microsoft.com/office/powerpoint/2010/main" val="910558311"/>
-      </p:ext>
-    </p:extLst>
-  </p:cSld>
-  <p:clrMapOvr>
-    <a:masterClrMapping/>
-  </p:clrMapOvr>
-</p:sld>
-</file>
-
-<file path=ppt/slides/slide19.xml><?xml version="1.0" encoding="utf-8"?>
-<p:sld xmlns:a="http://schemas.openxmlformats.org/drawingml/2006/main" xmlns:r="http://schemas.openxmlformats.org/officeDocument/2006/relationships" xmlns:p="http://schemas.openxmlformats.org/presentationml/2006/main">
-  <p:cSld>
-    <p:spTree>
-      <p:nvGrpSpPr>
-        <p:cNvPr id="1" name=""/>
-        <p:cNvGrpSpPr/>
-        <p:nvPr/>
-      </p:nvGrpSpPr>
-      <p:grpSpPr>
-        <a:xfrm>
-          <a:off x="0" y="0"/>
-          <a:ext cx="0" cy="0"/>
-          <a:chOff x="0" y="0"/>
-          <a:chExt cx="0" cy="0"/>
-        </a:xfrm>
-      </p:grpSpPr>
-      <p:sp>
-        <p:nvSpPr>
-          <p:cNvPr id="2" name="タイトル 1">
-            <a:extLst>
-              <a:ext uri="{FF2B5EF4-FFF2-40B4-BE49-F238E27FC236}">
-                <a16:creationId xmlns:a16="http://schemas.microsoft.com/office/drawing/2014/main" id="{20D81EEE-473B-45A1-8F0D-286E0BB8C4EC}"/>
-              </a:ext>
-            </a:extLst>
-          </p:cNvPr>
-          <p:cNvSpPr>
-            <a:spLocks noGrp="1"/>
-          </p:cNvSpPr>
-          <p:nvPr>
-            <p:ph type="title"/>
-          </p:nvPr>
-        </p:nvSpPr>
-        <p:spPr/>
-        <p:txBody>
-          <a:bodyPr/>
-          <a:lstStyle/>
-          <a:p>
-            <a:r>
-              <a:rPr kumimoji="1" lang="ja-JP" altLang="en-US" dirty="0"/>
-              <a:t>実験２</a:t>
-            </a:r>
-          </a:p>
-        </p:txBody>
-      </p:sp>
-      <p:sp>
-        <p:nvSpPr>
-          <p:cNvPr id="3" name="コンテンツ プレースホルダー 2">
-            <a:extLst>
-              <a:ext uri="{FF2B5EF4-FFF2-40B4-BE49-F238E27FC236}">
-                <a16:creationId xmlns:a16="http://schemas.microsoft.com/office/drawing/2014/main" id="{718478E5-A116-481C-A147-295E443B8BB0}"/>
-              </a:ext>
-            </a:extLst>
-          </p:cNvPr>
-          <p:cNvSpPr>
-            <a:spLocks noGrp="1"/>
-          </p:cNvSpPr>
-          <p:nvPr>
-            <p:ph idx="1"/>
-          </p:nvPr>
-        </p:nvSpPr>
-        <p:spPr/>
-        <p:txBody>
-          <a:bodyPr/>
-          <a:lstStyle/>
-          <a:p>
-            <a:r>
-              <a:rPr kumimoji="1" lang="ja-JP" altLang="en-US" dirty="0"/>
-              <a:t>手法</a:t>
-            </a:r>
-            <a:endParaRPr kumimoji="1" lang="en-US" altLang="ja-JP" dirty="0"/>
-          </a:p>
-          <a:p>
-            <a:r>
-              <a:rPr lang="ja-JP" altLang="en-US" dirty="0"/>
-              <a:t>あるクラスの分類を複数のモデルで行うことで</a:t>
-            </a:r>
-            <a:r>
-              <a:rPr lang="en-US" altLang="ja-JP" dirty="0"/>
-              <a:t>, </a:t>
-            </a:r>
-            <a:r>
-              <a:rPr lang="ja-JP" altLang="en-US" dirty="0"/>
-              <a:t>実験</a:t>
-            </a:r>
-            <a:r>
-              <a:rPr lang="en-US" altLang="ja-JP" dirty="0"/>
-              <a:t>1</a:t>
-            </a:r>
-            <a:r>
-              <a:rPr lang="ja-JP" altLang="en-US" dirty="0"/>
-              <a:t>より高い精度の獲得を目指した</a:t>
-            </a:r>
-            <a:r>
-              <a:rPr lang="en-US" altLang="ja-JP" dirty="0"/>
-              <a:t>.</a:t>
-            </a:r>
-          </a:p>
-          <a:p>
-            <a:r>
-              <a:rPr lang="en-US" altLang="ja-JP" dirty="0"/>
-              <a:t>7</a:t>
-            </a:r>
-            <a:r>
-              <a:rPr lang="ja-JP" altLang="en-US" dirty="0"/>
-              <a:t>クラスを持つサブデータセットを</a:t>
-            </a:r>
-            <a:r>
-              <a:rPr lang="en-US" altLang="ja-JP" dirty="0"/>
-              <a:t>3</a:t>
-            </a:r>
-            <a:r>
-              <a:rPr lang="ja-JP" altLang="en-US" dirty="0"/>
-              <a:t>つ作成し</a:t>
-            </a:r>
-            <a:r>
-              <a:rPr lang="en-US" altLang="ja-JP" dirty="0"/>
-              <a:t>, </a:t>
-            </a:r>
-            <a:r>
-              <a:rPr lang="ja-JP" altLang="en-US" dirty="0"/>
-              <a:t>学習するモデルをそれぞれ</a:t>
-            </a:r>
-            <a:r>
-              <a:rPr lang="en-US" altLang="ja-JP" dirty="0"/>
-              <a:t>A, B, C</a:t>
-            </a:r>
-            <a:r>
-              <a:rPr lang="ja-JP" altLang="en-US" dirty="0"/>
-              <a:t>とした</a:t>
-            </a:r>
-            <a:r>
-              <a:rPr lang="en-US" altLang="ja-JP" dirty="0"/>
-              <a:t>.</a:t>
-            </a:r>
-          </a:p>
-          <a:p>
-            <a:r>
-              <a:rPr lang="ja-JP" altLang="en-US" dirty="0"/>
-              <a:t>各データセットのクラスは</a:t>
-            </a:r>
-            <a:r>
-              <a:rPr lang="en-US" altLang="ja-JP" dirty="0"/>
-              <a:t>, 2</a:t>
-            </a:r>
-            <a:r>
-              <a:rPr lang="ja-JP" altLang="en-US" dirty="0"/>
-              <a:t>つ以上の分類器でクラスを推定できるように振り分けた</a:t>
-            </a:r>
-            <a:r>
-              <a:rPr lang="en-US" altLang="ja-JP" dirty="0"/>
-              <a:t>.</a:t>
-            </a:r>
-            <a:endParaRPr kumimoji="1" lang="ja-JP" altLang="en-US" dirty="0"/>
-          </a:p>
-        </p:txBody>
-      </p:sp>
-      <p:sp>
-        <p:nvSpPr>
-          <p:cNvPr id="4" name="スライド番号プレースホルダー 3">
-            <a:extLst>
-              <a:ext uri="{FF2B5EF4-FFF2-40B4-BE49-F238E27FC236}">
-                <a16:creationId xmlns:a16="http://schemas.microsoft.com/office/drawing/2014/main" id="{C065733B-D842-4061-9EC8-03E2A5D6BF06}"/>
-              </a:ext>
-            </a:extLst>
-          </p:cNvPr>
-          <p:cNvSpPr>
-            <a:spLocks noGrp="1"/>
-          </p:cNvSpPr>
-          <p:nvPr>
-            <p:ph type="sldNum" sz="quarter" idx="12"/>
-          </p:nvPr>
-        </p:nvSpPr>
-        <p:spPr/>
-        <p:txBody>
-          <a:bodyPr/>
-          <a:lstStyle/>
-          <a:p>
-            <a:fld id="{C4CD1851-4943-4D29-B153-35642A3D04B9}" type="slidenum">
-              <a:rPr kumimoji="1" lang="ja-JP" altLang="en-US" smtClean="0"/>
-              <a:t>19</a:t>
-            </a:fld>
-            <a:endParaRPr kumimoji="1" lang="ja-JP" altLang="en-US"/>
-          </a:p>
-        </p:txBody>
-      </p:sp>
-    </p:spTree>
-    <p:extLst>
-      <p:ext uri="{BB962C8B-B14F-4D97-AF65-F5344CB8AC3E}">
-        <p14:creationId xmlns:p14="http://schemas.microsoft.com/office/powerpoint/2010/main" val="2056463254"/>
       </p:ext>
     </p:extLst>
   </p:cSld>
@@ -9898,7 +10119,7 @@
           <p:cNvPr id="2" name="タイトル 1">
             <a:extLst>
               <a:ext uri="{FF2B5EF4-FFF2-40B4-BE49-F238E27FC236}">
-                <a16:creationId xmlns:a16="http://schemas.microsoft.com/office/drawing/2014/main" id="{5495397F-B76B-447A-9E18-6DB34BB29CF2}"/>
+                <a16:creationId xmlns:a16="http://schemas.microsoft.com/office/drawing/2014/main" id="{20D81EEE-473B-45A1-8F0D-286E0BB8C4EC}"/>
               </a:ext>
             </a:extLst>
           </p:cNvPr>
@@ -9914,51 +10135,131 @@
           <a:bodyPr/>
           <a:lstStyle/>
           <a:p>
-            <a:endParaRPr kumimoji="1" lang="ja-JP" altLang="en-US"/>
-          </a:p>
-        </p:txBody>
-      </p:sp>
-      <p:pic>
-        <p:nvPicPr>
-          <p:cNvPr id="6" name="コンテンツ プレースホルダー 5">
+            <a:r>
+              <a:rPr kumimoji="1" lang="ja-JP" altLang="en-US" dirty="0"/>
+              <a:t>実験２</a:t>
+            </a:r>
+          </a:p>
+        </p:txBody>
+      </p:sp>
+      <p:sp>
+        <p:nvSpPr>
+          <p:cNvPr id="3" name="コンテンツ プレースホルダー 2">
             <a:extLst>
               <a:ext uri="{FF2B5EF4-FFF2-40B4-BE49-F238E27FC236}">
-                <a16:creationId xmlns:a16="http://schemas.microsoft.com/office/drawing/2014/main" id="{DCAA0EFD-AA4C-4C06-BB90-CE80CED35017}"/>
+                <a16:creationId xmlns:a16="http://schemas.microsoft.com/office/drawing/2014/main" id="{718478E5-A116-481C-A147-295E443B8BB0}"/>
               </a:ext>
             </a:extLst>
           </p:cNvPr>
-          <p:cNvPicPr>
-            <a:picLocks noGrp="1" noChangeAspect="1"/>
-          </p:cNvPicPr>
+          <p:cNvSpPr>
+            <a:spLocks noGrp="1"/>
+          </p:cNvSpPr>
           <p:nvPr>
             <p:ph idx="1"/>
           </p:nvPr>
-        </p:nvPicPr>
-        <p:blipFill>
-          <a:blip r:embed="rId2">
-            <a:extLst>
-              <a:ext uri="{28A0092B-C50C-407E-A947-70E740481C1C}">
-                <a14:useLocalDpi xmlns:a14="http://schemas.microsoft.com/office/drawing/2010/main" val="0"/>
-              </a:ext>
-            </a:extLst>
-          </a:blip>
-          <a:stretch>
-            <a:fillRect/>
-          </a:stretch>
-        </p:blipFill>
-        <p:spPr>
-          <a:xfrm>
-            <a:off x="875609" y="1427830"/>
-            <a:ext cx="7392782" cy="4928521"/>
-          </a:xfrm>
-        </p:spPr>
-      </p:pic>
+        </p:nvSpPr>
+        <p:spPr/>
+        <p:txBody>
+          <a:bodyPr/>
+          <a:lstStyle/>
+          <a:p>
+            <a:r>
+              <a:rPr kumimoji="1" lang="ja-JP" altLang="en-US" dirty="0"/>
+              <a:t>手法</a:t>
+            </a:r>
+            <a:endParaRPr kumimoji="1" lang="en-US" altLang="ja-JP" dirty="0"/>
+          </a:p>
+          <a:p>
+            <a:r>
+              <a:rPr lang="ja-JP" altLang="en-US" dirty="0"/>
+              <a:t>あるクラスの分類を複数のモデルで行うことで</a:t>
+            </a:r>
+            <a:r>
+              <a:rPr lang="en-US" altLang="ja-JP" dirty="0"/>
+              <a:t>, </a:t>
+            </a:r>
+            <a:r>
+              <a:rPr lang="ja-JP" altLang="en-US" dirty="0"/>
+              <a:t>実験</a:t>
+            </a:r>
+            <a:r>
+              <a:rPr lang="en-US" altLang="ja-JP" dirty="0"/>
+              <a:t>1</a:t>
+            </a:r>
+            <a:r>
+              <a:rPr lang="ja-JP" altLang="en-US" dirty="0"/>
+              <a:t>より高い精度の獲得を目指した</a:t>
+            </a:r>
+            <a:r>
+              <a:rPr lang="en-US" altLang="ja-JP" dirty="0"/>
+              <a:t>.</a:t>
+            </a:r>
+          </a:p>
+          <a:p>
+            <a:r>
+              <a:rPr lang="en-US" altLang="ja-JP" dirty="0"/>
+              <a:t>7</a:t>
+            </a:r>
+            <a:r>
+              <a:rPr lang="ja-JP" altLang="en-US" dirty="0"/>
+              <a:t>クラスを持つサブデータセットを</a:t>
+            </a:r>
+            <a:r>
+              <a:rPr lang="en-US" altLang="ja-JP" dirty="0"/>
+              <a:t>3</a:t>
+            </a:r>
+            <a:r>
+              <a:rPr lang="ja-JP" altLang="en-US" dirty="0"/>
+              <a:t>つ作成し</a:t>
+            </a:r>
+            <a:r>
+              <a:rPr lang="en-US" altLang="ja-JP" dirty="0"/>
+              <a:t>, </a:t>
+            </a:r>
+            <a:r>
+              <a:rPr lang="ja-JP" altLang="en-US" dirty="0"/>
+              <a:t>学習するモデルをそれぞれ</a:t>
+            </a:r>
+            <a:r>
+              <a:rPr lang="en-US" altLang="ja-JP" dirty="0"/>
+              <a:t>A, B, C</a:t>
+            </a:r>
+            <a:r>
+              <a:rPr lang="ja-JP" altLang="en-US" dirty="0"/>
+              <a:t>とした</a:t>
+            </a:r>
+            <a:r>
+              <a:rPr lang="en-US" altLang="ja-JP" dirty="0"/>
+              <a:t>.</a:t>
+            </a:r>
+          </a:p>
+          <a:p>
+            <a:r>
+              <a:rPr lang="ja-JP" altLang="en-US" dirty="0"/>
+              <a:t>各データセットのクラスは</a:t>
+            </a:r>
+            <a:r>
+              <a:rPr lang="en-US" altLang="ja-JP" dirty="0"/>
+              <a:t>, 2</a:t>
+            </a:r>
+            <a:r>
+              <a:rPr lang="ja-JP" altLang="en-US" dirty="0"/>
+              <a:t>つ以上の分類器でクラスを推定できるように振り分けた</a:t>
+            </a:r>
+            <a:r>
+              <a:rPr lang="en-US" altLang="ja-JP" dirty="0"/>
+              <a:t>.</a:t>
+            </a:r>
+            <a:endParaRPr kumimoji="1" lang="ja-JP" altLang="en-US" dirty="0"/>
+          </a:p>
+        </p:txBody>
+      </p:sp>
       <p:sp>
         <p:nvSpPr>
           <p:cNvPr id="4" name="スライド番号プレースホルダー 3">
             <a:extLst>
               <a:ext uri="{FF2B5EF4-FFF2-40B4-BE49-F238E27FC236}">
-                <a16:creationId xmlns:a16="http://schemas.microsoft.com/office/drawing/2014/main" id="{886CEAB1-9D21-43DB-B646-E110F71EB11E}"/>
+                <a16:creationId xmlns:a16="http://schemas.microsoft.com/office/drawing/2014/main" id="{C065733B-D842-4061-9EC8-03E2A5D6BF06}"/>
               </a:ext>
             </a:extLst>
           </p:cNvPr>
@@ -9985,7 +10286,7 @@
     </p:spTree>
     <p:extLst>
       <p:ext uri="{BB962C8B-B14F-4D97-AF65-F5344CB8AC3E}">
-        <p14:creationId xmlns:p14="http://schemas.microsoft.com/office/powerpoint/2010/main" val="3604123368"/>
+        <p14:creationId xmlns:p14="http://schemas.microsoft.com/office/powerpoint/2010/main" val="2056463254"/>
       </p:ext>
     </p:extLst>
   </p:cSld>
@@ -10017,7 +10318,7 @@
           <p:cNvPr id="2" name="タイトル 1">
             <a:extLst>
               <a:ext uri="{FF2B5EF4-FFF2-40B4-BE49-F238E27FC236}">
-                <a16:creationId xmlns:a16="http://schemas.microsoft.com/office/drawing/2014/main" id="{72D5F55E-D313-4F13-BC8E-AF840B011EEE}"/>
+                <a16:creationId xmlns:a16="http://schemas.microsoft.com/office/drawing/2014/main" id="{5495397F-B76B-447A-9E18-6DB34BB29CF2}"/>
               </a:ext>
             </a:extLst>
           </p:cNvPr>
@@ -10033,203 +10334,51 @@
           <a:bodyPr/>
           <a:lstStyle/>
           <a:p>
-            <a:r>
-              <a:rPr kumimoji="1" lang="ja-JP" altLang="en-US" dirty="0"/>
-              <a:t>考察</a:t>
-            </a:r>
-          </a:p>
-        </p:txBody>
-      </p:sp>
-      <p:sp>
-        <p:nvSpPr>
-          <p:cNvPr id="3" name="コンテンツ プレースホルダー 2">
+            <a:endParaRPr kumimoji="1" lang="ja-JP" altLang="en-US"/>
+          </a:p>
+        </p:txBody>
+      </p:sp>
+      <p:pic>
+        <p:nvPicPr>
+          <p:cNvPr id="6" name="コンテンツ プレースホルダー 5">
             <a:extLst>
               <a:ext uri="{FF2B5EF4-FFF2-40B4-BE49-F238E27FC236}">
-                <a16:creationId xmlns:a16="http://schemas.microsoft.com/office/drawing/2014/main" id="{4797259C-80EA-4E7F-B802-B94B565EECAD}"/>
+                <a16:creationId xmlns:a16="http://schemas.microsoft.com/office/drawing/2014/main" id="{DCAA0EFD-AA4C-4C06-BB90-CE80CED35017}"/>
               </a:ext>
             </a:extLst>
           </p:cNvPr>
-          <p:cNvSpPr>
-            <a:spLocks noGrp="1"/>
-          </p:cNvSpPr>
+          <p:cNvPicPr>
+            <a:picLocks noGrp="1" noChangeAspect="1"/>
+          </p:cNvPicPr>
           <p:nvPr>
             <p:ph idx="1"/>
           </p:nvPr>
-        </p:nvSpPr>
-        <p:spPr/>
-        <p:txBody>
-          <a:bodyPr>
-            <a:normAutofit fontScale="92500" lnSpcReduction="20000"/>
-          </a:bodyPr>
-          <a:lstStyle/>
-          <a:p>
-            <a:r>
-              <a:rPr lang="ja-JP" altLang="en-US" dirty="0"/>
-              <a:t>実験</a:t>
-            </a:r>
-            <a:r>
-              <a:rPr lang="en-US" altLang="ja-JP" dirty="0"/>
-              <a:t>1</a:t>
-            </a:r>
-            <a:r>
-              <a:rPr lang="ja-JP" altLang="en-US" dirty="0"/>
-              <a:t>ではクラスを拡張したデータセットでの</a:t>
-            </a:r>
-            <a:r>
-              <a:rPr lang="en-US" altLang="ja-JP" dirty="0"/>
-              <a:t>, </a:t>
-            </a:r>
-            <a:r>
-              <a:rPr lang="ja-JP" altLang="en-US" dirty="0"/>
-              <a:t>モデルの結合の有効性を見た</a:t>
-            </a:r>
-            <a:r>
-              <a:rPr lang="en-US" altLang="ja-JP" dirty="0"/>
-              <a:t>.</a:t>
-            </a:r>
-          </a:p>
-          <a:p>
-            <a:r>
-              <a:rPr lang="ja-JP" altLang="en-US" dirty="0"/>
-              <a:t>実験</a:t>
-            </a:r>
-            <a:r>
-              <a:rPr lang="en-US" altLang="ja-JP" dirty="0"/>
-              <a:t>2</a:t>
-            </a:r>
-            <a:r>
-              <a:rPr lang="ja-JP" altLang="en-US" dirty="0"/>
-              <a:t>では分類の結果を重ね合わせることで</a:t>
-            </a:r>
-            <a:r>
-              <a:rPr lang="en-US" altLang="ja-JP" dirty="0"/>
-              <a:t>, </a:t>
-            </a:r>
-            <a:r>
-              <a:rPr lang="ja-JP" altLang="en-US" dirty="0"/>
-              <a:t>テスト精度が非常に高まることが分かった</a:t>
-            </a:r>
-            <a:r>
-              <a:rPr lang="en-US" altLang="ja-JP" dirty="0"/>
-              <a:t>.</a:t>
-            </a:r>
-          </a:p>
-          <a:p>
-            <a:endParaRPr lang="en-US" altLang="ja-JP" dirty="0"/>
-          </a:p>
-          <a:p>
-            <a:r>
-              <a:rPr lang="ja-JP" altLang="en-US" dirty="0"/>
-              <a:t>色情報の似た画像クラスを含めることで効果的に</a:t>
-            </a:r>
-            <a:r>
-              <a:rPr lang="en-US" altLang="ja-JP" dirty="0"/>
-              <a:t>, </a:t>
-            </a:r>
-            <a:r>
-              <a:rPr lang="ja-JP" altLang="en-US" dirty="0"/>
-              <a:t>形状的特徴を学習するように促すなど</a:t>
-            </a:r>
-            <a:r>
-              <a:rPr lang="en-US" altLang="ja-JP" dirty="0"/>
-              <a:t>, </a:t>
-            </a:r>
-            <a:r>
-              <a:rPr lang="ja-JP" altLang="en-US" dirty="0"/>
-              <a:t>データセットの統合におけるクラスの組み合わせに関する問題を考えたい？</a:t>
-            </a:r>
-          </a:p>
-          <a:p>
-            <a:endParaRPr lang="ja-JP" altLang="en-US" dirty="0"/>
-          </a:p>
-          <a:p>
-            <a:r>
-              <a:rPr lang="ja-JP" altLang="en-US" dirty="0"/>
-              <a:t>図</a:t>
-            </a:r>
-            <a:r>
-              <a:rPr lang="en-US" altLang="ja-JP" dirty="0"/>
-              <a:t>\ref{fig:accuracy5}, \ref{fig:accuracy7}</a:t>
-            </a:r>
-            <a:r>
-              <a:rPr lang="ja-JP" altLang="en-US" dirty="0"/>
-              <a:t>ともにインデックスが前半のクラスを持つモデルでは</a:t>
-            </a:r>
-            <a:r>
-              <a:rPr lang="en-US" altLang="ja-JP" dirty="0"/>
-              <a:t>, </a:t>
-            </a:r>
-            <a:r>
-              <a:rPr lang="ja-JP" altLang="en-US" dirty="0"/>
-              <a:t>正答率が低い傾向が見られた</a:t>
-            </a:r>
-            <a:r>
-              <a:rPr lang="en-US" altLang="ja-JP" dirty="0"/>
-              <a:t>. </a:t>
-            </a:r>
-            <a:r>
-              <a:rPr lang="ja-JP" altLang="en-US" dirty="0"/>
-              <a:t>再度学習を行っても変わらなかったため誤差の影響ではなく</a:t>
-            </a:r>
-            <a:r>
-              <a:rPr lang="en-US" altLang="ja-JP" dirty="0"/>
-              <a:t>, </a:t>
-            </a:r>
-            <a:r>
-              <a:rPr lang="ja-JP" altLang="en-US" dirty="0"/>
-              <a:t>困難なクラスの分類によって精度が下がっていると考えられる</a:t>
-            </a:r>
-            <a:r>
-              <a:rPr lang="en-US" altLang="ja-JP" dirty="0"/>
-              <a:t>. </a:t>
-            </a:r>
-            <a:r>
-              <a:rPr lang="ja-JP" altLang="en-US" dirty="0"/>
-              <a:t>これはクラスを単純に分割したことによる偏りに原因がある</a:t>
-            </a:r>
-            <a:r>
-              <a:rPr lang="en-US" altLang="ja-JP" dirty="0"/>
-              <a:t>.</a:t>
-            </a:r>
-          </a:p>
-          <a:p>
-            <a:endParaRPr lang="en-US" altLang="ja-JP" dirty="0"/>
-          </a:p>
-          <a:p>
-            <a:r>
-              <a:rPr lang="ja-JP" altLang="en-US" dirty="0"/>
-              <a:t>様々なクラスの組み合わせパターンで実験することで</a:t>
-            </a:r>
-            <a:r>
-              <a:rPr lang="en-US" altLang="ja-JP" dirty="0"/>
-              <a:t>, </a:t>
-            </a:r>
-            <a:r>
-              <a:rPr lang="ja-JP" altLang="en-US" dirty="0"/>
-              <a:t>クラスの潜在的な識別難度や</a:t>
-            </a:r>
-            <a:r>
-              <a:rPr lang="en-US" altLang="ja-JP" dirty="0"/>
-              <a:t>, </a:t>
-            </a:r>
-            <a:r>
-              <a:rPr lang="ja-JP" altLang="en-US" dirty="0"/>
-              <a:t>類似クラス間の識別における相互作用などを確かめたい</a:t>
-            </a:r>
-            <a:r>
-              <a:rPr lang="en-US" altLang="ja-JP" dirty="0"/>
-              <a:t>.</a:t>
-            </a:r>
-            <a:endParaRPr kumimoji="1" lang="ja-JP" altLang="en-US" dirty="0"/>
-          </a:p>
-        </p:txBody>
-      </p:sp>
+        </p:nvPicPr>
+        <p:blipFill>
+          <a:blip r:embed="rId2">
+            <a:extLst>
+              <a:ext uri="{28A0092B-C50C-407E-A947-70E740481C1C}">
+                <a14:useLocalDpi xmlns:a14="http://schemas.microsoft.com/office/drawing/2010/main" val="0"/>
+              </a:ext>
+            </a:extLst>
+          </a:blip>
+          <a:stretch>
+            <a:fillRect/>
+          </a:stretch>
+        </p:blipFill>
+        <p:spPr>
+          <a:xfrm>
+            <a:off x="875609" y="1427830"/>
+            <a:ext cx="7392782" cy="4928521"/>
+          </a:xfrm>
+        </p:spPr>
+      </p:pic>
       <p:sp>
         <p:nvSpPr>
           <p:cNvPr id="4" name="スライド番号プレースホルダー 3">
             <a:extLst>
               <a:ext uri="{FF2B5EF4-FFF2-40B4-BE49-F238E27FC236}">
-                <a16:creationId xmlns:a16="http://schemas.microsoft.com/office/drawing/2014/main" id="{89B08487-13EB-4F11-A47C-5F15BFC44304}"/>
+                <a16:creationId xmlns:a16="http://schemas.microsoft.com/office/drawing/2014/main" id="{886CEAB1-9D21-43DB-B646-E110F71EB11E}"/>
               </a:ext>
             </a:extLst>
           </p:cNvPr>
@@ -10256,7 +10405,7 @@
     </p:spTree>
     <p:extLst>
       <p:ext uri="{BB962C8B-B14F-4D97-AF65-F5344CB8AC3E}">
-        <p14:creationId xmlns:p14="http://schemas.microsoft.com/office/powerpoint/2010/main" val="1205427189"/>
+        <p14:creationId xmlns:p14="http://schemas.microsoft.com/office/powerpoint/2010/main" val="3604123368"/>
       </p:ext>
     </p:extLst>
   </p:cSld>
@@ -10288,7 +10437,7 @@
           <p:cNvPr id="2" name="タイトル 1">
             <a:extLst>
               <a:ext uri="{FF2B5EF4-FFF2-40B4-BE49-F238E27FC236}">
-                <a16:creationId xmlns:a16="http://schemas.microsoft.com/office/drawing/2014/main" id="{5DA1EEB7-4CAE-4943-A89E-46AA1FEB1793}"/>
+                <a16:creationId xmlns:a16="http://schemas.microsoft.com/office/drawing/2014/main" id="{72D5F55E-D313-4F13-BC8E-AF840B011EEE}"/>
               </a:ext>
             </a:extLst>
           </p:cNvPr>
@@ -10306,7 +10455,7 @@
           <a:p>
             <a:r>
               <a:rPr kumimoji="1" lang="ja-JP" altLang="en-US" dirty="0"/>
-              <a:t>まとめ</a:t>
+              <a:t>考察</a:t>
             </a:r>
           </a:p>
         </p:txBody>
@@ -10316,7 +10465,7 @@
           <p:cNvPr id="3" name="コンテンツ プレースホルダー 2">
             <a:extLst>
               <a:ext uri="{FF2B5EF4-FFF2-40B4-BE49-F238E27FC236}">
-                <a16:creationId xmlns:a16="http://schemas.microsoft.com/office/drawing/2014/main" id="{E1759CCB-DED3-4CA6-829B-0C3FCB41E636}"/>
+                <a16:creationId xmlns:a16="http://schemas.microsoft.com/office/drawing/2014/main" id="{4797259C-80EA-4E7F-B802-B94B565EECAD}"/>
               </a:ext>
             </a:extLst>
           </p:cNvPr>
@@ -10329,10 +10478,169 @@
         </p:nvSpPr>
         <p:spPr/>
         <p:txBody>
-          <a:bodyPr/>
-          <a:lstStyle/>
-          <a:p>
-            <a:endParaRPr kumimoji="1" lang="ja-JP" altLang="en-US"/>
+          <a:bodyPr>
+            <a:normAutofit fontScale="92500" lnSpcReduction="20000"/>
+          </a:bodyPr>
+          <a:lstStyle/>
+          <a:p>
+            <a:r>
+              <a:rPr lang="ja-JP" altLang="en-US" dirty="0"/>
+              <a:t>実験</a:t>
+            </a:r>
+            <a:r>
+              <a:rPr lang="en-US" altLang="ja-JP" dirty="0"/>
+              <a:t>1</a:t>
+            </a:r>
+            <a:r>
+              <a:rPr lang="ja-JP" altLang="en-US" dirty="0"/>
+              <a:t>ではクラスを拡張したデータセットでの</a:t>
+            </a:r>
+            <a:r>
+              <a:rPr lang="en-US" altLang="ja-JP" dirty="0"/>
+              <a:t>, </a:t>
+            </a:r>
+            <a:r>
+              <a:rPr lang="ja-JP" altLang="en-US" dirty="0"/>
+              <a:t>モデルの結合の有効性を見た</a:t>
+            </a:r>
+            <a:r>
+              <a:rPr lang="en-US" altLang="ja-JP" dirty="0"/>
+              <a:t>.</a:t>
+            </a:r>
+          </a:p>
+          <a:p>
+            <a:r>
+              <a:rPr lang="ja-JP" altLang="en-US" dirty="0"/>
+              <a:t>実験</a:t>
+            </a:r>
+            <a:r>
+              <a:rPr lang="en-US" altLang="ja-JP" dirty="0"/>
+              <a:t>2</a:t>
+            </a:r>
+            <a:r>
+              <a:rPr lang="ja-JP" altLang="en-US" dirty="0"/>
+              <a:t>では分類の結果を重ね合わせることで</a:t>
+            </a:r>
+            <a:r>
+              <a:rPr lang="en-US" altLang="ja-JP" dirty="0"/>
+              <a:t>, </a:t>
+            </a:r>
+            <a:r>
+              <a:rPr lang="ja-JP" altLang="en-US" dirty="0"/>
+              <a:t>テスト精度が非常に高まることが分かった</a:t>
+            </a:r>
+            <a:r>
+              <a:rPr lang="en-US" altLang="ja-JP" dirty="0"/>
+              <a:t>.</a:t>
+            </a:r>
+          </a:p>
+          <a:p>
+            <a:endParaRPr lang="en-US" altLang="ja-JP" dirty="0"/>
+          </a:p>
+          <a:p>
+            <a:r>
+              <a:rPr lang="ja-JP" altLang="en-US" dirty="0"/>
+              <a:t>色情報の似た画像クラスを含めることで効果的に</a:t>
+            </a:r>
+            <a:r>
+              <a:rPr lang="en-US" altLang="ja-JP" dirty="0"/>
+              <a:t>, </a:t>
+            </a:r>
+            <a:r>
+              <a:rPr lang="ja-JP" altLang="en-US" dirty="0"/>
+              <a:t>形状的特徴を学習するように促すなど</a:t>
+            </a:r>
+            <a:r>
+              <a:rPr lang="en-US" altLang="ja-JP" dirty="0"/>
+              <a:t>, </a:t>
+            </a:r>
+            <a:r>
+              <a:rPr lang="ja-JP" altLang="en-US" dirty="0"/>
+              <a:t>データセットの統合におけるクラスの組み合わせに関する問題を考えたい？</a:t>
+            </a:r>
+          </a:p>
+          <a:p>
+            <a:endParaRPr lang="ja-JP" altLang="en-US" dirty="0"/>
+          </a:p>
+          <a:p>
+            <a:r>
+              <a:rPr lang="ja-JP" altLang="en-US" dirty="0"/>
+              <a:t>図</a:t>
+            </a:r>
+            <a:r>
+              <a:rPr lang="en-US" altLang="ja-JP" dirty="0"/>
+              <a:t>\ref{fig:accuracy5}, \ref{fig:accuracy7}</a:t>
+            </a:r>
+            <a:r>
+              <a:rPr lang="ja-JP" altLang="en-US" dirty="0"/>
+              <a:t>ともにインデックスが前半のクラスを持つモデルでは</a:t>
+            </a:r>
+            <a:r>
+              <a:rPr lang="en-US" altLang="ja-JP" dirty="0"/>
+              <a:t>, </a:t>
+            </a:r>
+            <a:r>
+              <a:rPr lang="ja-JP" altLang="en-US" dirty="0"/>
+              <a:t>正答率が低い傾向が見られた</a:t>
+            </a:r>
+            <a:r>
+              <a:rPr lang="en-US" altLang="ja-JP" dirty="0"/>
+              <a:t>. </a:t>
+            </a:r>
+            <a:r>
+              <a:rPr lang="ja-JP" altLang="en-US" dirty="0"/>
+              <a:t>再度学習を行っても変わらなかったため誤差の影響ではなく</a:t>
+            </a:r>
+            <a:r>
+              <a:rPr lang="en-US" altLang="ja-JP" dirty="0"/>
+              <a:t>, </a:t>
+            </a:r>
+            <a:r>
+              <a:rPr lang="ja-JP" altLang="en-US" dirty="0"/>
+              <a:t>困難なクラスの分類によって精度が下がっていると考えられる</a:t>
+            </a:r>
+            <a:r>
+              <a:rPr lang="en-US" altLang="ja-JP" dirty="0"/>
+              <a:t>. </a:t>
+            </a:r>
+            <a:r>
+              <a:rPr lang="ja-JP" altLang="en-US" dirty="0"/>
+              <a:t>これはクラスを単純に分割したことによる偏りに原因がある</a:t>
+            </a:r>
+            <a:r>
+              <a:rPr lang="en-US" altLang="ja-JP" dirty="0"/>
+              <a:t>.</a:t>
+            </a:r>
+          </a:p>
+          <a:p>
+            <a:endParaRPr lang="en-US" altLang="ja-JP" dirty="0"/>
+          </a:p>
+          <a:p>
+            <a:r>
+              <a:rPr lang="ja-JP" altLang="en-US" dirty="0"/>
+              <a:t>様々なクラスの組み合わせパターンで実験することで</a:t>
+            </a:r>
+            <a:r>
+              <a:rPr lang="en-US" altLang="ja-JP" dirty="0"/>
+              <a:t>, </a:t>
+            </a:r>
+            <a:r>
+              <a:rPr lang="ja-JP" altLang="en-US" dirty="0"/>
+              <a:t>クラスの潜在的な識別難度や</a:t>
+            </a:r>
+            <a:r>
+              <a:rPr lang="en-US" altLang="ja-JP" dirty="0"/>
+              <a:t>, </a:t>
+            </a:r>
+            <a:r>
+              <a:rPr lang="ja-JP" altLang="en-US" dirty="0"/>
+              <a:t>類似クラス間の識別における相互作用などを確かめたい</a:t>
+            </a:r>
+            <a:r>
+              <a:rPr lang="en-US" altLang="ja-JP" dirty="0"/>
+              <a:t>.</a:t>
+            </a:r>
+            <a:endParaRPr kumimoji="1" lang="ja-JP" altLang="en-US" dirty="0"/>
           </a:p>
         </p:txBody>
       </p:sp>
@@ -10341,7 +10649,7 @@
           <p:cNvPr id="4" name="スライド番号プレースホルダー 3">
             <a:extLst>
               <a:ext uri="{FF2B5EF4-FFF2-40B4-BE49-F238E27FC236}">
-                <a16:creationId xmlns:a16="http://schemas.microsoft.com/office/drawing/2014/main" id="{3BBEF9FA-EC0B-4EF6-9D3A-A66F44722485}"/>
+                <a16:creationId xmlns:a16="http://schemas.microsoft.com/office/drawing/2014/main" id="{89B08487-13EB-4F11-A47C-5F15BFC44304}"/>
               </a:ext>
             </a:extLst>
           </p:cNvPr>
@@ -10368,7 +10676,7 @@
     </p:spTree>
     <p:extLst>
       <p:ext uri="{BB962C8B-B14F-4D97-AF65-F5344CB8AC3E}">
-        <p14:creationId xmlns:p14="http://schemas.microsoft.com/office/powerpoint/2010/main" val="3866001232"/>
+        <p14:creationId xmlns:p14="http://schemas.microsoft.com/office/powerpoint/2010/main" val="1205427189"/>
       </p:ext>
     </p:extLst>
   </p:cSld>
@@ -10400,7 +10708,7 @@
           <p:cNvPr id="2" name="タイトル 1">
             <a:extLst>
               <a:ext uri="{FF2B5EF4-FFF2-40B4-BE49-F238E27FC236}">
-                <a16:creationId xmlns:a16="http://schemas.microsoft.com/office/drawing/2014/main" id="{84B84D90-756A-4079-A579-FFE3F23C2A62}"/>
+                <a16:creationId xmlns:a16="http://schemas.microsoft.com/office/drawing/2014/main" id="{5DA1EEB7-4CAE-4943-A89E-46AA1FEB1793}"/>
               </a:ext>
             </a:extLst>
           </p:cNvPr>
@@ -10418,7 +10726,7 @@
           <a:p>
             <a:r>
               <a:rPr kumimoji="1" lang="ja-JP" altLang="en-US" dirty="0"/>
-              <a:t>今後の課題</a:t>
+              <a:t>まとめ</a:t>
             </a:r>
           </a:p>
         </p:txBody>
@@ -10428,7 +10736,7 @@
           <p:cNvPr id="3" name="コンテンツ プレースホルダー 2">
             <a:extLst>
               <a:ext uri="{FF2B5EF4-FFF2-40B4-BE49-F238E27FC236}">
-                <a16:creationId xmlns:a16="http://schemas.microsoft.com/office/drawing/2014/main" id="{BA5DAA0D-9E0B-4036-A085-039E2E9D93BC}"/>
+                <a16:creationId xmlns:a16="http://schemas.microsoft.com/office/drawing/2014/main" id="{E1759CCB-DED3-4CA6-829B-0C3FCB41E636}"/>
               </a:ext>
             </a:extLst>
           </p:cNvPr>
@@ -10444,69 +10752,7 @@
           <a:bodyPr/>
           <a:lstStyle/>
           <a:p>
-            <a:r>
-              <a:rPr lang="ja-JP" altLang="en-US" dirty="0"/>
-              <a:t>今後の展望として</a:t>
-            </a:r>
-            <a:r>
-              <a:rPr lang="en-US" altLang="ja-JP" dirty="0"/>
-              <a:t>, ~</a:t>
-            </a:r>
-            <a:r>
-              <a:rPr lang="ja-JP" altLang="en-US" dirty="0" err="1"/>
-              <a:t>らの</a:t>
-            </a:r>
-            <a:r>
-              <a:rPr lang="ja-JP" altLang="en-US" dirty="0"/>
-              <a:t>論文中</a:t>
-            </a:r>
-            <a:r>
-              <a:rPr lang="en-US" altLang="ja-JP" dirty="0"/>
-              <a:t>\cite{ANAS}</a:t>
-            </a:r>
-            <a:r>
-              <a:rPr lang="ja-JP" altLang="en-US" dirty="0"/>
-              <a:t>のモデルを再現する</a:t>
-            </a:r>
-            <a:r>
-              <a:rPr lang="en-US" altLang="ja-JP" dirty="0"/>
-              <a:t>, </a:t>
-            </a:r>
-            <a:r>
-              <a:rPr lang="ja-JP" altLang="en-US" dirty="0"/>
-              <a:t>ネットワークの構造を探索する</a:t>
-            </a:r>
-            <a:r>
-              <a:rPr lang="en-US" altLang="ja-JP" dirty="0"/>
-              <a:t>NAS</a:t>
-            </a:r>
-            <a:r>
-              <a:rPr lang="ja-JP" altLang="en-US" dirty="0"/>
-              <a:t>ファミリのシステムを実装し</a:t>
-            </a:r>
-            <a:r>
-              <a:rPr lang="en-US" altLang="ja-JP" dirty="0"/>
-              <a:t>,</a:t>
-            </a:r>
-          </a:p>
-          <a:p>
-            <a:r>
-              <a:rPr lang="ja-JP" altLang="en-US" dirty="0"/>
-              <a:t>簡単な問題で動作実験を行うことで</a:t>
-            </a:r>
-            <a:r>
-              <a:rPr lang="en-US" altLang="ja-JP" dirty="0"/>
-              <a:t>, NAS</a:t>
-            </a:r>
-            <a:r>
-              <a:rPr lang="ja-JP" altLang="en-US" dirty="0"/>
-              <a:t>の理解を深めたい</a:t>
-            </a:r>
-            <a:r>
-              <a:rPr lang="en-US" altLang="ja-JP" dirty="0"/>
-              <a:t>.</a:t>
-            </a:r>
-            <a:endParaRPr kumimoji="1" lang="ja-JP" altLang="en-US" dirty="0"/>
+            <a:endParaRPr kumimoji="1" lang="ja-JP" altLang="en-US"/>
           </a:p>
         </p:txBody>
       </p:sp>
@@ -10515,7 +10761,7 @@
           <p:cNvPr id="4" name="スライド番号プレースホルダー 3">
             <a:extLst>
               <a:ext uri="{FF2B5EF4-FFF2-40B4-BE49-F238E27FC236}">
-                <a16:creationId xmlns:a16="http://schemas.microsoft.com/office/drawing/2014/main" id="{A31FADAA-47C8-4E15-9A57-ECC9BCFA0CBC}"/>
+                <a16:creationId xmlns:a16="http://schemas.microsoft.com/office/drawing/2014/main" id="{3BBEF9FA-EC0B-4EF6-9D3A-A66F44722485}"/>
               </a:ext>
             </a:extLst>
           </p:cNvPr>
@@ -10542,7 +10788,7 @@
     </p:spTree>
     <p:extLst>
       <p:ext uri="{BB962C8B-B14F-4D97-AF65-F5344CB8AC3E}">
-        <p14:creationId xmlns:p14="http://schemas.microsoft.com/office/powerpoint/2010/main" val="3218343016"/>
+        <p14:creationId xmlns:p14="http://schemas.microsoft.com/office/powerpoint/2010/main" val="3866001232"/>
       </p:ext>
     </p:extLst>
   </p:cSld>
@@ -10574,6 +10820,180 @@
           <p:cNvPr id="2" name="タイトル 1">
             <a:extLst>
               <a:ext uri="{FF2B5EF4-FFF2-40B4-BE49-F238E27FC236}">
+                <a16:creationId xmlns:a16="http://schemas.microsoft.com/office/drawing/2014/main" id="{84B84D90-756A-4079-A579-FFE3F23C2A62}"/>
+              </a:ext>
+            </a:extLst>
+          </p:cNvPr>
+          <p:cNvSpPr>
+            <a:spLocks noGrp="1"/>
+          </p:cNvSpPr>
+          <p:nvPr>
+            <p:ph type="title"/>
+          </p:nvPr>
+        </p:nvSpPr>
+        <p:spPr/>
+        <p:txBody>
+          <a:bodyPr/>
+          <a:lstStyle/>
+          <a:p>
+            <a:r>
+              <a:rPr kumimoji="1" lang="ja-JP" altLang="en-US" dirty="0"/>
+              <a:t>今後の課題</a:t>
+            </a:r>
+          </a:p>
+        </p:txBody>
+      </p:sp>
+      <p:sp>
+        <p:nvSpPr>
+          <p:cNvPr id="3" name="コンテンツ プレースホルダー 2">
+            <a:extLst>
+              <a:ext uri="{FF2B5EF4-FFF2-40B4-BE49-F238E27FC236}">
+                <a16:creationId xmlns:a16="http://schemas.microsoft.com/office/drawing/2014/main" id="{BA5DAA0D-9E0B-4036-A085-039E2E9D93BC}"/>
+              </a:ext>
+            </a:extLst>
+          </p:cNvPr>
+          <p:cNvSpPr>
+            <a:spLocks noGrp="1"/>
+          </p:cNvSpPr>
+          <p:nvPr>
+            <p:ph idx="1"/>
+          </p:nvPr>
+        </p:nvSpPr>
+        <p:spPr/>
+        <p:txBody>
+          <a:bodyPr/>
+          <a:lstStyle/>
+          <a:p>
+            <a:r>
+              <a:rPr lang="ja-JP" altLang="en-US" dirty="0"/>
+              <a:t>今後の展望として</a:t>
+            </a:r>
+            <a:r>
+              <a:rPr lang="en-US" altLang="ja-JP" dirty="0"/>
+              <a:t>, ~</a:t>
+            </a:r>
+            <a:r>
+              <a:rPr lang="ja-JP" altLang="en-US" dirty="0" err="1"/>
+              <a:t>らの</a:t>
+            </a:r>
+            <a:r>
+              <a:rPr lang="ja-JP" altLang="en-US" dirty="0"/>
+              <a:t>論文中</a:t>
+            </a:r>
+            <a:r>
+              <a:rPr lang="en-US" altLang="ja-JP" dirty="0"/>
+              <a:t>\cite{ANAS}</a:t>
+            </a:r>
+            <a:r>
+              <a:rPr lang="ja-JP" altLang="en-US" dirty="0"/>
+              <a:t>のモデルを再現する</a:t>
+            </a:r>
+            <a:r>
+              <a:rPr lang="en-US" altLang="ja-JP" dirty="0"/>
+              <a:t>, </a:t>
+            </a:r>
+            <a:r>
+              <a:rPr lang="ja-JP" altLang="en-US" dirty="0"/>
+              <a:t>ネットワークの構造を探索する</a:t>
+            </a:r>
+            <a:r>
+              <a:rPr lang="en-US" altLang="ja-JP" dirty="0"/>
+              <a:t>NAS</a:t>
+            </a:r>
+            <a:r>
+              <a:rPr lang="ja-JP" altLang="en-US" dirty="0"/>
+              <a:t>ファミリのシステムを実装し</a:t>
+            </a:r>
+            <a:r>
+              <a:rPr lang="en-US" altLang="ja-JP" dirty="0"/>
+              <a:t>,</a:t>
+            </a:r>
+          </a:p>
+          <a:p>
+            <a:r>
+              <a:rPr lang="ja-JP" altLang="en-US" dirty="0"/>
+              <a:t>簡単な問題で動作実験を行うことで</a:t>
+            </a:r>
+            <a:r>
+              <a:rPr lang="en-US" altLang="ja-JP" dirty="0"/>
+              <a:t>, NAS</a:t>
+            </a:r>
+            <a:r>
+              <a:rPr lang="ja-JP" altLang="en-US" dirty="0"/>
+              <a:t>の理解を深めたい</a:t>
+            </a:r>
+            <a:r>
+              <a:rPr lang="en-US" altLang="ja-JP" dirty="0"/>
+              <a:t>.</a:t>
+            </a:r>
+            <a:endParaRPr kumimoji="1" lang="ja-JP" altLang="en-US" dirty="0"/>
+          </a:p>
+        </p:txBody>
+      </p:sp>
+      <p:sp>
+        <p:nvSpPr>
+          <p:cNvPr id="4" name="スライド番号プレースホルダー 3">
+            <a:extLst>
+              <a:ext uri="{FF2B5EF4-FFF2-40B4-BE49-F238E27FC236}">
+                <a16:creationId xmlns:a16="http://schemas.microsoft.com/office/drawing/2014/main" id="{A31FADAA-47C8-4E15-9A57-ECC9BCFA0CBC}"/>
+              </a:ext>
+            </a:extLst>
+          </p:cNvPr>
+          <p:cNvSpPr>
+            <a:spLocks noGrp="1"/>
+          </p:cNvSpPr>
+          <p:nvPr>
+            <p:ph type="sldNum" sz="quarter" idx="12"/>
+          </p:nvPr>
+        </p:nvSpPr>
+        <p:spPr/>
+        <p:txBody>
+          <a:bodyPr/>
+          <a:lstStyle/>
+          <a:p>
+            <a:fld id="{C4CD1851-4943-4D29-B153-35642A3D04B9}" type="slidenum">
+              <a:rPr kumimoji="1" lang="ja-JP" altLang="en-US" smtClean="0"/>
+              <a:t>24</a:t>
+            </a:fld>
+            <a:endParaRPr kumimoji="1" lang="ja-JP" altLang="en-US"/>
+          </a:p>
+        </p:txBody>
+      </p:sp>
+    </p:spTree>
+    <p:extLst>
+      <p:ext uri="{BB962C8B-B14F-4D97-AF65-F5344CB8AC3E}">
+        <p14:creationId xmlns:p14="http://schemas.microsoft.com/office/powerpoint/2010/main" val="3218343016"/>
+      </p:ext>
+    </p:extLst>
+  </p:cSld>
+  <p:clrMapOvr>
+    <a:masterClrMapping/>
+  </p:clrMapOvr>
+</p:sld>
+</file>
+
+<file path=ppt/slides/slide25.xml><?xml version="1.0" encoding="utf-8"?>
+<p:sld xmlns:a="http://schemas.openxmlformats.org/drawingml/2006/main" xmlns:r="http://schemas.openxmlformats.org/officeDocument/2006/relationships" xmlns:p="http://schemas.openxmlformats.org/presentationml/2006/main">
+  <p:cSld>
+    <p:spTree>
+      <p:nvGrpSpPr>
+        <p:cNvPr id="1" name=""/>
+        <p:cNvGrpSpPr/>
+        <p:nvPr/>
+      </p:nvGrpSpPr>
+      <p:grpSpPr>
+        <a:xfrm>
+          <a:off x="0" y="0"/>
+          <a:ext cx="0" cy="0"/>
+          <a:chOff x="0" y="0"/>
+          <a:chExt cx="0" cy="0"/>
+        </a:xfrm>
+      </p:grpSpPr>
+      <p:sp>
+        <p:nvSpPr>
+          <p:cNvPr id="2" name="タイトル 1">
+            <a:extLst>
+              <a:ext uri="{FF2B5EF4-FFF2-40B4-BE49-F238E27FC236}">
                 <a16:creationId xmlns:a16="http://schemas.microsoft.com/office/drawing/2014/main" id="{4DEB8DA1-BA47-4BC9-A475-561F144AE0AD}"/>
               </a:ext>
             </a:extLst>
@@ -10649,7 +11069,7 @@
           <a:p>
             <a:fld id="{C4CD1851-4943-4D29-B153-35642A3D04B9}" type="slidenum">
               <a:rPr kumimoji="1" lang="ja-JP" altLang="en-US" smtClean="0"/>
-              <a:t>24</a:t>
+              <a:t>25</a:t>
             </a:fld>
             <a:endParaRPr kumimoji="1" lang="ja-JP" altLang="en-US"/>
           </a:p>
@@ -10863,27 +11283,45 @@
         </p:nvSpPr>
         <p:spPr/>
         <p:txBody>
-          <a:bodyPr/>
-          <a:lstStyle/>
-          <a:p>
-            <a:r>
-              <a:rPr kumimoji="1" lang="en-US" altLang="ja-JP" dirty="0" err="1"/>
+          <a:bodyPr vert="horz" lIns="91440" tIns="45720" rIns="91440" bIns="45720" rtlCol="0" anchor="t">
+            <a:normAutofit/>
+          </a:bodyPr>
+          <a:lstStyle/>
+          <a:p>
+            <a:r>
+              <a:rPr kumimoji="1" lang="en-US" altLang="ja-JP" sz="3200" dirty="0" err="1">
+                <a:ea typeface="ＭＳ Ｐゴシック"/>
+              </a:rPr>
               <a:t>AutoML</a:t>
             </a:r>
-            <a:endParaRPr kumimoji="1" lang="en-US" altLang="ja-JP" dirty="0"/>
-          </a:p>
-          <a:p>
-            <a:r>
-              <a:rPr lang="en-US" altLang="ja-JP" dirty="0"/>
+            <a:endParaRPr lang="en-US" altLang="ja-JP" sz="3200">
+              <a:ea typeface="ＭＳ Ｐゴシック"/>
+              <a:cs typeface="Calibri"/>
+            </a:endParaRPr>
+          </a:p>
+          <a:p>
+            <a:r>
+              <a:rPr lang="en-US" altLang="ja-JP" sz="3200" dirty="0">
+                <a:ea typeface="ＭＳ Ｐゴシック"/>
+              </a:rPr>
               <a:t>NAS</a:t>
             </a:r>
-          </a:p>
-          <a:p>
-            <a:r>
-              <a:rPr kumimoji="1" lang="en-US" altLang="ja-JP" dirty="0" err="1"/>
+            <a:endParaRPr lang="en-US" altLang="ja-JP" sz="3200">
+              <a:ea typeface="ＭＳ Ｐゴシック"/>
+              <a:cs typeface="Calibri"/>
+            </a:endParaRPr>
+          </a:p>
+          <a:p>
+            <a:r>
+              <a:rPr kumimoji="1" lang="en-US" altLang="ja-JP" sz="3200" dirty="0" err="1">
+                <a:ea typeface="ＭＳ Ｐゴシック"/>
+              </a:rPr>
               <a:t>AutoAugment</a:t>
             </a:r>
-            <a:endParaRPr kumimoji="1" lang="ja-JP" altLang="en-US" dirty="0"/>
+            <a:endParaRPr lang="ja-JP" altLang="en-US" sz="2800">
+              <a:ea typeface="ＭＳ Ｐゴシック"/>
+              <a:cs typeface="Calibri"/>
+            </a:endParaRPr>
           </a:p>
         </p:txBody>
       </p:sp>
@@ -11063,6 +11501,80 @@
           </a:p>
         </p:txBody>
       </p:sp>
+      <p:sp>
+        <p:nvSpPr>
+          <p:cNvPr id="5" name="テキスト ボックス 4">
+            <a:extLst>
+              <a:ext uri="{FF2B5EF4-FFF2-40B4-BE49-F238E27FC236}">
+                <a16:creationId xmlns:a16="http://schemas.microsoft.com/office/drawing/2014/main" id="{68FDDB7A-0887-4E9E-89D2-7DE6189B7D81}"/>
+              </a:ext>
+            </a:extLst>
+          </p:cNvPr>
+          <p:cNvSpPr txBox="1"/>
+          <p:nvPr/>
+        </p:nvSpPr>
+        <p:spPr>
+          <a:xfrm>
+            <a:off x="632178" y="5895622"/>
+            <a:ext cx="6708422" cy="646331"/>
+          </a:xfrm>
+          <a:prstGeom prst="rect">
+            <a:avLst/>
+          </a:prstGeom>
+          <a:noFill/>
+        </p:spPr>
+        <p:txBody>
+          <a:bodyPr rot="0" spcFirstLastPara="0" vertOverflow="overflow" horzOverflow="overflow" vert="horz" wrap="square" lIns="91440" tIns="45720" rIns="91440" bIns="45720" numCol="1" spcCol="0" rtlCol="0" fromWordArt="0" anchor="t" anchorCtr="0" forceAA="0" compatLnSpc="1">
+            <a:prstTxWarp prst="textNoShape">
+              <a:avLst/>
+            </a:prstTxWarp>
+            <a:spAutoFit/>
+          </a:bodyPr>
+          <a:lstStyle/>
+          <a:p>
+            <a:r>
+              <a:rPr lang="en-US" altLang="ja-JP" dirty="0">
+                <a:ea typeface="ＭＳ Ｐゴシック"/>
+              </a:rPr>
+              <a:t>Huang, </a:t>
+            </a:r>
+            <a:r>
+              <a:rPr lang="en-US" altLang="ja-JP" dirty="0" err="1">
+                <a:ea typeface="ＭＳ Ｐゴシック"/>
+              </a:rPr>
+              <a:t>Changwu</a:t>
+            </a:r>
+            <a:r>
+              <a:rPr lang="en-US" altLang="ja-JP" dirty="0">
+                <a:ea typeface="ＭＳ Ｐゴシック"/>
+              </a:rPr>
+              <a:t> and Li, </a:t>
+            </a:r>
+            <a:r>
+              <a:rPr lang="en-US" altLang="ja-JP" dirty="0" err="1">
+                <a:ea typeface="ＭＳ Ｐゴシック"/>
+              </a:rPr>
+              <a:t>Yuanxiang</a:t>
+            </a:r>
+            <a:r>
+              <a:rPr lang="en-US" altLang="ja-JP" dirty="0">
+                <a:ea typeface="ＭＳ Ｐゴシック"/>
+              </a:rPr>
+              <a:t> and Yao, Xin. </a:t>
+            </a:r>
+            <a:r>
+              <a:rPr lang="en-US" dirty="0">
+                <a:ea typeface="+mn-lt"/>
+                <a:cs typeface="+mn-lt"/>
+              </a:rPr>
+              <a:t>A Survey of Automatic Parameter Tuning Methods for Metaheuristics 2019</a:t>
+            </a:r>
+            <a:endParaRPr lang="en-US" altLang="ja-JP" dirty="0">
+              <a:ea typeface="ＭＳ Ｐゴシック"/>
+            </a:endParaRPr>
+          </a:p>
+        </p:txBody>
+      </p:sp>
     </p:spTree>
     <p:extLst>
       <p:ext uri="{BB962C8B-B14F-4D97-AF65-F5344CB8AC3E}">
@@ -11372,8 +11884,8 @@
         </p:nvSpPr>
         <p:spPr/>
         <p:txBody>
-          <a:bodyPr>
-            <a:normAutofit fontScale="77500" lnSpcReduction="20000"/>
+          <a:bodyPr vert="horz" lIns="91440" tIns="45720" rIns="91440" bIns="45720" rtlCol="0" anchor="t">
+            <a:normAutofit/>
           </a:bodyPr>
           <a:lstStyle/>
           <a:p>
@@ -11438,117 +11950,6 @@
             <a:r>
               <a:rPr lang="ja-JP" altLang="en-US" dirty="0"/>
               <a:t>繰り返し評価より効率的になる</a:t>
-            </a:r>
-            <a:r>
-              <a:rPr lang="en-US" altLang="ja-JP" dirty="0"/>
-              <a:t>.</a:t>
-            </a:r>
-          </a:p>
-          <a:p>
-            <a:endParaRPr lang="en-US" altLang="ja-JP" dirty="0"/>
-          </a:p>
-          <a:p>
-            <a:r>
-              <a:rPr lang="ja-JP" altLang="en-US" dirty="0"/>
-              <a:t>インテンシフィケーション</a:t>
-            </a:r>
-            <a:r>
-              <a:rPr lang="en-US" altLang="ja-JP" dirty="0"/>
-              <a:t>(</a:t>
-            </a:r>
-            <a:r>
-              <a:rPr lang="ja-JP" altLang="en-US" dirty="0"/>
-              <a:t>強化</a:t>
-            </a:r>
-            <a:r>
-              <a:rPr lang="en-US" altLang="ja-JP" dirty="0"/>
-              <a:t>)</a:t>
-            </a:r>
-          </a:p>
-          <a:p>
-            <a:r>
-              <a:rPr lang="en-US" altLang="ja-JP" dirty="0"/>
-              <a:t>  </a:t>
-            </a:r>
-            <a:r>
-              <a:rPr lang="ja-JP" altLang="en-US" dirty="0"/>
-              <a:t>問題のリストで候補設定と暫定設定の評価を次々比較し</a:t>
-            </a:r>
-            <a:r>
-              <a:rPr lang="en-US" altLang="ja-JP" dirty="0"/>
-              <a:t>, </a:t>
-            </a:r>
-            <a:r>
-              <a:rPr lang="ja-JP" altLang="en-US" dirty="0"/>
-              <a:t>劣る場合は途中で排除し</a:t>
-            </a:r>
-            <a:r>
-              <a:rPr lang="en-US" altLang="ja-JP" dirty="0"/>
-              <a:t>, </a:t>
-            </a:r>
-            <a:r>
-              <a:rPr lang="ja-JP" altLang="en-US" dirty="0"/>
-              <a:t>そうでなければ候補が暫定設定となる手法</a:t>
-            </a:r>
-            <a:r>
-              <a:rPr lang="en-US" altLang="ja-JP" dirty="0"/>
-              <a:t>.</a:t>
-            </a:r>
-          </a:p>
-          <a:p>
-            <a:endParaRPr lang="en-US" altLang="ja-JP" dirty="0"/>
-          </a:p>
-          <a:p>
-            <a:r>
-              <a:rPr lang="ja-JP" altLang="en-US" dirty="0"/>
-              <a:t>シャープニング </a:t>
-            </a:r>
-            <a:endParaRPr lang="en-US" altLang="ja-JP" dirty="0"/>
-          </a:p>
-          <a:p>
-            <a:r>
-              <a:rPr lang="ja-JP" altLang="en-US" dirty="0"/>
-              <a:t>少ないテスト数で評価を始め</a:t>
-            </a:r>
-            <a:r>
-              <a:rPr lang="en-US" altLang="ja-JP" dirty="0"/>
-              <a:t>, </a:t>
-            </a:r>
-            <a:r>
-              <a:rPr lang="ja-JP" altLang="en-US" dirty="0"/>
-              <a:t>将来性のある設定のテスト数を</a:t>
-            </a:r>
-            <a:r>
-              <a:rPr lang="en-US" altLang="ja-JP" dirty="0"/>
-              <a:t>2</a:t>
-            </a:r>
-            <a:r>
-              <a:rPr lang="ja-JP" altLang="en-US" dirty="0"/>
-              <a:t>倍にすることで素早く探索できる手法</a:t>
-            </a:r>
-            <a:r>
-              <a:rPr lang="en-US" altLang="ja-JP" dirty="0"/>
-              <a:t>.</a:t>
-            </a:r>
-          </a:p>
-          <a:p>
-            <a:endParaRPr lang="en-US" altLang="ja-JP" dirty="0"/>
-          </a:p>
-          <a:p>
-            <a:r>
-              <a:rPr lang="en-US" altLang="ja-JP" dirty="0"/>
-              <a:t> </a:t>
-            </a:r>
-            <a:r>
-              <a:rPr lang="ja-JP" altLang="en-US" dirty="0"/>
-              <a:t>アダプティブキャッピング </a:t>
-            </a:r>
-            <a:endParaRPr lang="en-US" altLang="ja-JP" dirty="0"/>
-          </a:p>
-          <a:p>
-            <a:r>
-              <a:rPr lang="ja-JP" altLang="en-US" dirty="0"/>
-              <a:t>有望でない設定の実行を中断して計算量を削減できる手法</a:t>
             </a:r>
             <a:r>
               <a:rPr lang="en-US" altLang="ja-JP" dirty="0"/>
@@ -11622,7 +12023,7 @@
           <p:cNvPr id="2" name="タイトル 1">
             <a:extLst>
               <a:ext uri="{FF2B5EF4-FFF2-40B4-BE49-F238E27FC236}">
-                <a16:creationId xmlns:a16="http://schemas.microsoft.com/office/drawing/2014/main" id="{0DAA3F36-11D2-427C-892C-247ACF30EA79}"/>
+                <a16:creationId xmlns:a16="http://schemas.microsoft.com/office/drawing/2014/main" id="{91F09A3D-6FE6-446C-B0F3-3E648762EFCC}"/>
               </a:ext>
             </a:extLst>
           </p:cNvPr>
@@ -11639,10 +12040,16 @@
           <a:lstStyle/>
           <a:p>
             <a:r>
+              <a:rPr kumimoji="1" lang="en-US" altLang="ja-JP" dirty="0" err="1"/>
+              <a:t>AutoML</a:t>
+            </a:r>
+            <a:br>
               <a:rPr kumimoji="1" lang="en-US" altLang="ja-JP" dirty="0"/>
-              <a:t>NAS</a:t>
-            </a:r>
-            <a:endParaRPr kumimoji="1" lang="ja-JP" altLang="en-US" dirty="0"/>
+            </a:br>
+            <a:r>
+              <a:rPr kumimoji="1" lang="ja-JP" altLang="en-US" dirty="0"/>
+              <a:t>サブカテゴリ</a:t>
+            </a:r>
           </a:p>
         </p:txBody>
       </p:sp>
@@ -11651,7 +12058,7 @@
           <p:cNvPr id="3" name="コンテンツ プレースホルダー 2">
             <a:extLst>
               <a:ext uri="{FF2B5EF4-FFF2-40B4-BE49-F238E27FC236}">
-                <a16:creationId xmlns:a16="http://schemas.microsoft.com/office/drawing/2014/main" id="{476CA458-F77F-467F-87F8-3EC6D31AF016}"/>
+                <a16:creationId xmlns:a16="http://schemas.microsoft.com/office/drawing/2014/main" id="{0E96A121-467F-421C-B490-FDFB8EC05BFF}"/>
               </a:ext>
             </a:extLst>
           </p:cNvPr>
@@ -11664,12 +12071,127 @@
         </p:nvSpPr>
         <p:spPr/>
         <p:txBody>
-          <a:bodyPr/>
-          <a:lstStyle/>
-          <a:p>
+          <a:bodyPr vert="horz" lIns="91440" tIns="45720" rIns="91440" bIns="45720" rtlCol="0" anchor="t">
+            <a:normAutofit/>
+          </a:bodyPr>
+          <a:lstStyle/>
+          <a:p>
+            <a:r>
+              <a:rPr lang="ja-JP" altLang="en-US">
+                <a:ea typeface="ＭＳ Ｐゴシック"/>
+              </a:rPr>
+              <a:t>インテンシフィケーション</a:t>
+            </a:r>
+            <a:r>
+              <a:rPr lang="en-US" altLang="ja-JP" dirty="0">
+                <a:ea typeface="ＭＳ Ｐゴシック"/>
+              </a:rPr>
+              <a:t>(</a:t>
+            </a:r>
+            <a:r>
+              <a:rPr lang="ja-JP" altLang="en-US">
+                <a:ea typeface="ＭＳ Ｐゴシック"/>
+              </a:rPr>
+              <a:t>強化</a:t>
+            </a:r>
+            <a:r>
+              <a:rPr lang="en-US" altLang="ja-JP" dirty="0">
+                <a:ea typeface="ＭＳ Ｐゴシック"/>
+              </a:rPr>
+              <a:t>)</a:t>
+            </a:r>
+            <a:endParaRPr lang="ja-JP" altLang="en-US" dirty="0">
+              <a:ea typeface="ＭＳ Ｐゴシック"/>
+            </a:endParaRPr>
+          </a:p>
+          <a:p>
+            <a:r>
+              <a:rPr lang="en-US" altLang="ja-JP" dirty="0"/>
+              <a:t>  </a:t>
+            </a:r>
             <a:r>
               <a:rPr lang="ja-JP" altLang="en-US" dirty="0"/>
-              <a:t>アーキテクチャ自体を最適化</a:t>
+              <a:t>問題のリストで候補設定と暫定設定の評価を次々比較し</a:t>
+            </a:r>
+            <a:r>
+              <a:rPr lang="en-US" altLang="ja-JP" dirty="0"/>
+              <a:t>, </a:t>
+            </a:r>
+            <a:r>
+              <a:rPr lang="ja-JP" altLang="en-US" dirty="0"/>
+              <a:t>劣る場合は途中で排除し</a:t>
+            </a:r>
+            <a:r>
+              <a:rPr lang="en-US" altLang="ja-JP" dirty="0"/>
+              <a:t>, </a:t>
+            </a:r>
+            <a:r>
+              <a:rPr lang="ja-JP" altLang="en-US" dirty="0"/>
+              <a:t>そうでなければ候補が暫定設定となる手法</a:t>
+            </a:r>
+            <a:r>
+              <a:rPr lang="en-US" altLang="ja-JP" dirty="0"/>
+              <a:t>.</a:t>
+            </a:r>
+          </a:p>
+          <a:p>
+            <a:endParaRPr lang="en-US" altLang="ja-JP" dirty="0"/>
+          </a:p>
+          <a:p>
+            <a:r>
+              <a:rPr lang="ja-JP" altLang="en-US" dirty="0"/>
+              <a:t>シャープニング </a:t>
+            </a:r>
+            <a:endParaRPr lang="en-US" altLang="ja-JP" dirty="0"/>
+          </a:p>
+          <a:p>
+            <a:r>
+              <a:rPr lang="ja-JP" altLang="en-US" dirty="0"/>
+              <a:t>少ないテスト数で評価を始め</a:t>
+            </a:r>
+            <a:r>
+              <a:rPr lang="en-US" altLang="ja-JP" dirty="0"/>
+              <a:t>, </a:t>
+            </a:r>
+            <a:r>
+              <a:rPr lang="ja-JP" altLang="en-US" dirty="0"/>
+              <a:t>将来性のある設定のテスト数を</a:t>
+            </a:r>
+            <a:r>
+              <a:rPr lang="en-US" altLang="ja-JP" dirty="0"/>
+              <a:t>2</a:t>
+            </a:r>
+            <a:r>
+              <a:rPr lang="ja-JP" altLang="en-US" dirty="0"/>
+              <a:t>倍にすることで素早く探索できる手法</a:t>
+            </a:r>
+            <a:r>
+              <a:rPr lang="en-US" altLang="ja-JP" dirty="0"/>
+              <a:t>.</a:t>
+            </a:r>
+          </a:p>
+          <a:p>
+            <a:endParaRPr lang="en-US" altLang="ja-JP" dirty="0"/>
+          </a:p>
+          <a:p>
+            <a:r>
+              <a:rPr lang="en-US" altLang="ja-JP" dirty="0"/>
+              <a:t> </a:t>
+            </a:r>
+            <a:r>
+              <a:rPr lang="ja-JP" altLang="en-US" dirty="0"/>
+              <a:t>アダプティブキャッピング </a:t>
+            </a:r>
+            <a:endParaRPr lang="en-US" altLang="ja-JP" dirty="0"/>
+          </a:p>
+          <a:p>
+            <a:r>
+              <a:rPr lang="ja-JP" altLang="en-US" dirty="0"/>
+              <a:t>有望でない設定の実行を中断して計算量を削減できる手法</a:t>
+            </a:r>
+            <a:r>
+              <a:rPr lang="en-US" altLang="ja-JP" dirty="0"/>
+              <a:t>.</a:t>
             </a:r>
             <a:endParaRPr kumimoji="1" lang="ja-JP" altLang="en-US" dirty="0"/>
           </a:p>
@@ -11680,7 +12202,7 @@
           <p:cNvPr id="4" name="スライド番号プレースホルダー 3">
             <a:extLst>
               <a:ext uri="{FF2B5EF4-FFF2-40B4-BE49-F238E27FC236}">
-                <a16:creationId xmlns:a16="http://schemas.microsoft.com/office/drawing/2014/main" id="{54BD258F-C325-4444-B410-F01C7BCF57FC}"/>
+                <a16:creationId xmlns:a16="http://schemas.microsoft.com/office/drawing/2014/main" id="{FF31C186-5459-47F1-B10A-62C2AC5B65FB}"/>
               </a:ext>
             </a:extLst>
           </p:cNvPr>
@@ -11707,7 +12229,7 @@
     </p:spTree>
     <p:extLst>
       <p:ext uri="{BB962C8B-B14F-4D97-AF65-F5344CB8AC3E}">
-        <p14:creationId xmlns:p14="http://schemas.microsoft.com/office/powerpoint/2010/main" val="1327417464"/>
+        <p14:creationId xmlns:p14="http://schemas.microsoft.com/office/powerpoint/2010/main" val="487043896"/>
       </p:ext>
     </p:extLst>
   </p:cSld>
@@ -11739,7 +12261,7 @@
           <p:cNvPr id="2" name="タイトル 1">
             <a:extLst>
               <a:ext uri="{FF2B5EF4-FFF2-40B4-BE49-F238E27FC236}">
-                <a16:creationId xmlns:a16="http://schemas.microsoft.com/office/drawing/2014/main" id="{BEB91BC2-2532-49F4-A0CA-246B14195314}"/>
+                <a16:creationId xmlns:a16="http://schemas.microsoft.com/office/drawing/2014/main" id="{0DAA3F36-11D2-427C-892C-247ACF30EA79}"/>
               </a:ext>
             </a:extLst>
           </p:cNvPr>
@@ -11759,13 +12281,6 @@
               <a:rPr kumimoji="1" lang="en-US" altLang="ja-JP" dirty="0"/>
               <a:t>NAS</a:t>
             </a:r>
-            <a:br>
-              <a:rPr kumimoji="1" lang="en-US" altLang="ja-JP" dirty="0"/>
-            </a:br>
-            <a:r>
-              <a:rPr lang="ja-JP" altLang="en-US" dirty="0"/>
-              <a:t>アーキテクチャの探索</a:t>
-            </a:r>
             <a:endParaRPr kumimoji="1" lang="ja-JP" altLang="en-US" dirty="0"/>
           </a:p>
         </p:txBody>
@@ -11775,7 +12290,7 @@
           <p:cNvPr id="3" name="コンテンツ プレースホルダー 2">
             <a:extLst>
               <a:ext uri="{FF2B5EF4-FFF2-40B4-BE49-F238E27FC236}">
-                <a16:creationId xmlns:a16="http://schemas.microsoft.com/office/drawing/2014/main" id="{E27BF69A-4EF4-4AE8-A4C3-54265B1F7260}"/>
+                <a16:creationId xmlns:a16="http://schemas.microsoft.com/office/drawing/2014/main" id="{476CA458-F77F-467F-87F8-3EC6D31AF016}"/>
               </a:ext>
             </a:extLst>
           </p:cNvPr>
@@ -11793,123 +12308,7 @@
           <a:p>
             <a:r>
               <a:rPr lang="ja-JP" altLang="en-US" dirty="0"/>
-              <a:t>まず最初にコントローラと呼ばれる再帰型ニューラルネットワーク</a:t>
-            </a:r>
-            <a:r>
-              <a:rPr lang="en-US" altLang="ja-JP" dirty="0"/>
-              <a:t>(Recurrent Neural Network; RNN)</a:t>
-            </a:r>
-            <a:r>
-              <a:rPr lang="ja-JP" altLang="en-US" dirty="0"/>
-              <a:t>で</a:t>
-            </a:r>
-            <a:r>
-              <a:rPr lang="en-US" altLang="ja-JP" dirty="0"/>
-              <a:t>, </a:t>
-            </a:r>
-            <a:r>
-              <a:rPr lang="ja-JP" altLang="en-US" dirty="0"/>
-              <a:t>アーキテクチャのハイパーパラメータを生成する</a:t>
-            </a:r>
-            <a:r>
-              <a:rPr lang="en-US" altLang="ja-JP" dirty="0"/>
-              <a:t>.</a:t>
-            </a:r>
-          </a:p>
-          <a:p>
-            <a:r>
-              <a:rPr lang="ja-JP" altLang="en-US" dirty="0"/>
-              <a:t>例えば畳み込み層を利用するネットワークでは</a:t>
-            </a:r>
-            <a:r>
-              <a:rPr lang="en-US" altLang="ja-JP" dirty="0"/>
-              <a:t>, </a:t>
-            </a:r>
-            <a:r>
-              <a:rPr lang="ja-JP" altLang="en-US" dirty="0"/>
-              <a:t>レイヤーごとにフィルタの高さ・幅</a:t>
-            </a:r>
-            <a:r>
-              <a:rPr lang="en-US" altLang="ja-JP" dirty="0"/>
-              <a:t>, </a:t>
-            </a:r>
-            <a:r>
-              <a:rPr lang="ja-JP" altLang="en-US" dirty="0"/>
-              <a:t>ストライドの高さ・幅</a:t>
-            </a:r>
-            <a:r>
-              <a:rPr lang="en-US" altLang="ja-JP" dirty="0"/>
-              <a:t>, </a:t>
-            </a:r>
-            <a:r>
-              <a:rPr lang="ja-JP" altLang="en-US" dirty="0"/>
-              <a:t>フィルタ数が必要となる</a:t>
-            </a:r>
-            <a:r>
-              <a:rPr lang="en-US" altLang="ja-JP" dirty="0"/>
-              <a:t>.</a:t>
-            </a:r>
-          </a:p>
-          <a:p>
-            <a:r>
-              <a:rPr lang="ja-JP" altLang="en-US" dirty="0"/>
-              <a:t>次にハイパーパラメータから子ネットワークを構築し</a:t>
-            </a:r>
-            <a:r>
-              <a:rPr lang="en-US" altLang="ja-JP" dirty="0"/>
-              <a:t>, </a:t>
-            </a:r>
-            <a:r>
-              <a:rPr lang="ja-JP" altLang="en-US" dirty="0"/>
-              <a:t>通常のように重みを訓練して検証データセットの精度を得る</a:t>
-            </a:r>
-            <a:r>
-              <a:rPr lang="en-US" altLang="ja-JP" dirty="0"/>
-              <a:t>.</a:t>
-            </a:r>
-          </a:p>
-          <a:p>
-            <a:r>
-              <a:rPr lang="ja-JP" altLang="en-US" dirty="0"/>
-              <a:t>最後に得られた精度で報酬を計算し</a:t>
-            </a:r>
-            <a:r>
-              <a:rPr lang="en-US" altLang="ja-JP" dirty="0"/>
-              <a:t>, </a:t>
-            </a:r>
-            <a:r>
-              <a:rPr lang="ja-JP" altLang="en-US" dirty="0"/>
-              <a:t>方策勾配法</a:t>
-            </a:r>
-            <a:r>
-              <a:rPr lang="en-US" altLang="ja-JP" dirty="0"/>
-              <a:t>(Policy gradient method)</a:t>
-            </a:r>
-            <a:r>
-              <a:rPr lang="ja-JP" altLang="en-US" dirty="0"/>
-              <a:t>によってコントローラのネットワークを更新する</a:t>
-            </a:r>
-            <a:r>
-              <a:rPr lang="en-US" altLang="ja-JP" dirty="0"/>
-              <a:t>.</a:t>
-            </a:r>
-          </a:p>
-          <a:p>
-            <a:r>
-              <a:rPr lang="ja-JP" altLang="en-US" dirty="0"/>
-              <a:t>これらの手順を繰り返すことで</a:t>
-            </a:r>
-            <a:r>
-              <a:rPr lang="en-US" altLang="ja-JP" dirty="0"/>
-              <a:t>, </a:t>
-            </a:r>
-            <a:r>
-              <a:rPr lang="ja-JP" altLang="en-US" dirty="0"/>
-              <a:t>子ネットワークのアーキテクチャが最適化される</a:t>
-            </a:r>
-            <a:r>
-              <a:rPr lang="en-US" altLang="ja-JP" dirty="0"/>
-              <a:t>.</a:t>
+              <a:t>アーキテクチャ自体を最適化</a:t>
             </a:r>
             <a:endParaRPr kumimoji="1" lang="ja-JP" altLang="en-US" dirty="0"/>
           </a:p>
@@ -11920,7 +12319,7 @@
           <p:cNvPr id="4" name="スライド番号プレースホルダー 3">
             <a:extLst>
               <a:ext uri="{FF2B5EF4-FFF2-40B4-BE49-F238E27FC236}">
-                <a16:creationId xmlns:a16="http://schemas.microsoft.com/office/drawing/2014/main" id="{EA5C11A2-A21C-4E73-8DD0-73C89CB98C18}"/>
+                <a16:creationId xmlns:a16="http://schemas.microsoft.com/office/drawing/2014/main" id="{54BD258F-C325-4444-B410-F01C7BCF57FC}"/>
               </a:ext>
             </a:extLst>
           </p:cNvPr>
@@ -11944,10 +12343,70 @@
           </a:p>
         </p:txBody>
       </p:sp>
+      <p:sp>
+        <p:nvSpPr>
+          <p:cNvPr id="5" name="テキスト ボックス 4">
+            <a:extLst>
+              <a:ext uri="{FF2B5EF4-FFF2-40B4-BE49-F238E27FC236}">
+                <a16:creationId xmlns:a16="http://schemas.microsoft.com/office/drawing/2014/main" id="{6AA7D373-DFE7-4DCA-B155-73539CB14944}"/>
+              </a:ext>
+            </a:extLst>
+          </p:cNvPr>
+          <p:cNvSpPr txBox="1"/>
+          <p:nvPr/>
+        </p:nvSpPr>
+        <p:spPr>
+          <a:xfrm>
+            <a:off x="632177" y="5712177"/>
+            <a:ext cx="6059310" cy="646331"/>
+          </a:xfrm>
+          <a:prstGeom prst="rect">
+            <a:avLst/>
+          </a:prstGeom>
+          <a:noFill/>
+        </p:spPr>
+        <p:txBody>
+          <a:bodyPr rot="0" spcFirstLastPara="0" vertOverflow="overflow" horzOverflow="overflow" vert="horz" wrap="square" lIns="91440" tIns="45720" rIns="91440" bIns="45720" numCol="1" spcCol="0" rtlCol="0" fromWordArt="0" anchor="t" anchorCtr="0" forceAA="0" compatLnSpc="1">
+            <a:prstTxWarp prst="textNoShape">
+              <a:avLst/>
+            </a:prstTxWarp>
+            <a:spAutoFit/>
+          </a:bodyPr>
+          <a:lstStyle/>
+          <a:p>
+            <a:r>
+              <a:rPr lang="en-US" altLang="ja-JP" dirty="0">
+                <a:ea typeface="ＭＳ Ｐゴシック"/>
+              </a:rPr>
+              <a:t>Barret </a:t>
+            </a:r>
+            <a:r>
+              <a:rPr lang="en-US" altLang="ja-JP" dirty="0" err="1">
+                <a:ea typeface="ＭＳ Ｐゴシック"/>
+              </a:rPr>
+              <a:t>Zoph</a:t>
+            </a:r>
+            <a:r>
+              <a:rPr lang="en-US" altLang="ja-JP" dirty="0">
+                <a:ea typeface="ＭＳ Ｐゴシック"/>
+              </a:rPr>
+              <a:t> and Quoc V. Le. </a:t>
+            </a:r>
+            <a:r>
+              <a:rPr lang="en-US" dirty="0">
+                <a:ea typeface="+mn-lt"/>
+                <a:cs typeface="+mn-lt"/>
+              </a:rPr>
+              <a:t>Neural Architecture Search with Reinforcement Learning 2016 </a:t>
+            </a:r>
+            <a:endParaRPr lang="ja-JP" dirty="0"/>
+          </a:p>
+        </p:txBody>
+      </p:sp>
     </p:spTree>
     <p:extLst>
       <p:ext uri="{BB962C8B-B14F-4D97-AF65-F5344CB8AC3E}">
-        <p14:creationId xmlns:p14="http://schemas.microsoft.com/office/powerpoint/2010/main" val="1399005155"/>
+        <p14:creationId xmlns:p14="http://schemas.microsoft.com/office/powerpoint/2010/main" val="1327417464"/>
       </p:ext>
     </p:extLst>
   </p:cSld>
